--- a/Documentation/my_news_presentation.pptx
+++ b/Documentation/my_news_presentation.pptx
@@ -4,17 +4,20 @@
   <p:sldMasterIdLst>
     <p:sldMasterId id="2147483648" r:id="rId1"/>
   </p:sldMasterIdLst>
+  <p:notesMasterIdLst>
+    <p:notesMasterId r:id="rId13"/>
+  </p:notesMasterIdLst>
   <p:sldIdLst>
     <p:sldId id="256" r:id="rId2"/>
     <p:sldId id="257" r:id="rId3"/>
     <p:sldId id="258" r:id="rId4"/>
-    <p:sldId id="259" r:id="rId5"/>
+    <p:sldId id="267" r:id="rId5"/>
     <p:sldId id="260" r:id="rId6"/>
-    <p:sldId id="261" r:id="rId7"/>
-    <p:sldId id="262" r:id="rId8"/>
-    <p:sldId id="263" r:id="rId9"/>
-    <p:sldId id="264" r:id="rId10"/>
-    <p:sldId id="265" r:id="rId11"/>
+    <p:sldId id="259" r:id="rId7"/>
+    <p:sldId id="268" r:id="rId8"/>
+    <p:sldId id="262" r:id="rId9"/>
+    <p:sldId id="269" r:id="rId10"/>
+    <p:sldId id="261" r:id="rId11"/>
     <p:sldId id="266" r:id="rId12"/>
   </p:sldIdLst>
   <p:sldSz cx="12192000" cy="6858000"/>
@@ -114,7 +117,445 @@
       </a:defRPr>
     </a:lvl9pPr>
   </p:defaultTextStyle>
+  <p:extLst>
+    <p:ext uri="{EFAFB233-063F-42B5-8137-9DF3F51BA10A}">
+      <p15:sldGuideLst xmlns:p15="http://schemas.microsoft.com/office/powerpoint/2012/main"/>
+    </p:ext>
+  </p:extLst>
 </p:presentation>
+</file>
+
+<file path=ppt/notesMasters/notesMaster1.xml><?xml version="1.0" encoding="utf-8"?>
+<p:notesMaster xmlns:a="http://schemas.openxmlformats.org/drawingml/2006/main" xmlns:r="http://schemas.openxmlformats.org/officeDocument/2006/relationships" xmlns:p="http://schemas.openxmlformats.org/presentationml/2006/main">
+  <p:cSld>
+    <p:bg>
+      <p:bgRef idx="1001">
+        <a:schemeClr val="bg1"/>
+      </p:bgRef>
+    </p:bg>
+    <p:spTree>
+      <p:nvGrpSpPr>
+        <p:cNvPr id="1" name=""/>
+        <p:cNvGrpSpPr/>
+        <p:nvPr/>
+      </p:nvGrpSpPr>
+      <p:grpSpPr>
+        <a:xfrm>
+          <a:off x="0" y="0"/>
+          <a:ext cx="0" cy="0"/>
+          <a:chOff x="0" y="0"/>
+          <a:chExt cx="0" cy="0"/>
+        </a:xfrm>
+      </p:grpSpPr>
+      <p:sp>
+        <p:nvSpPr>
+          <p:cNvPr id="2" name="Верхний колонтитул 1"/>
+          <p:cNvSpPr>
+            <a:spLocks noGrp="1"/>
+          </p:cNvSpPr>
+          <p:nvPr>
+            <p:ph type="hdr" sz="quarter"/>
+          </p:nvPr>
+        </p:nvSpPr>
+        <p:spPr>
+          <a:xfrm>
+            <a:off x="0" y="0"/>
+            <a:ext cx="2971800" cy="458788"/>
+          </a:xfrm>
+          <a:prstGeom prst="rect">
+            <a:avLst/>
+          </a:prstGeom>
+        </p:spPr>
+        <p:txBody>
+          <a:bodyPr vert="horz" lIns="91440" tIns="45720" rIns="91440" bIns="45720" rtlCol="0"/>
+          <a:lstStyle>
+            <a:lvl1pPr algn="l">
+              <a:defRPr sz="1200"/>
+            </a:lvl1pPr>
+          </a:lstStyle>
+          <a:p>
+            <a:endParaRPr lang="ru-RU"/>
+          </a:p>
+        </p:txBody>
+      </p:sp>
+      <p:sp>
+        <p:nvSpPr>
+          <p:cNvPr id="3" name="Дата 2"/>
+          <p:cNvSpPr>
+            <a:spLocks noGrp="1"/>
+          </p:cNvSpPr>
+          <p:nvPr>
+            <p:ph type="dt" idx="1"/>
+          </p:nvPr>
+        </p:nvSpPr>
+        <p:spPr>
+          <a:xfrm>
+            <a:off x="3884613" y="0"/>
+            <a:ext cx="2971800" cy="458788"/>
+          </a:xfrm>
+          <a:prstGeom prst="rect">
+            <a:avLst/>
+          </a:prstGeom>
+        </p:spPr>
+        <p:txBody>
+          <a:bodyPr vert="horz" lIns="91440" tIns="45720" rIns="91440" bIns="45720" rtlCol="0"/>
+          <a:lstStyle>
+            <a:lvl1pPr algn="r">
+              <a:defRPr sz="1200"/>
+            </a:lvl1pPr>
+          </a:lstStyle>
+          <a:p>
+            <a:fld id="{9DAC62F3-80D8-1E48-86C7-1D252185633D}" type="datetimeFigureOut">
+              <a:rPr lang="ru-RU" smtClean="0"/>
+              <a:t>13.03.2024</a:t>
+            </a:fld>
+            <a:endParaRPr lang="ru-RU"/>
+          </a:p>
+        </p:txBody>
+      </p:sp>
+      <p:sp>
+        <p:nvSpPr>
+          <p:cNvPr id="4" name="Образ слайда 3"/>
+          <p:cNvSpPr>
+            <a:spLocks noGrp="1" noRot="1" noChangeAspect="1"/>
+          </p:cNvSpPr>
+          <p:nvPr>
+            <p:ph type="sldImg" idx="2"/>
+          </p:nvPr>
+        </p:nvSpPr>
+        <p:spPr>
+          <a:xfrm>
+            <a:off x="685800" y="1143000"/>
+            <a:ext cx="5486400" cy="3086100"/>
+          </a:xfrm>
+          <a:prstGeom prst="rect">
+            <a:avLst/>
+          </a:prstGeom>
+          <a:noFill/>
+          <a:ln w="12700">
+            <a:solidFill>
+              <a:prstClr val="black"/>
+            </a:solidFill>
+          </a:ln>
+        </p:spPr>
+        <p:txBody>
+          <a:bodyPr vert="horz" lIns="91440" tIns="45720" rIns="91440" bIns="45720" rtlCol="0" anchor="ctr"/>
+          <a:lstStyle/>
+          <a:p>
+            <a:endParaRPr lang="ru-RU"/>
+          </a:p>
+        </p:txBody>
+      </p:sp>
+      <p:sp>
+        <p:nvSpPr>
+          <p:cNvPr id="5" name="Заметки 4"/>
+          <p:cNvSpPr>
+            <a:spLocks noGrp="1"/>
+          </p:cNvSpPr>
+          <p:nvPr>
+            <p:ph type="body" sz="quarter" idx="3"/>
+          </p:nvPr>
+        </p:nvSpPr>
+        <p:spPr>
+          <a:xfrm>
+            <a:off x="685800" y="4400550"/>
+            <a:ext cx="5486400" cy="3600450"/>
+          </a:xfrm>
+          <a:prstGeom prst="rect">
+            <a:avLst/>
+          </a:prstGeom>
+        </p:spPr>
+        <p:txBody>
+          <a:bodyPr vert="horz" lIns="91440" tIns="45720" rIns="91440" bIns="45720" rtlCol="0"/>
+          <a:lstStyle/>
+          <a:p>
+            <a:pPr lvl="0"/>
+            <a:r>
+              <a:rPr lang="ru-RU"/>
+              <a:t>Образец текста</a:t>
+            </a:r>
+          </a:p>
+          <a:p>
+            <a:pPr lvl="1"/>
+            <a:r>
+              <a:rPr lang="ru-RU"/>
+              <a:t>Второй уровень</a:t>
+            </a:r>
+          </a:p>
+          <a:p>
+            <a:pPr lvl="2"/>
+            <a:r>
+              <a:rPr lang="ru-RU"/>
+              <a:t>Третий уровень</a:t>
+            </a:r>
+          </a:p>
+          <a:p>
+            <a:pPr lvl="3"/>
+            <a:r>
+              <a:rPr lang="ru-RU"/>
+              <a:t>Четвертый уровень</a:t>
+            </a:r>
+          </a:p>
+          <a:p>
+            <a:pPr lvl="4"/>
+            <a:r>
+              <a:rPr lang="ru-RU"/>
+              <a:t>Пятый уровень</a:t>
+            </a:r>
+          </a:p>
+        </p:txBody>
+      </p:sp>
+      <p:sp>
+        <p:nvSpPr>
+          <p:cNvPr id="6" name="Нижний колонтитул 5"/>
+          <p:cNvSpPr>
+            <a:spLocks noGrp="1"/>
+          </p:cNvSpPr>
+          <p:nvPr>
+            <p:ph type="ftr" sz="quarter" idx="4"/>
+          </p:nvPr>
+        </p:nvSpPr>
+        <p:spPr>
+          <a:xfrm>
+            <a:off x="0" y="8685213"/>
+            <a:ext cx="2971800" cy="458787"/>
+          </a:xfrm>
+          <a:prstGeom prst="rect">
+            <a:avLst/>
+          </a:prstGeom>
+        </p:spPr>
+        <p:txBody>
+          <a:bodyPr vert="horz" lIns="91440" tIns="45720" rIns="91440" bIns="45720" rtlCol="0" anchor="b"/>
+          <a:lstStyle>
+            <a:lvl1pPr algn="l">
+              <a:defRPr sz="1200"/>
+            </a:lvl1pPr>
+          </a:lstStyle>
+          <a:p>
+            <a:endParaRPr lang="ru-RU"/>
+          </a:p>
+        </p:txBody>
+      </p:sp>
+      <p:sp>
+        <p:nvSpPr>
+          <p:cNvPr id="7" name="Номер слайда 6"/>
+          <p:cNvSpPr>
+            <a:spLocks noGrp="1"/>
+          </p:cNvSpPr>
+          <p:nvPr>
+            <p:ph type="sldNum" sz="quarter" idx="5"/>
+          </p:nvPr>
+        </p:nvSpPr>
+        <p:spPr>
+          <a:xfrm>
+            <a:off x="3884613" y="8685213"/>
+            <a:ext cx="2971800" cy="458787"/>
+          </a:xfrm>
+          <a:prstGeom prst="rect">
+            <a:avLst/>
+          </a:prstGeom>
+        </p:spPr>
+        <p:txBody>
+          <a:bodyPr vert="horz" lIns="91440" tIns="45720" rIns="91440" bIns="45720" rtlCol="0" anchor="b"/>
+          <a:lstStyle>
+            <a:lvl1pPr algn="r">
+              <a:defRPr sz="1200"/>
+            </a:lvl1pPr>
+          </a:lstStyle>
+          <a:p>
+            <a:fld id="{06EA4D69-F075-B441-9253-1E8176C0CB11}" type="slidenum">
+              <a:rPr lang="ru-RU" smtClean="0"/>
+              <a:t>‹#›</a:t>
+            </a:fld>
+            <a:endParaRPr lang="ru-RU"/>
+          </a:p>
+        </p:txBody>
+      </p:sp>
+    </p:spTree>
+    <p:extLst>
+      <p:ext uri="{BB962C8B-B14F-4D97-AF65-F5344CB8AC3E}">
+        <p14:creationId xmlns:p14="http://schemas.microsoft.com/office/powerpoint/2010/main" val="2728837497"/>
+      </p:ext>
+    </p:extLst>
+  </p:cSld>
+  <p:clrMap bg1="lt1" tx1="dk1" bg2="lt2" tx2="dk2" accent1="accent1" accent2="accent2" accent3="accent3" accent4="accent4" accent5="accent5" accent6="accent6" hlink="hlink" folHlink="folHlink"/>
+  <p:notesStyle>
+    <a:lvl1pPr marL="0" algn="l" defTabSz="914400" rtl="0" eaLnBrk="1" latinLnBrk="0" hangingPunct="1">
+      <a:defRPr sz="1200" kern="1200">
+        <a:solidFill>
+          <a:schemeClr val="tx1"/>
+        </a:solidFill>
+        <a:latin typeface="+mn-lt"/>
+        <a:ea typeface="+mn-ea"/>
+        <a:cs typeface="+mn-cs"/>
+      </a:defRPr>
+    </a:lvl1pPr>
+    <a:lvl2pPr marL="457200" algn="l" defTabSz="914400" rtl="0" eaLnBrk="1" latinLnBrk="0" hangingPunct="1">
+      <a:defRPr sz="1200" kern="1200">
+        <a:solidFill>
+          <a:schemeClr val="tx1"/>
+        </a:solidFill>
+        <a:latin typeface="+mn-lt"/>
+        <a:ea typeface="+mn-ea"/>
+        <a:cs typeface="+mn-cs"/>
+      </a:defRPr>
+    </a:lvl2pPr>
+    <a:lvl3pPr marL="914400" algn="l" defTabSz="914400" rtl="0" eaLnBrk="1" latinLnBrk="0" hangingPunct="1">
+      <a:defRPr sz="1200" kern="1200">
+        <a:solidFill>
+          <a:schemeClr val="tx1"/>
+        </a:solidFill>
+        <a:latin typeface="+mn-lt"/>
+        <a:ea typeface="+mn-ea"/>
+        <a:cs typeface="+mn-cs"/>
+      </a:defRPr>
+    </a:lvl3pPr>
+    <a:lvl4pPr marL="1371600" algn="l" defTabSz="914400" rtl="0" eaLnBrk="1" latinLnBrk="0" hangingPunct="1">
+      <a:defRPr sz="1200" kern="1200">
+        <a:solidFill>
+          <a:schemeClr val="tx1"/>
+        </a:solidFill>
+        <a:latin typeface="+mn-lt"/>
+        <a:ea typeface="+mn-ea"/>
+        <a:cs typeface="+mn-cs"/>
+      </a:defRPr>
+    </a:lvl4pPr>
+    <a:lvl5pPr marL="1828800" algn="l" defTabSz="914400" rtl="0" eaLnBrk="1" latinLnBrk="0" hangingPunct="1">
+      <a:defRPr sz="1200" kern="1200">
+        <a:solidFill>
+          <a:schemeClr val="tx1"/>
+        </a:solidFill>
+        <a:latin typeface="+mn-lt"/>
+        <a:ea typeface="+mn-ea"/>
+        <a:cs typeface="+mn-cs"/>
+      </a:defRPr>
+    </a:lvl5pPr>
+    <a:lvl6pPr marL="2286000" algn="l" defTabSz="914400" rtl="0" eaLnBrk="1" latinLnBrk="0" hangingPunct="1">
+      <a:defRPr sz="1200" kern="1200">
+        <a:solidFill>
+          <a:schemeClr val="tx1"/>
+        </a:solidFill>
+        <a:latin typeface="+mn-lt"/>
+        <a:ea typeface="+mn-ea"/>
+        <a:cs typeface="+mn-cs"/>
+      </a:defRPr>
+    </a:lvl6pPr>
+    <a:lvl7pPr marL="2743200" algn="l" defTabSz="914400" rtl="0" eaLnBrk="1" latinLnBrk="0" hangingPunct="1">
+      <a:defRPr sz="1200" kern="1200">
+        <a:solidFill>
+          <a:schemeClr val="tx1"/>
+        </a:solidFill>
+        <a:latin typeface="+mn-lt"/>
+        <a:ea typeface="+mn-ea"/>
+        <a:cs typeface="+mn-cs"/>
+      </a:defRPr>
+    </a:lvl7pPr>
+    <a:lvl8pPr marL="3200400" algn="l" defTabSz="914400" rtl="0" eaLnBrk="1" latinLnBrk="0" hangingPunct="1">
+      <a:defRPr sz="1200" kern="1200">
+        <a:solidFill>
+          <a:schemeClr val="tx1"/>
+        </a:solidFill>
+        <a:latin typeface="+mn-lt"/>
+        <a:ea typeface="+mn-ea"/>
+        <a:cs typeface="+mn-cs"/>
+      </a:defRPr>
+    </a:lvl8pPr>
+    <a:lvl9pPr marL="3657600" algn="l" defTabSz="914400" rtl="0" eaLnBrk="1" latinLnBrk="0" hangingPunct="1">
+      <a:defRPr sz="1200" kern="1200">
+        <a:solidFill>
+          <a:schemeClr val="tx1"/>
+        </a:solidFill>
+        <a:latin typeface="+mn-lt"/>
+        <a:ea typeface="+mn-ea"/>
+        <a:cs typeface="+mn-cs"/>
+      </a:defRPr>
+    </a:lvl9pPr>
+  </p:notesStyle>
+</p:notesMaster>
+</file>
+
+<file path=ppt/notesSlides/notesSlide1.xml><?xml version="1.0" encoding="utf-8"?>
+<p:notes xmlns:a="http://schemas.openxmlformats.org/drawingml/2006/main" xmlns:r="http://schemas.openxmlformats.org/officeDocument/2006/relationships" xmlns:p="http://schemas.openxmlformats.org/presentationml/2006/main">
+  <p:cSld>
+    <p:spTree>
+      <p:nvGrpSpPr>
+        <p:cNvPr id="1" name=""/>
+        <p:cNvGrpSpPr/>
+        <p:nvPr/>
+      </p:nvGrpSpPr>
+      <p:grpSpPr>
+        <a:xfrm>
+          <a:off x="0" y="0"/>
+          <a:ext cx="0" cy="0"/>
+          <a:chOff x="0" y="0"/>
+          <a:chExt cx="0" cy="0"/>
+        </a:xfrm>
+      </p:grpSpPr>
+      <p:sp>
+        <p:nvSpPr>
+          <p:cNvPr id="2" name="Образ слайда 1"/>
+          <p:cNvSpPr>
+            <a:spLocks noGrp="1" noRot="1" noChangeAspect="1"/>
+          </p:cNvSpPr>
+          <p:nvPr>
+            <p:ph type="sldImg"/>
+          </p:nvPr>
+        </p:nvSpPr>
+        <p:spPr/>
+      </p:sp>
+      <p:sp>
+        <p:nvSpPr>
+          <p:cNvPr id="3" name="Заметки 2"/>
+          <p:cNvSpPr>
+            <a:spLocks noGrp="1"/>
+          </p:cNvSpPr>
+          <p:nvPr>
+            <p:ph type="body" idx="1"/>
+          </p:nvPr>
+        </p:nvSpPr>
+        <p:spPr/>
+        <p:txBody>
+          <a:bodyPr/>
+          <a:lstStyle/>
+          <a:p>
+            <a:endParaRPr lang="ru-RU" dirty="0"/>
+          </a:p>
+        </p:txBody>
+      </p:sp>
+      <p:sp>
+        <p:nvSpPr>
+          <p:cNvPr id="4" name="Номер слайда 3"/>
+          <p:cNvSpPr>
+            <a:spLocks noGrp="1"/>
+          </p:cNvSpPr>
+          <p:nvPr>
+            <p:ph type="sldNum" sz="quarter" idx="5"/>
+          </p:nvPr>
+        </p:nvSpPr>
+        <p:spPr/>
+        <p:txBody>
+          <a:bodyPr/>
+          <a:lstStyle/>
+          <a:p>
+            <a:fld id="{06EA4D69-F075-B441-9253-1E8176C0CB11}" type="slidenum">
+              <a:rPr lang="ru-RU" smtClean="0"/>
+              <a:t>3</a:t>
+            </a:fld>
+            <a:endParaRPr lang="ru-RU"/>
+          </a:p>
+        </p:txBody>
+      </p:sp>
+    </p:spTree>
+    <p:extLst>
+      <p:ext uri="{BB962C8B-B14F-4D97-AF65-F5344CB8AC3E}">
+        <p14:creationId xmlns:p14="http://schemas.microsoft.com/office/powerpoint/2010/main" val="3813264933"/>
+      </p:ext>
+    </p:extLst>
+  </p:cSld>
+  <p:clrMapOvr>
+    <a:masterClrMapping/>
+  </p:clrMapOvr>
+</p:notes>
 </file>
 
 <file path=ppt/slideLayouts/slideLayout1.xml><?xml version="1.0" encoding="utf-8"?>
@@ -264,7 +705,7 @@
           <a:p>
             <a:fld id="{1A7F0E84-8CFE-9449-96ED-4A47FCE21533}" type="datetimeFigureOut">
               <a:rPr lang="ru-RU" smtClean="0"/>
-              <a:t>12.03.2024</a:t>
+              <a:t>13.03.2024</a:t>
             </a:fld>
             <a:endParaRPr lang="ru-RU"/>
           </a:p>
@@ -462,7 +903,7 @@
           <a:p>
             <a:fld id="{1A7F0E84-8CFE-9449-96ED-4A47FCE21533}" type="datetimeFigureOut">
               <a:rPr lang="ru-RU" smtClean="0"/>
-              <a:t>12.03.2024</a:t>
+              <a:t>13.03.2024</a:t>
             </a:fld>
             <a:endParaRPr lang="ru-RU"/>
           </a:p>
@@ -670,7 +1111,7 @@
           <a:p>
             <a:fld id="{1A7F0E84-8CFE-9449-96ED-4A47FCE21533}" type="datetimeFigureOut">
               <a:rPr lang="ru-RU" smtClean="0"/>
-              <a:t>12.03.2024</a:t>
+              <a:t>13.03.2024</a:t>
             </a:fld>
             <a:endParaRPr lang="ru-RU"/>
           </a:p>
@@ -868,7 +1309,7 @@
           <a:p>
             <a:fld id="{1A7F0E84-8CFE-9449-96ED-4A47FCE21533}" type="datetimeFigureOut">
               <a:rPr lang="ru-RU" smtClean="0"/>
-              <a:t>12.03.2024</a:t>
+              <a:t>13.03.2024</a:t>
             </a:fld>
             <a:endParaRPr lang="ru-RU"/>
           </a:p>
@@ -1143,7 +1584,7 @@
           <a:p>
             <a:fld id="{1A7F0E84-8CFE-9449-96ED-4A47FCE21533}" type="datetimeFigureOut">
               <a:rPr lang="ru-RU" smtClean="0"/>
-              <a:t>12.03.2024</a:t>
+              <a:t>13.03.2024</a:t>
             </a:fld>
             <a:endParaRPr lang="ru-RU"/>
           </a:p>
@@ -1408,7 +1849,7 @@
           <a:p>
             <a:fld id="{1A7F0E84-8CFE-9449-96ED-4A47FCE21533}" type="datetimeFigureOut">
               <a:rPr lang="ru-RU" smtClean="0"/>
-              <a:t>12.03.2024</a:t>
+              <a:t>13.03.2024</a:t>
             </a:fld>
             <a:endParaRPr lang="ru-RU"/>
           </a:p>
@@ -1820,7 +2261,7 @@
           <a:p>
             <a:fld id="{1A7F0E84-8CFE-9449-96ED-4A47FCE21533}" type="datetimeFigureOut">
               <a:rPr lang="ru-RU" smtClean="0"/>
-              <a:t>12.03.2024</a:t>
+              <a:t>13.03.2024</a:t>
             </a:fld>
             <a:endParaRPr lang="ru-RU"/>
           </a:p>
@@ -1961,7 +2402,7 @@
           <a:p>
             <a:fld id="{1A7F0E84-8CFE-9449-96ED-4A47FCE21533}" type="datetimeFigureOut">
               <a:rPr lang="ru-RU" smtClean="0"/>
-              <a:t>12.03.2024</a:t>
+              <a:t>13.03.2024</a:t>
             </a:fld>
             <a:endParaRPr lang="ru-RU"/>
           </a:p>
@@ -2074,7 +2515,7 @@
           <a:p>
             <a:fld id="{1A7F0E84-8CFE-9449-96ED-4A47FCE21533}" type="datetimeFigureOut">
               <a:rPr lang="ru-RU" smtClean="0"/>
-              <a:t>12.03.2024</a:t>
+              <a:t>13.03.2024</a:t>
             </a:fld>
             <a:endParaRPr lang="ru-RU"/>
           </a:p>
@@ -2385,7 +2826,7 @@
           <a:p>
             <a:fld id="{1A7F0E84-8CFE-9449-96ED-4A47FCE21533}" type="datetimeFigureOut">
               <a:rPr lang="ru-RU" smtClean="0"/>
-              <a:t>12.03.2024</a:t>
+              <a:t>13.03.2024</a:t>
             </a:fld>
             <a:endParaRPr lang="ru-RU"/>
           </a:p>
@@ -2673,7 +3114,7 @@
           <a:p>
             <a:fld id="{1A7F0E84-8CFE-9449-96ED-4A47FCE21533}" type="datetimeFigureOut">
               <a:rPr lang="ru-RU" smtClean="0"/>
-              <a:t>12.03.2024</a:t>
+              <a:t>13.03.2024</a:t>
             </a:fld>
             <a:endParaRPr lang="ru-RU"/>
           </a:p>
@@ -2914,7 +3355,7 @@
           <a:p>
             <a:fld id="{1A7F0E84-8CFE-9449-96ED-4A47FCE21533}" type="datetimeFigureOut">
               <a:rPr lang="ru-RU" smtClean="0"/>
-              <a:t>12.03.2024</a:t>
+              <a:t>13.03.2024</a:t>
             </a:fld>
             <a:endParaRPr lang="ru-RU"/>
           </a:p>
@@ -3580,7 +4021,7 @@
         </p:spPr>
         <p:txBody>
           <a:bodyPr vert="horz" lIns="91440" tIns="45720" rIns="91440" bIns="45720" rtlCol="0">
-            <a:normAutofit/>
+            <a:normAutofit fontScale="92500" lnSpcReduction="10000"/>
           </a:bodyPr>
           <a:lstStyle>
             <a:lvl1pPr marL="0" indent="0" algn="ctr" defTabSz="914400" rtl="0" eaLnBrk="1" latinLnBrk="0" hangingPunct="1">
@@ -3754,7 +4195,22 @@
                   <a:schemeClr val="bg1"/>
                 </a:solidFill>
               </a:rPr>
-              <a:t>Заказчик: Тарасов В. С.</a:t>
+              <a:t>Выполнили студенты ВГУ ФКН</a:t>
+            </a:r>
+            <a:br>
+              <a:rPr lang="ru-RU" sz="2000" dirty="0">
+                <a:solidFill>
+                  <a:schemeClr val="bg1"/>
+                </a:solidFill>
+              </a:rPr>
+            </a:br>
+            <a:r>
+              <a:rPr lang="ru-RU" sz="2000" dirty="0">
+                <a:solidFill>
+                  <a:schemeClr val="bg1"/>
+                </a:solidFill>
+              </a:rPr>
+              <a:t>3 группа, 4 команда</a:t>
             </a:r>
           </a:p>
           <a:p>
@@ -3765,7 +4221,29 @@
                   <a:schemeClr val="bg1"/>
                 </a:solidFill>
               </a:rPr>
-              <a:t>Исполнители: Михайлов Вадим, Поляков Артем, Рындин Денис</a:t>
+              <a:t>Вадим Михайлов</a:t>
+            </a:r>
+          </a:p>
+          <a:p>
+            <a:pPr algn="l"/>
+            <a:r>
+              <a:rPr lang="ru-RU" sz="2000" dirty="0">
+                <a:solidFill>
+                  <a:schemeClr val="bg1"/>
+                </a:solidFill>
+              </a:rPr>
+              <a:t>Поляков Артем</a:t>
+            </a:r>
+          </a:p>
+          <a:p>
+            <a:pPr algn="l"/>
+            <a:r>
+              <a:rPr lang="ru-RU" sz="2000" dirty="0">
+                <a:solidFill>
+                  <a:schemeClr val="bg1"/>
+                </a:solidFill>
+              </a:rPr>
+              <a:t>Денис Рындин</a:t>
             </a:r>
           </a:p>
         </p:txBody>
@@ -3919,13 +4397,13 @@
         </p:nvSpPr>
         <p:spPr>
           <a:xfrm>
-            <a:off x="0" y="159026"/>
-            <a:ext cx="11231217" cy="1122363"/>
+            <a:off x="0" y="0"/>
+            <a:ext cx="8115300" cy="1122363"/>
           </a:xfrm>
         </p:spPr>
         <p:txBody>
           <a:bodyPr>
-            <a:normAutofit fontScale="90000"/>
+            <a:normAutofit/>
           </a:bodyPr>
           <a:lstStyle/>
           <a:p>
@@ -3936,7 +4414,7 @@
                   <a:schemeClr val="bg1"/>
                 </a:solidFill>
               </a:rPr>
-              <a:t>Функциональность веб приложения для администратора</a:t>
+              <a:t>Команда</a:t>
             </a:r>
           </a:p>
         </p:txBody>
@@ -3957,8 +4435,8 @@
         </p:nvCxnSpPr>
         <p:spPr>
           <a:xfrm flipV="1">
-            <a:off x="0" y="1244910"/>
-            <a:ext cx="11111948" cy="1"/>
+            <a:off x="0" y="1244909"/>
+            <a:ext cx="5459506" cy="1"/>
           </a:xfrm>
           <a:prstGeom prst="line">
             <a:avLst/>
@@ -4002,8 +4480,8 @@
         </p:nvSpPr>
         <p:spPr>
           <a:xfrm>
-            <a:off x="19878" y="1351720"/>
-            <a:ext cx="8567530" cy="5685183"/>
+            <a:off x="19877" y="1351720"/>
+            <a:ext cx="9883539" cy="5685183"/>
           </a:xfrm>
           <a:solidFill>
             <a:schemeClr val="accent6">
@@ -4017,11 +4495,10 @@
           </a:bodyPr>
           <a:lstStyle/>
           <a:p>
-            <a:pPr marL="514350" indent="-514350" algn="l">
+            <a:pPr algn="l">
               <a:lnSpc>
                 <a:spcPct val="200000"/>
               </a:lnSpc>
-              <a:buAutoNum type="arabicPeriod"/>
             </a:pPr>
             <a:r>
               <a:rPr lang="ru-RU" sz="3200" dirty="0">
@@ -4029,15 +4506,30 @@
                   <a:schemeClr val="bg1"/>
                 </a:solidFill>
               </a:rPr>
-              <a:t>Назначение редакторов, удаление пользователей</a:t>
-            </a:r>
-          </a:p>
-          <a:p>
-            <a:pPr marL="514350" indent="-514350" algn="l">
+              <a:t>Вадим Михайлов – </a:t>
+            </a:r>
+            <a:r>
+              <a:rPr lang="en-US" sz="3200" dirty="0">
+                <a:solidFill>
+                  <a:schemeClr val="bg1"/>
+                </a:solidFill>
+              </a:rPr>
+              <a:t>Team Lead, Backend </a:t>
+            </a:r>
+            <a:r>
+              <a:rPr lang="ru-RU" sz="3200" dirty="0">
+                <a:solidFill>
+                  <a:schemeClr val="bg1"/>
+                </a:solidFill>
+              </a:rPr>
+              <a:t>разработчик</a:t>
+            </a:r>
+          </a:p>
+          <a:p>
+            <a:pPr algn="l">
               <a:lnSpc>
                 <a:spcPct val="200000"/>
               </a:lnSpc>
-              <a:buAutoNum type="arabicPeriod"/>
             </a:pPr>
             <a:r>
               <a:rPr lang="ru-RU" sz="3200" dirty="0">
@@ -4045,7 +4537,51 @@
                   <a:schemeClr val="bg1"/>
                 </a:solidFill>
               </a:rPr>
-              <a:t>Удаление и редактирование любого контента</a:t>
+              <a:t>Артем Поляков – </a:t>
+            </a:r>
+            <a:r>
+              <a:rPr lang="en-US" sz="3200" dirty="0">
+                <a:solidFill>
+                  <a:schemeClr val="bg1"/>
+                </a:solidFill>
+              </a:rPr>
+              <a:t>Frontend </a:t>
+            </a:r>
+            <a:r>
+              <a:rPr lang="ru-RU" sz="3200" dirty="0">
+                <a:solidFill>
+                  <a:schemeClr val="bg1"/>
+                </a:solidFill>
+              </a:rPr>
+              <a:t>разработчик, </a:t>
+            </a:r>
+            <a:r>
+              <a:rPr lang="en-US" sz="3200" dirty="0">
+                <a:solidFill>
+                  <a:schemeClr val="bg1"/>
+                </a:solidFill>
+              </a:rPr>
+              <a:t>QA-engineer</a:t>
+            </a:r>
+            <a:endParaRPr lang="ru-RU" sz="3200" dirty="0">
+              <a:solidFill>
+                <a:schemeClr val="bg1"/>
+              </a:solidFill>
+            </a:endParaRPr>
+          </a:p>
+          <a:p>
+            <a:pPr algn="l">
+              <a:lnSpc>
+                <a:spcPct val="200000"/>
+              </a:lnSpc>
+            </a:pPr>
+            <a:r>
+              <a:rPr lang="ru-RU" sz="3200" dirty="0">
+                <a:solidFill>
+                  <a:schemeClr val="bg1"/>
+                </a:solidFill>
+              </a:rPr>
+              <a:t>Денис Рындин – Дизайнер, Бизнес аналитик</a:t>
             </a:r>
           </a:p>
         </p:txBody>
@@ -4053,7 +4589,7 @@
     </p:spTree>
     <p:extLst>
       <p:ext uri="{BB962C8B-B14F-4D97-AF65-F5344CB8AC3E}">
-        <p14:creationId xmlns:p14="http://schemas.microsoft.com/office/powerpoint/2010/main" val="396400520"/>
+        <p14:creationId xmlns:p14="http://schemas.microsoft.com/office/powerpoint/2010/main" val="1677279453"/>
       </p:ext>
     </p:extLst>
   </p:cSld>
@@ -4932,13 +5468,13 @@
         </p:nvSpPr>
         <p:spPr>
           <a:xfrm>
-            <a:off x="0" y="0"/>
-            <a:ext cx="8115300" cy="1122363"/>
+            <a:off x="0" y="108488"/>
+            <a:ext cx="12192000" cy="1122363"/>
           </a:xfrm>
         </p:spPr>
         <p:txBody>
           <a:bodyPr>
-            <a:normAutofit/>
+            <a:normAutofit fontScale="90000"/>
           </a:bodyPr>
           <a:lstStyle/>
           <a:p>
@@ -4949,7 +5485,7 @@
                   <a:schemeClr val="bg1"/>
                 </a:solidFill>
               </a:rPr>
-              <a:t>Цели проекта</a:t>
+              <a:t>Проблемы, с которыми сталкиваются пользователи новостных порталов</a:t>
             </a:r>
           </a:p>
         </p:txBody>
@@ -5030,14 +5566,51 @@
           </a:bodyPr>
           <a:lstStyle/>
           <a:p>
-            <a:pPr algn="l"/>
+            <a:pPr marL="742950" indent="-742950" algn="l">
+              <a:lnSpc>
+                <a:spcPct val="150000"/>
+              </a:lnSpc>
+              <a:buAutoNum type="arabicPeriod"/>
+            </a:pPr>
             <a:r>
               <a:rPr lang="ru-RU" sz="3600" dirty="0">
                 <a:solidFill>
                   <a:schemeClr val="bg1"/>
                 </a:solidFill>
               </a:rPr>
-              <a:t>Разработать веб-приложение для удобного чтения, поиска новостей и создание статей</a:t>
+              <a:t>Перегруженный интерфейс</a:t>
+            </a:r>
+          </a:p>
+          <a:p>
+            <a:pPr marL="742950" indent="-742950" algn="l">
+              <a:lnSpc>
+                <a:spcPct val="150000"/>
+              </a:lnSpc>
+              <a:buAutoNum type="arabicPeriod"/>
+            </a:pPr>
+            <a:r>
+              <a:rPr lang="ru-RU" sz="3600" dirty="0">
+                <a:solidFill>
+                  <a:schemeClr val="bg1"/>
+                </a:solidFill>
+              </a:rPr>
+              <a:t>Ненужный контент</a:t>
+            </a:r>
+          </a:p>
+          <a:p>
+            <a:pPr marL="742950" indent="-742950" algn="l">
+              <a:lnSpc>
+                <a:spcPct val="150000"/>
+              </a:lnSpc>
+              <a:buAutoNum type="arabicPeriod"/>
+            </a:pPr>
+            <a:r>
+              <a:rPr lang="ru-RU" sz="3600" dirty="0">
+                <a:solidFill>
+                  <a:schemeClr val="bg1"/>
+                </a:solidFill>
+              </a:rPr>
+              <a:t>Отсутствие настройки под свои интересы</a:t>
             </a:r>
           </a:p>
         </p:txBody>
@@ -5208,7 +5781,7 @@
                   <a:schemeClr val="bg1"/>
                 </a:solidFill>
               </a:rPr>
-              <a:t>Постановка задачи</a:t>
+              <a:t>Целевая аудитория</a:t>
             </a:r>
           </a:p>
         </p:txBody>
@@ -5289,66 +5862,15 @@
           </a:bodyPr>
           <a:lstStyle/>
           <a:p>
-            <a:pPr marL="514350" indent="-514350" algn="l">
-              <a:buAutoNum type="arabicPeriod"/>
-            </a:pPr>
+            <a:pPr algn="l"/>
             <a:r>
               <a:rPr lang="ru-RU" sz="3200" dirty="0">
                 <a:solidFill>
                   <a:schemeClr val="bg1"/>
                 </a:solidFill>
               </a:rPr>
-              <a:t>Создание гибкой ленты новостей, основанной на интересах пользователей </a:t>
-            </a:r>
-          </a:p>
-          <a:p>
-            <a:pPr marL="514350" indent="-514350" algn="l">
-              <a:buAutoNum type="arabicPeriod"/>
-            </a:pPr>
-            <a:r>
-              <a:rPr lang="ru-RU" sz="3200" dirty="0">
-                <a:solidFill>
-                  <a:schemeClr val="bg1"/>
-                </a:solidFill>
-              </a:rPr>
-              <a:t>Реализации возможности подписок на теги новостей, а также издателей</a:t>
-            </a:r>
-          </a:p>
-          <a:p>
-            <a:pPr marL="514350" indent="-514350" algn="l">
-              <a:buAutoNum type="arabicPeriod"/>
-            </a:pPr>
-            <a:r>
-              <a:rPr lang="ru-RU" sz="3200" dirty="0">
-                <a:solidFill>
-                  <a:schemeClr val="bg1"/>
-                </a:solidFill>
-              </a:rPr>
-              <a:t>Реализация возможности сохранения и поиска новостей</a:t>
-            </a:r>
-          </a:p>
-          <a:p>
-            <a:pPr marL="514350" indent="-514350" algn="l">
-              <a:buAutoNum type="arabicPeriod"/>
-            </a:pPr>
-            <a:r>
-              <a:rPr lang="ru-RU" sz="3200" dirty="0">
-                <a:solidFill>
-                  <a:schemeClr val="bg1"/>
-                </a:solidFill>
-              </a:rPr>
-              <a:t>Возможность для редакторов создать отложенный пост</a:t>
-            </a:r>
-          </a:p>
-          <a:p>
-            <a:pPr marL="514350" indent="-514350" algn="l">
-              <a:buAutoNum type="arabicPeriod"/>
-            </a:pPr>
-            <a:endParaRPr lang="ru-RU" sz="2800" dirty="0">
-              <a:solidFill>
-                <a:schemeClr val="bg1"/>
-              </a:solidFill>
-            </a:endParaRPr>
+              <a:t>Наше приложение может подойти представителям разных профессий любого социального статуса и возраста. </a:t>
+            </a:r>
           </a:p>
           <a:p>
             <a:pPr marL="514350" indent="-514350" algn="l">
@@ -5511,7 +6033,7 @@
         </p:nvSpPr>
         <p:spPr>
           <a:xfrm>
-            <a:off x="0" y="-228600"/>
+            <a:off x="0" y="0"/>
             <a:ext cx="8115300" cy="1122363"/>
           </a:xfrm>
         </p:spPr>
@@ -5528,7 +6050,7 @@
                   <a:schemeClr val="bg1"/>
                 </a:solidFill>
               </a:rPr>
-              <a:t>Обзор аналогов</a:t>
+              <a:t>Предлагаемое решение</a:t>
             </a:r>
           </a:p>
         </p:txBody>
@@ -5549,7 +6071,7 @@
         </p:nvCxnSpPr>
         <p:spPr>
           <a:xfrm flipV="1">
-            <a:off x="0" y="902009"/>
+            <a:off x="0" y="1244909"/>
             <a:ext cx="5459506" cy="1"/>
           </a:xfrm>
           <a:prstGeom prst="line">
@@ -5594,8 +6116,8 @@
         </p:nvSpPr>
         <p:spPr>
           <a:xfrm>
-            <a:off x="0" y="846059"/>
-            <a:ext cx="3079377" cy="4788928"/>
+            <a:off x="-1" y="1517743"/>
+            <a:ext cx="11591366" cy="4788928"/>
           </a:xfrm>
           <a:solidFill>
             <a:schemeClr val="accent6">
@@ -5605,239 +6127,26 @@
         </p:spPr>
         <p:txBody>
           <a:bodyPr>
-            <a:noAutofit/>
+            <a:normAutofit/>
           </a:bodyPr>
           <a:lstStyle/>
           <a:p>
-            <a:pPr marL="514350" indent="-514350" algn="l">
-              <a:buAutoNum type="arabicPeriod"/>
-            </a:pPr>
-            <a:endParaRPr lang="en-US" sz="3200" dirty="0">
-              <a:solidFill>
-                <a:schemeClr val="bg1"/>
-              </a:solidFill>
-            </a:endParaRPr>
-          </a:p>
-          <a:p>
-            <a:pPr marL="514350" indent="-514350" algn="l">
-              <a:buAutoNum type="arabicPeriod"/>
-            </a:pPr>
-            <a:r>
-              <a:rPr lang="ru-RU" sz="3200" dirty="0">
+            <a:pPr algn="l"/>
+            <a:r>
+              <a:rPr lang="ru-RU" sz="2800" dirty="0">
                 <a:solidFill>
                   <a:schemeClr val="bg1"/>
                 </a:solidFill>
               </a:rPr>
-              <a:t>Яндекс Дзен</a:t>
-            </a:r>
-            <a:endParaRPr lang="en-US" sz="3200" dirty="0">
-              <a:solidFill>
-                <a:schemeClr val="bg1"/>
-              </a:solidFill>
-            </a:endParaRPr>
-          </a:p>
-          <a:p>
-            <a:pPr marL="514350" indent="-514350" algn="l">
-              <a:buAutoNum type="arabicPeriod"/>
-            </a:pPr>
-            <a:endParaRPr lang="en-US" sz="3200" dirty="0">
-              <a:solidFill>
-                <a:schemeClr val="bg1"/>
-              </a:solidFill>
-            </a:endParaRPr>
-          </a:p>
-          <a:p>
-            <a:pPr marL="514350" indent="-514350" algn="l">
-              <a:buAutoNum type="arabicPeriod"/>
-            </a:pPr>
-            <a:endParaRPr lang="en-US" sz="3200" dirty="0">
-              <a:solidFill>
-                <a:schemeClr val="bg1"/>
-              </a:solidFill>
-            </a:endParaRPr>
-          </a:p>
-          <a:p>
-            <a:pPr marL="514350" indent="-514350" algn="l">
-              <a:buAutoNum type="arabicPeriod"/>
-            </a:pPr>
-            <a:endParaRPr lang="ru-RU" sz="3200" dirty="0">
-              <a:solidFill>
-                <a:schemeClr val="bg1"/>
-              </a:solidFill>
-            </a:endParaRPr>
-          </a:p>
-          <a:p>
-            <a:pPr marL="514350" indent="-514350" algn="l">
-              <a:buAutoNum type="arabicPeriod"/>
-            </a:pPr>
-            <a:r>
-              <a:rPr lang="en-US" sz="3200" dirty="0">
-                <a:solidFill>
-                  <a:schemeClr val="bg1"/>
-                </a:solidFill>
-              </a:rPr>
-              <a:t>Telegram </a:t>
-            </a:r>
-          </a:p>
-          <a:p>
-            <a:pPr marL="514350" indent="-514350" algn="l">
-              <a:buAutoNum type="arabicPeriod"/>
-            </a:pPr>
-            <a:endParaRPr lang="en-US" sz="3200" dirty="0">
-              <a:solidFill>
-                <a:schemeClr val="bg1"/>
-              </a:solidFill>
-            </a:endParaRPr>
-          </a:p>
-          <a:p>
-            <a:pPr marL="514350" indent="-514350" algn="l">
-              <a:buAutoNum type="arabicPeriod"/>
-            </a:pPr>
-            <a:endParaRPr lang="en-US" sz="3200" dirty="0">
-              <a:solidFill>
-                <a:schemeClr val="bg1"/>
-              </a:solidFill>
-            </a:endParaRPr>
-          </a:p>
-          <a:p>
-            <a:pPr marL="514350" indent="-514350" algn="l">
-              <a:buAutoNum type="arabicPeriod"/>
-            </a:pPr>
-            <a:endParaRPr lang="en-US" sz="3200" dirty="0">
-              <a:solidFill>
-                <a:schemeClr val="bg1"/>
-              </a:solidFill>
-            </a:endParaRPr>
-          </a:p>
-          <a:p>
-            <a:pPr marL="514350" indent="-514350" algn="l">
-              <a:buAutoNum type="arabicPeriod"/>
-            </a:pPr>
-            <a:r>
-              <a:rPr lang="en-US" sz="3200" dirty="0">
-                <a:solidFill>
-                  <a:schemeClr val="bg1"/>
-                </a:solidFill>
-              </a:rPr>
-              <a:t>Apple News</a:t>
-            </a:r>
-          </a:p>
-          <a:p>
-            <a:pPr algn="l"/>
-            <a:endParaRPr lang="ru-RU" sz="3200" dirty="0">
-              <a:solidFill>
-                <a:schemeClr val="bg1"/>
-              </a:solidFill>
-            </a:endParaRPr>
-          </a:p>
-          <a:p>
-            <a:pPr marL="514350" indent="-514350" algn="l">
-              <a:buAutoNum type="arabicPeriod"/>
-            </a:pPr>
-            <a:endParaRPr lang="ru-RU" sz="3200" dirty="0">
-              <a:solidFill>
-                <a:schemeClr val="bg1"/>
-              </a:solidFill>
-            </a:endParaRPr>
-          </a:p>
-        </p:txBody>
-      </p:sp>
-      <p:pic>
-        <p:nvPicPr>
-          <p:cNvPr id="3" name="Рисунок 2">
-            <a:extLst>
-              <a:ext uri="{FF2B5EF4-FFF2-40B4-BE49-F238E27FC236}">
-                <a16:creationId xmlns:a16="http://schemas.microsoft.com/office/drawing/2014/main" id="{2665AC56-72BF-5346-BC45-F7F9C73E1B3E}"/>
-              </a:ext>
-            </a:extLst>
-          </p:cNvPr>
-          <p:cNvPicPr>
-            <a:picLocks noChangeAspect="1"/>
-          </p:cNvPicPr>
-          <p:nvPr/>
-        </p:nvPicPr>
-        <p:blipFill rotWithShape="1">
-          <a:blip r:embed="rId2"/>
-          <a:srcRect l="32125" t="16013" r="32158" b="16120"/>
-          <a:stretch/>
-        </p:blipFill>
-        <p:spPr>
-          <a:xfrm>
-            <a:off x="4769140" y="1114126"/>
-            <a:ext cx="1401047" cy="1393219"/>
-          </a:xfrm>
-          <a:prstGeom prst="rect">
-            <a:avLst/>
-          </a:prstGeom>
-          <a:effectLst>
-            <a:softEdge rad="0"/>
-          </a:effectLst>
-        </p:spPr>
-      </p:pic>
-      <p:pic>
-        <p:nvPicPr>
-          <p:cNvPr id="16" name="Рисунок 15">
-            <a:extLst>
-              <a:ext uri="{FF2B5EF4-FFF2-40B4-BE49-F238E27FC236}">
-                <a16:creationId xmlns:a16="http://schemas.microsoft.com/office/drawing/2014/main" id="{5A01E9E9-6AB9-F547-ADCA-133975ACDB2B}"/>
-              </a:ext>
-            </a:extLst>
-          </p:cNvPr>
-          <p:cNvPicPr>
-            <a:picLocks noChangeAspect="1"/>
-          </p:cNvPicPr>
-          <p:nvPr/>
-        </p:nvPicPr>
-        <p:blipFill>
-          <a:blip r:embed="rId3"/>
-          <a:stretch>
-            <a:fillRect/>
-          </a:stretch>
-        </p:blipFill>
-        <p:spPr>
-          <a:xfrm>
-            <a:off x="4224648" y="3182585"/>
-            <a:ext cx="2707573" cy="1523010"/>
-          </a:xfrm>
-          <a:prstGeom prst="rect">
-            <a:avLst/>
-          </a:prstGeom>
-        </p:spPr>
-      </p:pic>
-      <p:pic>
-        <p:nvPicPr>
-          <p:cNvPr id="18" name="Рисунок 17">
-            <a:extLst>
-              <a:ext uri="{FF2B5EF4-FFF2-40B4-BE49-F238E27FC236}">
-                <a16:creationId xmlns:a16="http://schemas.microsoft.com/office/drawing/2014/main" id="{F875E4A2-21C3-4549-99E9-FCC88AA58E8A}"/>
-              </a:ext>
-            </a:extLst>
-          </p:cNvPr>
-          <p:cNvPicPr>
-            <a:picLocks noChangeAspect="1"/>
-          </p:cNvPicPr>
-          <p:nvPr/>
-        </p:nvPicPr>
-        <p:blipFill>
-          <a:blip r:embed="rId4"/>
-          <a:stretch>
-            <a:fillRect/>
-          </a:stretch>
-        </p:blipFill>
-        <p:spPr>
-          <a:xfrm>
-            <a:off x="4181600" y="5187285"/>
-            <a:ext cx="2826054" cy="1483678"/>
-          </a:xfrm>
-          <a:prstGeom prst="rect">
-            <a:avLst/>
-          </a:prstGeom>
-        </p:spPr>
-      </p:pic>
+              <a:t>Мои новости – веб-приложение,  где пользователи смогут точно настроить новостную ленту под свои интересы и увлечения, искать, делиться и сохранять статьи. </a:t>
+            </a:r>
+          </a:p>
+        </p:txBody>
+      </p:sp>
     </p:spTree>
     <p:extLst>
       <p:ext uri="{BB962C8B-B14F-4D97-AF65-F5344CB8AC3E}">
-        <p14:creationId xmlns:p14="http://schemas.microsoft.com/office/powerpoint/2010/main" val="2005048380"/>
+        <p14:creationId xmlns:p14="http://schemas.microsoft.com/office/powerpoint/2010/main" val="258289243"/>
       </p:ext>
     </p:extLst>
   </p:cSld>
@@ -6593,7 +6902,7 @@
         </p:nvSpPr>
         <p:spPr>
           <a:xfrm>
-            <a:off x="0" y="0"/>
+            <a:off x="0" y="-228600"/>
             <a:ext cx="8115300" cy="1122363"/>
           </a:xfrm>
         </p:spPr>
@@ -6610,7 +6919,7 @@
                   <a:schemeClr val="bg1"/>
                 </a:solidFill>
               </a:rPr>
-              <a:t>Группы пользователей</a:t>
+              <a:t>Обзор аналогов</a:t>
             </a:r>
           </a:p>
         </p:txBody>
@@ -6631,7 +6940,7 @@
         </p:nvCxnSpPr>
         <p:spPr>
           <a:xfrm flipV="1">
-            <a:off x="0" y="1244909"/>
+            <a:off x="0" y="824517"/>
             <a:ext cx="5459506" cy="1"/>
           </a:xfrm>
           <a:prstGeom prst="line">
@@ -6676,8 +6985,8 @@
         </p:nvSpPr>
         <p:spPr>
           <a:xfrm>
-            <a:off x="19878" y="1351720"/>
-            <a:ext cx="8567530" cy="5685183"/>
+            <a:off x="0" y="846059"/>
+            <a:ext cx="3079377" cy="4788928"/>
           </a:xfrm>
           <a:solidFill>
             <a:schemeClr val="accent6">
@@ -6687,30 +6996,21 @@
         </p:spPr>
         <p:txBody>
           <a:bodyPr>
-            <a:normAutofit/>
+            <a:noAutofit/>
           </a:bodyPr>
           <a:lstStyle/>
           <a:p>
             <a:pPr marL="514350" indent="-514350" algn="l">
-              <a:lnSpc>
-                <a:spcPct val="200000"/>
-              </a:lnSpc>
               <a:buAutoNum type="arabicPeriod"/>
             </a:pPr>
-            <a:r>
-              <a:rPr lang="ru-RU" sz="3200" dirty="0">
-                <a:solidFill>
-                  <a:schemeClr val="bg1"/>
-                </a:solidFill>
-              </a:rPr>
-              <a:t>Гость</a:t>
-            </a:r>
+            <a:endParaRPr lang="en-US" sz="3200" dirty="0">
+              <a:solidFill>
+                <a:schemeClr val="bg1"/>
+              </a:solidFill>
+            </a:endParaRPr>
           </a:p>
           <a:p>
             <a:pPr marL="514350" indent="-514350" algn="l">
-              <a:lnSpc>
-                <a:spcPct val="200000"/>
-              </a:lnSpc>
               <a:buAutoNum type="arabicPeriod"/>
             </a:pPr>
             <a:r>
@@ -6719,47 +7019,216 @@
                   <a:schemeClr val="bg1"/>
                 </a:solidFill>
               </a:rPr>
-              <a:t>Авторизированный пользователь</a:t>
-            </a:r>
+              <a:t>Яндекс Дзен</a:t>
+            </a:r>
+            <a:endParaRPr lang="en-US" sz="3200" dirty="0">
+              <a:solidFill>
+                <a:schemeClr val="bg1"/>
+              </a:solidFill>
+            </a:endParaRPr>
           </a:p>
           <a:p>
             <a:pPr marL="514350" indent="-514350" algn="l">
-              <a:lnSpc>
-                <a:spcPct val="200000"/>
-              </a:lnSpc>
               <a:buAutoNum type="arabicPeriod"/>
             </a:pPr>
-            <a:r>
-              <a:rPr lang="ru-RU" sz="3200" dirty="0">
-                <a:solidFill>
-                  <a:schemeClr val="bg1"/>
-                </a:solidFill>
-              </a:rPr>
-              <a:t>Редактор</a:t>
-            </a:r>
+            <a:endParaRPr lang="en-US" sz="3200" dirty="0">
+              <a:solidFill>
+                <a:schemeClr val="bg1"/>
+              </a:solidFill>
+            </a:endParaRPr>
           </a:p>
           <a:p>
             <a:pPr marL="514350" indent="-514350" algn="l">
-              <a:lnSpc>
-                <a:spcPct val="200000"/>
-              </a:lnSpc>
               <a:buAutoNum type="arabicPeriod"/>
             </a:pPr>
-            <a:r>
-              <a:rPr lang="ru-RU" sz="3200" dirty="0">
+            <a:endParaRPr lang="en-US" sz="3200" dirty="0">
+              <a:solidFill>
+                <a:schemeClr val="bg1"/>
+              </a:solidFill>
+            </a:endParaRPr>
+          </a:p>
+          <a:p>
+            <a:pPr marL="514350" indent="-514350" algn="l">
+              <a:buAutoNum type="arabicPeriod"/>
+            </a:pPr>
+            <a:endParaRPr lang="ru-RU" sz="3200" dirty="0">
+              <a:solidFill>
+                <a:schemeClr val="bg1"/>
+              </a:solidFill>
+            </a:endParaRPr>
+          </a:p>
+          <a:p>
+            <a:pPr marL="514350" indent="-514350" algn="l">
+              <a:buAutoNum type="arabicPeriod"/>
+            </a:pPr>
+            <a:r>
+              <a:rPr lang="en-US" sz="3200" dirty="0">
                 <a:solidFill>
                   <a:schemeClr val="bg1"/>
                 </a:solidFill>
               </a:rPr>
-              <a:t>Администратор</a:t>
-            </a:r>
-          </a:p>
-        </p:txBody>
-      </p:sp>
+              <a:t>Telegram </a:t>
+            </a:r>
+          </a:p>
+          <a:p>
+            <a:pPr marL="514350" indent="-514350" algn="l">
+              <a:buAutoNum type="arabicPeriod"/>
+            </a:pPr>
+            <a:endParaRPr lang="en-US" sz="3200" dirty="0">
+              <a:solidFill>
+                <a:schemeClr val="bg1"/>
+              </a:solidFill>
+            </a:endParaRPr>
+          </a:p>
+          <a:p>
+            <a:pPr marL="514350" indent="-514350" algn="l">
+              <a:buAutoNum type="arabicPeriod"/>
+            </a:pPr>
+            <a:endParaRPr lang="en-US" sz="3200" dirty="0">
+              <a:solidFill>
+                <a:schemeClr val="bg1"/>
+              </a:solidFill>
+            </a:endParaRPr>
+          </a:p>
+          <a:p>
+            <a:pPr marL="514350" indent="-514350" algn="l">
+              <a:buAutoNum type="arabicPeriod"/>
+            </a:pPr>
+            <a:endParaRPr lang="en-US" sz="3200" dirty="0">
+              <a:solidFill>
+                <a:schemeClr val="bg1"/>
+              </a:solidFill>
+            </a:endParaRPr>
+          </a:p>
+          <a:p>
+            <a:pPr marL="514350" indent="-514350" algn="l">
+              <a:buAutoNum type="arabicPeriod"/>
+            </a:pPr>
+            <a:r>
+              <a:rPr lang="en-US" sz="3200" dirty="0">
+                <a:solidFill>
+                  <a:schemeClr val="bg1"/>
+                </a:solidFill>
+              </a:rPr>
+              <a:t>Apple News</a:t>
+            </a:r>
+          </a:p>
+          <a:p>
+            <a:pPr algn="l"/>
+            <a:endParaRPr lang="ru-RU" sz="3200" dirty="0">
+              <a:solidFill>
+                <a:schemeClr val="bg1"/>
+              </a:solidFill>
+            </a:endParaRPr>
+          </a:p>
+          <a:p>
+            <a:pPr marL="514350" indent="-514350" algn="l">
+              <a:buAutoNum type="arabicPeriod"/>
+            </a:pPr>
+            <a:endParaRPr lang="ru-RU" sz="3200" dirty="0">
+              <a:solidFill>
+                <a:schemeClr val="bg1"/>
+              </a:solidFill>
+            </a:endParaRPr>
+          </a:p>
+        </p:txBody>
+      </p:sp>
+      <p:pic>
+        <p:nvPicPr>
+          <p:cNvPr id="3" name="Рисунок 2">
+            <a:extLst>
+              <a:ext uri="{FF2B5EF4-FFF2-40B4-BE49-F238E27FC236}">
+                <a16:creationId xmlns:a16="http://schemas.microsoft.com/office/drawing/2014/main" id="{2665AC56-72BF-5346-BC45-F7F9C73E1B3E}"/>
+              </a:ext>
+            </a:extLst>
+          </p:cNvPr>
+          <p:cNvPicPr>
+            <a:picLocks noChangeAspect="1"/>
+          </p:cNvPicPr>
+          <p:nvPr/>
+        </p:nvPicPr>
+        <p:blipFill rotWithShape="1">
+          <a:blip r:embed="rId2"/>
+          <a:srcRect l="32125" t="16013" r="32158" b="16120"/>
+          <a:stretch/>
+        </p:blipFill>
+        <p:spPr>
+          <a:xfrm>
+            <a:off x="4769140" y="1114126"/>
+            <a:ext cx="1401047" cy="1393219"/>
+          </a:xfrm>
+          <a:prstGeom prst="rect">
+            <a:avLst/>
+          </a:prstGeom>
+          <a:effectLst>
+            <a:softEdge rad="0"/>
+          </a:effectLst>
+        </p:spPr>
+      </p:pic>
+      <p:pic>
+        <p:nvPicPr>
+          <p:cNvPr id="16" name="Рисунок 15">
+            <a:extLst>
+              <a:ext uri="{FF2B5EF4-FFF2-40B4-BE49-F238E27FC236}">
+                <a16:creationId xmlns:a16="http://schemas.microsoft.com/office/drawing/2014/main" id="{5A01E9E9-6AB9-F547-ADCA-133975ACDB2B}"/>
+              </a:ext>
+            </a:extLst>
+          </p:cNvPr>
+          <p:cNvPicPr>
+            <a:picLocks noChangeAspect="1"/>
+          </p:cNvPicPr>
+          <p:nvPr/>
+        </p:nvPicPr>
+        <p:blipFill>
+          <a:blip r:embed="rId3"/>
+          <a:stretch>
+            <a:fillRect/>
+          </a:stretch>
+        </p:blipFill>
+        <p:spPr>
+          <a:xfrm>
+            <a:off x="4224648" y="3182585"/>
+            <a:ext cx="2707573" cy="1523010"/>
+          </a:xfrm>
+          <a:prstGeom prst="rect">
+            <a:avLst/>
+          </a:prstGeom>
+        </p:spPr>
+      </p:pic>
+      <p:pic>
+        <p:nvPicPr>
+          <p:cNvPr id="18" name="Рисунок 17">
+            <a:extLst>
+              <a:ext uri="{FF2B5EF4-FFF2-40B4-BE49-F238E27FC236}">
+                <a16:creationId xmlns:a16="http://schemas.microsoft.com/office/drawing/2014/main" id="{F875E4A2-21C3-4549-99E9-FCC88AA58E8A}"/>
+              </a:ext>
+            </a:extLst>
+          </p:cNvPr>
+          <p:cNvPicPr>
+            <a:picLocks noChangeAspect="1"/>
+          </p:cNvPicPr>
+          <p:nvPr/>
+        </p:nvPicPr>
+        <p:blipFill>
+          <a:blip r:embed="rId4"/>
+          <a:stretch>
+            <a:fillRect/>
+          </a:stretch>
+        </p:blipFill>
+        <p:spPr>
+          <a:xfrm>
+            <a:off x="4181600" y="5187285"/>
+            <a:ext cx="2826054" cy="1483678"/>
+          </a:xfrm>
+          <a:prstGeom prst="rect">
+            <a:avLst/>
+          </a:prstGeom>
+        </p:spPr>
+      </p:pic>
     </p:spTree>
     <p:extLst>
       <p:ext uri="{BB962C8B-B14F-4D97-AF65-F5344CB8AC3E}">
-        <p14:creationId xmlns:p14="http://schemas.microsoft.com/office/powerpoint/2010/main" val="1677279453"/>
+        <p14:creationId xmlns:p14="http://schemas.microsoft.com/office/powerpoint/2010/main" val="2005048380"/>
       </p:ext>
     </p:extLst>
   </p:cSld>
@@ -6786,64 +7255,6 @@
           <a:chExt cx="0" cy="0"/>
         </a:xfrm>
       </p:grpSpPr>
-      <p:sp>
-        <p:nvSpPr>
-          <p:cNvPr id="4" name="Прямоугольник 3">
-            <a:extLst>
-              <a:ext uri="{FF2B5EF4-FFF2-40B4-BE49-F238E27FC236}">
-                <a16:creationId xmlns:a16="http://schemas.microsoft.com/office/drawing/2014/main" id="{80447D33-74F1-484F-8B36-D4EC94E475F5}"/>
-              </a:ext>
-            </a:extLst>
-          </p:cNvPr>
-          <p:cNvSpPr/>
-          <p:nvPr/>
-        </p:nvSpPr>
-        <p:spPr>
-          <a:xfrm>
-            <a:off x="0" y="-1"/>
-            <a:ext cx="12411878" cy="7089967"/>
-          </a:xfrm>
-          <a:prstGeom prst="rect">
-            <a:avLst/>
-          </a:prstGeom>
-          <a:solidFill>
-            <a:schemeClr val="accent6">
-              <a:lumMod val="75000"/>
-            </a:schemeClr>
-          </a:solidFill>
-          <a:ln>
-            <a:solidFill>
-              <a:schemeClr val="tx2">
-                <a:lumMod val="75000"/>
-              </a:schemeClr>
-            </a:solidFill>
-          </a:ln>
-        </p:spPr>
-        <p:style>
-          <a:lnRef idx="2">
-            <a:schemeClr val="accent1">
-              <a:shade val="50000"/>
-            </a:schemeClr>
-          </a:lnRef>
-          <a:fillRef idx="1">
-            <a:schemeClr val="accent1"/>
-          </a:fillRef>
-          <a:effectRef idx="0">
-            <a:schemeClr val="accent1"/>
-          </a:effectRef>
-          <a:fontRef idx="minor">
-            <a:schemeClr val="lt1"/>
-          </a:fontRef>
-        </p:style>
-        <p:txBody>
-          <a:bodyPr rtlCol="0" anchor="ctr"/>
-          <a:lstStyle/>
-          <a:p>
-            <a:pPr algn="ctr"/>
-            <a:endParaRPr lang="ru-RU" dirty="0"/>
-          </a:p>
-        </p:txBody>
-      </p:sp>
       <p:cxnSp>
         <p:nvCxnSpPr>
           <p:cNvPr id="7" name="Прямая соединительная линия 6">
@@ -6905,13 +7316,13 @@
         </p:nvSpPr>
         <p:spPr>
           <a:xfrm>
-            <a:off x="-1" y="0"/>
-            <a:ext cx="11231217" cy="1122363"/>
+            <a:off x="0" y="-228600"/>
+            <a:ext cx="8115300" cy="1122363"/>
           </a:xfrm>
         </p:spPr>
         <p:txBody>
           <a:bodyPr>
-            <a:normAutofit fontScale="90000"/>
+            <a:normAutofit/>
           </a:bodyPr>
           <a:lstStyle/>
           <a:p>
@@ -6919,10 +7330,12 @@
             <a:r>
               <a:rPr lang="ru-RU" sz="4800" b="1" dirty="0">
                 <a:solidFill>
-                  <a:schemeClr val="bg1"/>
+                  <a:schemeClr val="accent6">
+                    <a:lumMod val="50000"/>
+                  </a:schemeClr>
                 </a:solidFill>
               </a:rPr>
-              <a:t>Функциональность веб приложения для гостя</a:t>
+              <a:t>Демонстрация продукта</a:t>
             </a:r>
           </a:p>
         </p:txBody>
@@ -6943,8 +7356,8 @@
         </p:nvCxnSpPr>
         <p:spPr>
           <a:xfrm flipV="1">
-            <a:off x="0" y="1244910"/>
-            <a:ext cx="11111948" cy="1"/>
+            <a:off x="0" y="902010"/>
+            <a:ext cx="6338807" cy="1"/>
           </a:xfrm>
           <a:prstGeom prst="line">
             <a:avLst/>
@@ -6970,89 +7383,69 @@
           </a:fontRef>
         </p:style>
       </p:cxnSp>
-      <p:sp>
-        <p:nvSpPr>
-          <p:cNvPr id="15" name="Подзаголовок 2">
-            <a:extLst>
-              <a:ext uri="{FF2B5EF4-FFF2-40B4-BE49-F238E27FC236}">
-                <a16:creationId xmlns:a16="http://schemas.microsoft.com/office/drawing/2014/main" id="{921A7523-3711-4842-B7A9-F23827BC8A44}"/>
-              </a:ext>
-            </a:extLst>
-          </p:cNvPr>
-          <p:cNvSpPr>
-            <a:spLocks noGrp="1"/>
-          </p:cNvSpPr>
-          <p:nvPr>
-            <p:ph type="subTitle" idx="1"/>
-          </p:nvPr>
-        </p:nvSpPr>
+      <p:pic>
+        <p:nvPicPr>
+          <p:cNvPr id="10" name="Рисунок 9">
+            <a:extLst>
+              <a:ext uri="{FF2B5EF4-FFF2-40B4-BE49-F238E27FC236}">
+                <a16:creationId xmlns:a16="http://schemas.microsoft.com/office/drawing/2014/main" id="{15EC729A-BB93-0B47-967D-71519A1BE853}"/>
+              </a:ext>
+            </a:extLst>
+          </p:cNvPr>
+          <p:cNvPicPr>
+            <a:picLocks noChangeAspect="1"/>
+          </p:cNvPicPr>
+          <p:nvPr/>
+        </p:nvPicPr>
+        <p:blipFill rotWithShape="1">
+          <a:blip r:embed="rId2"/>
+          <a:srcRect l="357" t="551" r="686"/>
+          <a:stretch/>
+        </p:blipFill>
         <p:spPr>
           <a:xfrm>
-            <a:off x="19878" y="1351720"/>
-            <a:ext cx="8567530" cy="5685183"/>
-          </a:xfrm>
-          <a:solidFill>
-            <a:schemeClr val="accent6">
-              <a:lumMod val="75000"/>
-            </a:schemeClr>
-          </a:solidFill>
-        </p:spPr>
-        <p:txBody>
-          <a:bodyPr>
-            <a:normAutofit/>
-          </a:bodyPr>
-          <a:lstStyle/>
-          <a:p>
-            <a:pPr marL="514350" indent="-514350" algn="l">
-              <a:lnSpc>
-                <a:spcPct val="200000"/>
-              </a:lnSpc>
-              <a:buAutoNum type="arabicPeriod"/>
-            </a:pPr>
-            <a:r>
-              <a:rPr lang="ru-RU" sz="3200" dirty="0">
-                <a:solidFill>
-                  <a:schemeClr val="bg1"/>
-                </a:solidFill>
-              </a:rPr>
-              <a:t>Регистрация </a:t>
-            </a:r>
-          </a:p>
-          <a:p>
-            <a:pPr marL="514350" indent="-514350" algn="l">
-              <a:lnSpc>
-                <a:spcPct val="200000"/>
-              </a:lnSpc>
-              <a:buAutoNum type="arabicPeriod"/>
-            </a:pPr>
-            <a:r>
-              <a:rPr lang="ru-RU" sz="3200" dirty="0">
-                <a:solidFill>
-                  <a:schemeClr val="bg1"/>
-                </a:solidFill>
-              </a:rPr>
-              <a:t>Просмотр не более 10 новостных статей </a:t>
-            </a:r>
-          </a:p>
-          <a:p>
-            <a:pPr marL="514350" indent="-514350" algn="l">
-              <a:lnSpc>
-                <a:spcPct val="200000"/>
-              </a:lnSpc>
-              <a:buAutoNum type="arabicPeriod"/>
-            </a:pPr>
-            <a:endParaRPr lang="ru-RU" sz="3200" dirty="0">
-              <a:solidFill>
-                <a:schemeClr val="bg1"/>
-              </a:solidFill>
-            </a:endParaRPr>
-          </a:p>
-        </p:txBody>
-      </p:sp>
+            <a:off x="364105" y="1137285"/>
+            <a:ext cx="5379470" cy="4961297"/>
+          </a:xfrm>
+          <a:prstGeom prst="rect">
+            <a:avLst/>
+          </a:prstGeom>
+        </p:spPr>
+      </p:pic>
+      <p:pic>
+        <p:nvPicPr>
+          <p:cNvPr id="14" name="Рисунок 13">
+            <a:extLst>
+              <a:ext uri="{FF2B5EF4-FFF2-40B4-BE49-F238E27FC236}">
+                <a16:creationId xmlns:a16="http://schemas.microsoft.com/office/drawing/2014/main" id="{34FAB6CD-9F7F-434A-80B9-503446894811}"/>
+              </a:ext>
+            </a:extLst>
+          </p:cNvPr>
+          <p:cNvPicPr>
+            <a:picLocks noChangeAspect="1"/>
+          </p:cNvPicPr>
+          <p:nvPr/>
+        </p:nvPicPr>
+        <p:blipFill>
+          <a:blip r:embed="rId3"/>
+          <a:stretch>
+            <a:fillRect/>
+          </a:stretch>
+        </p:blipFill>
+        <p:spPr>
+          <a:xfrm>
+            <a:off x="6581671" y="1108418"/>
+            <a:ext cx="5436158" cy="5066293"/>
+          </a:xfrm>
+          <a:prstGeom prst="rect">
+            <a:avLst/>
+          </a:prstGeom>
+        </p:spPr>
+      </p:pic>
     </p:spTree>
     <p:extLst>
       <p:ext uri="{BB962C8B-B14F-4D97-AF65-F5344CB8AC3E}">
-        <p14:creationId xmlns:p14="http://schemas.microsoft.com/office/powerpoint/2010/main" val="2619553097"/>
+        <p14:creationId xmlns:p14="http://schemas.microsoft.com/office/powerpoint/2010/main" val="1578738810"/>
       </p:ext>
     </p:extLst>
   </p:cSld>
@@ -7198,13 +7591,13 @@
         </p:nvSpPr>
         <p:spPr>
           <a:xfrm>
-            <a:off x="0" y="159026"/>
+            <a:off x="-1" y="0"/>
             <a:ext cx="11231217" cy="1122363"/>
           </a:xfrm>
         </p:spPr>
         <p:txBody>
           <a:bodyPr>
-            <a:normAutofit fontScale="90000"/>
+            <a:normAutofit/>
           </a:bodyPr>
           <a:lstStyle/>
           <a:p>
@@ -7215,7 +7608,7 @@
                   <a:schemeClr val="bg1"/>
                 </a:solidFill>
               </a:rPr>
-              <a:t>Функциональность веб приложения для авторизированного пользователя</a:t>
+              <a:t>Бизнес модель</a:t>
             </a:r>
           </a:p>
         </p:txBody>
@@ -7236,8 +7629,8 @@
         </p:nvCxnSpPr>
         <p:spPr>
           <a:xfrm flipV="1">
-            <a:off x="0" y="1244910"/>
-            <a:ext cx="11111948" cy="1"/>
+            <a:off x="0" y="1244911"/>
+            <a:ext cx="4293031" cy="1"/>
           </a:xfrm>
           <a:prstGeom prst="line">
             <a:avLst/>
@@ -7281,8 +7674,8 @@
         </p:nvSpPr>
         <p:spPr>
           <a:xfrm>
-            <a:off x="19878" y="1351720"/>
-            <a:ext cx="8567530" cy="5685183"/>
+            <a:off x="19877" y="1351720"/>
+            <a:ext cx="10472475" cy="5685183"/>
           </a:xfrm>
           <a:solidFill>
             <a:schemeClr val="accent6">
@@ -7292,111 +7685,31 @@
         </p:spPr>
         <p:txBody>
           <a:bodyPr>
-            <a:normAutofit fontScale="77500" lnSpcReduction="20000"/>
+            <a:normAutofit/>
           </a:bodyPr>
           <a:lstStyle/>
           <a:p>
-            <a:pPr marL="514350" indent="-514350" algn="l">
+            <a:pPr algn="l">
               <a:lnSpc>
                 <a:spcPct val="200000"/>
               </a:lnSpc>
-              <a:buAutoNum type="arabicPeriod"/>
             </a:pPr>
             <a:r>
-              <a:rPr lang="ru-RU" sz="3200" dirty="0">
+              <a:rPr lang="ru-RU" sz="2800" dirty="0">
                 <a:solidFill>
                   <a:schemeClr val="bg1"/>
                 </a:solidFill>
+                <a:effectLst/>
+                <a:latin typeface="Helvetica Neue" panose="02000503000000020004" pitchFamily="2" charset="0"/>
               </a:rPr>
-              <a:t>Добавление тега новости в избранное</a:t>
-            </a:r>
-          </a:p>
-          <a:p>
-            <a:pPr marL="514350" indent="-514350" algn="l">
+              <a:t>Начальный этап развертывания проекта характеризуется внедрением системы оплаты подписки на платформе. Пользователи, обладающие активной подпиской, получают возможность добавлять теги и журналы в раздел "Избранное", а также расширенные возможности по поиску и сохранению статей. </a:t>
+            </a:r>
+          </a:p>
+          <a:p>
+            <a:pPr algn="l">
               <a:lnSpc>
                 <a:spcPct val="200000"/>
               </a:lnSpc>
-              <a:buAutoNum type="arabicPeriod"/>
-            </a:pPr>
-            <a:r>
-              <a:rPr lang="ru-RU" sz="3200" dirty="0">
-                <a:solidFill>
-                  <a:schemeClr val="bg1"/>
-                </a:solidFill>
-              </a:rPr>
-              <a:t>Подписка на издателя</a:t>
-            </a:r>
-          </a:p>
-          <a:p>
-            <a:pPr marL="514350" indent="-514350" algn="l">
-              <a:lnSpc>
-                <a:spcPct val="200000"/>
-              </a:lnSpc>
-              <a:buAutoNum type="arabicPeriod"/>
-            </a:pPr>
-            <a:r>
-              <a:rPr lang="ru-RU" sz="3200" dirty="0">
-                <a:solidFill>
-                  <a:schemeClr val="bg1"/>
-                </a:solidFill>
-              </a:rPr>
-              <a:t>Добавление городов, для локальных новостей</a:t>
-            </a:r>
-          </a:p>
-          <a:p>
-            <a:pPr marL="514350" indent="-514350" algn="l">
-              <a:lnSpc>
-                <a:spcPct val="200000"/>
-              </a:lnSpc>
-              <a:buAutoNum type="arabicPeriod"/>
-            </a:pPr>
-            <a:r>
-              <a:rPr lang="ru-RU" sz="3200" dirty="0">
-                <a:solidFill>
-                  <a:schemeClr val="bg1"/>
-                </a:solidFill>
-              </a:rPr>
-              <a:t>Сохранение новости</a:t>
-            </a:r>
-          </a:p>
-          <a:p>
-            <a:pPr marL="514350" indent="-514350" algn="l">
-              <a:lnSpc>
-                <a:spcPct val="200000"/>
-              </a:lnSpc>
-              <a:buAutoNum type="arabicPeriod"/>
-            </a:pPr>
-            <a:r>
-              <a:rPr lang="ru-RU" sz="3200" dirty="0">
-                <a:solidFill>
-                  <a:schemeClr val="bg1"/>
-                </a:solidFill>
-              </a:rPr>
-              <a:t>Поиск новостей</a:t>
-            </a:r>
-          </a:p>
-          <a:p>
-            <a:pPr marL="514350" indent="-514350" algn="l">
-              <a:lnSpc>
-                <a:spcPct val="200000"/>
-              </a:lnSpc>
-              <a:buAutoNum type="arabicPeriod"/>
-            </a:pPr>
-            <a:r>
-              <a:rPr lang="ru-RU" sz="3200" dirty="0">
-                <a:solidFill>
-                  <a:schemeClr val="bg1"/>
-                </a:solidFill>
-              </a:rPr>
-              <a:t>Просмотр отфильтрованных новостей на главной странице исходя из увлечений пользователя</a:t>
-            </a:r>
-          </a:p>
-          <a:p>
-            <a:pPr marL="514350" indent="-514350" algn="l">
-              <a:lnSpc>
-                <a:spcPct val="200000"/>
-              </a:lnSpc>
-              <a:buAutoNum type="arabicPeriod"/>
             </a:pPr>
             <a:endParaRPr lang="ru-RU" sz="3200" dirty="0">
               <a:solidFill>
@@ -7409,7 +7722,7 @@
     </p:spTree>
     <p:extLst>
       <p:ext uri="{BB962C8B-B14F-4D97-AF65-F5344CB8AC3E}">
-        <p14:creationId xmlns:p14="http://schemas.microsoft.com/office/powerpoint/2010/main" val="869143334"/>
+        <p14:creationId xmlns:p14="http://schemas.microsoft.com/office/powerpoint/2010/main" val="2619553097"/>
       </p:ext>
     </p:extLst>
   </p:cSld>
@@ -7555,13 +7868,13 @@
         </p:nvSpPr>
         <p:spPr>
           <a:xfrm>
-            <a:off x="0" y="159026"/>
+            <a:off x="-1" y="0"/>
             <a:ext cx="11231217" cy="1122363"/>
           </a:xfrm>
         </p:spPr>
         <p:txBody>
           <a:bodyPr>
-            <a:normAutofit fontScale="90000"/>
+            <a:normAutofit/>
           </a:bodyPr>
           <a:lstStyle/>
           <a:p>
@@ -7572,7 +7885,7 @@
                   <a:schemeClr val="bg1"/>
                 </a:solidFill>
               </a:rPr>
-              <a:t>Функциональность веб приложения для редактора</a:t>
+              <a:t>План развития</a:t>
             </a:r>
           </a:p>
         </p:txBody>
@@ -7593,8 +7906,8 @@
         </p:nvCxnSpPr>
         <p:spPr>
           <a:xfrm flipV="1">
-            <a:off x="0" y="1244910"/>
-            <a:ext cx="11111948" cy="1"/>
+            <a:off x="0" y="1244911"/>
+            <a:ext cx="4293031" cy="1"/>
           </a:xfrm>
           <a:prstGeom prst="line">
             <a:avLst/>
@@ -7638,8 +7951,8 @@
         </p:nvSpPr>
         <p:spPr>
           <a:xfrm>
-            <a:off x="19878" y="1351720"/>
-            <a:ext cx="8567530" cy="5685183"/>
+            <a:off x="19877" y="1351720"/>
+            <a:ext cx="10580963" cy="5685183"/>
           </a:xfrm>
           <a:solidFill>
             <a:schemeClr val="accent6">
@@ -7649,63 +7962,44 @@
         </p:spPr>
         <p:txBody>
           <a:bodyPr>
-            <a:normAutofit/>
+            <a:normAutofit fontScale="92500"/>
           </a:bodyPr>
           <a:lstStyle/>
           <a:p>
-            <a:pPr marL="514350" indent="-514350" algn="l">
+            <a:pPr algn="l">
               <a:lnSpc>
                 <a:spcPct val="200000"/>
               </a:lnSpc>
-              <a:buAutoNum type="arabicPeriod"/>
             </a:pPr>
             <a:r>
               <a:rPr lang="ru-RU" sz="3200" dirty="0">
                 <a:solidFill>
                   <a:schemeClr val="bg1"/>
                 </a:solidFill>
+                <a:effectLst/>
+                <a:latin typeface="Helvetica Neue" panose="02000503000000020004" pitchFamily="2" charset="0"/>
               </a:rPr>
-              <a:t>Создание новостного поста</a:t>
-            </a:r>
-          </a:p>
-          <a:p>
-            <a:pPr marL="514350" indent="-514350" algn="l">
+              <a:t>С учетом дальнейшего развития проекта, планируется создание премиум подписки. Приобретение премиум подписки дарует пользователям привилегию доступа к эксклюзивному контенту, включающему подкасты, видео обзоры новостей и интервью, обогащая их опыт использования платформы.</a:t>
+            </a:r>
+          </a:p>
+          <a:p>
+            <a:pPr algn="l">
               <a:lnSpc>
                 <a:spcPct val="200000"/>
               </a:lnSpc>
-              <a:buAutoNum type="arabicPeriod"/>
             </a:pPr>
-            <a:r>
-              <a:rPr lang="ru-RU" sz="3200" dirty="0">
-                <a:solidFill>
-                  <a:schemeClr val="bg1"/>
-                </a:solidFill>
-              </a:rPr>
-              <a:t>Выбор времени публикации </a:t>
-            </a:r>
-          </a:p>
-          <a:p>
-            <a:pPr marL="514350" indent="-514350" algn="l">
-              <a:lnSpc>
-                <a:spcPct val="200000"/>
-              </a:lnSpc>
-              <a:buAutoNum type="arabicPeriod"/>
-            </a:pPr>
-            <a:r>
-              <a:rPr lang="ru-RU" sz="3200" dirty="0">
-                <a:solidFill>
-                  <a:schemeClr val="bg1"/>
-                </a:solidFill>
-              </a:rPr>
-              <a:t>Просмотр статистики журналов</a:t>
-            </a:r>
+            <a:endParaRPr lang="ru-RU" sz="3200" dirty="0">
+              <a:solidFill>
+                <a:schemeClr val="bg1"/>
+              </a:solidFill>
+            </a:endParaRPr>
           </a:p>
         </p:txBody>
       </p:sp>
     </p:spTree>
     <p:extLst>
       <p:ext uri="{BB962C8B-B14F-4D97-AF65-F5344CB8AC3E}">
-        <p14:creationId xmlns:p14="http://schemas.microsoft.com/office/powerpoint/2010/main" val="556790708"/>
+        <p14:creationId xmlns:p14="http://schemas.microsoft.com/office/powerpoint/2010/main" val="1453286986"/>
       </p:ext>
     </p:extLst>
   </p:cSld>
@@ -8008,4 +8302,299 @@
     </a:ext>
   </a:extLst>
 </a:theme>
+</file>
+
+<file path=ppt/theme/theme2.xml><?xml version="1.0" encoding="utf-8"?>
+<a:theme xmlns:a="http://schemas.openxmlformats.org/drawingml/2006/main" name="Тема Office">
+  <a:themeElements>
+    <a:clrScheme name="Стандартная">
+      <a:dk1>
+        <a:sysClr val="windowText" lastClr="000000"/>
+      </a:dk1>
+      <a:lt1>
+        <a:sysClr val="window" lastClr="FFFFFF"/>
+      </a:lt1>
+      <a:dk2>
+        <a:srgbClr val="44546A"/>
+      </a:dk2>
+      <a:lt2>
+        <a:srgbClr val="E7E6E6"/>
+      </a:lt2>
+      <a:accent1>
+        <a:srgbClr val="4472C4"/>
+      </a:accent1>
+      <a:accent2>
+        <a:srgbClr val="ED7D31"/>
+      </a:accent2>
+      <a:accent3>
+        <a:srgbClr val="A5A5A5"/>
+      </a:accent3>
+      <a:accent4>
+        <a:srgbClr val="FFC000"/>
+      </a:accent4>
+      <a:accent5>
+        <a:srgbClr val="5B9BD5"/>
+      </a:accent5>
+      <a:accent6>
+        <a:srgbClr val="70AD47"/>
+      </a:accent6>
+      <a:hlink>
+        <a:srgbClr val="0563C1"/>
+      </a:hlink>
+      <a:folHlink>
+        <a:srgbClr val="954F72"/>
+      </a:folHlink>
+    </a:clrScheme>
+    <a:fontScheme name="Стандартная">
+      <a:majorFont>
+        <a:latin typeface="Calibri Light" panose="020F0302020204030204"/>
+        <a:ea typeface=""/>
+        <a:cs typeface=""/>
+        <a:font script="Jpan" typeface="游ゴシック Light"/>
+        <a:font script="Hang" typeface="맑은 고딕"/>
+        <a:font script="Hans" typeface="等线 Light"/>
+        <a:font script="Hant" typeface="新細明體"/>
+        <a:font script="Arab" typeface="Times New Roman"/>
+        <a:font script="Hebr" typeface="Times New Roman"/>
+        <a:font script="Thai" typeface="Angsana New"/>
+        <a:font script="Ethi" typeface="Nyala"/>
+        <a:font script="Beng" typeface="Vrinda"/>
+        <a:font script="Gujr" typeface="Shruti"/>
+        <a:font script="Khmr" typeface="MoolBoran"/>
+        <a:font script="Knda" typeface="Tunga"/>
+        <a:font script="Guru" typeface="Raavi"/>
+        <a:font script="Cans" typeface="Euphemia"/>
+        <a:font script="Cher" typeface="Plantagenet Cherokee"/>
+        <a:font script="Yiii" typeface="Microsoft Yi Baiti"/>
+        <a:font script="Tibt" typeface="Microsoft Himalaya"/>
+        <a:font script="Thaa" typeface="MV Boli"/>
+        <a:font script="Deva" typeface="Mangal"/>
+        <a:font script="Telu" typeface="Gautami"/>
+        <a:font script="Taml" typeface="Latha"/>
+        <a:font script="Syrc" typeface="Estrangelo Edessa"/>
+        <a:font script="Orya" typeface="Kalinga"/>
+        <a:font script="Mlym" typeface="Kartika"/>
+        <a:font script="Laoo" typeface="DokChampa"/>
+        <a:font script="Sinh" typeface="Iskoola Pota"/>
+        <a:font script="Mong" typeface="Mongolian Baiti"/>
+        <a:font script="Viet" typeface="Times New Roman"/>
+        <a:font script="Uigh" typeface="Microsoft Uighur"/>
+        <a:font script="Geor" typeface="Sylfaen"/>
+        <a:font script="Armn" typeface="Arial"/>
+        <a:font script="Bugi" typeface="Leelawadee UI"/>
+        <a:font script="Bopo" typeface="Microsoft JhengHei"/>
+        <a:font script="Java" typeface="Javanese Text"/>
+        <a:font script="Lisu" typeface="Segoe UI"/>
+        <a:font script="Mymr" typeface="Myanmar Text"/>
+        <a:font script="Nkoo" typeface="Ebrima"/>
+        <a:font script="Olck" typeface="Nirmala UI"/>
+        <a:font script="Osma" typeface="Ebrima"/>
+        <a:font script="Phag" typeface="Phagspa"/>
+        <a:font script="Syrn" typeface="Estrangelo Edessa"/>
+        <a:font script="Syrj" typeface="Estrangelo Edessa"/>
+        <a:font script="Syre" typeface="Estrangelo Edessa"/>
+        <a:font script="Sora" typeface="Nirmala UI"/>
+        <a:font script="Tale" typeface="Microsoft Tai Le"/>
+        <a:font script="Talu" typeface="Microsoft New Tai Lue"/>
+        <a:font script="Tfng" typeface="Ebrima"/>
+      </a:majorFont>
+      <a:minorFont>
+        <a:latin typeface="Calibri" panose="020F0502020204030204"/>
+        <a:ea typeface=""/>
+        <a:cs typeface=""/>
+        <a:font script="Jpan" typeface="游ゴシック"/>
+        <a:font script="Hang" typeface="맑은 고딕"/>
+        <a:font script="Hans" typeface="等线"/>
+        <a:font script="Hant" typeface="新細明體"/>
+        <a:font script="Arab" typeface="Arial"/>
+        <a:font script="Hebr" typeface="Arial"/>
+        <a:font script="Thai" typeface="Cordia New"/>
+        <a:font script="Ethi" typeface="Nyala"/>
+        <a:font script="Beng" typeface="Vrinda"/>
+        <a:font script="Gujr" typeface="Shruti"/>
+        <a:font script="Khmr" typeface="DaunPenh"/>
+        <a:font script="Knda" typeface="Tunga"/>
+        <a:font script="Guru" typeface="Raavi"/>
+        <a:font script="Cans" typeface="Euphemia"/>
+        <a:font script="Cher" typeface="Plantagenet Cherokee"/>
+        <a:font script="Yiii" typeface="Microsoft Yi Baiti"/>
+        <a:font script="Tibt" typeface="Microsoft Himalaya"/>
+        <a:font script="Thaa" typeface="MV Boli"/>
+        <a:font script="Deva" typeface="Mangal"/>
+        <a:font script="Telu" typeface="Gautami"/>
+        <a:font script="Taml" typeface="Latha"/>
+        <a:font script="Syrc" typeface="Estrangelo Edessa"/>
+        <a:font script="Orya" typeface="Kalinga"/>
+        <a:font script="Mlym" typeface="Kartika"/>
+        <a:font script="Laoo" typeface="DokChampa"/>
+        <a:font script="Sinh" typeface="Iskoola Pota"/>
+        <a:font script="Mong" typeface="Mongolian Baiti"/>
+        <a:font script="Viet" typeface="Arial"/>
+        <a:font script="Uigh" typeface="Microsoft Uighur"/>
+        <a:font script="Geor" typeface="Sylfaen"/>
+        <a:font script="Armn" typeface="Arial"/>
+        <a:font script="Bugi" typeface="Leelawadee UI"/>
+        <a:font script="Bopo" typeface="Microsoft JhengHei"/>
+        <a:font script="Java" typeface="Javanese Text"/>
+        <a:font script="Lisu" typeface="Segoe UI"/>
+        <a:font script="Mymr" typeface="Myanmar Text"/>
+        <a:font script="Nkoo" typeface="Ebrima"/>
+        <a:font script="Olck" typeface="Nirmala UI"/>
+        <a:font script="Osma" typeface="Ebrima"/>
+        <a:font script="Phag" typeface="Phagspa"/>
+        <a:font script="Syrn" typeface="Estrangelo Edessa"/>
+        <a:font script="Syrj" typeface="Estrangelo Edessa"/>
+        <a:font script="Syre" typeface="Estrangelo Edessa"/>
+        <a:font script="Sora" typeface="Nirmala UI"/>
+        <a:font script="Tale" typeface="Microsoft Tai Le"/>
+        <a:font script="Talu" typeface="Microsoft New Tai Lue"/>
+        <a:font script="Tfng" typeface="Ebrima"/>
+      </a:minorFont>
+    </a:fontScheme>
+    <a:fmtScheme name="Стандартная">
+      <a:fillStyleLst>
+        <a:solidFill>
+          <a:schemeClr val="phClr"/>
+        </a:solidFill>
+        <a:gradFill rotWithShape="1">
+          <a:gsLst>
+            <a:gs pos="0">
+              <a:schemeClr val="phClr">
+                <a:lumMod val="110000"/>
+                <a:satMod val="105000"/>
+                <a:tint val="67000"/>
+              </a:schemeClr>
+            </a:gs>
+            <a:gs pos="50000">
+              <a:schemeClr val="phClr">
+                <a:lumMod val="105000"/>
+                <a:satMod val="103000"/>
+                <a:tint val="73000"/>
+              </a:schemeClr>
+            </a:gs>
+            <a:gs pos="100000">
+              <a:schemeClr val="phClr">
+                <a:lumMod val="105000"/>
+                <a:satMod val="109000"/>
+                <a:tint val="81000"/>
+              </a:schemeClr>
+            </a:gs>
+          </a:gsLst>
+          <a:lin ang="5400000" scaled="0"/>
+        </a:gradFill>
+        <a:gradFill rotWithShape="1">
+          <a:gsLst>
+            <a:gs pos="0">
+              <a:schemeClr val="phClr">
+                <a:satMod val="103000"/>
+                <a:lumMod val="102000"/>
+                <a:tint val="94000"/>
+              </a:schemeClr>
+            </a:gs>
+            <a:gs pos="50000">
+              <a:schemeClr val="phClr">
+                <a:satMod val="110000"/>
+                <a:lumMod val="100000"/>
+                <a:shade val="100000"/>
+              </a:schemeClr>
+            </a:gs>
+            <a:gs pos="100000">
+              <a:schemeClr val="phClr">
+                <a:lumMod val="99000"/>
+                <a:satMod val="120000"/>
+                <a:shade val="78000"/>
+              </a:schemeClr>
+            </a:gs>
+          </a:gsLst>
+          <a:lin ang="5400000" scaled="0"/>
+        </a:gradFill>
+      </a:fillStyleLst>
+      <a:lnStyleLst>
+        <a:ln w="6350" cap="flat" cmpd="sng" algn="ctr">
+          <a:solidFill>
+            <a:schemeClr val="phClr"/>
+          </a:solidFill>
+          <a:prstDash val="solid"/>
+          <a:miter lim="800000"/>
+        </a:ln>
+        <a:ln w="12700" cap="flat" cmpd="sng" algn="ctr">
+          <a:solidFill>
+            <a:schemeClr val="phClr"/>
+          </a:solidFill>
+          <a:prstDash val="solid"/>
+          <a:miter lim="800000"/>
+        </a:ln>
+        <a:ln w="19050" cap="flat" cmpd="sng" algn="ctr">
+          <a:solidFill>
+            <a:schemeClr val="phClr"/>
+          </a:solidFill>
+          <a:prstDash val="solid"/>
+          <a:miter lim="800000"/>
+        </a:ln>
+      </a:lnStyleLst>
+      <a:effectStyleLst>
+        <a:effectStyle>
+          <a:effectLst/>
+        </a:effectStyle>
+        <a:effectStyle>
+          <a:effectLst/>
+        </a:effectStyle>
+        <a:effectStyle>
+          <a:effectLst>
+            <a:outerShdw blurRad="57150" dist="19050" dir="5400000" algn="ctr" rotWithShape="0">
+              <a:srgbClr val="000000">
+                <a:alpha val="63000"/>
+              </a:srgbClr>
+            </a:outerShdw>
+          </a:effectLst>
+        </a:effectStyle>
+      </a:effectStyleLst>
+      <a:bgFillStyleLst>
+        <a:solidFill>
+          <a:schemeClr val="phClr"/>
+        </a:solidFill>
+        <a:solidFill>
+          <a:schemeClr val="phClr">
+            <a:tint val="95000"/>
+            <a:satMod val="170000"/>
+          </a:schemeClr>
+        </a:solidFill>
+        <a:gradFill rotWithShape="1">
+          <a:gsLst>
+            <a:gs pos="0">
+              <a:schemeClr val="phClr">
+                <a:tint val="93000"/>
+                <a:satMod val="150000"/>
+                <a:shade val="98000"/>
+                <a:lumMod val="102000"/>
+              </a:schemeClr>
+            </a:gs>
+            <a:gs pos="50000">
+              <a:schemeClr val="phClr">
+                <a:tint val="98000"/>
+                <a:satMod val="130000"/>
+                <a:shade val="90000"/>
+                <a:lumMod val="103000"/>
+              </a:schemeClr>
+            </a:gs>
+            <a:gs pos="100000">
+              <a:schemeClr val="phClr">
+                <a:shade val="63000"/>
+                <a:satMod val="120000"/>
+              </a:schemeClr>
+            </a:gs>
+          </a:gsLst>
+          <a:lin ang="5400000" scaled="0"/>
+        </a:gradFill>
+      </a:bgFillStyleLst>
+    </a:fmtScheme>
+  </a:themeElements>
+  <a:objectDefaults/>
+  <a:extraClrSchemeLst/>
+  <a:extLst>
+    <a:ext uri="{05A4C25C-085E-4340-85A3-A5531E510DB2}">
+      <thm15:themeFamily xmlns:thm15="http://schemas.microsoft.com/office/thememl/2012/main" name="Office Theme" id="{62F939B6-93AF-4DB8-9C6B-D6C7DFDC589F}" vid="{4A3C46E8-61CC-4603-A589-7422A47A8E4A}"/>
+    </a:ext>
+  </a:extLst>
+</a:theme>
 </file>
--- a/Documentation/my_news_presentation.pptx
+++ b/Documentation/my_news_presentation.pptx
@@ -207,7 +207,7 @@
           <a:p>
             <a:fld id="{9DAC62F3-80D8-1E48-86C7-1D252185633D}" type="datetimeFigureOut">
               <a:rPr lang="ru-RU" smtClean="0"/>
-              <a:t>13.03.2024</a:t>
+              <a:t>18.03.2024</a:t>
             </a:fld>
             <a:endParaRPr lang="ru-RU"/>
           </a:p>
@@ -705,7 +705,7 @@
           <a:p>
             <a:fld id="{1A7F0E84-8CFE-9449-96ED-4A47FCE21533}" type="datetimeFigureOut">
               <a:rPr lang="ru-RU" smtClean="0"/>
-              <a:t>13.03.2024</a:t>
+              <a:t>18.03.2024</a:t>
             </a:fld>
             <a:endParaRPr lang="ru-RU"/>
           </a:p>
@@ -903,7 +903,7 @@
           <a:p>
             <a:fld id="{1A7F0E84-8CFE-9449-96ED-4A47FCE21533}" type="datetimeFigureOut">
               <a:rPr lang="ru-RU" smtClean="0"/>
-              <a:t>13.03.2024</a:t>
+              <a:t>18.03.2024</a:t>
             </a:fld>
             <a:endParaRPr lang="ru-RU"/>
           </a:p>
@@ -1111,7 +1111,7 @@
           <a:p>
             <a:fld id="{1A7F0E84-8CFE-9449-96ED-4A47FCE21533}" type="datetimeFigureOut">
               <a:rPr lang="ru-RU" smtClean="0"/>
-              <a:t>13.03.2024</a:t>
+              <a:t>18.03.2024</a:t>
             </a:fld>
             <a:endParaRPr lang="ru-RU"/>
           </a:p>
@@ -1309,7 +1309,7 @@
           <a:p>
             <a:fld id="{1A7F0E84-8CFE-9449-96ED-4A47FCE21533}" type="datetimeFigureOut">
               <a:rPr lang="ru-RU" smtClean="0"/>
-              <a:t>13.03.2024</a:t>
+              <a:t>18.03.2024</a:t>
             </a:fld>
             <a:endParaRPr lang="ru-RU"/>
           </a:p>
@@ -1584,7 +1584,7 @@
           <a:p>
             <a:fld id="{1A7F0E84-8CFE-9449-96ED-4A47FCE21533}" type="datetimeFigureOut">
               <a:rPr lang="ru-RU" smtClean="0"/>
-              <a:t>13.03.2024</a:t>
+              <a:t>18.03.2024</a:t>
             </a:fld>
             <a:endParaRPr lang="ru-RU"/>
           </a:p>
@@ -1849,7 +1849,7 @@
           <a:p>
             <a:fld id="{1A7F0E84-8CFE-9449-96ED-4A47FCE21533}" type="datetimeFigureOut">
               <a:rPr lang="ru-RU" smtClean="0"/>
-              <a:t>13.03.2024</a:t>
+              <a:t>18.03.2024</a:t>
             </a:fld>
             <a:endParaRPr lang="ru-RU"/>
           </a:p>
@@ -2261,7 +2261,7 @@
           <a:p>
             <a:fld id="{1A7F0E84-8CFE-9449-96ED-4A47FCE21533}" type="datetimeFigureOut">
               <a:rPr lang="ru-RU" smtClean="0"/>
-              <a:t>13.03.2024</a:t>
+              <a:t>18.03.2024</a:t>
             </a:fld>
             <a:endParaRPr lang="ru-RU"/>
           </a:p>
@@ -2402,7 +2402,7 @@
           <a:p>
             <a:fld id="{1A7F0E84-8CFE-9449-96ED-4A47FCE21533}" type="datetimeFigureOut">
               <a:rPr lang="ru-RU" smtClean="0"/>
-              <a:t>13.03.2024</a:t>
+              <a:t>18.03.2024</a:t>
             </a:fld>
             <a:endParaRPr lang="ru-RU"/>
           </a:p>
@@ -2515,7 +2515,7 @@
           <a:p>
             <a:fld id="{1A7F0E84-8CFE-9449-96ED-4A47FCE21533}" type="datetimeFigureOut">
               <a:rPr lang="ru-RU" smtClean="0"/>
-              <a:t>13.03.2024</a:t>
+              <a:t>18.03.2024</a:t>
             </a:fld>
             <a:endParaRPr lang="ru-RU"/>
           </a:p>
@@ -2826,7 +2826,7 @@
           <a:p>
             <a:fld id="{1A7F0E84-8CFE-9449-96ED-4A47FCE21533}" type="datetimeFigureOut">
               <a:rPr lang="ru-RU" smtClean="0"/>
-              <a:t>13.03.2024</a:t>
+              <a:t>18.03.2024</a:t>
             </a:fld>
             <a:endParaRPr lang="ru-RU"/>
           </a:p>
@@ -3114,7 +3114,7 @@
           <a:p>
             <a:fld id="{1A7F0E84-8CFE-9449-96ED-4A47FCE21533}" type="datetimeFigureOut">
               <a:rPr lang="ru-RU" smtClean="0"/>
-              <a:t>13.03.2024</a:t>
+              <a:t>18.03.2024</a:t>
             </a:fld>
             <a:endParaRPr lang="ru-RU"/>
           </a:p>
@@ -3355,7 +3355,7 @@
           <a:p>
             <a:fld id="{1A7F0E84-8CFE-9449-96ED-4A47FCE21533}" type="datetimeFigureOut">
               <a:rPr lang="ru-RU" smtClean="0"/>
-              <a:t>13.03.2024</a:t>
+              <a:t>18.03.2024</a:t>
             </a:fld>
             <a:endParaRPr lang="ru-RU"/>
           </a:p>
@@ -4586,6 +4586,43 @@
           </a:p>
         </p:txBody>
       </p:sp>
+      <p:sp>
+        <p:nvSpPr>
+          <p:cNvPr id="2" name="Номер слайда 1">
+            <a:extLst>
+              <a:ext uri="{FF2B5EF4-FFF2-40B4-BE49-F238E27FC236}">
+                <a16:creationId xmlns:a16="http://schemas.microsoft.com/office/drawing/2014/main" id="{F12BEA67-8A7E-20FF-97F5-F2EC04399381}"/>
+              </a:ext>
+            </a:extLst>
+          </p:cNvPr>
+          <p:cNvSpPr>
+            <a:spLocks noGrp="1"/>
+          </p:cNvSpPr>
+          <p:nvPr>
+            <p:ph type="sldNum" sz="quarter" idx="12"/>
+          </p:nvPr>
+        </p:nvSpPr>
+        <p:spPr/>
+        <p:txBody>
+          <a:bodyPr/>
+          <a:lstStyle/>
+          <a:p>
+            <a:fld id="{98DC83F7-A2BF-A64B-B6B1-DB03C46AEE3B}" type="slidenum">
+              <a:rPr lang="ru-RU" sz="1600" smtClean="0">
+                <a:solidFill>
+                  <a:schemeClr val="bg1"/>
+                </a:solidFill>
+              </a:rPr>
+              <a:t>10</a:t>
+            </a:fld>
+            <a:endParaRPr lang="ru-RU" sz="1600" dirty="0">
+              <a:solidFill>
+                <a:schemeClr val="bg1"/>
+              </a:solidFill>
+            </a:endParaRPr>
+          </a:p>
+        </p:txBody>
+      </p:sp>
     </p:spTree>
     <p:extLst>
       <p:ext uri="{BB962C8B-B14F-4D97-AF65-F5344CB8AC3E}">
@@ -5319,6 +5356,43 @@
           </a:prstGeom>
         </p:spPr>
       </p:pic>
+      <p:sp>
+        <p:nvSpPr>
+          <p:cNvPr id="5" name="Номер слайда 4">
+            <a:extLst>
+              <a:ext uri="{FF2B5EF4-FFF2-40B4-BE49-F238E27FC236}">
+                <a16:creationId xmlns:a16="http://schemas.microsoft.com/office/drawing/2014/main" id="{9C0D6E77-C032-6FBA-9D12-04FEBCFADC47}"/>
+              </a:ext>
+            </a:extLst>
+          </p:cNvPr>
+          <p:cNvSpPr>
+            <a:spLocks noGrp="1"/>
+          </p:cNvSpPr>
+          <p:nvPr>
+            <p:ph type="sldNum" sz="quarter" idx="12"/>
+          </p:nvPr>
+        </p:nvSpPr>
+        <p:spPr/>
+        <p:txBody>
+          <a:bodyPr/>
+          <a:lstStyle/>
+          <a:p>
+            <a:fld id="{98DC83F7-A2BF-A64B-B6B1-DB03C46AEE3B}" type="slidenum">
+              <a:rPr lang="ru-RU" sz="1600" smtClean="0">
+                <a:solidFill>
+                  <a:schemeClr val="bg1"/>
+                </a:solidFill>
+              </a:rPr>
+              <a:t>11</a:t>
+            </a:fld>
+            <a:endParaRPr lang="ru-RU" dirty="0">
+              <a:solidFill>
+                <a:schemeClr val="bg1"/>
+              </a:solidFill>
+            </a:endParaRPr>
+          </a:p>
+        </p:txBody>
+      </p:sp>
     </p:spTree>
     <p:extLst>
       <p:ext uri="{BB962C8B-B14F-4D97-AF65-F5344CB8AC3E}">
@@ -5615,6 +5689,43 @@
           </a:p>
         </p:txBody>
       </p:sp>
+      <p:sp>
+        <p:nvSpPr>
+          <p:cNvPr id="2" name="Номер слайда 1">
+            <a:extLst>
+              <a:ext uri="{FF2B5EF4-FFF2-40B4-BE49-F238E27FC236}">
+                <a16:creationId xmlns:a16="http://schemas.microsoft.com/office/drawing/2014/main" id="{57F57A55-7EAE-89E4-D541-738B77D70BE0}"/>
+              </a:ext>
+            </a:extLst>
+          </p:cNvPr>
+          <p:cNvSpPr>
+            <a:spLocks noGrp="1"/>
+          </p:cNvSpPr>
+          <p:nvPr>
+            <p:ph type="sldNum" sz="quarter" idx="12"/>
+          </p:nvPr>
+        </p:nvSpPr>
+        <p:spPr/>
+        <p:txBody>
+          <a:bodyPr/>
+          <a:lstStyle/>
+          <a:p>
+            <a:fld id="{98DC83F7-A2BF-A64B-B6B1-DB03C46AEE3B}" type="slidenum">
+              <a:rPr lang="ru-RU" sz="1600" smtClean="0">
+                <a:solidFill>
+                  <a:schemeClr val="bg1"/>
+                </a:solidFill>
+              </a:rPr>
+              <a:t>2</a:t>
+            </a:fld>
+            <a:endParaRPr lang="ru-RU" sz="1600" dirty="0">
+              <a:solidFill>
+                <a:schemeClr val="bg1"/>
+              </a:solidFill>
+            </a:endParaRPr>
+          </a:p>
+        </p:txBody>
+      </p:sp>
     </p:spTree>
     <p:extLst>
       <p:ext uri="{BB962C8B-B14F-4D97-AF65-F5344CB8AC3E}">
@@ -5884,6 +5995,43 @@
           </a:p>
         </p:txBody>
       </p:sp>
+      <p:sp>
+        <p:nvSpPr>
+          <p:cNvPr id="2" name="Номер слайда 1">
+            <a:extLst>
+              <a:ext uri="{FF2B5EF4-FFF2-40B4-BE49-F238E27FC236}">
+                <a16:creationId xmlns:a16="http://schemas.microsoft.com/office/drawing/2014/main" id="{C1F7920D-94C6-5E05-3D4B-53737E1D2854}"/>
+              </a:ext>
+            </a:extLst>
+          </p:cNvPr>
+          <p:cNvSpPr>
+            <a:spLocks noGrp="1"/>
+          </p:cNvSpPr>
+          <p:nvPr>
+            <p:ph type="sldNum" sz="quarter" idx="12"/>
+          </p:nvPr>
+        </p:nvSpPr>
+        <p:spPr/>
+        <p:txBody>
+          <a:bodyPr/>
+          <a:lstStyle/>
+          <a:p>
+            <a:fld id="{98DC83F7-A2BF-A64B-B6B1-DB03C46AEE3B}" type="slidenum">
+              <a:rPr lang="ru-RU" sz="1600" smtClean="0">
+                <a:solidFill>
+                  <a:schemeClr val="bg1"/>
+                </a:solidFill>
+              </a:rPr>
+              <a:t>3</a:t>
+            </a:fld>
+            <a:endParaRPr lang="ru-RU" dirty="0">
+              <a:solidFill>
+                <a:schemeClr val="bg1"/>
+              </a:solidFill>
+            </a:endParaRPr>
+          </a:p>
+        </p:txBody>
+      </p:sp>
     </p:spTree>
     <p:extLst>
       <p:ext uri="{BB962C8B-B14F-4D97-AF65-F5344CB8AC3E}">
@@ -6143,6 +6291,43 @@
           </a:p>
         </p:txBody>
       </p:sp>
+      <p:sp>
+        <p:nvSpPr>
+          <p:cNvPr id="2" name="Номер слайда 1">
+            <a:extLst>
+              <a:ext uri="{FF2B5EF4-FFF2-40B4-BE49-F238E27FC236}">
+                <a16:creationId xmlns:a16="http://schemas.microsoft.com/office/drawing/2014/main" id="{F62D2B6A-4FFE-FEF3-8345-EE1E88FA5175}"/>
+              </a:ext>
+            </a:extLst>
+          </p:cNvPr>
+          <p:cNvSpPr>
+            <a:spLocks noGrp="1"/>
+          </p:cNvSpPr>
+          <p:nvPr>
+            <p:ph type="sldNum" sz="quarter" idx="12"/>
+          </p:nvPr>
+        </p:nvSpPr>
+        <p:spPr/>
+        <p:txBody>
+          <a:bodyPr/>
+          <a:lstStyle/>
+          <a:p>
+            <a:fld id="{98DC83F7-A2BF-A64B-B6B1-DB03C46AEE3B}" type="slidenum">
+              <a:rPr lang="ru-RU" sz="1600" smtClean="0">
+                <a:solidFill>
+                  <a:schemeClr val="bg1"/>
+                </a:solidFill>
+              </a:rPr>
+              <a:t>4</a:t>
+            </a:fld>
+            <a:endParaRPr lang="ru-RU" dirty="0">
+              <a:solidFill>
+                <a:schemeClr val="bg1"/>
+              </a:solidFill>
+            </a:endParaRPr>
+          </a:p>
+        </p:txBody>
+      </p:sp>
     </p:spTree>
     <p:extLst>
       <p:ext uri="{BB962C8B-B14F-4D97-AF65-F5344CB8AC3E}">
@@ -6753,6 +6938,43 @@
           </a:p>
         </p:txBody>
       </p:sp>
+      <p:sp>
+        <p:nvSpPr>
+          <p:cNvPr id="2" name="Номер слайда 1">
+            <a:extLst>
+              <a:ext uri="{FF2B5EF4-FFF2-40B4-BE49-F238E27FC236}">
+                <a16:creationId xmlns:a16="http://schemas.microsoft.com/office/drawing/2014/main" id="{BA706DB4-4C00-B8D4-9801-95C27EDC57A3}"/>
+              </a:ext>
+            </a:extLst>
+          </p:cNvPr>
+          <p:cNvSpPr>
+            <a:spLocks noGrp="1"/>
+          </p:cNvSpPr>
+          <p:nvPr>
+            <p:ph type="sldNum" sz="quarter" idx="12"/>
+          </p:nvPr>
+        </p:nvSpPr>
+        <p:spPr/>
+        <p:txBody>
+          <a:bodyPr/>
+          <a:lstStyle/>
+          <a:p>
+            <a:fld id="{98DC83F7-A2BF-A64B-B6B1-DB03C46AEE3B}" type="slidenum">
+              <a:rPr lang="ru-RU" sz="1600" smtClean="0">
+                <a:solidFill>
+                  <a:schemeClr val="bg1"/>
+                </a:solidFill>
+              </a:rPr>
+              <a:t>5</a:t>
+            </a:fld>
+            <a:endParaRPr lang="ru-RU" sz="1600" dirty="0">
+              <a:solidFill>
+                <a:schemeClr val="bg1"/>
+              </a:solidFill>
+            </a:endParaRPr>
+          </a:p>
+        </p:txBody>
+      </p:sp>
     </p:spTree>
     <p:extLst>
       <p:ext uri="{BB962C8B-B14F-4D97-AF65-F5344CB8AC3E}">
@@ -7225,6 +7447,43 @@
           </a:prstGeom>
         </p:spPr>
       </p:pic>
+      <p:sp>
+        <p:nvSpPr>
+          <p:cNvPr id="2" name="Номер слайда 1">
+            <a:extLst>
+              <a:ext uri="{FF2B5EF4-FFF2-40B4-BE49-F238E27FC236}">
+                <a16:creationId xmlns:a16="http://schemas.microsoft.com/office/drawing/2014/main" id="{E153EF05-2CF9-45CA-0153-86C505AF5347}"/>
+              </a:ext>
+            </a:extLst>
+          </p:cNvPr>
+          <p:cNvSpPr>
+            <a:spLocks noGrp="1"/>
+          </p:cNvSpPr>
+          <p:nvPr>
+            <p:ph type="sldNum" sz="quarter" idx="12"/>
+          </p:nvPr>
+        </p:nvSpPr>
+        <p:spPr/>
+        <p:txBody>
+          <a:bodyPr/>
+          <a:lstStyle/>
+          <a:p>
+            <a:fld id="{98DC83F7-A2BF-A64B-B6B1-DB03C46AEE3B}" type="slidenum">
+              <a:rPr lang="ru-RU" sz="1600" smtClean="0">
+                <a:solidFill>
+                  <a:schemeClr val="bg1"/>
+                </a:solidFill>
+              </a:rPr>
+              <a:t>6</a:t>
+            </a:fld>
+            <a:endParaRPr lang="ru-RU" dirty="0">
+              <a:solidFill>
+                <a:schemeClr val="bg1"/>
+              </a:solidFill>
+            </a:endParaRPr>
+          </a:p>
+        </p:txBody>
+      </p:sp>
     </p:spTree>
     <p:extLst>
       <p:ext uri="{BB962C8B-B14F-4D97-AF65-F5344CB8AC3E}">
@@ -7442,6 +7701,43 @@
           </a:prstGeom>
         </p:spPr>
       </p:pic>
+      <p:sp>
+        <p:nvSpPr>
+          <p:cNvPr id="2" name="Номер слайда 1">
+            <a:extLst>
+              <a:ext uri="{FF2B5EF4-FFF2-40B4-BE49-F238E27FC236}">
+                <a16:creationId xmlns:a16="http://schemas.microsoft.com/office/drawing/2014/main" id="{5693458B-AA81-6398-03CC-FE2CB0147FAD}"/>
+              </a:ext>
+            </a:extLst>
+          </p:cNvPr>
+          <p:cNvSpPr>
+            <a:spLocks noGrp="1"/>
+          </p:cNvSpPr>
+          <p:nvPr>
+            <p:ph type="sldNum" sz="quarter" idx="12"/>
+          </p:nvPr>
+        </p:nvSpPr>
+        <p:spPr/>
+        <p:txBody>
+          <a:bodyPr/>
+          <a:lstStyle/>
+          <a:p>
+            <a:fld id="{98DC83F7-A2BF-A64B-B6B1-DB03C46AEE3B}" type="slidenum">
+              <a:rPr lang="ru-RU" sz="1600" smtClean="0">
+                <a:solidFill>
+                  <a:schemeClr val="tx1"/>
+                </a:solidFill>
+              </a:rPr>
+              <a:t>7</a:t>
+            </a:fld>
+            <a:endParaRPr lang="ru-RU" dirty="0">
+              <a:solidFill>
+                <a:schemeClr val="tx1"/>
+              </a:solidFill>
+            </a:endParaRPr>
+          </a:p>
+        </p:txBody>
+      </p:sp>
     </p:spTree>
     <p:extLst>
       <p:ext uri="{BB962C8B-B14F-4D97-AF65-F5344CB8AC3E}">
@@ -7719,6 +8015,43 @@
           </a:p>
         </p:txBody>
       </p:sp>
+      <p:sp>
+        <p:nvSpPr>
+          <p:cNvPr id="2" name="Номер слайда 1">
+            <a:extLst>
+              <a:ext uri="{FF2B5EF4-FFF2-40B4-BE49-F238E27FC236}">
+                <a16:creationId xmlns:a16="http://schemas.microsoft.com/office/drawing/2014/main" id="{2595ACCD-F31A-38BC-0FE7-D6EC2A1F6520}"/>
+              </a:ext>
+            </a:extLst>
+          </p:cNvPr>
+          <p:cNvSpPr>
+            <a:spLocks noGrp="1"/>
+          </p:cNvSpPr>
+          <p:nvPr>
+            <p:ph type="sldNum" sz="quarter" idx="12"/>
+          </p:nvPr>
+        </p:nvSpPr>
+        <p:spPr/>
+        <p:txBody>
+          <a:bodyPr/>
+          <a:lstStyle/>
+          <a:p>
+            <a:fld id="{98DC83F7-A2BF-A64B-B6B1-DB03C46AEE3B}" type="slidenum">
+              <a:rPr lang="ru-RU" sz="1600" smtClean="0">
+                <a:solidFill>
+                  <a:schemeClr val="bg1"/>
+                </a:solidFill>
+              </a:rPr>
+              <a:t>8</a:t>
+            </a:fld>
+            <a:endParaRPr lang="ru-RU" sz="1600" dirty="0">
+              <a:solidFill>
+                <a:schemeClr val="bg1"/>
+              </a:solidFill>
+            </a:endParaRPr>
+          </a:p>
+        </p:txBody>
+      </p:sp>
     </p:spTree>
     <p:extLst>
       <p:ext uri="{BB962C8B-B14F-4D97-AF65-F5344CB8AC3E}">
@@ -7962,7 +8295,7 @@
         </p:spPr>
         <p:txBody>
           <a:bodyPr>
-            <a:normAutofit fontScale="92500"/>
+            <a:normAutofit lnSpcReduction="10000"/>
           </a:bodyPr>
           <a:lstStyle/>
           <a:p>
@@ -7989,6 +8322,43 @@
               </a:lnSpc>
             </a:pPr>
             <a:endParaRPr lang="ru-RU" sz="3200" dirty="0">
+              <a:solidFill>
+                <a:schemeClr val="bg1"/>
+              </a:solidFill>
+            </a:endParaRPr>
+          </a:p>
+        </p:txBody>
+      </p:sp>
+      <p:sp>
+        <p:nvSpPr>
+          <p:cNvPr id="2" name="Номер слайда 1">
+            <a:extLst>
+              <a:ext uri="{FF2B5EF4-FFF2-40B4-BE49-F238E27FC236}">
+                <a16:creationId xmlns:a16="http://schemas.microsoft.com/office/drawing/2014/main" id="{330DD1FD-C30C-387C-5DFE-7CD109B7C145}"/>
+              </a:ext>
+            </a:extLst>
+          </p:cNvPr>
+          <p:cNvSpPr>
+            <a:spLocks noGrp="1"/>
+          </p:cNvSpPr>
+          <p:nvPr>
+            <p:ph type="sldNum" sz="quarter" idx="12"/>
+          </p:nvPr>
+        </p:nvSpPr>
+        <p:spPr/>
+        <p:txBody>
+          <a:bodyPr/>
+          <a:lstStyle/>
+          <a:p>
+            <a:fld id="{98DC83F7-A2BF-A64B-B6B1-DB03C46AEE3B}" type="slidenum">
+              <a:rPr lang="ru-RU" sz="1600" smtClean="0">
+                <a:solidFill>
+                  <a:schemeClr val="bg1"/>
+                </a:solidFill>
+              </a:rPr>
+              <a:t>9</a:t>
+            </a:fld>
+            <a:endParaRPr lang="ru-RU" dirty="0">
               <a:solidFill>
                 <a:schemeClr val="bg1"/>
               </a:solidFill>

--- a/Documentation/my_news_presentation.pptx
+++ b/Documentation/my_news_presentation.pptx
@@ -5,20 +5,21 @@
     <p:sldMasterId id="2147483648" r:id="rId1"/>
   </p:sldMasterIdLst>
   <p:notesMasterIdLst>
-    <p:notesMasterId r:id="rId13"/>
+    <p:notesMasterId r:id="rId14"/>
   </p:notesMasterIdLst>
   <p:sldIdLst>
     <p:sldId id="256" r:id="rId2"/>
     <p:sldId id="257" r:id="rId3"/>
-    <p:sldId id="258" r:id="rId4"/>
-    <p:sldId id="267" r:id="rId5"/>
-    <p:sldId id="260" r:id="rId6"/>
-    <p:sldId id="259" r:id="rId7"/>
-    <p:sldId id="268" r:id="rId8"/>
-    <p:sldId id="262" r:id="rId9"/>
-    <p:sldId id="269" r:id="rId10"/>
-    <p:sldId id="261" r:id="rId11"/>
-    <p:sldId id="266" r:id="rId12"/>
+    <p:sldId id="259" r:id="rId4"/>
+    <p:sldId id="258" r:id="rId5"/>
+    <p:sldId id="267" r:id="rId6"/>
+    <p:sldId id="270" r:id="rId7"/>
+    <p:sldId id="260" r:id="rId8"/>
+    <p:sldId id="268" r:id="rId9"/>
+    <p:sldId id="262" r:id="rId10"/>
+    <p:sldId id="269" r:id="rId11"/>
+    <p:sldId id="261" r:id="rId12"/>
+    <p:sldId id="266" r:id="rId13"/>
   </p:sldIdLst>
   <p:sldSz cx="12192000" cy="6858000"/>
   <p:notesSz cx="6858000" cy="9144000"/>
@@ -207,7 +208,7 @@
           <a:p>
             <a:fld id="{9DAC62F3-80D8-1E48-86C7-1D252185633D}" type="datetimeFigureOut">
               <a:rPr lang="ru-RU" smtClean="0"/>
-              <a:t>18.03.2024</a:t>
+              <a:t>30.05.2024</a:t>
             </a:fld>
             <a:endParaRPr lang="ru-RU"/>
           </a:p>
@@ -539,7 +540,7 @@
           <a:p>
             <a:fld id="{06EA4D69-F075-B441-9253-1E8176C0CB11}" type="slidenum">
               <a:rPr lang="ru-RU" smtClean="0"/>
-              <a:t>3</a:t>
+              <a:t>4</a:t>
             </a:fld>
             <a:endParaRPr lang="ru-RU"/>
           </a:p>
@@ -549,6 +550,90 @@
     <p:extLst>
       <p:ext uri="{BB962C8B-B14F-4D97-AF65-F5344CB8AC3E}">
         <p14:creationId xmlns:p14="http://schemas.microsoft.com/office/powerpoint/2010/main" val="3813264933"/>
+      </p:ext>
+    </p:extLst>
+  </p:cSld>
+  <p:clrMapOvr>
+    <a:masterClrMapping/>
+  </p:clrMapOvr>
+</p:notes>
+</file>
+
+<file path=ppt/notesSlides/notesSlide2.xml><?xml version="1.0" encoding="utf-8"?>
+<p:notes xmlns:a="http://schemas.openxmlformats.org/drawingml/2006/main" xmlns:r="http://schemas.openxmlformats.org/officeDocument/2006/relationships" xmlns:p="http://schemas.openxmlformats.org/presentationml/2006/main">
+  <p:cSld>
+    <p:spTree>
+      <p:nvGrpSpPr>
+        <p:cNvPr id="1" name=""/>
+        <p:cNvGrpSpPr/>
+        <p:nvPr/>
+      </p:nvGrpSpPr>
+      <p:grpSpPr>
+        <a:xfrm>
+          <a:off x="0" y="0"/>
+          <a:ext cx="0" cy="0"/>
+          <a:chOff x="0" y="0"/>
+          <a:chExt cx="0" cy="0"/>
+        </a:xfrm>
+      </p:grpSpPr>
+      <p:sp>
+        <p:nvSpPr>
+          <p:cNvPr id="2" name="Образ слайда 1"/>
+          <p:cNvSpPr>
+            <a:spLocks noGrp="1" noRot="1" noChangeAspect="1"/>
+          </p:cNvSpPr>
+          <p:nvPr>
+            <p:ph type="sldImg"/>
+          </p:nvPr>
+        </p:nvSpPr>
+        <p:spPr/>
+      </p:sp>
+      <p:sp>
+        <p:nvSpPr>
+          <p:cNvPr id="3" name="Заметки 2"/>
+          <p:cNvSpPr>
+            <a:spLocks noGrp="1"/>
+          </p:cNvSpPr>
+          <p:nvPr>
+            <p:ph type="body" idx="1"/>
+          </p:nvPr>
+        </p:nvSpPr>
+        <p:spPr/>
+        <p:txBody>
+          <a:bodyPr/>
+          <a:lstStyle/>
+          <a:p>
+            <a:endParaRPr lang="ru-RU" dirty="0"/>
+          </a:p>
+        </p:txBody>
+      </p:sp>
+      <p:sp>
+        <p:nvSpPr>
+          <p:cNvPr id="4" name="Номер слайда 3"/>
+          <p:cNvSpPr>
+            <a:spLocks noGrp="1"/>
+          </p:cNvSpPr>
+          <p:nvPr>
+            <p:ph type="sldNum" sz="quarter" idx="5"/>
+          </p:nvPr>
+        </p:nvSpPr>
+        <p:spPr/>
+        <p:txBody>
+          <a:bodyPr/>
+          <a:lstStyle/>
+          <a:p>
+            <a:fld id="{06EA4D69-F075-B441-9253-1E8176C0CB11}" type="slidenum">
+              <a:rPr lang="ru-RU" smtClean="0"/>
+              <a:t>6</a:t>
+            </a:fld>
+            <a:endParaRPr lang="ru-RU"/>
+          </a:p>
+        </p:txBody>
+      </p:sp>
+    </p:spTree>
+    <p:extLst>
+      <p:ext uri="{BB962C8B-B14F-4D97-AF65-F5344CB8AC3E}">
+        <p14:creationId xmlns:p14="http://schemas.microsoft.com/office/powerpoint/2010/main" val="3002593832"/>
       </p:ext>
     </p:extLst>
   </p:cSld>
@@ -705,7 +790,7 @@
           <a:p>
             <a:fld id="{1A7F0E84-8CFE-9449-96ED-4A47FCE21533}" type="datetimeFigureOut">
               <a:rPr lang="ru-RU" smtClean="0"/>
-              <a:t>18.03.2024</a:t>
+              <a:t>30.05.2024</a:t>
             </a:fld>
             <a:endParaRPr lang="ru-RU"/>
           </a:p>
@@ -903,7 +988,7 @@
           <a:p>
             <a:fld id="{1A7F0E84-8CFE-9449-96ED-4A47FCE21533}" type="datetimeFigureOut">
               <a:rPr lang="ru-RU" smtClean="0"/>
-              <a:t>18.03.2024</a:t>
+              <a:t>30.05.2024</a:t>
             </a:fld>
             <a:endParaRPr lang="ru-RU"/>
           </a:p>
@@ -1111,7 +1196,7 @@
           <a:p>
             <a:fld id="{1A7F0E84-8CFE-9449-96ED-4A47FCE21533}" type="datetimeFigureOut">
               <a:rPr lang="ru-RU" smtClean="0"/>
-              <a:t>18.03.2024</a:t>
+              <a:t>30.05.2024</a:t>
             </a:fld>
             <a:endParaRPr lang="ru-RU"/>
           </a:p>
@@ -1309,7 +1394,7 @@
           <a:p>
             <a:fld id="{1A7F0E84-8CFE-9449-96ED-4A47FCE21533}" type="datetimeFigureOut">
               <a:rPr lang="ru-RU" smtClean="0"/>
-              <a:t>18.03.2024</a:t>
+              <a:t>30.05.2024</a:t>
             </a:fld>
             <a:endParaRPr lang="ru-RU"/>
           </a:p>
@@ -1584,7 +1669,7 @@
           <a:p>
             <a:fld id="{1A7F0E84-8CFE-9449-96ED-4A47FCE21533}" type="datetimeFigureOut">
               <a:rPr lang="ru-RU" smtClean="0"/>
-              <a:t>18.03.2024</a:t>
+              <a:t>30.05.2024</a:t>
             </a:fld>
             <a:endParaRPr lang="ru-RU"/>
           </a:p>
@@ -1849,7 +1934,7 @@
           <a:p>
             <a:fld id="{1A7F0E84-8CFE-9449-96ED-4A47FCE21533}" type="datetimeFigureOut">
               <a:rPr lang="ru-RU" smtClean="0"/>
-              <a:t>18.03.2024</a:t>
+              <a:t>30.05.2024</a:t>
             </a:fld>
             <a:endParaRPr lang="ru-RU"/>
           </a:p>
@@ -2261,7 +2346,7 @@
           <a:p>
             <a:fld id="{1A7F0E84-8CFE-9449-96ED-4A47FCE21533}" type="datetimeFigureOut">
               <a:rPr lang="ru-RU" smtClean="0"/>
-              <a:t>18.03.2024</a:t>
+              <a:t>30.05.2024</a:t>
             </a:fld>
             <a:endParaRPr lang="ru-RU"/>
           </a:p>
@@ -2402,7 +2487,7 @@
           <a:p>
             <a:fld id="{1A7F0E84-8CFE-9449-96ED-4A47FCE21533}" type="datetimeFigureOut">
               <a:rPr lang="ru-RU" smtClean="0"/>
-              <a:t>18.03.2024</a:t>
+              <a:t>30.05.2024</a:t>
             </a:fld>
             <a:endParaRPr lang="ru-RU"/>
           </a:p>
@@ -2515,7 +2600,7 @@
           <a:p>
             <a:fld id="{1A7F0E84-8CFE-9449-96ED-4A47FCE21533}" type="datetimeFigureOut">
               <a:rPr lang="ru-RU" smtClean="0"/>
-              <a:t>18.03.2024</a:t>
+              <a:t>30.05.2024</a:t>
             </a:fld>
             <a:endParaRPr lang="ru-RU"/>
           </a:p>
@@ -2826,7 +2911,7 @@
           <a:p>
             <a:fld id="{1A7F0E84-8CFE-9449-96ED-4A47FCE21533}" type="datetimeFigureOut">
               <a:rPr lang="ru-RU" smtClean="0"/>
-              <a:t>18.03.2024</a:t>
+              <a:t>30.05.2024</a:t>
             </a:fld>
             <a:endParaRPr lang="ru-RU"/>
           </a:p>
@@ -3114,7 +3199,7 @@
           <a:p>
             <a:fld id="{1A7F0E84-8CFE-9449-96ED-4A47FCE21533}" type="datetimeFigureOut">
               <a:rPr lang="ru-RU" smtClean="0"/>
-              <a:t>18.03.2024</a:t>
+              <a:t>30.05.2024</a:t>
             </a:fld>
             <a:endParaRPr lang="ru-RU"/>
           </a:p>
@@ -3355,7 +3440,7 @@
           <a:p>
             <a:fld id="{1A7F0E84-8CFE-9449-96ED-4A47FCE21533}" type="datetimeFigureOut">
               <a:rPr lang="ru-RU" smtClean="0"/>
-              <a:t>18.03.2024</a:t>
+              <a:t>30.05.2024</a:t>
             </a:fld>
             <a:endParaRPr lang="ru-RU"/>
           </a:p>
@@ -3786,7 +3871,7 @@
         </p:nvSpPr>
         <p:spPr>
           <a:xfrm>
-            <a:off x="0" y="1"/>
+            <a:off x="-167089" y="-136620"/>
             <a:ext cx="12526178" cy="7293166"/>
           </a:xfrm>
           <a:prstGeom prst="rect">
@@ -4021,7 +4106,7 @@
         </p:spPr>
         <p:txBody>
           <a:bodyPr vert="horz" lIns="91440" tIns="45720" rIns="91440" bIns="45720" rtlCol="0">
-            <a:normAutofit fontScale="92500" lnSpcReduction="10000"/>
+            <a:normAutofit/>
           </a:bodyPr>
           <a:lstStyle>
             <a:lvl1pPr marL="0" indent="0" algn="ctr" defTabSz="914400" rtl="0" eaLnBrk="1" latinLnBrk="0" hangingPunct="1">
@@ -4222,17 +4307,6 @@
                 </a:solidFill>
               </a:rPr>
               <a:t>Вадим Михайлов</a:t>
-            </a:r>
-          </a:p>
-          <a:p>
-            <a:pPr algn="l"/>
-            <a:r>
-              <a:rPr lang="ru-RU" sz="2000" dirty="0">
-                <a:solidFill>
-                  <a:schemeClr val="bg1"/>
-                </a:solidFill>
-              </a:rPr>
-              <a:t>Поляков Артем</a:t>
             </a:r>
           </a:p>
           <a:p>
@@ -4292,7 +4366,7 @@
         </p:nvSpPr>
         <p:spPr>
           <a:xfrm>
-            <a:off x="0" y="-1"/>
+            <a:off x="-109939" y="-115984"/>
             <a:ext cx="12411878" cy="7089967"/>
           </a:xfrm>
           <a:prstGeom prst="rect">
@@ -4397,8 +4471,8 @@
         </p:nvSpPr>
         <p:spPr>
           <a:xfrm>
-            <a:off x="0" y="0"/>
-            <a:ext cx="8115300" cy="1122363"/>
+            <a:off x="-1" y="0"/>
+            <a:ext cx="11231217" cy="1122363"/>
           </a:xfrm>
         </p:spPr>
         <p:txBody>
@@ -4414,7 +4488,7 @@
                   <a:schemeClr val="bg1"/>
                 </a:solidFill>
               </a:rPr>
-              <a:t>Команда</a:t>
+              <a:t>План развития</a:t>
             </a:r>
           </a:p>
         </p:txBody>
@@ -4435,8 +4509,8 @@
         </p:nvCxnSpPr>
         <p:spPr>
           <a:xfrm flipV="1">
-            <a:off x="0" y="1244909"/>
-            <a:ext cx="5459506" cy="1"/>
+            <a:off x="0" y="1244911"/>
+            <a:ext cx="4293031" cy="1"/>
           </a:xfrm>
           <a:prstGeom prst="line">
             <a:avLst/>
@@ -4481,7 +4555,7 @@
         <p:spPr>
           <a:xfrm>
             <a:off x="19877" y="1351720"/>
-            <a:ext cx="9883539" cy="5685183"/>
+            <a:ext cx="10580963" cy="5685183"/>
           </a:xfrm>
           <a:solidFill>
             <a:schemeClr val="accent6">
@@ -4505,24 +4579,19 @@
                 <a:solidFill>
                   <a:schemeClr val="bg1"/>
                 </a:solidFill>
+                <a:latin typeface="Helvetica Neue" panose="02000503000000020004" pitchFamily="2" charset="0"/>
               </a:rPr>
-              <a:t>Вадим Михайлов – </a:t>
-            </a:r>
-            <a:r>
-              <a:rPr lang="en-US" sz="3200" dirty="0">
+              <a:t>1. С</a:t>
+            </a:r>
+            <a:r>
+              <a:rPr lang="ru-RU" sz="3200" dirty="0">
                 <a:solidFill>
                   <a:schemeClr val="bg1"/>
                 </a:solidFill>
+                <a:effectLst/>
+                <a:latin typeface="Helvetica Neue" panose="02000503000000020004" pitchFamily="2" charset="0"/>
               </a:rPr>
-              <a:t>Team Lead, Backend </a:t>
-            </a:r>
-            <a:r>
-              <a:rPr lang="ru-RU" sz="3200" dirty="0">
-                <a:solidFill>
-                  <a:schemeClr val="bg1"/>
-                </a:solidFill>
-              </a:rPr>
-              <a:t>разработчик</a:t>
+              <a:t>оздание возможности премиум подписки</a:t>
             </a:r>
           </a:p>
           <a:p>
@@ -4536,32 +4605,26 @@
                 <a:solidFill>
                   <a:schemeClr val="bg1"/>
                 </a:solidFill>
+                <a:effectLst/>
+                <a:latin typeface="Helvetica Neue" panose="02000503000000020004" pitchFamily="2" charset="0"/>
               </a:rPr>
-              <a:t>Артем Поляков – </a:t>
-            </a:r>
-            <a:r>
-              <a:rPr lang="en-US" sz="3200" dirty="0">
+              <a:t>2. Мобильное приложение</a:t>
+            </a:r>
+          </a:p>
+          <a:p>
+            <a:pPr algn="l">
+              <a:lnSpc>
+                <a:spcPct val="200000"/>
+              </a:lnSpc>
+            </a:pPr>
+            <a:r>
+              <a:rPr lang="ru-RU" sz="3200" dirty="0">
                 <a:solidFill>
                   <a:schemeClr val="bg1"/>
                 </a:solidFill>
+                <a:latin typeface="Helvetica Neue" panose="02000503000000020004" pitchFamily="2" charset="0"/>
               </a:rPr>
-              <a:t>Frontend </a:t>
-            </a:r>
-            <a:r>
-              <a:rPr lang="ru-RU" sz="3200" dirty="0">
-                <a:solidFill>
-                  <a:schemeClr val="bg1"/>
-                </a:solidFill>
-              </a:rPr>
-              <a:t>разработчик, </a:t>
-            </a:r>
-            <a:r>
-              <a:rPr lang="en-US" sz="3200" dirty="0">
-                <a:solidFill>
-                  <a:schemeClr val="bg1"/>
-                </a:solidFill>
-              </a:rPr>
-              <a:t>QA-engineer</a:t>
+              <a:t>3. Более эксклюзивный контент</a:t>
             </a:r>
             <a:endParaRPr lang="ru-RU" sz="3200" dirty="0">
               <a:solidFill>
@@ -4569,21 +4632,6 @@
               </a:solidFill>
             </a:endParaRPr>
           </a:p>
-          <a:p>
-            <a:pPr algn="l">
-              <a:lnSpc>
-                <a:spcPct val="200000"/>
-              </a:lnSpc>
-            </a:pPr>
-            <a:r>
-              <a:rPr lang="ru-RU" sz="3200" dirty="0">
-                <a:solidFill>
-                  <a:schemeClr val="bg1"/>
-                </a:solidFill>
-              </a:rPr>
-              <a:t>Денис Рындин – Дизайнер, Бизнес аналитик</a:t>
-            </a:r>
-          </a:p>
         </p:txBody>
       </p:sp>
       <p:sp>
@@ -4591,7 +4639,7 @@
           <p:cNvPr id="2" name="Номер слайда 1">
             <a:extLst>
               <a:ext uri="{FF2B5EF4-FFF2-40B4-BE49-F238E27FC236}">
-                <a16:creationId xmlns:a16="http://schemas.microsoft.com/office/drawing/2014/main" id="{F12BEA67-8A7E-20FF-97F5-F2EC04399381}"/>
+                <a16:creationId xmlns:a16="http://schemas.microsoft.com/office/drawing/2014/main" id="{330DD1FD-C30C-387C-5DFE-7CD109B7C145}"/>
               </a:ext>
             </a:extLst>
           </p:cNvPr>
@@ -4615,7 +4663,7 @@
               </a:rPr>
               <a:t>10</a:t>
             </a:fld>
-            <a:endParaRPr lang="ru-RU" sz="1600" dirty="0">
+            <a:endParaRPr lang="ru-RU" dirty="0">
               <a:solidFill>
                 <a:schemeClr val="bg1"/>
               </a:solidFill>
@@ -4623,10 +4671,46 @@
           </a:p>
         </p:txBody>
       </p:sp>
+      <p:pic>
+        <p:nvPicPr>
+          <p:cNvPr id="3" name="Рисунок 2" descr="Газета">
+            <a:extLst>
+              <a:ext uri="{FF2B5EF4-FFF2-40B4-BE49-F238E27FC236}">
+                <a16:creationId xmlns:a16="http://schemas.microsoft.com/office/drawing/2014/main" id="{897EBF78-D315-6FD8-5B7C-D661207351C8}"/>
+              </a:ext>
+            </a:extLst>
+          </p:cNvPr>
+          <p:cNvPicPr>
+            <a:picLocks noChangeAspect="1"/>
+          </p:cNvPicPr>
+          <p:nvPr/>
+        </p:nvPicPr>
+        <p:blipFill>
+          <a:blip r:embed="rId2">
+            <a:extLst>
+              <a:ext uri="{96DAC541-7B7A-43D3-8B79-37D633B846F1}">
+                <asvg:svgBlip xmlns:asvg="http://schemas.microsoft.com/office/drawing/2016/SVG/main" r:embed="rId3"/>
+              </a:ext>
+            </a:extLst>
+          </a:blip>
+          <a:stretch>
+            <a:fillRect/>
+          </a:stretch>
+        </p:blipFill>
+        <p:spPr>
+          <a:xfrm>
+            <a:off x="11046397" y="-76442"/>
+            <a:ext cx="1255542" cy="1255542"/>
+          </a:xfrm>
+          <a:prstGeom prst="rect">
+            <a:avLst/>
+          </a:prstGeom>
+        </p:spPr>
+      </p:pic>
     </p:spTree>
     <p:extLst>
       <p:ext uri="{BB962C8B-B14F-4D97-AF65-F5344CB8AC3E}">
-        <p14:creationId xmlns:p14="http://schemas.microsoft.com/office/powerpoint/2010/main" val="1677279453"/>
+        <p14:creationId xmlns:p14="http://schemas.microsoft.com/office/powerpoint/2010/main" val="1453286986"/>
       </p:ext>
     </p:extLst>
   </p:cSld>
@@ -4667,6 +4751,389 @@
         </p:nvSpPr>
         <p:spPr>
           <a:xfrm>
+            <a:off x="-109939" y="-115984"/>
+            <a:ext cx="12411878" cy="7089967"/>
+          </a:xfrm>
+          <a:prstGeom prst="rect">
+            <a:avLst/>
+          </a:prstGeom>
+          <a:solidFill>
+            <a:schemeClr val="accent6">
+              <a:lumMod val="75000"/>
+            </a:schemeClr>
+          </a:solidFill>
+          <a:ln>
+            <a:solidFill>
+              <a:schemeClr val="tx2">
+                <a:lumMod val="75000"/>
+              </a:schemeClr>
+            </a:solidFill>
+          </a:ln>
+        </p:spPr>
+        <p:style>
+          <a:lnRef idx="2">
+            <a:schemeClr val="accent1">
+              <a:shade val="50000"/>
+            </a:schemeClr>
+          </a:lnRef>
+          <a:fillRef idx="1">
+            <a:schemeClr val="accent1"/>
+          </a:fillRef>
+          <a:effectRef idx="0">
+            <a:schemeClr val="accent1"/>
+          </a:effectRef>
+          <a:fontRef idx="minor">
+            <a:schemeClr val="lt1"/>
+          </a:fontRef>
+        </p:style>
+        <p:txBody>
+          <a:bodyPr rtlCol="0" anchor="ctr"/>
+          <a:lstStyle/>
+          <a:p>
+            <a:pPr algn="ctr"/>
+            <a:endParaRPr lang="ru-RU" dirty="0"/>
+          </a:p>
+        </p:txBody>
+      </p:sp>
+      <p:cxnSp>
+        <p:nvCxnSpPr>
+          <p:cNvPr id="7" name="Прямая соединительная линия 6">
+            <a:extLst>
+              <a:ext uri="{FF2B5EF4-FFF2-40B4-BE49-F238E27FC236}">
+                <a16:creationId xmlns:a16="http://schemas.microsoft.com/office/drawing/2014/main" id="{34978BEC-136A-4E47-BCE9-00C9BB0B3470}"/>
+              </a:ext>
+            </a:extLst>
+          </p:cNvPr>
+          <p:cNvCxnSpPr>
+            <a:cxnSpLocks noChangeAspect="1"/>
+          </p:cNvCxnSpPr>
+          <p:nvPr/>
+        </p:nvCxnSpPr>
+        <p:spPr>
+          <a:xfrm>
+            <a:off x="12192000" y="3507253"/>
+            <a:ext cx="0" cy="1"/>
+          </a:xfrm>
+          <a:prstGeom prst="line">
+            <a:avLst/>
+          </a:prstGeom>
+          <a:ln w="25400">
+            <a:solidFill>
+              <a:srgbClr val="7E7626"/>
+            </a:solidFill>
+          </a:ln>
+        </p:spPr>
+        <p:style>
+          <a:lnRef idx="1">
+            <a:schemeClr val="accent4"/>
+          </a:lnRef>
+          <a:fillRef idx="0">
+            <a:schemeClr val="accent4"/>
+          </a:fillRef>
+          <a:effectRef idx="0">
+            <a:schemeClr val="accent4"/>
+          </a:effectRef>
+          <a:fontRef idx="minor">
+            <a:schemeClr val="tx1"/>
+          </a:fontRef>
+        </p:style>
+      </p:cxnSp>
+      <p:sp>
+        <p:nvSpPr>
+          <p:cNvPr id="6" name="Заголовок 5">
+            <a:extLst>
+              <a:ext uri="{FF2B5EF4-FFF2-40B4-BE49-F238E27FC236}">
+                <a16:creationId xmlns:a16="http://schemas.microsoft.com/office/drawing/2014/main" id="{D1BC7640-34E6-2F43-A800-C116881BBF44}"/>
+              </a:ext>
+            </a:extLst>
+          </p:cNvPr>
+          <p:cNvSpPr>
+            <a:spLocks noGrp="1"/>
+          </p:cNvSpPr>
+          <p:nvPr>
+            <p:ph type="ctrTitle"/>
+          </p:nvPr>
+        </p:nvSpPr>
+        <p:spPr>
+          <a:xfrm>
+            <a:off x="0" y="0"/>
+            <a:ext cx="8115300" cy="1122363"/>
+          </a:xfrm>
+        </p:spPr>
+        <p:txBody>
+          <a:bodyPr>
+            <a:normAutofit/>
+          </a:bodyPr>
+          <a:lstStyle/>
+          <a:p>
+            <a:pPr algn="l"/>
+            <a:r>
+              <a:rPr lang="ru-RU" sz="4800" b="1" dirty="0">
+                <a:solidFill>
+                  <a:schemeClr val="bg1"/>
+                </a:solidFill>
+              </a:rPr>
+              <a:t>Команда</a:t>
+            </a:r>
+          </a:p>
+        </p:txBody>
+      </p:sp>
+      <p:cxnSp>
+        <p:nvCxnSpPr>
+          <p:cNvPr id="9" name="Прямая соединительная линия 8">
+            <a:extLst>
+              <a:ext uri="{FF2B5EF4-FFF2-40B4-BE49-F238E27FC236}">
+                <a16:creationId xmlns:a16="http://schemas.microsoft.com/office/drawing/2014/main" id="{7D967C6B-E15F-AF4B-81EE-340FAC37DCE6}"/>
+              </a:ext>
+            </a:extLst>
+          </p:cNvPr>
+          <p:cNvCxnSpPr>
+            <a:cxnSpLocks/>
+          </p:cNvCxnSpPr>
+          <p:nvPr/>
+        </p:nvCxnSpPr>
+        <p:spPr>
+          <a:xfrm flipV="1">
+            <a:off x="0" y="1244909"/>
+            <a:ext cx="5459506" cy="1"/>
+          </a:xfrm>
+          <a:prstGeom prst="line">
+            <a:avLst/>
+          </a:prstGeom>
+          <a:ln w="34925">
+            <a:solidFill>
+              <a:srgbClr val="AB7942"/>
+            </a:solidFill>
+          </a:ln>
+        </p:spPr>
+        <p:style>
+          <a:lnRef idx="1">
+            <a:schemeClr val="accent1"/>
+          </a:lnRef>
+          <a:fillRef idx="0">
+            <a:schemeClr val="accent1"/>
+          </a:fillRef>
+          <a:effectRef idx="0">
+            <a:schemeClr val="accent1"/>
+          </a:effectRef>
+          <a:fontRef idx="minor">
+            <a:schemeClr val="tx1"/>
+          </a:fontRef>
+        </p:style>
+      </p:cxnSp>
+      <p:sp>
+        <p:nvSpPr>
+          <p:cNvPr id="15" name="Подзаголовок 2">
+            <a:extLst>
+              <a:ext uri="{FF2B5EF4-FFF2-40B4-BE49-F238E27FC236}">
+                <a16:creationId xmlns:a16="http://schemas.microsoft.com/office/drawing/2014/main" id="{921A7523-3711-4842-B7A9-F23827BC8A44}"/>
+              </a:ext>
+            </a:extLst>
+          </p:cNvPr>
+          <p:cNvSpPr>
+            <a:spLocks noGrp="1"/>
+          </p:cNvSpPr>
+          <p:nvPr>
+            <p:ph type="subTitle" idx="1"/>
+          </p:nvPr>
+        </p:nvSpPr>
+        <p:spPr>
+          <a:xfrm>
+            <a:off x="19877" y="1351720"/>
+            <a:ext cx="12282062" cy="5685183"/>
+          </a:xfrm>
+          <a:solidFill>
+            <a:schemeClr val="accent6">
+              <a:lumMod val="75000"/>
+            </a:schemeClr>
+          </a:solidFill>
+        </p:spPr>
+        <p:txBody>
+          <a:bodyPr>
+            <a:normAutofit/>
+          </a:bodyPr>
+          <a:lstStyle/>
+          <a:p>
+            <a:pPr algn="l">
+              <a:lnSpc>
+                <a:spcPct val="200000"/>
+              </a:lnSpc>
+            </a:pPr>
+            <a:r>
+              <a:rPr lang="ru-RU" sz="3200" dirty="0">
+                <a:solidFill>
+                  <a:schemeClr val="bg1"/>
+                </a:solidFill>
+              </a:rPr>
+              <a:t>Вадим Михайлов – </a:t>
+            </a:r>
+            <a:r>
+              <a:rPr lang="en-US" sz="3200" dirty="0">
+                <a:solidFill>
+                  <a:schemeClr val="bg1"/>
+                </a:solidFill>
+              </a:rPr>
+              <a:t>Team Lead, Full-stack </a:t>
+            </a:r>
+            <a:r>
+              <a:rPr lang="ru-RU" sz="3200" dirty="0">
+                <a:solidFill>
+                  <a:schemeClr val="bg1"/>
+                </a:solidFill>
+              </a:rPr>
+              <a:t>разработчик</a:t>
+            </a:r>
+          </a:p>
+          <a:p>
+            <a:pPr algn="l">
+              <a:lnSpc>
+                <a:spcPct val="200000"/>
+              </a:lnSpc>
+            </a:pPr>
+            <a:r>
+              <a:rPr lang="ru-RU" sz="3200" dirty="0">
+                <a:solidFill>
+                  <a:schemeClr val="bg1"/>
+                </a:solidFill>
+              </a:rPr>
+              <a:t>Денис Рындин – Дизайнер, Бизнес аналитик</a:t>
+            </a:r>
+            <a:r>
+              <a:rPr lang="en-US" sz="3200" dirty="0">
+                <a:solidFill>
+                  <a:schemeClr val="bg1"/>
+                </a:solidFill>
+              </a:rPr>
+              <a:t>, Frontend </a:t>
+            </a:r>
+            <a:r>
+              <a:rPr lang="ru-RU" sz="3200" dirty="0">
+                <a:solidFill>
+                  <a:schemeClr val="bg1"/>
+                </a:solidFill>
+              </a:rPr>
+              <a:t>разработчик</a:t>
+            </a:r>
+          </a:p>
+        </p:txBody>
+      </p:sp>
+      <p:sp>
+        <p:nvSpPr>
+          <p:cNvPr id="2" name="Номер слайда 1">
+            <a:extLst>
+              <a:ext uri="{FF2B5EF4-FFF2-40B4-BE49-F238E27FC236}">
+                <a16:creationId xmlns:a16="http://schemas.microsoft.com/office/drawing/2014/main" id="{F12BEA67-8A7E-20FF-97F5-F2EC04399381}"/>
+              </a:ext>
+            </a:extLst>
+          </p:cNvPr>
+          <p:cNvSpPr>
+            <a:spLocks noGrp="1"/>
+          </p:cNvSpPr>
+          <p:nvPr>
+            <p:ph type="sldNum" sz="quarter" idx="12"/>
+          </p:nvPr>
+        </p:nvSpPr>
+        <p:spPr/>
+        <p:txBody>
+          <a:bodyPr/>
+          <a:lstStyle/>
+          <a:p>
+            <a:fld id="{98DC83F7-A2BF-A64B-B6B1-DB03C46AEE3B}" type="slidenum">
+              <a:rPr lang="ru-RU" sz="1600" smtClean="0">
+                <a:solidFill>
+                  <a:schemeClr val="bg1"/>
+                </a:solidFill>
+              </a:rPr>
+              <a:t>11</a:t>
+            </a:fld>
+            <a:endParaRPr lang="ru-RU" sz="1600" dirty="0">
+              <a:solidFill>
+                <a:schemeClr val="bg1"/>
+              </a:solidFill>
+            </a:endParaRPr>
+          </a:p>
+        </p:txBody>
+      </p:sp>
+      <p:pic>
+        <p:nvPicPr>
+          <p:cNvPr id="3" name="Рисунок 2" descr="Газета">
+            <a:extLst>
+              <a:ext uri="{FF2B5EF4-FFF2-40B4-BE49-F238E27FC236}">
+                <a16:creationId xmlns:a16="http://schemas.microsoft.com/office/drawing/2014/main" id="{ECEF1EAF-D6D7-16C5-8EF1-49016D299493}"/>
+              </a:ext>
+            </a:extLst>
+          </p:cNvPr>
+          <p:cNvPicPr>
+            <a:picLocks noChangeAspect="1"/>
+          </p:cNvPicPr>
+          <p:nvPr/>
+        </p:nvPicPr>
+        <p:blipFill>
+          <a:blip r:embed="rId2">
+            <a:extLst>
+              <a:ext uri="{96DAC541-7B7A-43D3-8B79-37D633B846F1}">
+                <asvg:svgBlip xmlns:asvg="http://schemas.microsoft.com/office/drawing/2016/SVG/main" r:embed="rId3"/>
+              </a:ext>
+            </a:extLst>
+          </a:blip>
+          <a:stretch>
+            <a:fillRect/>
+          </a:stretch>
+        </p:blipFill>
+        <p:spPr>
+          <a:xfrm>
+            <a:off x="11046397" y="-76442"/>
+            <a:ext cx="1255542" cy="1255542"/>
+          </a:xfrm>
+          <a:prstGeom prst="rect">
+            <a:avLst/>
+          </a:prstGeom>
+        </p:spPr>
+      </p:pic>
+    </p:spTree>
+    <p:extLst>
+      <p:ext uri="{BB962C8B-B14F-4D97-AF65-F5344CB8AC3E}">
+        <p14:creationId xmlns:p14="http://schemas.microsoft.com/office/powerpoint/2010/main" val="1677279453"/>
+      </p:ext>
+    </p:extLst>
+  </p:cSld>
+  <p:clrMapOvr>
+    <a:masterClrMapping/>
+  </p:clrMapOvr>
+</p:sld>
+</file>
+
+<file path=ppt/slides/slide12.xml><?xml version="1.0" encoding="utf-8"?>
+<p:sld xmlns:a="http://schemas.openxmlformats.org/drawingml/2006/main" xmlns:r="http://schemas.openxmlformats.org/officeDocument/2006/relationships" xmlns:p="http://schemas.openxmlformats.org/presentationml/2006/main">
+  <p:cSld>
+    <p:spTree>
+      <p:nvGrpSpPr>
+        <p:cNvPr id="1" name=""/>
+        <p:cNvGrpSpPr/>
+        <p:nvPr/>
+      </p:nvGrpSpPr>
+      <p:grpSpPr>
+        <a:xfrm>
+          <a:off x="0" y="0"/>
+          <a:ext cx="0" cy="0"/>
+          <a:chOff x="0" y="0"/>
+          <a:chExt cx="0" cy="0"/>
+        </a:xfrm>
+      </p:grpSpPr>
+      <p:sp>
+        <p:nvSpPr>
+          <p:cNvPr id="4" name="Прямоугольник 3">
+            <a:extLst>
+              <a:ext uri="{FF2B5EF4-FFF2-40B4-BE49-F238E27FC236}">
+                <a16:creationId xmlns:a16="http://schemas.microsoft.com/office/drawing/2014/main" id="{80447D33-74F1-484F-8B36-D4EC94E475F5}"/>
+              </a:ext>
+            </a:extLst>
+          </p:cNvPr>
+          <p:cNvSpPr/>
+          <p:nvPr/>
+        </p:nvSpPr>
+        <p:spPr>
+          <a:xfrm>
             <a:off x="-123093" y="-1424353"/>
             <a:ext cx="12526178" cy="8792307"/>
           </a:xfrm>
@@ -5383,7 +5850,7 @@
                   <a:schemeClr val="bg1"/>
                 </a:solidFill>
               </a:rPr>
-              <a:t>11</a:t>
+              <a:t>12</a:t>
             </a:fld>
             <a:endParaRPr lang="ru-RU" dirty="0">
               <a:solidFill>
@@ -5437,7 +5904,7 @@
         </p:nvSpPr>
         <p:spPr>
           <a:xfrm>
-            <a:off x="0" y="-1"/>
+            <a:off x="-109939" y="-37731"/>
             <a:ext cx="12411878" cy="7089967"/>
           </a:xfrm>
           <a:prstGeom prst="rect">
@@ -5548,7 +6015,7 @@
         </p:spPr>
         <p:txBody>
           <a:bodyPr>
-            <a:normAutofit fontScale="90000"/>
+            <a:normAutofit/>
           </a:bodyPr>
           <a:lstStyle/>
           <a:p>
@@ -5559,7 +6026,7 @@
                   <a:schemeClr val="bg1"/>
                 </a:solidFill>
               </a:rPr>
-              <a:t>Проблемы, с которыми сталкиваются пользователи новостных порталов</a:t>
+              <a:t>Проблемы новостных порталов</a:t>
             </a:r>
           </a:p>
         </p:txBody>
@@ -5640,11 +6107,10 @@
           </a:bodyPr>
           <a:lstStyle/>
           <a:p>
-            <a:pPr marL="742950" indent="-742950" algn="l">
+            <a:pPr algn="l">
               <a:lnSpc>
                 <a:spcPct val="150000"/>
               </a:lnSpc>
-              <a:buAutoNum type="arabicPeriod"/>
             </a:pPr>
             <a:r>
               <a:rPr lang="ru-RU" sz="3600" dirty="0">
@@ -5656,11 +6122,10 @@
             </a:r>
           </a:p>
           <a:p>
-            <a:pPr marL="742950" indent="-742950" algn="l">
+            <a:pPr algn="l">
               <a:lnSpc>
                 <a:spcPct val="150000"/>
               </a:lnSpc>
-              <a:buAutoNum type="arabicPeriod"/>
             </a:pPr>
             <a:r>
               <a:rPr lang="ru-RU" sz="3600" dirty="0">
@@ -5668,15 +6133,14 @@
                   <a:schemeClr val="bg1"/>
                 </a:solidFill>
               </a:rPr>
-              <a:t>Ненужный контент</a:t>
-            </a:r>
-          </a:p>
-          <a:p>
-            <a:pPr marL="742950" indent="-742950" algn="l">
+              <a:t>Излишний контент</a:t>
+            </a:r>
+          </a:p>
+          <a:p>
+            <a:pPr algn="l">
               <a:lnSpc>
                 <a:spcPct val="150000"/>
               </a:lnSpc>
-              <a:buAutoNum type="arabicPeriod"/>
             </a:pPr>
             <a:r>
               <a:rPr lang="ru-RU" sz="3600" dirty="0">
@@ -5685,6 +6149,21 @@
                 </a:solidFill>
               </a:rPr>
               <a:t>Отсутствие настройки под свои интересы</a:t>
+            </a:r>
+          </a:p>
+          <a:p>
+            <a:pPr algn="l">
+              <a:lnSpc>
+                <a:spcPct val="150000"/>
+              </a:lnSpc>
+            </a:pPr>
+            <a:r>
+              <a:rPr lang="ru-RU" sz="3600" dirty="0">
+                <a:solidFill>
+                  <a:schemeClr val="bg1"/>
+                </a:solidFill>
+              </a:rPr>
+              <a:t>Много излишней рекламы</a:t>
             </a:r>
           </a:p>
         </p:txBody>
@@ -5726,6 +6205,42 @@
           </a:p>
         </p:txBody>
       </p:sp>
+      <p:pic>
+        <p:nvPicPr>
+          <p:cNvPr id="3" name="Рисунок 2" descr="Газета">
+            <a:extLst>
+              <a:ext uri="{FF2B5EF4-FFF2-40B4-BE49-F238E27FC236}">
+                <a16:creationId xmlns:a16="http://schemas.microsoft.com/office/drawing/2014/main" id="{6083A9E5-8796-9D22-B45C-55B18F314140}"/>
+              </a:ext>
+            </a:extLst>
+          </p:cNvPr>
+          <p:cNvPicPr>
+            <a:picLocks noChangeAspect="1"/>
+          </p:cNvPicPr>
+          <p:nvPr/>
+        </p:nvPicPr>
+        <p:blipFill>
+          <a:blip r:embed="rId2">
+            <a:extLst>
+              <a:ext uri="{96DAC541-7B7A-43D3-8B79-37D633B846F1}">
+                <asvg:svgBlip xmlns:asvg="http://schemas.microsoft.com/office/drawing/2016/SVG/main" r:embed="rId3"/>
+              </a:ext>
+            </a:extLst>
+          </a:blip>
+          <a:stretch>
+            <a:fillRect/>
+          </a:stretch>
+        </p:blipFill>
+        <p:spPr>
+          <a:xfrm>
+            <a:off x="11046397" y="-76442"/>
+            <a:ext cx="1255542" cy="1255542"/>
+          </a:xfrm>
+          <a:prstGeom prst="rect">
+            <a:avLst/>
+          </a:prstGeom>
+        </p:spPr>
+      </p:pic>
     </p:spTree>
     <p:extLst>
       <p:ext uri="{BB962C8B-B14F-4D97-AF65-F5344CB8AC3E}">
@@ -5770,7 +6285,7 @@
         </p:nvSpPr>
         <p:spPr>
           <a:xfrm>
-            <a:off x="0" y="-1"/>
+            <a:off x="-109939" y="-37731"/>
             <a:ext cx="12411878" cy="7089967"/>
           </a:xfrm>
           <a:prstGeom prst="rect">
@@ -5875,7 +6390,7 @@
         </p:nvSpPr>
         <p:spPr>
           <a:xfrm>
-            <a:off x="0" y="0"/>
+            <a:off x="0" y="-228600"/>
             <a:ext cx="8115300" cy="1122363"/>
           </a:xfrm>
         </p:spPr>
@@ -5892,7 +6407,7 @@
                   <a:schemeClr val="bg1"/>
                 </a:solidFill>
               </a:rPr>
-              <a:t>Целевая аудитория</a:t>
+              <a:t>Обзор аналогов</a:t>
             </a:r>
           </a:p>
         </p:txBody>
@@ -5913,7 +6428,7 @@
         </p:nvCxnSpPr>
         <p:spPr>
           <a:xfrm flipV="1">
-            <a:off x="0" y="1244909"/>
+            <a:off x="0" y="824517"/>
             <a:ext cx="5459506" cy="1"/>
           </a:xfrm>
           <a:prstGeom prst="line">
@@ -5958,8 +6473,8 @@
         </p:nvSpPr>
         <p:spPr>
           <a:xfrm>
-            <a:off x="-1" y="1517743"/>
-            <a:ext cx="11591366" cy="4788928"/>
+            <a:off x="0" y="846059"/>
+            <a:ext cx="3079377" cy="4788928"/>
           </a:xfrm>
           <a:solidFill>
             <a:schemeClr val="accent6">
@@ -5969,38 +6484,235 @@
         </p:spPr>
         <p:txBody>
           <a:bodyPr>
-            <a:normAutofit/>
+            <a:noAutofit/>
           </a:bodyPr>
           <a:lstStyle/>
-          <a:p>
-            <a:pPr algn="l"/>
-            <a:r>
-              <a:rPr lang="ru-RU" sz="3200" dirty="0">
-                <a:solidFill>
-                  <a:schemeClr val="bg1"/>
-                </a:solidFill>
-              </a:rPr>
-              <a:t>Наше приложение может подойти представителям разных профессий любого социального статуса и возраста. </a:t>
-            </a:r>
-          </a:p>
           <a:p>
             <a:pPr marL="514350" indent="-514350" algn="l">
               <a:buAutoNum type="arabicPeriod"/>
             </a:pPr>
-            <a:endParaRPr lang="ru-RU" sz="2800" dirty="0">
+            <a:endParaRPr lang="en-US" sz="3200" dirty="0">
               <a:solidFill>
                 <a:schemeClr val="bg1"/>
               </a:solidFill>
             </a:endParaRPr>
           </a:p>
-        </p:txBody>
-      </p:sp>
+          <a:p>
+            <a:pPr algn="l"/>
+            <a:r>
+              <a:rPr lang="ru-RU" sz="3200" dirty="0">
+                <a:solidFill>
+                  <a:schemeClr val="bg1"/>
+                </a:solidFill>
+              </a:rPr>
+              <a:t>Яндекс Дзен</a:t>
+            </a:r>
+            <a:endParaRPr lang="en-US" sz="3200" dirty="0">
+              <a:solidFill>
+                <a:schemeClr val="bg1"/>
+              </a:solidFill>
+            </a:endParaRPr>
+          </a:p>
+          <a:p>
+            <a:pPr marL="514350" indent="-514350" algn="l">
+              <a:buAutoNum type="arabicPeriod"/>
+            </a:pPr>
+            <a:endParaRPr lang="en-US" sz="3200" dirty="0">
+              <a:solidFill>
+                <a:schemeClr val="bg1"/>
+              </a:solidFill>
+            </a:endParaRPr>
+          </a:p>
+          <a:p>
+            <a:pPr marL="514350" indent="-514350" algn="l">
+              <a:buAutoNum type="arabicPeriod"/>
+            </a:pPr>
+            <a:endParaRPr lang="en-US" sz="3200" dirty="0">
+              <a:solidFill>
+                <a:schemeClr val="bg1"/>
+              </a:solidFill>
+            </a:endParaRPr>
+          </a:p>
+          <a:p>
+            <a:pPr marL="514350" indent="-514350" algn="l">
+              <a:buAutoNum type="arabicPeriod"/>
+            </a:pPr>
+            <a:endParaRPr lang="ru-RU" sz="3200" dirty="0">
+              <a:solidFill>
+                <a:schemeClr val="bg1"/>
+              </a:solidFill>
+            </a:endParaRPr>
+          </a:p>
+          <a:p>
+            <a:pPr algn="l"/>
+            <a:r>
+              <a:rPr lang="en-US" sz="3200" dirty="0">
+                <a:solidFill>
+                  <a:schemeClr val="bg1"/>
+                </a:solidFill>
+              </a:rPr>
+              <a:t>Telegram </a:t>
+            </a:r>
+          </a:p>
+          <a:p>
+            <a:pPr marL="514350" indent="-514350" algn="l">
+              <a:buAutoNum type="arabicPeriod"/>
+            </a:pPr>
+            <a:endParaRPr lang="en-US" sz="3200" dirty="0">
+              <a:solidFill>
+                <a:schemeClr val="bg1"/>
+              </a:solidFill>
+            </a:endParaRPr>
+          </a:p>
+          <a:p>
+            <a:pPr marL="514350" indent="-514350" algn="l">
+              <a:buAutoNum type="arabicPeriod"/>
+            </a:pPr>
+            <a:endParaRPr lang="en-US" sz="3200" dirty="0">
+              <a:solidFill>
+                <a:schemeClr val="bg1"/>
+              </a:solidFill>
+            </a:endParaRPr>
+          </a:p>
+          <a:p>
+            <a:pPr marL="514350" indent="-514350" algn="l">
+              <a:buAutoNum type="arabicPeriod"/>
+            </a:pPr>
+            <a:endParaRPr lang="en-US" sz="3200" dirty="0">
+              <a:solidFill>
+                <a:schemeClr val="bg1"/>
+              </a:solidFill>
+            </a:endParaRPr>
+          </a:p>
+          <a:p>
+            <a:pPr algn="l"/>
+            <a:r>
+              <a:rPr lang="en-US" sz="3200" dirty="0">
+                <a:solidFill>
+                  <a:schemeClr val="bg1"/>
+                </a:solidFill>
+              </a:rPr>
+              <a:t>Apple News</a:t>
+            </a:r>
+          </a:p>
+          <a:p>
+            <a:pPr algn="l"/>
+            <a:endParaRPr lang="ru-RU" sz="3200" dirty="0">
+              <a:solidFill>
+                <a:schemeClr val="bg1"/>
+              </a:solidFill>
+            </a:endParaRPr>
+          </a:p>
+          <a:p>
+            <a:pPr marL="514350" indent="-514350" algn="l">
+              <a:buAutoNum type="arabicPeriod"/>
+            </a:pPr>
+            <a:endParaRPr lang="ru-RU" sz="3200" dirty="0">
+              <a:solidFill>
+                <a:schemeClr val="bg1"/>
+              </a:solidFill>
+            </a:endParaRPr>
+          </a:p>
+        </p:txBody>
+      </p:sp>
+      <p:pic>
+        <p:nvPicPr>
+          <p:cNvPr id="3" name="Рисунок 2">
+            <a:extLst>
+              <a:ext uri="{FF2B5EF4-FFF2-40B4-BE49-F238E27FC236}">
+                <a16:creationId xmlns:a16="http://schemas.microsoft.com/office/drawing/2014/main" id="{2665AC56-72BF-5346-BC45-F7F9C73E1B3E}"/>
+              </a:ext>
+            </a:extLst>
+          </p:cNvPr>
+          <p:cNvPicPr>
+            <a:picLocks noChangeAspect="1"/>
+          </p:cNvPicPr>
+          <p:nvPr/>
+        </p:nvPicPr>
+        <p:blipFill rotWithShape="1">
+          <a:blip r:embed="rId2"/>
+          <a:srcRect l="32125" t="16013" r="32158" b="16120"/>
+          <a:stretch/>
+        </p:blipFill>
+        <p:spPr>
+          <a:xfrm>
+            <a:off x="4769140" y="1114126"/>
+            <a:ext cx="1401047" cy="1393219"/>
+          </a:xfrm>
+          <a:prstGeom prst="rect">
+            <a:avLst/>
+          </a:prstGeom>
+          <a:effectLst>
+            <a:softEdge rad="0"/>
+          </a:effectLst>
+        </p:spPr>
+      </p:pic>
+      <p:pic>
+        <p:nvPicPr>
+          <p:cNvPr id="16" name="Рисунок 15">
+            <a:extLst>
+              <a:ext uri="{FF2B5EF4-FFF2-40B4-BE49-F238E27FC236}">
+                <a16:creationId xmlns:a16="http://schemas.microsoft.com/office/drawing/2014/main" id="{5A01E9E9-6AB9-F547-ADCA-133975ACDB2B}"/>
+              </a:ext>
+            </a:extLst>
+          </p:cNvPr>
+          <p:cNvPicPr>
+            <a:picLocks noChangeAspect="1"/>
+          </p:cNvPicPr>
+          <p:nvPr/>
+        </p:nvPicPr>
+        <p:blipFill>
+          <a:blip r:embed="rId3"/>
+          <a:stretch>
+            <a:fillRect/>
+          </a:stretch>
+        </p:blipFill>
+        <p:spPr>
+          <a:xfrm>
+            <a:off x="4224648" y="3182585"/>
+            <a:ext cx="2707573" cy="1523010"/>
+          </a:xfrm>
+          <a:prstGeom prst="rect">
+            <a:avLst/>
+          </a:prstGeom>
+        </p:spPr>
+      </p:pic>
+      <p:pic>
+        <p:nvPicPr>
+          <p:cNvPr id="18" name="Рисунок 17">
+            <a:extLst>
+              <a:ext uri="{FF2B5EF4-FFF2-40B4-BE49-F238E27FC236}">
+                <a16:creationId xmlns:a16="http://schemas.microsoft.com/office/drawing/2014/main" id="{F875E4A2-21C3-4549-99E9-FCC88AA58E8A}"/>
+              </a:ext>
+            </a:extLst>
+          </p:cNvPr>
+          <p:cNvPicPr>
+            <a:picLocks noChangeAspect="1"/>
+          </p:cNvPicPr>
+          <p:nvPr/>
+        </p:nvPicPr>
+        <p:blipFill>
+          <a:blip r:embed="rId4"/>
+          <a:stretch>
+            <a:fillRect/>
+          </a:stretch>
+        </p:blipFill>
+        <p:spPr>
+          <a:xfrm>
+            <a:off x="4181600" y="5187285"/>
+            <a:ext cx="2826054" cy="1483678"/>
+          </a:xfrm>
+          <a:prstGeom prst="rect">
+            <a:avLst/>
+          </a:prstGeom>
+        </p:spPr>
+      </p:pic>
       <p:sp>
         <p:nvSpPr>
           <p:cNvPr id="2" name="Номер слайда 1">
             <a:extLst>
               <a:ext uri="{FF2B5EF4-FFF2-40B4-BE49-F238E27FC236}">
-                <a16:creationId xmlns:a16="http://schemas.microsoft.com/office/drawing/2014/main" id="{C1F7920D-94C6-5E05-3D4B-53737E1D2854}"/>
+                <a16:creationId xmlns:a16="http://schemas.microsoft.com/office/drawing/2014/main" id="{E153EF05-2CF9-45CA-0153-86C505AF5347}"/>
               </a:ext>
             </a:extLst>
           </p:cNvPr>
@@ -6032,10 +6744,46 @@
           </a:p>
         </p:txBody>
       </p:sp>
+      <p:pic>
+        <p:nvPicPr>
+          <p:cNvPr id="8" name="Рисунок 7" descr="Газета">
+            <a:extLst>
+              <a:ext uri="{FF2B5EF4-FFF2-40B4-BE49-F238E27FC236}">
+                <a16:creationId xmlns:a16="http://schemas.microsoft.com/office/drawing/2014/main" id="{0ED26B7B-1298-F102-D889-8AD001325945}"/>
+              </a:ext>
+            </a:extLst>
+          </p:cNvPr>
+          <p:cNvPicPr>
+            <a:picLocks noChangeAspect="1"/>
+          </p:cNvPicPr>
+          <p:nvPr/>
+        </p:nvPicPr>
+        <p:blipFill>
+          <a:blip r:embed="rId5">
+            <a:extLst>
+              <a:ext uri="{96DAC541-7B7A-43D3-8B79-37D633B846F1}">
+                <asvg:svgBlip xmlns:asvg="http://schemas.microsoft.com/office/drawing/2016/SVG/main" r:embed="rId6"/>
+              </a:ext>
+            </a:extLst>
+          </a:blip>
+          <a:stretch>
+            <a:fillRect/>
+          </a:stretch>
+        </p:blipFill>
+        <p:spPr>
+          <a:xfrm>
+            <a:off x="11046397" y="-76442"/>
+            <a:ext cx="1255542" cy="1255542"/>
+          </a:xfrm>
+          <a:prstGeom prst="rect">
+            <a:avLst/>
+          </a:prstGeom>
+        </p:spPr>
+      </p:pic>
     </p:spTree>
     <p:extLst>
       <p:ext uri="{BB962C8B-B14F-4D97-AF65-F5344CB8AC3E}">
-        <p14:creationId xmlns:p14="http://schemas.microsoft.com/office/powerpoint/2010/main" val="3092722061"/>
+        <p14:creationId xmlns:p14="http://schemas.microsoft.com/office/powerpoint/2010/main" val="2005048380"/>
       </p:ext>
     </p:extLst>
   </p:cSld>
@@ -6076,7 +6824,7 @@
         </p:nvSpPr>
         <p:spPr>
           <a:xfrm>
-            <a:off x="0" y="-1"/>
+            <a:off x="-109939" y="-37731"/>
             <a:ext cx="12411878" cy="7089967"/>
           </a:xfrm>
           <a:prstGeom prst="rect">
@@ -6198,7 +6946,7 @@
                   <a:schemeClr val="bg1"/>
                 </a:solidFill>
               </a:rPr>
-              <a:t>Предлагаемое решение</a:t>
+              <a:t>Целевая аудитория</a:t>
             </a:r>
           </a:p>
         </p:txBody>
@@ -6281,13 +7029,39 @@
           <a:p>
             <a:pPr algn="l"/>
             <a:r>
-              <a:rPr lang="ru-RU" sz="2800" dirty="0">
+              <a:rPr lang="ru-RU" sz="3200" dirty="0">
                 <a:solidFill>
                   <a:schemeClr val="bg1"/>
                 </a:solidFill>
               </a:rPr>
-              <a:t>Мои новости – веб-приложение,  где пользователи смогут точно настроить новостную ленту под свои интересы и увлечения, искать, делиться и сохранять статьи. </a:t>
-            </a:r>
+              <a:t>Представители разных профессий любого социального статуса</a:t>
+            </a:r>
+            <a:r>
+              <a:rPr lang="en-US" sz="3200" dirty="0">
+                <a:solidFill>
+                  <a:schemeClr val="bg1"/>
+                </a:solidFill>
+              </a:rPr>
+              <a:t>, </a:t>
+            </a:r>
+            <a:r>
+              <a:rPr lang="ru-RU" sz="3200" dirty="0">
+                <a:solidFill>
+                  <a:schemeClr val="bg1"/>
+                </a:solidFill>
+              </a:rPr>
+              <a:t>от 20 до 35 лет.</a:t>
+            </a:r>
+          </a:p>
+          <a:p>
+            <a:pPr marL="514350" indent="-514350" algn="l">
+              <a:buAutoNum type="arabicPeriod"/>
+            </a:pPr>
+            <a:endParaRPr lang="ru-RU" sz="2800" dirty="0">
+              <a:solidFill>
+                <a:schemeClr val="bg1"/>
+              </a:solidFill>
+            </a:endParaRPr>
           </a:p>
         </p:txBody>
       </p:sp>
@@ -6296,7 +7070,7 @@
           <p:cNvPr id="2" name="Номер слайда 1">
             <a:extLst>
               <a:ext uri="{FF2B5EF4-FFF2-40B4-BE49-F238E27FC236}">
-                <a16:creationId xmlns:a16="http://schemas.microsoft.com/office/drawing/2014/main" id="{F62D2B6A-4FFE-FEF3-8345-EE1E88FA5175}"/>
+                <a16:creationId xmlns:a16="http://schemas.microsoft.com/office/drawing/2014/main" id="{C1F7920D-94C6-5E05-3D4B-53737E1D2854}"/>
               </a:ext>
             </a:extLst>
           </p:cNvPr>
@@ -6328,10 +7102,46 @@
           </a:p>
         </p:txBody>
       </p:sp>
+      <p:pic>
+        <p:nvPicPr>
+          <p:cNvPr id="3" name="Рисунок 2" descr="Газета">
+            <a:extLst>
+              <a:ext uri="{FF2B5EF4-FFF2-40B4-BE49-F238E27FC236}">
+                <a16:creationId xmlns:a16="http://schemas.microsoft.com/office/drawing/2014/main" id="{39EE6249-03F9-2581-D4AD-0C7F20C3FFD7}"/>
+              </a:ext>
+            </a:extLst>
+          </p:cNvPr>
+          <p:cNvPicPr>
+            <a:picLocks noChangeAspect="1"/>
+          </p:cNvPicPr>
+          <p:nvPr/>
+        </p:nvPicPr>
+        <p:blipFill>
+          <a:blip r:embed="rId3">
+            <a:extLst>
+              <a:ext uri="{96DAC541-7B7A-43D3-8B79-37D633B846F1}">
+                <asvg:svgBlip xmlns:asvg="http://schemas.microsoft.com/office/drawing/2016/SVG/main" r:embed="rId4"/>
+              </a:ext>
+            </a:extLst>
+          </a:blip>
+          <a:stretch>
+            <a:fillRect/>
+          </a:stretch>
+        </p:blipFill>
+        <p:spPr>
+          <a:xfrm>
+            <a:off x="11046397" y="-76442"/>
+            <a:ext cx="1255542" cy="1255542"/>
+          </a:xfrm>
+          <a:prstGeom prst="rect">
+            <a:avLst/>
+          </a:prstGeom>
+        </p:spPr>
+      </p:pic>
     </p:spTree>
     <p:extLst>
       <p:ext uri="{BB962C8B-B14F-4D97-AF65-F5344CB8AC3E}">
-        <p14:creationId xmlns:p14="http://schemas.microsoft.com/office/powerpoint/2010/main" val="258289243"/>
+        <p14:creationId xmlns:p14="http://schemas.microsoft.com/office/powerpoint/2010/main" val="3092722061"/>
       </p:ext>
     </p:extLst>
   </p:cSld>
@@ -6372,7 +7182,7 @@
         </p:nvSpPr>
         <p:spPr>
           <a:xfrm>
-            <a:off x="0" y="-1"/>
+            <a:off x="-109939" y="-115984"/>
             <a:ext cx="12411878" cy="7089967"/>
           </a:xfrm>
           <a:prstGeom prst="rect">
@@ -6494,7 +7304,7 @@
                   <a:schemeClr val="bg1"/>
                 </a:solidFill>
               </a:rPr>
-              <a:t>Технологии разработки</a:t>
+              <a:t>Предлагаемое решение</a:t>
             </a:r>
           </a:p>
         </p:txBody>
@@ -6561,7 +7371,7 @@
         <p:spPr>
           <a:xfrm>
             <a:off x="-1" y="1517743"/>
-            <a:ext cx="6348047" cy="4788928"/>
+            <a:ext cx="11999168" cy="3810037"/>
           </a:xfrm>
           <a:solidFill>
             <a:schemeClr val="accent6">
@@ -6575,410 +7385,95 @@
           </a:bodyPr>
           <a:lstStyle/>
           <a:p>
-            <a:r>
-              <a:rPr lang="en-US" sz="3200" dirty="0">
+            <a:pPr algn="l"/>
+            <a:r>
+              <a:rPr lang="ru-RU" sz="2800" dirty="0">
                 <a:solidFill>
                   <a:schemeClr val="bg1"/>
                 </a:solidFill>
               </a:rPr>
-              <a:t>Backend</a:t>
-            </a:r>
-            <a:endParaRPr lang="ru-RU" sz="3200" dirty="0">
+              <a:t>Мои новости – веб-приложение,  где пользователи смогут точно настроить новостную ленту под свои интересы и увлечения, искать, делиться и сохранять статьи.</a:t>
+            </a:r>
+          </a:p>
+        </p:txBody>
+      </p:sp>
+      <p:sp>
+        <p:nvSpPr>
+          <p:cNvPr id="2" name="Номер слайда 1">
+            <a:extLst>
+              <a:ext uri="{FF2B5EF4-FFF2-40B4-BE49-F238E27FC236}">
+                <a16:creationId xmlns:a16="http://schemas.microsoft.com/office/drawing/2014/main" id="{F62D2B6A-4FFE-FEF3-8345-EE1E88FA5175}"/>
+              </a:ext>
+            </a:extLst>
+          </p:cNvPr>
+          <p:cNvSpPr>
+            <a:spLocks noGrp="1"/>
+          </p:cNvSpPr>
+          <p:nvPr>
+            <p:ph type="sldNum" sz="quarter" idx="12"/>
+          </p:nvPr>
+        </p:nvSpPr>
+        <p:spPr/>
+        <p:txBody>
+          <a:bodyPr/>
+          <a:lstStyle/>
+          <a:p>
+            <a:fld id="{98DC83F7-A2BF-A64B-B6B1-DB03C46AEE3B}" type="slidenum">
+              <a:rPr lang="ru-RU" sz="1600" smtClean="0">
+                <a:solidFill>
+                  <a:schemeClr val="bg1"/>
+                </a:solidFill>
+              </a:rPr>
+              <a:t>5</a:t>
+            </a:fld>
+            <a:endParaRPr lang="ru-RU" dirty="0">
               <a:solidFill>
                 <a:schemeClr val="bg1"/>
               </a:solidFill>
             </a:endParaRPr>
           </a:p>
-          <a:p>
-            <a:pPr marL="514350" indent="-514350" algn="l">
-              <a:lnSpc>
-                <a:spcPct val="200000"/>
-              </a:lnSpc>
-              <a:buAutoNum type="arabicPeriod"/>
-            </a:pPr>
-            <a:r>
-              <a:rPr lang="ru-RU" sz="3200" dirty="0">
-                <a:solidFill>
-                  <a:schemeClr val="bg1"/>
-                </a:solidFill>
-              </a:rPr>
-              <a:t>СУБД </a:t>
-            </a:r>
-            <a:r>
-              <a:rPr lang="en-US" sz="3200" dirty="0">
-                <a:solidFill>
-                  <a:schemeClr val="bg1"/>
-                </a:solidFill>
-              </a:rPr>
-              <a:t>SQLite</a:t>
-            </a:r>
-          </a:p>
-          <a:p>
-            <a:pPr marL="514350" indent="-514350" algn="l">
-              <a:lnSpc>
-                <a:spcPct val="200000"/>
-              </a:lnSpc>
-              <a:buAutoNum type="arabicPeriod"/>
-            </a:pPr>
-            <a:r>
-              <a:rPr lang="en-US" sz="3200" dirty="0">
-                <a:solidFill>
-                  <a:schemeClr val="bg1"/>
-                </a:solidFill>
-              </a:rPr>
-              <a:t>Django</a:t>
-            </a:r>
-          </a:p>
-          <a:p>
-            <a:pPr marL="514350" indent="-514350" algn="l">
-              <a:buAutoNum type="arabicPeriod"/>
-            </a:pPr>
-            <a:endParaRPr lang="ru-RU" sz="3200" dirty="0">
-              <a:solidFill>
-                <a:schemeClr val="bg1"/>
-              </a:solidFill>
-            </a:endParaRPr>
-          </a:p>
-        </p:txBody>
-      </p:sp>
-      <p:sp>
-        <p:nvSpPr>
-          <p:cNvPr id="8" name="Подзаголовок 2">
-            <a:extLst>
-              <a:ext uri="{FF2B5EF4-FFF2-40B4-BE49-F238E27FC236}">
-                <a16:creationId xmlns:a16="http://schemas.microsoft.com/office/drawing/2014/main" id="{C6F5A844-3994-CC4F-8771-3ECE3CB3E99F}"/>
-              </a:ext>
-            </a:extLst>
-          </p:cNvPr>
-          <p:cNvSpPr txBox="1">
-            <a:spLocks/>
-          </p:cNvSpPr>
+        </p:txBody>
+      </p:sp>
+      <p:pic>
+        <p:nvPicPr>
+          <p:cNvPr id="3" name="Рисунок 2" descr="Газета">
+            <a:extLst>
+              <a:ext uri="{FF2B5EF4-FFF2-40B4-BE49-F238E27FC236}">
+                <a16:creationId xmlns:a16="http://schemas.microsoft.com/office/drawing/2014/main" id="{FABFC3EC-9033-ADD3-54D9-B543AAE35D42}"/>
+              </a:ext>
+            </a:extLst>
+          </p:cNvPr>
+          <p:cNvPicPr>
+            <a:picLocks noChangeAspect="1"/>
+          </p:cNvPicPr>
           <p:nvPr/>
-        </p:nvSpPr>
+        </p:nvPicPr>
+        <p:blipFill>
+          <a:blip r:embed="rId2">
+            <a:extLst>
+              <a:ext uri="{96DAC541-7B7A-43D3-8B79-37D633B846F1}">
+                <asvg:svgBlip xmlns:asvg="http://schemas.microsoft.com/office/drawing/2016/SVG/main" r:embed="rId3"/>
+              </a:ext>
+            </a:extLst>
+          </a:blip>
+          <a:stretch>
+            <a:fillRect/>
+          </a:stretch>
+        </p:blipFill>
         <p:spPr>
           <a:xfrm>
-            <a:off x="5843953" y="1459128"/>
-            <a:ext cx="6348047" cy="4788928"/>
+            <a:off x="11046397" y="-76442"/>
+            <a:ext cx="1255542" cy="1255542"/>
           </a:xfrm>
           <a:prstGeom prst="rect">
             <a:avLst/>
           </a:prstGeom>
-          <a:solidFill>
-            <a:schemeClr val="accent6">
-              <a:lumMod val="75000"/>
-            </a:schemeClr>
-          </a:solidFill>
-        </p:spPr>
-        <p:txBody>
-          <a:bodyPr vert="horz" lIns="91440" tIns="45720" rIns="91440" bIns="45720" rtlCol="0">
-            <a:normAutofit lnSpcReduction="10000"/>
-          </a:bodyPr>
-          <a:lstStyle>
-            <a:lvl1pPr marL="0" indent="0" algn="ctr" defTabSz="914400" rtl="0" eaLnBrk="1" latinLnBrk="0" hangingPunct="1">
-              <a:lnSpc>
-                <a:spcPct val="90000"/>
-              </a:lnSpc>
-              <a:spcBef>
-                <a:spcPts val="1000"/>
-              </a:spcBef>
-              <a:buFont typeface="Arial" panose="020B0604020202020204" pitchFamily="34" charset="0"/>
-              <a:buNone/>
-              <a:defRPr sz="2400" kern="1200">
-                <a:solidFill>
-                  <a:schemeClr val="tx1"/>
-                </a:solidFill>
-                <a:latin typeface="+mn-lt"/>
-                <a:ea typeface="+mn-ea"/>
-                <a:cs typeface="+mn-cs"/>
-              </a:defRPr>
-            </a:lvl1pPr>
-            <a:lvl2pPr marL="457200" indent="0" algn="ctr" defTabSz="914400" rtl="0" eaLnBrk="1" latinLnBrk="0" hangingPunct="1">
-              <a:lnSpc>
-                <a:spcPct val="90000"/>
-              </a:lnSpc>
-              <a:spcBef>
-                <a:spcPts val="500"/>
-              </a:spcBef>
-              <a:buFont typeface="Arial" panose="020B0604020202020204" pitchFamily="34" charset="0"/>
-              <a:buNone/>
-              <a:defRPr sz="2000" kern="1200">
-                <a:solidFill>
-                  <a:schemeClr val="tx1"/>
-                </a:solidFill>
-                <a:latin typeface="+mn-lt"/>
-                <a:ea typeface="+mn-ea"/>
-                <a:cs typeface="+mn-cs"/>
-              </a:defRPr>
-            </a:lvl2pPr>
-            <a:lvl3pPr marL="914400" indent="0" algn="ctr" defTabSz="914400" rtl="0" eaLnBrk="1" latinLnBrk="0" hangingPunct="1">
-              <a:lnSpc>
-                <a:spcPct val="90000"/>
-              </a:lnSpc>
-              <a:spcBef>
-                <a:spcPts val="500"/>
-              </a:spcBef>
-              <a:buFont typeface="Arial" panose="020B0604020202020204" pitchFamily="34" charset="0"/>
-              <a:buNone/>
-              <a:defRPr sz="1800" kern="1200">
-                <a:solidFill>
-                  <a:schemeClr val="tx1"/>
-                </a:solidFill>
-                <a:latin typeface="+mn-lt"/>
-                <a:ea typeface="+mn-ea"/>
-                <a:cs typeface="+mn-cs"/>
-              </a:defRPr>
-            </a:lvl3pPr>
-            <a:lvl4pPr marL="1371600" indent="0" algn="ctr" defTabSz="914400" rtl="0" eaLnBrk="1" latinLnBrk="0" hangingPunct="1">
-              <a:lnSpc>
-                <a:spcPct val="90000"/>
-              </a:lnSpc>
-              <a:spcBef>
-                <a:spcPts val="500"/>
-              </a:spcBef>
-              <a:buFont typeface="Arial" panose="020B0604020202020204" pitchFamily="34" charset="0"/>
-              <a:buNone/>
-              <a:defRPr sz="1600" kern="1200">
-                <a:solidFill>
-                  <a:schemeClr val="tx1"/>
-                </a:solidFill>
-                <a:latin typeface="+mn-lt"/>
-                <a:ea typeface="+mn-ea"/>
-                <a:cs typeface="+mn-cs"/>
-              </a:defRPr>
-            </a:lvl4pPr>
-            <a:lvl5pPr marL="1828800" indent="0" algn="ctr" defTabSz="914400" rtl="0" eaLnBrk="1" latinLnBrk="0" hangingPunct="1">
-              <a:lnSpc>
-                <a:spcPct val="90000"/>
-              </a:lnSpc>
-              <a:spcBef>
-                <a:spcPts val="500"/>
-              </a:spcBef>
-              <a:buFont typeface="Arial" panose="020B0604020202020204" pitchFamily="34" charset="0"/>
-              <a:buNone/>
-              <a:defRPr sz="1600" kern="1200">
-                <a:solidFill>
-                  <a:schemeClr val="tx1"/>
-                </a:solidFill>
-                <a:latin typeface="+mn-lt"/>
-                <a:ea typeface="+mn-ea"/>
-                <a:cs typeface="+mn-cs"/>
-              </a:defRPr>
-            </a:lvl5pPr>
-            <a:lvl6pPr marL="2286000" indent="0" algn="ctr" defTabSz="914400" rtl="0" eaLnBrk="1" latinLnBrk="0" hangingPunct="1">
-              <a:lnSpc>
-                <a:spcPct val="90000"/>
-              </a:lnSpc>
-              <a:spcBef>
-                <a:spcPts val="500"/>
-              </a:spcBef>
-              <a:buFont typeface="Arial" panose="020B0604020202020204" pitchFamily="34" charset="0"/>
-              <a:buNone/>
-              <a:defRPr sz="1600" kern="1200">
-                <a:solidFill>
-                  <a:schemeClr val="tx1"/>
-                </a:solidFill>
-                <a:latin typeface="+mn-lt"/>
-                <a:ea typeface="+mn-ea"/>
-                <a:cs typeface="+mn-cs"/>
-              </a:defRPr>
-            </a:lvl6pPr>
-            <a:lvl7pPr marL="2743200" indent="0" algn="ctr" defTabSz="914400" rtl="0" eaLnBrk="1" latinLnBrk="0" hangingPunct="1">
-              <a:lnSpc>
-                <a:spcPct val="90000"/>
-              </a:lnSpc>
-              <a:spcBef>
-                <a:spcPts val="500"/>
-              </a:spcBef>
-              <a:buFont typeface="Arial" panose="020B0604020202020204" pitchFamily="34" charset="0"/>
-              <a:buNone/>
-              <a:defRPr sz="1600" kern="1200">
-                <a:solidFill>
-                  <a:schemeClr val="tx1"/>
-                </a:solidFill>
-                <a:latin typeface="+mn-lt"/>
-                <a:ea typeface="+mn-ea"/>
-                <a:cs typeface="+mn-cs"/>
-              </a:defRPr>
-            </a:lvl7pPr>
-            <a:lvl8pPr marL="3200400" indent="0" algn="ctr" defTabSz="914400" rtl="0" eaLnBrk="1" latinLnBrk="0" hangingPunct="1">
-              <a:lnSpc>
-                <a:spcPct val="90000"/>
-              </a:lnSpc>
-              <a:spcBef>
-                <a:spcPts val="500"/>
-              </a:spcBef>
-              <a:buFont typeface="Arial" panose="020B0604020202020204" pitchFamily="34" charset="0"/>
-              <a:buNone/>
-              <a:defRPr sz="1600" kern="1200">
-                <a:solidFill>
-                  <a:schemeClr val="tx1"/>
-                </a:solidFill>
-                <a:latin typeface="+mn-lt"/>
-                <a:ea typeface="+mn-ea"/>
-                <a:cs typeface="+mn-cs"/>
-              </a:defRPr>
-            </a:lvl8pPr>
-            <a:lvl9pPr marL="3657600" indent="0" algn="ctr" defTabSz="914400" rtl="0" eaLnBrk="1" latinLnBrk="0" hangingPunct="1">
-              <a:lnSpc>
-                <a:spcPct val="90000"/>
-              </a:lnSpc>
-              <a:spcBef>
-                <a:spcPts val="500"/>
-              </a:spcBef>
-              <a:buFont typeface="Arial" panose="020B0604020202020204" pitchFamily="34" charset="0"/>
-              <a:buNone/>
-              <a:defRPr sz="1600" kern="1200">
-                <a:solidFill>
-                  <a:schemeClr val="tx1"/>
-                </a:solidFill>
-                <a:latin typeface="+mn-lt"/>
-                <a:ea typeface="+mn-ea"/>
-                <a:cs typeface="+mn-cs"/>
-              </a:defRPr>
-            </a:lvl9pPr>
-          </a:lstStyle>
-          <a:p>
-            <a:r>
-              <a:rPr lang="en-US" sz="3200" dirty="0">
-                <a:solidFill>
-                  <a:schemeClr val="bg1"/>
-                </a:solidFill>
-              </a:rPr>
-              <a:t>Frontend</a:t>
-            </a:r>
-            <a:endParaRPr lang="ru-RU" sz="3200" dirty="0">
-              <a:solidFill>
-                <a:schemeClr val="bg1"/>
-              </a:solidFill>
-            </a:endParaRPr>
-          </a:p>
-          <a:p>
-            <a:pPr marL="514350" indent="-514350" algn="l">
-              <a:lnSpc>
-                <a:spcPct val="200000"/>
-              </a:lnSpc>
-              <a:buFont typeface="Arial" panose="020B0604020202020204" pitchFamily="34" charset="0"/>
-              <a:buAutoNum type="arabicPeriod"/>
-            </a:pPr>
-            <a:r>
-              <a:rPr lang="en-US" sz="3200" dirty="0">
-                <a:solidFill>
-                  <a:schemeClr val="bg1"/>
-                </a:solidFill>
-              </a:rPr>
-              <a:t>HTML</a:t>
-            </a:r>
-          </a:p>
-          <a:p>
-            <a:pPr marL="514350" indent="-514350" algn="l">
-              <a:lnSpc>
-                <a:spcPct val="200000"/>
-              </a:lnSpc>
-              <a:buFont typeface="Arial" panose="020B0604020202020204" pitchFamily="34" charset="0"/>
-              <a:buAutoNum type="arabicPeriod"/>
-            </a:pPr>
-            <a:r>
-              <a:rPr lang="en-US" sz="3200" dirty="0">
-                <a:solidFill>
-                  <a:schemeClr val="bg1"/>
-                </a:solidFill>
-              </a:rPr>
-              <a:t>CSS</a:t>
-            </a:r>
-          </a:p>
-          <a:p>
-            <a:pPr marL="514350" indent="-514350" algn="l">
-              <a:lnSpc>
-                <a:spcPct val="200000"/>
-              </a:lnSpc>
-              <a:buFont typeface="Arial" panose="020B0604020202020204" pitchFamily="34" charset="0"/>
-              <a:buAutoNum type="arabicPeriod"/>
-            </a:pPr>
-            <a:r>
-              <a:rPr lang="en-US" sz="3200" dirty="0">
-                <a:solidFill>
-                  <a:schemeClr val="bg1"/>
-                </a:solidFill>
-              </a:rPr>
-              <a:t>JavaScript</a:t>
-            </a:r>
-          </a:p>
-          <a:p>
-            <a:pPr marL="514350" indent="-514350" algn="l">
-              <a:lnSpc>
-                <a:spcPct val="200000"/>
-              </a:lnSpc>
-              <a:buFont typeface="Arial" panose="020B0604020202020204" pitchFamily="34" charset="0"/>
-              <a:buAutoNum type="arabicPeriod"/>
-            </a:pPr>
-            <a:r>
-              <a:rPr lang="en-US" sz="3200" dirty="0" err="1">
-                <a:solidFill>
-                  <a:schemeClr val="bg1"/>
-                </a:solidFill>
-              </a:rPr>
-              <a:t>Vue.js</a:t>
-            </a:r>
-            <a:endParaRPr lang="en-US" sz="3200" dirty="0">
-              <a:solidFill>
-                <a:schemeClr val="bg1"/>
-              </a:solidFill>
-            </a:endParaRPr>
-          </a:p>
-          <a:p>
-            <a:pPr marL="514350" indent="-514350" algn="l">
-              <a:buFont typeface="Arial" panose="020B0604020202020204" pitchFamily="34" charset="0"/>
-              <a:buAutoNum type="arabicPeriod"/>
-            </a:pPr>
-            <a:endParaRPr lang="ru-RU" sz="3200" dirty="0">
-              <a:solidFill>
-                <a:schemeClr val="bg1"/>
-              </a:solidFill>
-            </a:endParaRPr>
-          </a:p>
-        </p:txBody>
-      </p:sp>
-      <p:sp>
-        <p:nvSpPr>
-          <p:cNvPr id="2" name="Номер слайда 1">
-            <a:extLst>
-              <a:ext uri="{FF2B5EF4-FFF2-40B4-BE49-F238E27FC236}">
-                <a16:creationId xmlns:a16="http://schemas.microsoft.com/office/drawing/2014/main" id="{BA706DB4-4C00-B8D4-9801-95C27EDC57A3}"/>
-              </a:ext>
-            </a:extLst>
-          </p:cNvPr>
-          <p:cNvSpPr>
-            <a:spLocks noGrp="1"/>
-          </p:cNvSpPr>
-          <p:nvPr>
-            <p:ph type="sldNum" sz="quarter" idx="12"/>
-          </p:nvPr>
-        </p:nvSpPr>
-        <p:spPr/>
-        <p:txBody>
-          <a:bodyPr/>
-          <a:lstStyle/>
-          <a:p>
-            <a:fld id="{98DC83F7-A2BF-A64B-B6B1-DB03C46AEE3B}" type="slidenum">
-              <a:rPr lang="ru-RU" sz="1600" smtClean="0">
-                <a:solidFill>
-                  <a:schemeClr val="bg1"/>
-                </a:solidFill>
-              </a:rPr>
-              <a:t>5</a:t>
-            </a:fld>
-            <a:endParaRPr lang="ru-RU" sz="1600" dirty="0">
-              <a:solidFill>
-                <a:schemeClr val="bg1"/>
-              </a:solidFill>
-            </a:endParaRPr>
-          </a:p>
-        </p:txBody>
-      </p:sp>
+        </p:spPr>
+      </p:pic>
     </p:spTree>
     <p:extLst>
       <p:ext uri="{BB962C8B-B14F-4D97-AF65-F5344CB8AC3E}">
-        <p14:creationId xmlns:p14="http://schemas.microsoft.com/office/powerpoint/2010/main" val="137486431"/>
+        <p14:creationId xmlns:p14="http://schemas.microsoft.com/office/powerpoint/2010/main" val="258289243"/>
       </p:ext>
     </p:extLst>
   </p:cSld>
@@ -7019,7 +7514,7 @@
         </p:nvSpPr>
         <p:spPr>
           <a:xfrm>
-            <a:off x="0" y="-1"/>
+            <a:off x="-171197" y="-37730"/>
             <a:ext cx="12411878" cy="7089967"/>
           </a:xfrm>
           <a:prstGeom prst="rect">
@@ -7124,7 +7619,7 @@
         </p:nvSpPr>
         <p:spPr>
           <a:xfrm>
-            <a:off x="0" y="-228600"/>
+            <a:off x="0" y="0"/>
             <a:ext cx="8115300" cy="1122363"/>
           </a:xfrm>
         </p:spPr>
@@ -7141,7 +7636,7 @@
                   <a:schemeClr val="bg1"/>
                 </a:solidFill>
               </a:rPr>
-              <a:t>Обзор аналогов</a:t>
+              <a:t>Конкурентное преимущество</a:t>
             </a:r>
           </a:p>
         </p:txBody>
@@ -7162,7 +7657,7 @@
         </p:nvCxnSpPr>
         <p:spPr>
           <a:xfrm flipV="1">
-            <a:off x="0" y="824517"/>
+            <a:off x="0" y="1244909"/>
             <a:ext cx="5459506" cy="1"/>
           </a:xfrm>
           <a:prstGeom prst="line">
@@ -7191,268 +7686,10 @@
       </p:cxnSp>
       <p:sp>
         <p:nvSpPr>
-          <p:cNvPr id="15" name="Подзаголовок 2">
-            <a:extLst>
-              <a:ext uri="{FF2B5EF4-FFF2-40B4-BE49-F238E27FC236}">
-                <a16:creationId xmlns:a16="http://schemas.microsoft.com/office/drawing/2014/main" id="{921A7523-3711-4842-B7A9-F23827BC8A44}"/>
-              </a:ext>
-            </a:extLst>
-          </p:cNvPr>
-          <p:cNvSpPr>
-            <a:spLocks noGrp="1"/>
-          </p:cNvSpPr>
-          <p:nvPr>
-            <p:ph type="subTitle" idx="1"/>
-          </p:nvPr>
-        </p:nvSpPr>
-        <p:spPr>
-          <a:xfrm>
-            <a:off x="0" y="846059"/>
-            <a:ext cx="3079377" cy="4788928"/>
-          </a:xfrm>
-          <a:solidFill>
-            <a:schemeClr val="accent6">
-              <a:lumMod val="75000"/>
-            </a:schemeClr>
-          </a:solidFill>
-        </p:spPr>
-        <p:txBody>
-          <a:bodyPr>
-            <a:noAutofit/>
-          </a:bodyPr>
-          <a:lstStyle/>
-          <a:p>
-            <a:pPr marL="514350" indent="-514350" algn="l">
-              <a:buAutoNum type="arabicPeriod"/>
-            </a:pPr>
-            <a:endParaRPr lang="en-US" sz="3200" dirty="0">
-              <a:solidFill>
-                <a:schemeClr val="bg1"/>
-              </a:solidFill>
-            </a:endParaRPr>
-          </a:p>
-          <a:p>
-            <a:pPr marL="514350" indent="-514350" algn="l">
-              <a:buAutoNum type="arabicPeriod"/>
-            </a:pPr>
-            <a:r>
-              <a:rPr lang="ru-RU" sz="3200" dirty="0">
-                <a:solidFill>
-                  <a:schemeClr val="bg1"/>
-                </a:solidFill>
-              </a:rPr>
-              <a:t>Яндекс Дзен</a:t>
-            </a:r>
-            <a:endParaRPr lang="en-US" sz="3200" dirty="0">
-              <a:solidFill>
-                <a:schemeClr val="bg1"/>
-              </a:solidFill>
-            </a:endParaRPr>
-          </a:p>
-          <a:p>
-            <a:pPr marL="514350" indent="-514350" algn="l">
-              <a:buAutoNum type="arabicPeriod"/>
-            </a:pPr>
-            <a:endParaRPr lang="en-US" sz="3200" dirty="0">
-              <a:solidFill>
-                <a:schemeClr val="bg1"/>
-              </a:solidFill>
-            </a:endParaRPr>
-          </a:p>
-          <a:p>
-            <a:pPr marL="514350" indent="-514350" algn="l">
-              <a:buAutoNum type="arabicPeriod"/>
-            </a:pPr>
-            <a:endParaRPr lang="en-US" sz="3200" dirty="0">
-              <a:solidFill>
-                <a:schemeClr val="bg1"/>
-              </a:solidFill>
-            </a:endParaRPr>
-          </a:p>
-          <a:p>
-            <a:pPr marL="514350" indent="-514350" algn="l">
-              <a:buAutoNum type="arabicPeriod"/>
-            </a:pPr>
-            <a:endParaRPr lang="ru-RU" sz="3200" dirty="0">
-              <a:solidFill>
-                <a:schemeClr val="bg1"/>
-              </a:solidFill>
-            </a:endParaRPr>
-          </a:p>
-          <a:p>
-            <a:pPr marL="514350" indent="-514350" algn="l">
-              <a:buAutoNum type="arabicPeriod"/>
-            </a:pPr>
-            <a:r>
-              <a:rPr lang="en-US" sz="3200" dirty="0">
-                <a:solidFill>
-                  <a:schemeClr val="bg1"/>
-                </a:solidFill>
-              </a:rPr>
-              <a:t>Telegram </a:t>
-            </a:r>
-          </a:p>
-          <a:p>
-            <a:pPr marL="514350" indent="-514350" algn="l">
-              <a:buAutoNum type="arabicPeriod"/>
-            </a:pPr>
-            <a:endParaRPr lang="en-US" sz="3200" dirty="0">
-              <a:solidFill>
-                <a:schemeClr val="bg1"/>
-              </a:solidFill>
-            </a:endParaRPr>
-          </a:p>
-          <a:p>
-            <a:pPr marL="514350" indent="-514350" algn="l">
-              <a:buAutoNum type="arabicPeriod"/>
-            </a:pPr>
-            <a:endParaRPr lang="en-US" sz="3200" dirty="0">
-              <a:solidFill>
-                <a:schemeClr val="bg1"/>
-              </a:solidFill>
-            </a:endParaRPr>
-          </a:p>
-          <a:p>
-            <a:pPr marL="514350" indent="-514350" algn="l">
-              <a:buAutoNum type="arabicPeriod"/>
-            </a:pPr>
-            <a:endParaRPr lang="en-US" sz="3200" dirty="0">
-              <a:solidFill>
-                <a:schemeClr val="bg1"/>
-              </a:solidFill>
-            </a:endParaRPr>
-          </a:p>
-          <a:p>
-            <a:pPr marL="514350" indent="-514350" algn="l">
-              <a:buAutoNum type="arabicPeriod"/>
-            </a:pPr>
-            <a:r>
-              <a:rPr lang="en-US" sz="3200" dirty="0">
-                <a:solidFill>
-                  <a:schemeClr val="bg1"/>
-                </a:solidFill>
-              </a:rPr>
-              <a:t>Apple News</a:t>
-            </a:r>
-          </a:p>
-          <a:p>
-            <a:pPr algn="l"/>
-            <a:endParaRPr lang="ru-RU" sz="3200" dirty="0">
-              <a:solidFill>
-                <a:schemeClr val="bg1"/>
-              </a:solidFill>
-            </a:endParaRPr>
-          </a:p>
-          <a:p>
-            <a:pPr marL="514350" indent="-514350" algn="l">
-              <a:buAutoNum type="arabicPeriod"/>
-            </a:pPr>
-            <a:endParaRPr lang="ru-RU" sz="3200" dirty="0">
-              <a:solidFill>
-                <a:schemeClr val="bg1"/>
-              </a:solidFill>
-            </a:endParaRPr>
-          </a:p>
-        </p:txBody>
-      </p:sp>
-      <p:pic>
-        <p:nvPicPr>
-          <p:cNvPr id="3" name="Рисунок 2">
-            <a:extLst>
-              <a:ext uri="{FF2B5EF4-FFF2-40B4-BE49-F238E27FC236}">
-                <a16:creationId xmlns:a16="http://schemas.microsoft.com/office/drawing/2014/main" id="{2665AC56-72BF-5346-BC45-F7F9C73E1B3E}"/>
-              </a:ext>
-            </a:extLst>
-          </p:cNvPr>
-          <p:cNvPicPr>
-            <a:picLocks noChangeAspect="1"/>
-          </p:cNvPicPr>
-          <p:nvPr/>
-        </p:nvPicPr>
-        <p:blipFill rotWithShape="1">
-          <a:blip r:embed="rId2"/>
-          <a:srcRect l="32125" t="16013" r="32158" b="16120"/>
-          <a:stretch/>
-        </p:blipFill>
-        <p:spPr>
-          <a:xfrm>
-            <a:off x="4769140" y="1114126"/>
-            <a:ext cx="1401047" cy="1393219"/>
-          </a:xfrm>
-          <a:prstGeom prst="rect">
-            <a:avLst/>
-          </a:prstGeom>
-          <a:effectLst>
-            <a:softEdge rad="0"/>
-          </a:effectLst>
-        </p:spPr>
-      </p:pic>
-      <p:pic>
-        <p:nvPicPr>
-          <p:cNvPr id="16" name="Рисунок 15">
-            <a:extLst>
-              <a:ext uri="{FF2B5EF4-FFF2-40B4-BE49-F238E27FC236}">
-                <a16:creationId xmlns:a16="http://schemas.microsoft.com/office/drawing/2014/main" id="{5A01E9E9-6AB9-F547-ADCA-133975ACDB2B}"/>
-              </a:ext>
-            </a:extLst>
-          </p:cNvPr>
-          <p:cNvPicPr>
-            <a:picLocks noChangeAspect="1"/>
-          </p:cNvPicPr>
-          <p:nvPr/>
-        </p:nvPicPr>
-        <p:blipFill>
-          <a:blip r:embed="rId3"/>
-          <a:stretch>
-            <a:fillRect/>
-          </a:stretch>
-        </p:blipFill>
-        <p:spPr>
-          <a:xfrm>
-            <a:off x="4224648" y="3182585"/>
-            <a:ext cx="2707573" cy="1523010"/>
-          </a:xfrm>
-          <a:prstGeom prst="rect">
-            <a:avLst/>
-          </a:prstGeom>
-        </p:spPr>
-      </p:pic>
-      <p:pic>
-        <p:nvPicPr>
-          <p:cNvPr id="18" name="Рисунок 17">
-            <a:extLst>
-              <a:ext uri="{FF2B5EF4-FFF2-40B4-BE49-F238E27FC236}">
-                <a16:creationId xmlns:a16="http://schemas.microsoft.com/office/drawing/2014/main" id="{F875E4A2-21C3-4549-99E9-FCC88AA58E8A}"/>
-              </a:ext>
-            </a:extLst>
-          </p:cNvPr>
-          <p:cNvPicPr>
-            <a:picLocks noChangeAspect="1"/>
-          </p:cNvPicPr>
-          <p:nvPr/>
-        </p:nvPicPr>
-        <p:blipFill>
-          <a:blip r:embed="rId4"/>
-          <a:stretch>
-            <a:fillRect/>
-          </a:stretch>
-        </p:blipFill>
-        <p:spPr>
-          <a:xfrm>
-            <a:off x="4181600" y="5187285"/>
-            <a:ext cx="2826054" cy="1483678"/>
-          </a:xfrm>
-          <a:prstGeom prst="rect">
-            <a:avLst/>
-          </a:prstGeom>
-        </p:spPr>
-      </p:pic>
-      <p:sp>
-        <p:nvSpPr>
           <p:cNvPr id="2" name="Номер слайда 1">
             <a:extLst>
               <a:ext uri="{FF2B5EF4-FFF2-40B4-BE49-F238E27FC236}">
-                <a16:creationId xmlns:a16="http://schemas.microsoft.com/office/drawing/2014/main" id="{E153EF05-2CF9-45CA-0153-86C505AF5347}"/>
+                <a16:creationId xmlns:a16="http://schemas.microsoft.com/office/drawing/2014/main" id="{C1F7920D-94C6-5E05-3D4B-53737E1D2854}"/>
               </a:ext>
             </a:extLst>
           </p:cNvPr>
@@ -7484,10 +7721,789 @@
           </a:p>
         </p:txBody>
       </p:sp>
+      <p:graphicFrame>
+        <p:nvGraphicFramePr>
+          <p:cNvPr id="3" name="Таблица 2">
+            <a:extLst>
+              <a:ext uri="{FF2B5EF4-FFF2-40B4-BE49-F238E27FC236}">
+                <a16:creationId xmlns:a16="http://schemas.microsoft.com/office/drawing/2014/main" id="{C8C9B4DF-B0AB-D8ED-67F8-779E1B607F00}"/>
+              </a:ext>
+            </a:extLst>
+          </p:cNvPr>
+          <p:cNvGraphicFramePr>
+            <a:graphicFrameLocks noGrp="1"/>
+          </p:cNvGraphicFramePr>
+          <p:nvPr>
+            <p:extLst>
+              <p:ext uri="{D42A27DB-BD31-4B8C-83A1-F6EECF244321}">
+                <p14:modId xmlns:p14="http://schemas.microsoft.com/office/powerpoint/2010/main" val="54820198"/>
+              </p:ext>
+            </p:extLst>
+          </p:nvPr>
+        </p:nvGraphicFramePr>
+        <p:xfrm>
+          <a:off x="482599" y="1576008"/>
+          <a:ext cx="10704804" cy="4443880"/>
+        </p:xfrm>
+        <a:graphic>
+          <a:graphicData uri="http://schemas.openxmlformats.org/drawingml/2006/table">
+            <a:tbl>
+              <a:tblPr firstRow="1" bandRow="1">
+                <a:tableStyleId>{5C22544A-7EE6-4342-B048-85BDC9FD1C3A}</a:tableStyleId>
+              </a:tblPr>
+              <a:tblGrid>
+                <a:gridCol w="1784134">
+                  <a:extLst>
+                    <a:ext uri="{9D8B030D-6E8A-4147-A177-3AD203B41FA5}">
+                      <a16:colId xmlns:a16="http://schemas.microsoft.com/office/drawing/2014/main" val="1091711799"/>
+                    </a:ext>
+                  </a:extLst>
+                </a:gridCol>
+                <a:gridCol w="1784134">
+                  <a:extLst>
+                    <a:ext uri="{9D8B030D-6E8A-4147-A177-3AD203B41FA5}">
+                      <a16:colId xmlns:a16="http://schemas.microsoft.com/office/drawing/2014/main" val="2625515566"/>
+                    </a:ext>
+                  </a:extLst>
+                </a:gridCol>
+                <a:gridCol w="1784134">
+                  <a:extLst>
+                    <a:ext uri="{9D8B030D-6E8A-4147-A177-3AD203B41FA5}">
+                      <a16:colId xmlns:a16="http://schemas.microsoft.com/office/drawing/2014/main" val="3964337441"/>
+                    </a:ext>
+                  </a:extLst>
+                </a:gridCol>
+                <a:gridCol w="1784134">
+                  <a:extLst>
+                    <a:ext uri="{9D8B030D-6E8A-4147-A177-3AD203B41FA5}">
+                      <a16:colId xmlns:a16="http://schemas.microsoft.com/office/drawing/2014/main" val="4052876404"/>
+                    </a:ext>
+                  </a:extLst>
+                </a:gridCol>
+                <a:gridCol w="1784134">
+                  <a:extLst>
+                    <a:ext uri="{9D8B030D-6E8A-4147-A177-3AD203B41FA5}">
+                      <a16:colId xmlns:a16="http://schemas.microsoft.com/office/drawing/2014/main" val="6977508"/>
+                    </a:ext>
+                  </a:extLst>
+                </a:gridCol>
+                <a:gridCol w="1784134">
+                  <a:extLst>
+                    <a:ext uri="{9D8B030D-6E8A-4147-A177-3AD203B41FA5}">
+                      <a16:colId xmlns:a16="http://schemas.microsoft.com/office/drawing/2014/main" val="1053259989"/>
+                    </a:ext>
+                  </a:extLst>
+                </a:gridCol>
+              </a:tblGrid>
+              <a:tr h="882370">
+                <a:tc>
+                  <a:txBody>
+                    <a:bodyPr/>
+                    <a:lstStyle/>
+                    <a:p>
+                      <a:pPr algn="ctr"/>
+                      <a:r>
+                        <a:rPr lang="ru-RU" dirty="0"/>
+                        <a:t>Сервисы</a:t>
+                      </a:r>
+                    </a:p>
+                  </a:txBody>
+                  <a:tcPr>
+                    <a:solidFill>
+                      <a:schemeClr val="accent6">
+                        <a:lumMod val="50000"/>
+                      </a:schemeClr>
+                    </a:solidFill>
+                  </a:tcPr>
+                </a:tc>
+                <a:tc>
+                  <a:txBody>
+                    <a:bodyPr/>
+                    <a:lstStyle/>
+                    <a:p>
+                      <a:pPr algn="ctr"/>
+                      <a:r>
+                        <a:rPr lang="ru-RU" dirty="0"/>
+                        <a:t>Удобный интерфейс</a:t>
+                      </a:r>
+                    </a:p>
+                  </a:txBody>
+                  <a:tcPr>
+                    <a:solidFill>
+                      <a:schemeClr val="accent6">
+                        <a:lumMod val="50000"/>
+                      </a:schemeClr>
+                    </a:solidFill>
+                  </a:tcPr>
+                </a:tc>
+                <a:tc>
+                  <a:txBody>
+                    <a:bodyPr/>
+                    <a:lstStyle/>
+                    <a:p>
+                      <a:pPr algn="ctr"/>
+                      <a:r>
+                        <a:rPr lang="ru-RU" dirty="0"/>
+                        <a:t>Эксклюзивный контент</a:t>
+                      </a:r>
+                    </a:p>
+                  </a:txBody>
+                  <a:tcPr>
+                    <a:solidFill>
+                      <a:schemeClr val="accent6">
+                        <a:lumMod val="50000"/>
+                      </a:schemeClr>
+                    </a:solidFill>
+                  </a:tcPr>
+                </a:tc>
+                <a:tc>
+                  <a:txBody>
+                    <a:bodyPr/>
+                    <a:lstStyle/>
+                    <a:p>
+                      <a:pPr algn="ctr"/>
+                      <a:r>
+                        <a:rPr lang="ru-RU" dirty="0"/>
+                        <a:t>Доступ в РФ</a:t>
+                      </a:r>
+                    </a:p>
+                  </a:txBody>
+                  <a:tcPr>
+                    <a:solidFill>
+                      <a:schemeClr val="accent6">
+                        <a:lumMod val="50000"/>
+                      </a:schemeClr>
+                    </a:solidFill>
+                  </a:tcPr>
+                </a:tc>
+                <a:tc>
+                  <a:txBody>
+                    <a:bodyPr/>
+                    <a:lstStyle/>
+                    <a:p>
+                      <a:pPr algn="ctr"/>
+                      <a:r>
+                        <a:rPr lang="ru-RU" dirty="0"/>
+                        <a:t>Настройка новостной ленты</a:t>
+                      </a:r>
+                    </a:p>
+                  </a:txBody>
+                  <a:tcPr>
+                    <a:solidFill>
+                      <a:schemeClr val="accent6">
+                        <a:lumMod val="50000"/>
+                      </a:schemeClr>
+                    </a:solidFill>
+                  </a:tcPr>
+                </a:tc>
+                <a:tc>
+                  <a:txBody>
+                    <a:bodyPr/>
+                    <a:lstStyle/>
+                    <a:p>
+                      <a:pPr algn="ctr"/>
+                      <a:r>
+                        <a:rPr lang="ru-RU" dirty="0"/>
+                        <a:t>Отсутствие лишней рекламы</a:t>
+                      </a:r>
+                    </a:p>
+                  </a:txBody>
+                  <a:tcPr>
+                    <a:solidFill>
+                      <a:schemeClr val="accent6">
+                        <a:lumMod val="50000"/>
+                      </a:schemeClr>
+                    </a:solidFill>
+                  </a:tcPr>
+                </a:tc>
+                <a:extLst>
+                  <a:ext uri="{0D108BD9-81ED-4DB2-BD59-A6C34878D82A}">
+                    <a16:rowId xmlns:a16="http://schemas.microsoft.com/office/drawing/2014/main" val="907961617"/>
+                  </a:ext>
+                </a:extLst>
+              </a:tr>
+              <a:tr h="882370">
+                <a:tc>
+                  <a:txBody>
+                    <a:bodyPr/>
+                    <a:lstStyle/>
+                    <a:p>
+                      <a:pPr algn="ctr"/>
+                      <a:r>
+                        <a:rPr lang="ru-RU" dirty="0"/>
+                        <a:t>Мои Новости</a:t>
+                      </a:r>
+                    </a:p>
+                  </a:txBody>
+                  <a:tcPr>
+                    <a:solidFill>
+                      <a:schemeClr val="accent6">
+                        <a:lumMod val="40000"/>
+                        <a:lumOff val="60000"/>
+                      </a:schemeClr>
+                    </a:solidFill>
+                  </a:tcPr>
+                </a:tc>
+                <a:tc>
+                  <a:txBody>
+                    <a:bodyPr/>
+                    <a:lstStyle/>
+                    <a:p>
+                      <a:pPr algn="ctr"/>
+                      <a:r>
+                        <a:rPr lang="ru-RU" dirty="0"/>
+                        <a:t>+</a:t>
+                      </a:r>
+                    </a:p>
+                  </a:txBody>
+                  <a:tcPr>
+                    <a:solidFill>
+                      <a:schemeClr val="accent6">
+                        <a:lumMod val="40000"/>
+                        <a:lumOff val="60000"/>
+                      </a:schemeClr>
+                    </a:solidFill>
+                  </a:tcPr>
+                </a:tc>
+                <a:tc>
+                  <a:txBody>
+                    <a:bodyPr/>
+                    <a:lstStyle/>
+                    <a:p>
+                      <a:pPr algn="ctr"/>
+                      <a:r>
+                        <a:rPr lang="ru-RU" dirty="0"/>
+                        <a:t>-</a:t>
+                      </a:r>
+                    </a:p>
+                  </a:txBody>
+                  <a:tcPr>
+                    <a:solidFill>
+                      <a:schemeClr val="accent6">
+                        <a:lumMod val="40000"/>
+                        <a:lumOff val="60000"/>
+                      </a:schemeClr>
+                    </a:solidFill>
+                  </a:tcPr>
+                </a:tc>
+                <a:tc>
+                  <a:txBody>
+                    <a:bodyPr/>
+                    <a:lstStyle/>
+                    <a:p>
+                      <a:pPr algn="ctr"/>
+                      <a:r>
+                        <a:rPr lang="ru-RU" dirty="0"/>
+                        <a:t>+</a:t>
+                      </a:r>
+                    </a:p>
+                  </a:txBody>
+                  <a:tcPr>
+                    <a:solidFill>
+                      <a:schemeClr val="accent6">
+                        <a:lumMod val="40000"/>
+                        <a:lumOff val="60000"/>
+                      </a:schemeClr>
+                    </a:solidFill>
+                  </a:tcPr>
+                </a:tc>
+                <a:tc>
+                  <a:txBody>
+                    <a:bodyPr/>
+                    <a:lstStyle/>
+                    <a:p>
+                      <a:pPr algn="ctr"/>
+                      <a:r>
+                        <a:rPr lang="ru-RU" dirty="0"/>
+                        <a:t>+</a:t>
+                      </a:r>
+                    </a:p>
+                  </a:txBody>
+                  <a:tcPr>
+                    <a:solidFill>
+                      <a:schemeClr val="accent6">
+                        <a:lumMod val="40000"/>
+                        <a:lumOff val="60000"/>
+                      </a:schemeClr>
+                    </a:solidFill>
+                  </a:tcPr>
+                </a:tc>
+                <a:tc>
+                  <a:txBody>
+                    <a:bodyPr/>
+                    <a:lstStyle/>
+                    <a:p>
+                      <a:pPr algn="ctr"/>
+                      <a:r>
+                        <a:rPr lang="ru-RU" dirty="0"/>
+                        <a:t>+</a:t>
+                      </a:r>
+                    </a:p>
+                  </a:txBody>
+                  <a:tcPr>
+                    <a:solidFill>
+                      <a:schemeClr val="accent6">
+                        <a:lumMod val="40000"/>
+                        <a:lumOff val="60000"/>
+                      </a:schemeClr>
+                    </a:solidFill>
+                  </a:tcPr>
+                </a:tc>
+                <a:extLst>
+                  <a:ext uri="{0D108BD9-81ED-4DB2-BD59-A6C34878D82A}">
+                    <a16:rowId xmlns:a16="http://schemas.microsoft.com/office/drawing/2014/main" val="2101254566"/>
+                  </a:ext>
+                </a:extLst>
+              </a:tr>
+              <a:tr h="882370">
+                <a:tc>
+                  <a:txBody>
+                    <a:bodyPr/>
+                    <a:lstStyle/>
+                    <a:p>
+                      <a:pPr algn="ctr"/>
+                      <a:r>
+                        <a:rPr lang="ru-RU" dirty="0"/>
+                        <a:t>Яндекс Дзен</a:t>
+                      </a:r>
+                    </a:p>
+                  </a:txBody>
+                  <a:tcPr>
+                    <a:solidFill>
+                      <a:schemeClr val="accent6">
+                        <a:lumMod val="40000"/>
+                        <a:lumOff val="60000"/>
+                      </a:schemeClr>
+                    </a:solidFill>
+                  </a:tcPr>
+                </a:tc>
+                <a:tc>
+                  <a:txBody>
+                    <a:bodyPr/>
+                    <a:lstStyle/>
+                    <a:p>
+                      <a:pPr algn="ctr"/>
+                      <a:r>
+                        <a:rPr lang="ru-RU" dirty="0"/>
+                        <a:t>-</a:t>
+                      </a:r>
+                    </a:p>
+                  </a:txBody>
+                  <a:tcPr>
+                    <a:solidFill>
+                      <a:schemeClr val="accent6">
+                        <a:lumMod val="40000"/>
+                        <a:lumOff val="60000"/>
+                      </a:schemeClr>
+                    </a:solidFill>
+                  </a:tcPr>
+                </a:tc>
+                <a:tc>
+                  <a:txBody>
+                    <a:bodyPr/>
+                    <a:lstStyle/>
+                    <a:p>
+                      <a:pPr algn="ctr"/>
+                      <a:r>
+                        <a:rPr lang="ru-RU" dirty="0"/>
+                        <a:t>-</a:t>
+                      </a:r>
+                    </a:p>
+                  </a:txBody>
+                  <a:tcPr>
+                    <a:solidFill>
+                      <a:schemeClr val="accent6">
+                        <a:lumMod val="40000"/>
+                        <a:lumOff val="60000"/>
+                      </a:schemeClr>
+                    </a:solidFill>
+                  </a:tcPr>
+                </a:tc>
+                <a:tc>
+                  <a:txBody>
+                    <a:bodyPr/>
+                    <a:lstStyle/>
+                    <a:p>
+                      <a:pPr algn="ctr"/>
+                      <a:r>
+                        <a:rPr lang="ru-RU" dirty="0"/>
+                        <a:t>+</a:t>
+                      </a:r>
+                    </a:p>
+                  </a:txBody>
+                  <a:tcPr>
+                    <a:solidFill>
+                      <a:schemeClr val="accent6">
+                        <a:lumMod val="40000"/>
+                        <a:lumOff val="60000"/>
+                      </a:schemeClr>
+                    </a:solidFill>
+                  </a:tcPr>
+                </a:tc>
+                <a:tc>
+                  <a:txBody>
+                    <a:bodyPr/>
+                    <a:lstStyle/>
+                    <a:p>
+                      <a:pPr algn="ctr"/>
+                      <a:r>
+                        <a:rPr lang="ru-RU" dirty="0"/>
+                        <a:t>+</a:t>
+                      </a:r>
+                    </a:p>
+                  </a:txBody>
+                  <a:tcPr>
+                    <a:solidFill>
+                      <a:schemeClr val="accent6">
+                        <a:lumMod val="40000"/>
+                        <a:lumOff val="60000"/>
+                      </a:schemeClr>
+                    </a:solidFill>
+                  </a:tcPr>
+                </a:tc>
+                <a:tc>
+                  <a:txBody>
+                    <a:bodyPr/>
+                    <a:lstStyle/>
+                    <a:p>
+                      <a:pPr algn="ctr"/>
+                      <a:r>
+                        <a:rPr lang="ru-RU" dirty="0"/>
+                        <a:t>-</a:t>
+                      </a:r>
+                    </a:p>
+                  </a:txBody>
+                  <a:tcPr>
+                    <a:solidFill>
+                      <a:schemeClr val="accent6">
+                        <a:lumMod val="40000"/>
+                        <a:lumOff val="60000"/>
+                      </a:schemeClr>
+                    </a:solidFill>
+                  </a:tcPr>
+                </a:tc>
+                <a:extLst>
+                  <a:ext uri="{0D108BD9-81ED-4DB2-BD59-A6C34878D82A}">
+                    <a16:rowId xmlns:a16="http://schemas.microsoft.com/office/drawing/2014/main" val="1814254298"/>
+                  </a:ext>
+                </a:extLst>
+              </a:tr>
+              <a:tr h="882370">
+                <a:tc>
+                  <a:txBody>
+                    <a:bodyPr/>
+                    <a:lstStyle/>
+                    <a:p>
+                      <a:pPr algn="ctr"/>
+                      <a:r>
+                        <a:rPr lang="en-US" dirty="0"/>
+                        <a:t>Telegram</a:t>
+                      </a:r>
+                      <a:endParaRPr lang="ru-RU" dirty="0"/>
+                    </a:p>
+                  </a:txBody>
+                  <a:tcPr>
+                    <a:solidFill>
+                      <a:schemeClr val="accent6">
+                        <a:lumMod val="40000"/>
+                        <a:lumOff val="60000"/>
+                      </a:schemeClr>
+                    </a:solidFill>
+                  </a:tcPr>
+                </a:tc>
+                <a:tc>
+                  <a:txBody>
+                    <a:bodyPr/>
+                    <a:lstStyle/>
+                    <a:p>
+                      <a:pPr algn="ctr"/>
+                      <a:r>
+                        <a:rPr lang="ru-RU" dirty="0"/>
+                        <a:t>+</a:t>
+                      </a:r>
+                    </a:p>
+                  </a:txBody>
+                  <a:tcPr>
+                    <a:solidFill>
+                      <a:schemeClr val="accent6">
+                        <a:lumMod val="40000"/>
+                        <a:lumOff val="60000"/>
+                      </a:schemeClr>
+                    </a:solidFill>
+                  </a:tcPr>
+                </a:tc>
+                <a:tc>
+                  <a:txBody>
+                    <a:bodyPr/>
+                    <a:lstStyle/>
+                    <a:p>
+                      <a:pPr algn="ctr"/>
+                      <a:r>
+                        <a:rPr lang="ru-RU" dirty="0"/>
+                        <a:t>+</a:t>
+                      </a:r>
+                    </a:p>
+                  </a:txBody>
+                  <a:tcPr>
+                    <a:solidFill>
+                      <a:schemeClr val="accent6">
+                        <a:lumMod val="40000"/>
+                        <a:lumOff val="60000"/>
+                      </a:schemeClr>
+                    </a:solidFill>
+                  </a:tcPr>
+                </a:tc>
+                <a:tc>
+                  <a:txBody>
+                    <a:bodyPr/>
+                    <a:lstStyle/>
+                    <a:p>
+                      <a:pPr algn="ctr"/>
+                      <a:r>
+                        <a:rPr lang="ru-RU" dirty="0"/>
+                        <a:t>+</a:t>
+                      </a:r>
+                    </a:p>
+                  </a:txBody>
+                  <a:tcPr>
+                    <a:solidFill>
+                      <a:schemeClr val="accent6">
+                        <a:lumMod val="40000"/>
+                        <a:lumOff val="60000"/>
+                      </a:schemeClr>
+                    </a:solidFill>
+                  </a:tcPr>
+                </a:tc>
+                <a:tc>
+                  <a:txBody>
+                    <a:bodyPr/>
+                    <a:lstStyle/>
+                    <a:p>
+                      <a:pPr algn="ctr"/>
+                      <a:r>
+                        <a:rPr lang="ru-RU" dirty="0"/>
+                        <a:t>-</a:t>
+                      </a:r>
+                    </a:p>
+                  </a:txBody>
+                  <a:tcPr>
+                    <a:solidFill>
+                      <a:schemeClr val="accent6">
+                        <a:lumMod val="40000"/>
+                        <a:lumOff val="60000"/>
+                      </a:schemeClr>
+                    </a:solidFill>
+                  </a:tcPr>
+                </a:tc>
+                <a:tc>
+                  <a:txBody>
+                    <a:bodyPr/>
+                    <a:lstStyle/>
+                    <a:p>
+                      <a:pPr algn="ctr"/>
+                      <a:r>
+                        <a:rPr lang="ru-RU" dirty="0"/>
+                        <a:t>+</a:t>
+                      </a:r>
+                    </a:p>
+                    <a:p>
+                      <a:pPr algn="ctr"/>
+                      <a:endParaRPr lang="ru-RU" dirty="0"/>
+                    </a:p>
+                  </a:txBody>
+                  <a:tcPr>
+                    <a:solidFill>
+                      <a:schemeClr val="accent6">
+                        <a:lumMod val="40000"/>
+                        <a:lumOff val="60000"/>
+                      </a:schemeClr>
+                    </a:solidFill>
+                  </a:tcPr>
+                </a:tc>
+                <a:extLst>
+                  <a:ext uri="{0D108BD9-81ED-4DB2-BD59-A6C34878D82A}">
+                    <a16:rowId xmlns:a16="http://schemas.microsoft.com/office/drawing/2014/main" val="4254578501"/>
+                  </a:ext>
+                </a:extLst>
+              </a:tr>
+              <a:tr h="882370">
+                <a:tc>
+                  <a:txBody>
+                    <a:bodyPr/>
+                    <a:lstStyle/>
+                    <a:p>
+                      <a:pPr algn="ctr"/>
+                      <a:r>
+                        <a:rPr lang="en-US" dirty="0"/>
+                        <a:t>Apple News</a:t>
+                      </a:r>
+                      <a:endParaRPr lang="ru-RU" dirty="0"/>
+                    </a:p>
+                  </a:txBody>
+                  <a:tcPr>
+                    <a:solidFill>
+                      <a:schemeClr val="accent6">
+                        <a:lumMod val="40000"/>
+                        <a:lumOff val="60000"/>
+                      </a:schemeClr>
+                    </a:solidFill>
+                  </a:tcPr>
+                </a:tc>
+                <a:tc>
+                  <a:txBody>
+                    <a:bodyPr/>
+                    <a:lstStyle/>
+                    <a:p>
+                      <a:pPr algn="ctr"/>
+                      <a:r>
+                        <a:rPr lang="ru-RU" dirty="0"/>
+                        <a:t>+</a:t>
+                      </a:r>
+                    </a:p>
+                  </a:txBody>
+                  <a:tcPr>
+                    <a:solidFill>
+                      <a:schemeClr val="accent6">
+                        <a:lumMod val="40000"/>
+                        <a:lumOff val="60000"/>
+                      </a:schemeClr>
+                    </a:solidFill>
+                  </a:tcPr>
+                </a:tc>
+                <a:tc>
+                  <a:txBody>
+                    <a:bodyPr/>
+                    <a:lstStyle/>
+                    <a:p>
+                      <a:pPr algn="ctr"/>
+                      <a:r>
+                        <a:rPr lang="ru-RU" dirty="0"/>
+                        <a:t>+</a:t>
+                      </a:r>
+                    </a:p>
+                  </a:txBody>
+                  <a:tcPr>
+                    <a:solidFill>
+                      <a:schemeClr val="accent6">
+                        <a:lumMod val="40000"/>
+                        <a:lumOff val="60000"/>
+                      </a:schemeClr>
+                    </a:solidFill>
+                  </a:tcPr>
+                </a:tc>
+                <a:tc>
+                  <a:txBody>
+                    <a:bodyPr/>
+                    <a:lstStyle/>
+                    <a:p>
+                      <a:pPr algn="ctr"/>
+                      <a:r>
+                        <a:rPr lang="ru-RU" dirty="0"/>
+                        <a:t>-</a:t>
+                      </a:r>
+                    </a:p>
+                  </a:txBody>
+                  <a:tcPr>
+                    <a:solidFill>
+                      <a:schemeClr val="accent6">
+                        <a:lumMod val="40000"/>
+                        <a:lumOff val="60000"/>
+                      </a:schemeClr>
+                    </a:solidFill>
+                  </a:tcPr>
+                </a:tc>
+                <a:tc>
+                  <a:txBody>
+                    <a:bodyPr/>
+                    <a:lstStyle/>
+                    <a:p>
+                      <a:pPr algn="ctr"/>
+                      <a:r>
+                        <a:rPr lang="ru-RU" dirty="0"/>
+                        <a:t>+</a:t>
+                      </a:r>
+                    </a:p>
+                  </a:txBody>
+                  <a:tcPr>
+                    <a:solidFill>
+                      <a:schemeClr val="accent6">
+                        <a:lumMod val="40000"/>
+                        <a:lumOff val="60000"/>
+                      </a:schemeClr>
+                    </a:solidFill>
+                  </a:tcPr>
+                </a:tc>
+                <a:tc>
+                  <a:txBody>
+                    <a:bodyPr/>
+                    <a:lstStyle/>
+                    <a:p>
+                      <a:pPr algn="ctr"/>
+                      <a:r>
+                        <a:rPr lang="ru-RU" dirty="0"/>
+                        <a:t>+</a:t>
+                      </a:r>
+                    </a:p>
+                  </a:txBody>
+                  <a:tcPr>
+                    <a:solidFill>
+                      <a:schemeClr val="accent6">
+                        <a:lumMod val="40000"/>
+                        <a:lumOff val="60000"/>
+                      </a:schemeClr>
+                    </a:solidFill>
+                  </a:tcPr>
+                </a:tc>
+                <a:extLst>
+                  <a:ext uri="{0D108BD9-81ED-4DB2-BD59-A6C34878D82A}">
+                    <a16:rowId xmlns:a16="http://schemas.microsoft.com/office/drawing/2014/main" val="793996008"/>
+                  </a:ext>
+                </a:extLst>
+              </a:tr>
+            </a:tbl>
+          </a:graphicData>
+        </a:graphic>
+      </p:graphicFrame>
+      <p:pic>
+        <p:nvPicPr>
+          <p:cNvPr id="5" name="Рисунок 4" descr="Газета">
+            <a:extLst>
+              <a:ext uri="{FF2B5EF4-FFF2-40B4-BE49-F238E27FC236}">
+                <a16:creationId xmlns:a16="http://schemas.microsoft.com/office/drawing/2014/main" id="{D08730B5-D3CE-1259-65BB-51C4C0C9D4D4}"/>
+              </a:ext>
+            </a:extLst>
+          </p:cNvPr>
+          <p:cNvPicPr>
+            <a:picLocks noChangeAspect="1"/>
+          </p:cNvPicPr>
+          <p:nvPr/>
+        </p:nvPicPr>
+        <p:blipFill>
+          <a:blip r:embed="rId3">
+            <a:extLst>
+              <a:ext uri="{96DAC541-7B7A-43D3-8B79-37D633B846F1}">
+                <asvg:svgBlip xmlns:asvg="http://schemas.microsoft.com/office/drawing/2016/SVG/main" r:embed="rId4"/>
+              </a:ext>
+            </a:extLst>
+          </a:blip>
+          <a:stretch>
+            <a:fillRect/>
+          </a:stretch>
+        </p:blipFill>
+        <p:spPr>
+          <a:xfrm>
+            <a:off x="11046397" y="-76442"/>
+            <a:ext cx="1255542" cy="1255542"/>
+          </a:xfrm>
+          <a:prstGeom prst="rect">
+            <a:avLst/>
+          </a:prstGeom>
+        </p:spPr>
+      </p:pic>
     </p:spTree>
     <p:extLst>
       <p:ext uri="{BB962C8B-B14F-4D97-AF65-F5344CB8AC3E}">
-        <p14:creationId xmlns:p14="http://schemas.microsoft.com/office/powerpoint/2010/main" val="2005048380"/>
+        <p14:creationId xmlns:p14="http://schemas.microsoft.com/office/powerpoint/2010/main" val="700128895"/>
       </p:ext>
     </p:extLst>
   </p:cSld>
@@ -7514,6 +8530,64 @@
           <a:chExt cx="0" cy="0"/>
         </a:xfrm>
       </p:grpSpPr>
+      <p:sp>
+        <p:nvSpPr>
+          <p:cNvPr id="4" name="Прямоугольник 3">
+            <a:extLst>
+              <a:ext uri="{FF2B5EF4-FFF2-40B4-BE49-F238E27FC236}">
+                <a16:creationId xmlns:a16="http://schemas.microsoft.com/office/drawing/2014/main" id="{80447D33-74F1-484F-8B36-D4EC94E475F5}"/>
+              </a:ext>
+            </a:extLst>
+          </p:cNvPr>
+          <p:cNvSpPr/>
+          <p:nvPr/>
+        </p:nvSpPr>
+        <p:spPr>
+          <a:xfrm>
+            <a:off x="-109939" y="-37731"/>
+            <a:ext cx="12411878" cy="7089967"/>
+          </a:xfrm>
+          <a:prstGeom prst="rect">
+            <a:avLst/>
+          </a:prstGeom>
+          <a:solidFill>
+            <a:schemeClr val="accent6">
+              <a:lumMod val="75000"/>
+            </a:schemeClr>
+          </a:solidFill>
+          <a:ln>
+            <a:solidFill>
+              <a:schemeClr val="tx2">
+                <a:lumMod val="75000"/>
+              </a:schemeClr>
+            </a:solidFill>
+          </a:ln>
+        </p:spPr>
+        <p:style>
+          <a:lnRef idx="2">
+            <a:schemeClr val="accent1">
+              <a:shade val="50000"/>
+            </a:schemeClr>
+          </a:lnRef>
+          <a:fillRef idx="1">
+            <a:schemeClr val="accent1"/>
+          </a:fillRef>
+          <a:effectRef idx="0">
+            <a:schemeClr val="accent1"/>
+          </a:effectRef>
+          <a:fontRef idx="minor">
+            <a:schemeClr val="lt1"/>
+          </a:fontRef>
+        </p:style>
+        <p:txBody>
+          <a:bodyPr rtlCol="0" anchor="ctr"/>
+          <a:lstStyle/>
+          <a:p>
+            <a:pPr algn="ctr"/>
+            <a:endParaRPr lang="ru-RU" dirty="0"/>
+          </a:p>
+        </p:txBody>
+      </p:sp>
       <p:cxnSp>
         <p:nvCxnSpPr>
           <p:cNvPr id="7" name="Прямая соединительная линия 6">
@@ -7575,7 +8649,7 @@
         </p:nvSpPr>
         <p:spPr>
           <a:xfrm>
-            <a:off x="0" y="-228600"/>
+            <a:off x="0" y="0"/>
             <a:ext cx="8115300" cy="1122363"/>
           </a:xfrm>
         </p:spPr>
@@ -7589,12 +8663,10 @@
             <a:r>
               <a:rPr lang="ru-RU" sz="4800" b="1" dirty="0">
                 <a:solidFill>
-                  <a:schemeClr val="accent6">
-                    <a:lumMod val="50000"/>
-                  </a:schemeClr>
+                  <a:schemeClr val="bg1"/>
                 </a:solidFill>
               </a:rPr>
-              <a:t>Демонстрация продукта</a:t>
+              <a:t>Технологии разработки</a:t>
             </a:r>
           </a:p>
         </p:txBody>
@@ -7615,8 +8687,8 @@
         </p:nvCxnSpPr>
         <p:spPr>
           <a:xfrm flipV="1">
-            <a:off x="0" y="902010"/>
-            <a:ext cx="6338807" cy="1"/>
+            <a:off x="0" y="1244909"/>
+            <a:ext cx="5459506" cy="1"/>
           </a:xfrm>
           <a:prstGeom prst="line">
             <a:avLst/>
@@ -7642,41 +8714,428 @@
           </a:fontRef>
         </p:style>
       </p:cxnSp>
-      <p:pic>
-        <p:nvPicPr>
-          <p:cNvPr id="10" name="Рисунок 9">
-            <a:extLst>
-              <a:ext uri="{FF2B5EF4-FFF2-40B4-BE49-F238E27FC236}">
-                <a16:creationId xmlns:a16="http://schemas.microsoft.com/office/drawing/2014/main" id="{15EC729A-BB93-0B47-967D-71519A1BE853}"/>
-              </a:ext>
-            </a:extLst>
-          </p:cNvPr>
-          <p:cNvPicPr>
-            <a:picLocks noChangeAspect="1"/>
-          </p:cNvPicPr>
+      <p:sp>
+        <p:nvSpPr>
+          <p:cNvPr id="15" name="Подзаголовок 2">
+            <a:extLst>
+              <a:ext uri="{FF2B5EF4-FFF2-40B4-BE49-F238E27FC236}">
+                <a16:creationId xmlns:a16="http://schemas.microsoft.com/office/drawing/2014/main" id="{921A7523-3711-4842-B7A9-F23827BC8A44}"/>
+              </a:ext>
+            </a:extLst>
+          </p:cNvPr>
+          <p:cNvSpPr>
+            <a:spLocks noGrp="1"/>
+          </p:cNvSpPr>
+          <p:nvPr>
+            <p:ph type="subTitle" idx="1"/>
+          </p:nvPr>
+        </p:nvSpPr>
+        <p:spPr>
+          <a:xfrm>
+            <a:off x="-1" y="1517743"/>
+            <a:ext cx="6348047" cy="4788928"/>
+          </a:xfrm>
+          <a:solidFill>
+            <a:schemeClr val="accent6">
+              <a:lumMod val="75000"/>
+            </a:schemeClr>
+          </a:solidFill>
+        </p:spPr>
+        <p:txBody>
+          <a:bodyPr>
+            <a:normAutofit/>
+          </a:bodyPr>
+          <a:lstStyle/>
+          <a:p>
+            <a:r>
+              <a:rPr lang="en-US" sz="3200" dirty="0">
+                <a:solidFill>
+                  <a:schemeClr val="bg1"/>
+                </a:solidFill>
+              </a:rPr>
+              <a:t>Backend</a:t>
+            </a:r>
+            <a:endParaRPr lang="ru-RU" sz="3200" dirty="0">
+              <a:solidFill>
+                <a:schemeClr val="bg1"/>
+              </a:solidFill>
+            </a:endParaRPr>
+          </a:p>
+          <a:p>
+            <a:pPr marL="514350" indent="-514350" algn="l">
+              <a:lnSpc>
+                <a:spcPct val="200000"/>
+              </a:lnSpc>
+              <a:buAutoNum type="arabicPeriod"/>
+            </a:pPr>
+            <a:r>
+              <a:rPr lang="ru-RU" sz="3200" dirty="0">
+                <a:solidFill>
+                  <a:schemeClr val="bg1"/>
+                </a:solidFill>
+              </a:rPr>
+              <a:t>СУБД </a:t>
+            </a:r>
+            <a:r>
+              <a:rPr lang="en-US" sz="3200" dirty="0">
+                <a:solidFill>
+                  <a:schemeClr val="bg1"/>
+                </a:solidFill>
+              </a:rPr>
+              <a:t>SQLite</a:t>
+            </a:r>
+          </a:p>
+          <a:p>
+            <a:pPr marL="514350" indent="-514350" algn="l">
+              <a:lnSpc>
+                <a:spcPct val="200000"/>
+              </a:lnSpc>
+              <a:buAutoNum type="arabicPeriod"/>
+            </a:pPr>
+            <a:r>
+              <a:rPr lang="en-US" sz="3200" dirty="0">
+                <a:solidFill>
+                  <a:schemeClr val="bg1"/>
+                </a:solidFill>
+              </a:rPr>
+              <a:t>Django</a:t>
+            </a:r>
+          </a:p>
+          <a:p>
+            <a:pPr marL="514350" indent="-514350" algn="l">
+              <a:buAutoNum type="arabicPeriod"/>
+            </a:pPr>
+            <a:endParaRPr lang="ru-RU" sz="3200" dirty="0">
+              <a:solidFill>
+                <a:schemeClr val="bg1"/>
+              </a:solidFill>
+            </a:endParaRPr>
+          </a:p>
+        </p:txBody>
+      </p:sp>
+      <p:sp>
+        <p:nvSpPr>
+          <p:cNvPr id="8" name="Подзаголовок 2">
+            <a:extLst>
+              <a:ext uri="{FF2B5EF4-FFF2-40B4-BE49-F238E27FC236}">
+                <a16:creationId xmlns:a16="http://schemas.microsoft.com/office/drawing/2014/main" id="{C6F5A844-3994-CC4F-8771-3ECE3CB3E99F}"/>
+              </a:ext>
+            </a:extLst>
+          </p:cNvPr>
+          <p:cNvSpPr txBox="1">
+            <a:spLocks/>
+          </p:cNvSpPr>
           <p:nvPr/>
-        </p:nvPicPr>
-        <p:blipFill rotWithShape="1">
-          <a:blip r:embed="rId2"/>
-          <a:srcRect l="357" t="551" r="686"/>
-          <a:stretch/>
-        </p:blipFill>
+        </p:nvSpPr>
         <p:spPr>
           <a:xfrm>
-            <a:off x="364105" y="1137285"/>
-            <a:ext cx="5379470" cy="4961297"/>
+            <a:off x="5843953" y="1459128"/>
+            <a:ext cx="6348047" cy="4788928"/>
           </a:xfrm>
           <a:prstGeom prst="rect">
             <a:avLst/>
           </a:prstGeom>
-        </p:spPr>
-      </p:pic>
+          <a:solidFill>
+            <a:schemeClr val="accent6">
+              <a:lumMod val="75000"/>
+            </a:schemeClr>
+          </a:solidFill>
+        </p:spPr>
+        <p:txBody>
+          <a:bodyPr vert="horz" lIns="91440" tIns="45720" rIns="91440" bIns="45720" rtlCol="0">
+            <a:normAutofit/>
+          </a:bodyPr>
+          <a:lstStyle>
+            <a:lvl1pPr marL="0" indent="0" algn="ctr" defTabSz="914400" rtl="0" eaLnBrk="1" latinLnBrk="0" hangingPunct="1">
+              <a:lnSpc>
+                <a:spcPct val="90000"/>
+              </a:lnSpc>
+              <a:spcBef>
+                <a:spcPts val="1000"/>
+              </a:spcBef>
+              <a:buFont typeface="Arial" panose="020B0604020202020204" pitchFamily="34" charset="0"/>
+              <a:buNone/>
+              <a:defRPr sz="2400" kern="1200">
+                <a:solidFill>
+                  <a:schemeClr val="tx1"/>
+                </a:solidFill>
+                <a:latin typeface="+mn-lt"/>
+                <a:ea typeface="+mn-ea"/>
+                <a:cs typeface="+mn-cs"/>
+              </a:defRPr>
+            </a:lvl1pPr>
+            <a:lvl2pPr marL="457200" indent="0" algn="ctr" defTabSz="914400" rtl="0" eaLnBrk="1" latinLnBrk="0" hangingPunct="1">
+              <a:lnSpc>
+                <a:spcPct val="90000"/>
+              </a:lnSpc>
+              <a:spcBef>
+                <a:spcPts val="500"/>
+              </a:spcBef>
+              <a:buFont typeface="Arial" panose="020B0604020202020204" pitchFamily="34" charset="0"/>
+              <a:buNone/>
+              <a:defRPr sz="2000" kern="1200">
+                <a:solidFill>
+                  <a:schemeClr val="tx1"/>
+                </a:solidFill>
+                <a:latin typeface="+mn-lt"/>
+                <a:ea typeface="+mn-ea"/>
+                <a:cs typeface="+mn-cs"/>
+              </a:defRPr>
+            </a:lvl2pPr>
+            <a:lvl3pPr marL="914400" indent="0" algn="ctr" defTabSz="914400" rtl="0" eaLnBrk="1" latinLnBrk="0" hangingPunct="1">
+              <a:lnSpc>
+                <a:spcPct val="90000"/>
+              </a:lnSpc>
+              <a:spcBef>
+                <a:spcPts val="500"/>
+              </a:spcBef>
+              <a:buFont typeface="Arial" panose="020B0604020202020204" pitchFamily="34" charset="0"/>
+              <a:buNone/>
+              <a:defRPr sz="1800" kern="1200">
+                <a:solidFill>
+                  <a:schemeClr val="tx1"/>
+                </a:solidFill>
+                <a:latin typeface="+mn-lt"/>
+                <a:ea typeface="+mn-ea"/>
+                <a:cs typeface="+mn-cs"/>
+              </a:defRPr>
+            </a:lvl3pPr>
+            <a:lvl4pPr marL="1371600" indent="0" algn="ctr" defTabSz="914400" rtl="0" eaLnBrk="1" latinLnBrk="0" hangingPunct="1">
+              <a:lnSpc>
+                <a:spcPct val="90000"/>
+              </a:lnSpc>
+              <a:spcBef>
+                <a:spcPts val="500"/>
+              </a:spcBef>
+              <a:buFont typeface="Arial" panose="020B0604020202020204" pitchFamily="34" charset="0"/>
+              <a:buNone/>
+              <a:defRPr sz="1600" kern="1200">
+                <a:solidFill>
+                  <a:schemeClr val="tx1"/>
+                </a:solidFill>
+                <a:latin typeface="+mn-lt"/>
+                <a:ea typeface="+mn-ea"/>
+                <a:cs typeface="+mn-cs"/>
+              </a:defRPr>
+            </a:lvl4pPr>
+            <a:lvl5pPr marL="1828800" indent="0" algn="ctr" defTabSz="914400" rtl="0" eaLnBrk="1" latinLnBrk="0" hangingPunct="1">
+              <a:lnSpc>
+                <a:spcPct val="90000"/>
+              </a:lnSpc>
+              <a:spcBef>
+                <a:spcPts val="500"/>
+              </a:spcBef>
+              <a:buFont typeface="Arial" panose="020B0604020202020204" pitchFamily="34" charset="0"/>
+              <a:buNone/>
+              <a:defRPr sz="1600" kern="1200">
+                <a:solidFill>
+                  <a:schemeClr val="tx1"/>
+                </a:solidFill>
+                <a:latin typeface="+mn-lt"/>
+                <a:ea typeface="+mn-ea"/>
+                <a:cs typeface="+mn-cs"/>
+              </a:defRPr>
+            </a:lvl5pPr>
+            <a:lvl6pPr marL="2286000" indent="0" algn="ctr" defTabSz="914400" rtl="0" eaLnBrk="1" latinLnBrk="0" hangingPunct="1">
+              <a:lnSpc>
+                <a:spcPct val="90000"/>
+              </a:lnSpc>
+              <a:spcBef>
+                <a:spcPts val="500"/>
+              </a:spcBef>
+              <a:buFont typeface="Arial" panose="020B0604020202020204" pitchFamily="34" charset="0"/>
+              <a:buNone/>
+              <a:defRPr sz="1600" kern="1200">
+                <a:solidFill>
+                  <a:schemeClr val="tx1"/>
+                </a:solidFill>
+                <a:latin typeface="+mn-lt"/>
+                <a:ea typeface="+mn-ea"/>
+                <a:cs typeface="+mn-cs"/>
+              </a:defRPr>
+            </a:lvl6pPr>
+            <a:lvl7pPr marL="2743200" indent="0" algn="ctr" defTabSz="914400" rtl="0" eaLnBrk="1" latinLnBrk="0" hangingPunct="1">
+              <a:lnSpc>
+                <a:spcPct val="90000"/>
+              </a:lnSpc>
+              <a:spcBef>
+                <a:spcPts val="500"/>
+              </a:spcBef>
+              <a:buFont typeface="Arial" panose="020B0604020202020204" pitchFamily="34" charset="0"/>
+              <a:buNone/>
+              <a:defRPr sz="1600" kern="1200">
+                <a:solidFill>
+                  <a:schemeClr val="tx1"/>
+                </a:solidFill>
+                <a:latin typeface="+mn-lt"/>
+                <a:ea typeface="+mn-ea"/>
+                <a:cs typeface="+mn-cs"/>
+              </a:defRPr>
+            </a:lvl7pPr>
+            <a:lvl8pPr marL="3200400" indent="0" algn="ctr" defTabSz="914400" rtl="0" eaLnBrk="1" latinLnBrk="0" hangingPunct="1">
+              <a:lnSpc>
+                <a:spcPct val="90000"/>
+              </a:lnSpc>
+              <a:spcBef>
+                <a:spcPts val="500"/>
+              </a:spcBef>
+              <a:buFont typeface="Arial" panose="020B0604020202020204" pitchFamily="34" charset="0"/>
+              <a:buNone/>
+              <a:defRPr sz="1600" kern="1200">
+                <a:solidFill>
+                  <a:schemeClr val="tx1"/>
+                </a:solidFill>
+                <a:latin typeface="+mn-lt"/>
+                <a:ea typeface="+mn-ea"/>
+                <a:cs typeface="+mn-cs"/>
+              </a:defRPr>
+            </a:lvl8pPr>
+            <a:lvl9pPr marL="3657600" indent="0" algn="ctr" defTabSz="914400" rtl="0" eaLnBrk="1" latinLnBrk="0" hangingPunct="1">
+              <a:lnSpc>
+                <a:spcPct val="90000"/>
+              </a:lnSpc>
+              <a:spcBef>
+                <a:spcPts val="500"/>
+              </a:spcBef>
+              <a:buFont typeface="Arial" panose="020B0604020202020204" pitchFamily="34" charset="0"/>
+              <a:buNone/>
+              <a:defRPr sz="1600" kern="1200">
+                <a:solidFill>
+                  <a:schemeClr val="tx1"/>
+                </a:solidFill>
+                <a:latin typeface="+mn-lt"/>
+                <a:ea typeface="+mn-ea"/>
+                <a:cs typeface="+mn-cs"/>
+              </a:defRPr>
+            </a:lvl9pPr>
+          </a:lstStyle>
+          <a:p>
+            <a:r>
+              <a:rPr lang="en-US" sz="3200" dirty="0">
+                <a:solidFill>
+                  <a:schemeClr val="bg1"/>
+                </a:solidFill>
+              </a:rPr>
+              <a:t>Frontend</a:t>
+            </a:r>
+            <a:endParaRPr lang="ru-RU" sz="3200" dirty="0">
+              <a:solidFill>
+                <a:schemeClr val="bg1"/>
+              </a:solidFill>
+            </a:endParaRPr>
+          </a:p>
+          <a:p>
+            <a:pPr marL="514350" indent="-514350" algn="l">
+              <a:lnSpc>
+                <a:spcPct val="200000"/>
+              </a:lnSpc>
+              <a:buFont typeface="Arial" panose="020B0604020202020204" pitchFamily="34" charset="0"/>
+              <a:buAutoNum type="arabicPeriod"/>
+            </a:pPr>
+            <a:r>
+              <a:rPr lang="en-US" sz="3200" dirty="0">
+                <a:solidFill>
+                  <a:schemeClr val="bg1"/>
+                </a:solidFill>
+              </a:rPr>
+              <a:t>HTML/CSS</a:t>
+            </a:r>
+          </a:p>
+          <a:p>
+            <a:pPr marL="514350" indent="-514350" algn="l">
+              <a:lnSpc>
+                <a:spcPct val="200000"/>
+              </a:lnSpc>
+              <a:buFont typeface="Arial" panose="020B0604020202020204" pitchFamily="34" charset="0"/>
+              <a:buAutoNum type="arabicPeriod"/>
+            </a:pPr>
+            <a:r>
+              <a:rPr lang="en-US" sz="3200" dirty="0">
+                <a:solidFill>
+                  <a:schemeClr val="bg1"/>
+                </a:solidFill>
+              </a:rPr>
+              <a:t>JavaScript</a:t>
+            </a:r>
+          </a:p>
+          <a:p>
+            <a:pPr marL="514350" indent="-514350" algn="l">
+              <a:lnSpc>
+                <a:spcPct val="200000"/>
+              </a:lnSpc>
+              <a:buFont typeface="Arial" panose="020B0604020202020204" pitchFamily="34" charset="0"/>
+              <a:buAutoNum type="arabicPeriod"/>
+            </a:pPr>
+            <a:r>
+              <a:rPr lang="en-US" sz="3200" dirty="0" err="1">
+                <a:solidFill>
+                  <a:schemeClr val="bg1"/>
+                </a:solidFill>
+              </a:rPr>
+              <a:t>Vue.js</a:t>
+            </a:r>
+            <a:endParaRPr lang="en-US" sz="3200" dirty="0">
+              <a:solidFill>
+                <a:schemeClr val="bg1"/>
+              </a:solidFill>
+            </a:endParaRPr>
+          </a:p>
+          <a:p>
+            <a:pPr marL="514350" indent="-514350" algn="l">
+              <a:buFont typeface="Arial" panose="020B0604020202020204" pitchFamily="34" charset="0"/>
+              <a:buAutoNum type="arabicPeriod"/>
+            </a:pPr>
+            <a:endParaRPr lang="ru-RU" sz="3200" dirty="0">
+              <a:solidFill>
+                <a:schemeClr val="bg1"/>
+              </a:solidFill>
+            </a:endParaRPr>
+          </a:p>
+        </p:txBody>
+      </p:sp>
+      <p:sp>
+        <p:nvSpPr>
+          <p:cNvPr id="2" name="Номер слайда 1">
+            <a:extLst>
+              <a:ext uri="{FF2B5EF4-FFF2-40B4-BE49-F238E27FC236}">
+                <a16:creationId xmlns:a16="http://schemas.microsoft.com/office/drawing/2014/main" id="{BA706DB4-4C00-B8D4-9801-95C27EDC57A3}"/>
+              </a:ext>
+            </a:extLst>
+          </p:cNvPr>
+          <p:cNvSpPr>
+            <a:spLocks noGrp="1"/>
+          </p:cNvSpPr>
+          <p:nvPr>
+            <p:ph type="sldNum" sz="quarter" idx="12"/>
+          </p:nvPr>
+        </p:nvSpPr>
+        <p:spPr/>
+        <p:txBody>
+          <a:bodyPr/>
+          <a:lstStyle/>
+          <a:p>
+            <a:fld id="{98DC83F7-A2BF-A64B-B6B1-DB03C46AEE3B}" type="slidenum">
+              <a:rPr lang="ru-RU" sz="1600" smtClean="0">
+                <a:solidFill>
+                  <a:schemeClr val="bg1"/>
+                </a:solidFill>
+              </a:rPr>
+              <a:t>7</a:t>
+            </a:fld>
+            <a:endParaRPr lang="ru-RU" sz="1600" dirty="0">
+              <a:solidFill>
+                <a:schemeClr val="bg1"/>
+              </a:solidFill>
+            </a:endParaRPr>
+          </a:p>
+        </p:txBody>
+      </p:sp>
       <p:pic>
         <p:nvPicPr>
-          <p:cNvPr id="14" name="Рисунок 13">
-            <a:extLst>
-              <a:ext uri="{FF2B5EF4-FFF2-40B4-BE49-F238E27FC236}">
-                <a16:creationId xmlns:a16="http://schemas.microsoft.com/office/drawing/2014/main" id="{34FAB6CD-9F7F-434A-80B9-503446894811}"/>
+          <p:cNvPr id="3" name="Рисунок 2" descr="Газета">
+            <a:extLst>
+              <a:ext uri="{FF2B5EF4-FFF2-40B4-BE49-F238E27FC236}">
+                <a16:creationId xmlns:a16="http://schemas.microsoft.com/office/drawing/2014/main" id="{119FE3D5-F025-AF24-D1BF-D48ACE563B99}"/>
               </a:ext>
             </a:extLst>
           </p:cNvPr>
@@ -7686,62 +9145,31 @@
           <p:nvPr/>
         </p:nvPicPr>
         <p:blipFill>
-          <a:blip r:embed="rId3"/>
+          <a:blip r:embed="rId2">
+            <a:extLst>
+              <a:ext uri="{96DAC541-7B7A-43D3-8B79-37D633B846F1}">
+                <asvg:svgBlip xmlns:asvg="http://schemas.microsoft.com/office/drawing/2016/SVG/main" r:embed="rId3"/>
+              </a:ext>
+            </a:extLst>
+          </a:blip>
           <a:stretch>
             <a:fillRect/>
           </a:stretch>
         </p:blipFill>
         <p:spPr>
           <a:xfrm>
-            <a:off x="6581671" y="1108418"/>
-            <a:ext cx="5436158" cy="5066293"/>
+            <a:off x="11046397" y="-76442"/>
+            <a:ext cx="1255542" cy="1255542"/>
           </a:xfrm>
           <a:prstGeom prst="rect">
             <a:avLst/>
           </a:prstGeom>
         </p:spPr>
       </p:pic>
-      <p:sp>
-        <p:nvSpPr>
-          <p:cNvPr id="2" name="Номер слайда 1">
-            <a:extLst>
-              <a:ext uri="{FF2B5EF4-FFF2-40B4-BE49-F238E27FC236}">
-                <a16:creationId xmlns:a16="http://schemas.microsoft.com/office/drawing/2014/main" id="{5693458B-AA81-6398-03CC-FE2CB0147FAD}"/>
-              </a:ext>
-            </a:extLst>
-          </p:cNvPr>
-          <p:cNvSpPr>
-            <a:spLocks noGrp="1"/>
-          </p:cNvSpPr>
-          <p:nvPr>
-            <p:ph type="sldNum" sz="quarter" idx="12"/>
-          </p:nvPr>
-        </p:nvSpPr>
-        <p:spPr/>
-        <p:txBody>
-          <a:bodyPr/>
-          <a:lstStyle/>
-          <a:p>
-            <a:fld id="{98DC83F7-A2BF-A64B-B6B1-DB03C46AEE3B}" type="slidenum">
-              <a:rPr lang="ru-RU" sz="1600" smtClean="0">
-                <a:solidFill>
-                  <a:schemeClr val="tx1"/>
-                </a:solidFill>
-              </a:rPr>
-              <a:t>7</a:t>
-            </a:fld>
-            <a:endParaRPr lang="ru-RU" dirty="0">
-              <a:solidFill>
-                <a:schemeClr val="tx1"/>
-              </a:solidFill>
-            </a:endParaRPr>
-          </a:p>
-        </p:txBody>
-      </p:sp>
     </p:spTree>
     <p:extLst>
       <p:ext uri="{BB962C8B-B14F-4D97-AF65-F5344CB8AC3E}">
-        <p14:creationId xmlns:p14="http://schemas.microsoft.com/office/powerpoint/2010/main" val="1578738810"/>
+        <p14:creationId xmlns:p14="http://schemas.microsoft.com/office/powerpoint/2010/main" val="137486431"/>
       </p:ext>
     </p:extLst>
   </p:cSld>
@@ -7768,64 +9196,6 @@
           <a:chExt cx="0" cy="0"/>
         </a:xfrm>
       </p:grpSpPr>
-      <p:sp>
-        <p:nvSpPr>
-          <p:cNvPr id="4" name="Прямоугольник 3">
-            <a:extLst>
-              <a:ext uri="{FF2B5EF4-FFF2-40B4-BE49-F238E27FC236}">
-                <a16:creationId xmlns:a16="http://schemas.microsoft.com/office/drawing/2014/main" id="{80447D33-74F1-484F-8B36-D4EC94E475F5}"/>
-              </a:ext>
-            </a:extLst>
-          </p:cNvPr>
-          <p:cNvSpPr/>
-          <p:nvPr/>
-        </p:nvSpPr>
-        <p:spPr>
-          <a:xfrm>
-            <a:off x="0" y="-1"/>
-            <a:ext cx="12411878" cy="7089967"/>
-          </a:xfrm>
-          <a:prstGeom prst="rect">
-            <a:avLst/>
-          </a:prstGeom>
-          <a:solidFill>
-            <a:schemeClr val="accent6">
-              <a:lumMod val="75000"/>
-            </a:schemeClr>
-          </a:solidFill>
-          <a:ln>
-            <a:solidFill>
-              <a:schemeClr val="tx2">
-                <a:lumMod val="75000"/>
-              </a:schemeClr>
-            </a:solidFill>
-          </a:ln>
-        </p:spPr>
-        <p:style>
-          <a:lnRef idx="2">
-            <a:schemeClr val="accent1">
-              <a:shade val="50000"/>
-            </a:schemeClr>
-          </a:lnRef>
-          <a:fillRef idx="1">
-            <a:schemeClr val="accent1"/>
-          </a:fillRef>
-          <a:effectRef idx="0">
-            <a:schemeClr val="accent1"/>
-          </a:effectRef>
-          <a:fontRef idx="minor">
-            <a:schemeClr val="lt1"/>
-          </a:fontRef>
-        </p:style>
-        <p:txBody>
-          <a:bodyPr rtlCol="0" anchor="ctr"/>
-          <a:lstStyle/>
-          <a:p>
-            <a:pPr algn="ctr"/>
-            <a:endParaRPr lang="ru-RU" dirty="0"/>
-          </a:p>
-        </p:txBody>
-      </p:sp>
       <p:cxnSp>
         <p:nvCxnSpPr>
           <p:cNvPr id="7" name="Прямая соединительная линия 6">
@@ -7887,8 +9257,8 @@
         </p:nvSpPr>
         <p:spPr>
           <a:xfrm>
-            <a:off x="-1" y="0"/>
-            <a:ext cx="11231217" cy="1122363"/>
+            <a:off x="0" y="-228600"/>
+            <a:ext cx="8115300" cy="1122363"/>
           </a:xfrm>
         </p:spPr>
         <p:txBody>
@@ -7901,10 +9271,12 @@
             <a:r>
               <a:rPr lang="ru-RU" sz="4800" b="1" dirty="0">
                 <a:solidFill>
-                  <a:schemeClr val="bg1"/>
+                  <a:schemeClr val="accent6">
+                    <a:lumMod val="50000"/>
+                  </a:schemeClr>
                 </a:solidFill>
               </a:rPr>
-              <a:t>Бизнес модель</a:t>
+              <a:t>Демонстрация продукта</a:t>
             </a:r>
           </a:p>
         </p:txBody>
@@ -7925,8 +9297,8 @@
         </p:nvCxnSpPr>
         <p:spPr>
           <a:xfrm flipV="1">
-            <a:off x="0" y="1244911"/>
-            <a:ext cx="4293031" cy="1"/>
+            <a:off x="0" y="902010"/>
+            <a:ext cx="6338807" cy="1"/>
           </a:xfrm>
           <a:prstGeom prst="line">
             <a:avLst/>
@@ -7952,75 +9324,71 @@
           </a:fontRef>
         </p:style>
       </p:cxnSp>
-      <p:sp>
-        <p:nvSpPr>
-          <p:cNvPr id="15" name="Подзаголовок 2">
-            <a:extLst>
-              <a:ext uri="{FF2B5EF4-FFF2-40B4-BE49-F238E27FC236}">
-                <a16:creationId xmlns:a16="http://schemas.microsoft.com/office/drawing/2014/main" id="{921A7523-3711-4842-B7A9-F23827BC8A44}"/>
-              </a:ext>
-            </a:extLst>
-          </p:cNvPr>
-          <p:cNvSpPr>
-            <a:spLocks noGrp="1"/>
-          </p:cNvSpPr>
-          <p:nvPr>
-            <p:ph type="subTitle" idx="1"/>
-          </p:nvPr>
-        </p:nvSpPr>
+      <p:pic>
+        <p:nvPicPr>
+          <p:cNvPr id="10" name="Рисунок 9">
+            <a:extLst>
+              <a:ext uri="{FF2B5EF4-FFF2-40B4-BE49-F238E27FC236}">
+                <a16:creationId xmlns:a16="http://schemas.microsoft.com/office/drawing/2014/main" id="{15EC729A-BB93-0B47-967D-71519A1BE853}"/>
+              </a:ext>
+            </a:extLst>
+          </p:cNvPr>
+          <p:cNvPicPr>
+            <a:picLocks noChangeAspect="1"/>
+          </p:cNvPicPr>
+          <p:nvPr/>
+        </p:nvPicPr>
+        <p:blipFill rotWithShape="1">
+          <a:blip r:embed="rId2"/>
+          <a:srcRect l="357" t="551" r="686"/>
+          <a:stretch/>
+        </p:blipFill>
         <p:spPr>
           <a:xfrm>
-            <a:off x="19877" y="1351720"/>
-            <a:ext cx="10472475" cy="5685183"/>
+            <a:off x="364105" y="1137285"/>
+            <a:ext cx="5379470" cy="4961297"/>
           </a:xfrm>
-          <a:solidFill>
-            <a:schemeClr val="accent6">
-              <a:lumMod val="75000"/>
-            </a:schemeClr>
-          </a:solidFill>
-        </p:spPr>
-        <p:txBody>
-          <a:bodyPr>
-            <a:normAutofit/>
-          </a:bodyPr>
-          <a:lstStyle/>
-          <a:p>
-            <a:pPr algn="l">
-              <a:lnSpc>
-                <a:spcPct val="200000"/>
-              </a:lnSpc>
-            </a:pPr>
-            <a:r>
-              <a:rPr lang="ru-RU" sz="2800" dirty="0">
-                <a:solidFill>
-                  <a:schemeClr val="bg1"/>
-                </a:solidFill>
-                <a:effectLst/>
-                <a:latin typeface="Helvetica Neue" panose="02000503000000020004" pitchFamily="2" charset="0"/>
-              </a:rPr>
-              <a:t>Начальный этап развертывания проекта характеризуется внедрением системы оплаты подписки на платформе. Пользователи, обладающие активной подпиской, получают возможность добавлять теги и журналы в раздел "Избранное", а также расширенные возможности по поиску и сохранению статей. </a:t>
-            </a:r>
-          </a:p>
-          <a:p>
-            <a:pPr algn="l">
-              <a:lnSpc>
-                <a:spcPct val="200000"/>
-              </a:lnSpc>
-            </a:pPr>
-            <a:endParaRPr lang="ru-RU" sz="3200" dirty="0">
-              <a:solidFill>
-                <a:schemeClr val="bg1"/>
-              </a:solidFill>
-            </a:endParaRPr>
-          </a:p>
-        </p:txBody>
-      </p:sp>
+          <a:prstGeom prst="rect">
+            <a:avLst/>
+          </a:prstGeom>
+        </p:spPr>
+      </p:pic>
+      <p:pic>
+        <p:nvPicPr>
+          <p:cNvPr id="14" name="Рисунок 13">
+            <a:extLst>
+              <a:ext uri="{FF2B5EF4-FFF2-40B4-BE49-F238E27FC236}">
+                <a16:creationId xmlns:a16="http://schemas.microsoft.com/office/drawing/2014/main" id="{34FAB6CD-9F7F-434A-80B9-503446894811}"/>
+              </a:ext>
+            </a:extLst>
+          </p:cNvPr>
+          <p:cNvPicPr>
+            <a:picLocks noChangeAspect="1"/>
+          </p:cNvPicPr>
+          <p:nvPr/>
+        </p:nvPicPr>
+        <p:blipFill>
+          <a:blip r:embed="rId3"/>
+          <a:stretch>
+            <a:fillRect/>
+          </a:stretch>
+        </p:blipFill>
+        <p:spPr>
+          <a:xfrm>
+            <a:off x="6581671" y="1108418"/>
+            <a:ext cx="5436158" cy="5066293"/>
+          </a:xfrm>
+          <a:prstGeom prst="rect">
+            <a:avLst/>
+          </a:prstGeom>
+        </p:spPr>
+      </p:pic>
       <p:sp>
         <p:nvSpPr>
           <p:cNvPr id="2" name="Номер слайда 1">
             <a:extLst>
               <a:ext uri="{FF2B5EF4-FFF2-40B4-BE49-F238E27FC236}">
-                <a16:creationId xmlns:a16="http://schemas.microsoft.com/office/drawing/2014/main" id="{2595ACCD-F31A-38BC-0FE7-D6EC2A1F6520}"/>
+                <a16:creationId xmlns:a16="http://schemas.microsoft.com/office/drawing/2014/main" id="{5693458B-AA81-6398-03CC-FE2CB0147FAD}"/>
               </a:ext>
             </a:extLst>
           </p:cNvPr>
@@ -8039,14 +9407,14 @@
             <a:fld id="{98DC83F7-A2BF-A64B-B6B1-DB03C46AEE3B}" type="slidenum">
               <a:rPr lang="ru-RU" sz="1600" smtClean="0">
                 <a:solidFill>
-                  <a:schemeClr val="bg1"/>
+                  <a:schemeClr val="tx1"/>
                 </a:solidFill>
               </a:rPr>
               <a:t>8</a:t>
             </a:fld>
-            <a:endParaRPr lang="ru-RU" sz="1600" dirty="0">
+            <a:endParaRPr lang="ru-RU" dirty="0">
               <a:solidFill>
-                <a:schemeClr val="bg1"/>
+                <a:schemeClr val="tx1"/>
               </a:solidFill>
             </a:endParaRPr>
           </a:p>
@@ -8055,7 +9423,7 @@
     </p:spTree>
     <p:extLst>
       <p:ext uri="{BB962C8B-B14F-4D97-AF65-F5344CB8AC3E}">
-        <p14:creationId xmlns:p14="http://schemas.microsoft.com/office/powerpoint/2010/main" val="2619553097"/>
+        <p14:creationId xmlns:p14="http://schemas.microsoft.com/office/powerpoint/2010/main" val="1578738810"/>
       </p:ext>
     </p:extLst>
   </p:cSld>
@@ -8096,7 +9464,7 @@
         </p:nvSpPr>
         <p:spPr>
           <a:xfrm>
-            <a:off x="0" y="-1"/>
+            <a:off x="-109939" y="-37730"/>
             <a:ext cx="12411878" cy="7089967"/>
           </a:xfrm>
           <a:prstGeom prst="rect">
@@ -8218,7 +9586,7 @@
                   <a:schemeClr val="bg1"/>
                 </a:solidFill>
               </a:rPr>
-              <a:t>План развития</a:t>
+              <a:t>Бизнес модель</a:t>
             </a:r>
           </a:p>
         </p:txBody>
@@ -8285,7 +9653,7 @@
         <p:spPr>
           <a:xfrm>
             <a:off x="19877" y="1351720"/>
-            <a:ext cx="10580963" cy="5685183"/>
+            <a:ext cx="10472475" cy="5685183"/>
           </a:xfrm>
           <a:solidFill>
             <a:schemeClr val="accent6">
@@ -8295,7 +9663,7 @@
         </p:spPr>
         <p:txBody>
           <a:bodyPr>
-            <a:normAutofit lnSpcReduction="10000"/>
+            <a:normAutofit/>
           </a:bodyPr>
           <a:lstStyle/>
           <a:p>
@@ -8305,14 +9673,87 @@
               </a:lnSpc>
             </a:pPr>
             <a:r>
-              <a:rPr lang="ru-RU" sz="3200" dirty="0">
+              <a:rPr lang="ru-RU" sz="2800" dirty="0">
                 <a:solidFill>
                   <a:schemeClr val="bg1"/>
                 </a:solidFill>
                 <a:effectLst/>
                 <a:latin typeface="Helvetica Neue" panose="02000503000000020004" pitchFamily="2" charset="0"/>
               </a:rPr>
-              <a:t>С учетом дальнейшего развития проекта, планируется создание премиум подписки. Приобретение премиум подписки дарует пользователям привилегию доступа к эксклюзивному контенту, включающему подкасты, видео обзоры новостей и интервью, обогащая их опыт использования платформы.</a:t>
+              <a:t>Система оплаты подписки на платформе</a:t>
+            </a:r>
+            <a:r>
+              <a:rPr lang="ru-RU" sz="2800" dirty="0">
+                <a:solidFill>
+                  <a:schemeClr val="bg1"/>
+                </a:solidFill>
+                <a:latin typeface="Helvetica Neue" panose="02000503000000020004" pitchFamily="2" charset="0"/>
+              </a:rPr>
+              <a:t> для:</a:t>
+            </a:r>
+          </a:p>
+          <a:p>
+            <a:pPr marL="514350" indent="-514350" algn="l">
+              <a:lnSpc>
+                <a:spcPct val="200000"/>
+              </a:lnSpc>
+              <a:buAutoNum type="arabicPeriod"/>
+            </a:pPr>
+            <a:r>
+              <a:rPr lang="ru-RU" sz="2800" dirty="0">
+                <a:solidFill>
+                  <a:schemeClr val="bg1"/>
+                </a:solidFill>
+                <a:latin typeface="Helvetica Neue" panose="02000503000000020004" pitchFamily="2" charset="0"/>
+              </a:rPr>
+              <a:t>Д</a:t>
+            </a:r>
+            <a:r>
+              <a:rPr lang="ru-RU" sz="2800" dirty="0">
+                <a:solidFill>
+                  <a:schemeClr val="bg1"/>
+                </a:solidFill>
+                <a:effectLst/>
+                <a:latin typeface="Helvetica Neue" panose="02000503000000020004" pitchFamily="2" charset="0"/>
+              </a:rPr>
+              <a:t>обавление теги и журналы в раздел "Избранно</a:t>
+            </a:r>
+            <a:r>
+              <a:rPr lang="ru-RU" sz="2800" dirty="0">
+                <a:solidFill>
+                  <a:schemeClr val="bg1"/>
+                </a:solidFill>
+                <a:latin typeface="Helvetica Neue" panose="02000503000000020004" pitchFamily="2" charset="0"/>
+              </a:rPr>
+              <a:t>е</a:t>
+            </a:r>
+            <a:r>
+              <a:rPr lang="ru-RU" sz="2800" dirty="0">
+                <a:solidFill>
+                  <a:schemeClr val="bg1"/>
+                </a:solidFill>
+                <a:effectLst/>
+                <a:latin typeface="Helvetica Neue" panose="02000503000000020004" pitchFamily="2" charset="0"/>
+              </a:rPr>
+              <a:t>"</a:t>
+            </a:r>
+          </a:p>
+          <a:p>
+            <a:pPr marL="514350" indent="-514350" algn="l">
+              <a:lnSpc>
+                <a:spcPct val="200000"/>
+              </a:lnSpc>
+              <a:buAutoNum type="arabicPeriod"/>
+            </a:pPr>
+            <a:r>
+              <a:rPr lang="ru-RU" sz="2800" dirty="0">
+                <a:solidFill>
+                  <a:schemeClr val="bg1"/>
+                </a:solidFill>
+                <a:effectLst/>
+                <a:latin typeface="Helvetica Neue" panose="02000503000000020004" pitchFamily="2" charset="0"/>
+              </a:rPr>
+              <a:t>Расширенные возможности по поиску и сохранению статей </a:t>
             </a:r>
           </a:p>
           <a:p>
@@ -8334,7 +9775,7 @@
           <p:cNvPr id="2" name="Номер слайда 1">
             <a:extLst>
               <a:ext uri="{FF2B5EF4-FFF2-40B4-BE49-F238E27FC236}">
-                <a16:creationId xmlns:a16="http://schemas.microsoft.com/office/drawing/2014/main" id="{330DD1FD-C30C-387C-5DFE-7CD109B7C145}"/>
+                <a16:creationId xmlns:a16="http://schemas.microsoft.com/office/drawing/2014/main" id="{2595ACCD-F31A-38BC-0FE7-D6EC2A1F6520}"/>
               </a:ext>
             </a:extLst>
           </p:cNvPr>
@@ -8358,7 +9799,7 @@
               </a:rPr>
               <a:t>9</a:t>
             </a:fld>
-            <a:endParaRPr lang="ru-RU" dirty="0">
+            <a:endParaRPr lang="ru-RU" sz="1600" dirty="0">
               <a:solidFill>
                 <a:schemeClr val="bg1"/>
               </a:solidFill>
@@ -8366,10 +9807,46 @@
           </a:p>
         </p:txBody>
       </p:sp>
+      <p:pic>
+        <p:nvPicPr>
+          <p:cNvPr id="3" name="Рисунок 2" descr="Газета">
+            <a:extLst>
+              <a:ext uri="{FF2B5EF4-FFF2-40B4-BE49-F238E27FC236}">
+                <a16:creationId xmlns:a16="http://schemas.microsoft.com/office/drawing/2014/main" id="{51995E44-8644-2C4D-17B7-D9ACA6B110C6}"/>
+              </a:ext>
+            </a:extLst>
+          </p:cNvPr>
+          <p:cNvPicPr>
+            <a:picLocks noChangeAspect="1"/>
+          </p:cNvPicPr>
+          <p:nvPr/>
+        </p:nvPicPr>
+        <p:blipFill>
+          <a:blip r:embed="rId2">
+            <a:extLst>
+              <a:ext uri="{96DAC541-7B7A-43D3-8B79-37D633B846F1}">
+                <asvg:svgBlip xmlns:asvg="http://schemas.microsoft.com/office/drawing/2016/SVG/main" r:embed="rId3"/>
+              </a:ext>
+            </a:extLst>
+          </a:blip>
+          <a:stretch>
+            <a:fillRect/>
+          </a:stretch>
+        </p:blipFill>
+        <p:spPr>
+          <a:xfrm>
+            <a:off x="11046397" y="-76442"/>
+            <a:ext cx="1255542" cy="1255542"/>
+          </a:xfrm>
+          <a:prstGeom prst="rect">
+            <a:avLst/>
+          </a:prstGeom>
+        </p:spPr>
+      </p:pic>
     </p:spTree>
     <p:extLst>
       <p:ext uri="{BB962C8B-B14F-4D97-AF65-F5344CB8AC3E}">
-        <p14:creationId xmlns:p14="http://schemas.microsoft.com/office/powerpoint/2010/main" val="1453286986"/>
+        <p14:creationId xmlns:p14="http://schemas.microsoft.com/office/powerpoint/2010/main" val="2619553097"/>
       </p:ext>
     </p:extLst>
   </p:cSld>

--- a/Documentation/my_news_presentation.pptx
+++ b/Documentation/my_news_presentation.pptx
@@ -5,24 +5,20 @@
     <p:sldMasterId id="2147483768" r:id="rId1"/>
   </p:sldMasterIdLst>
   <p:notesMasterIdLst>
-    <p:notesMasterId r:id="rId17"/>
+    <p:notesMasterId r:id="rId13"/>
   </p:notesMasterIdLst>
   <p:sldIdLst>
     <p:sldId id="256" r:id="rId2"/>
     <p:sldId id="257" r:id="rId3"/>
-    <p:sldId id="259" r:id="rId4"/>
-    <p:sldId id="271" r:id="rId5"/>
-    <p:sldId id="272" r:id="rId6"/>
-    <p:sldId id="273" r:id="rId7"/>
-    <p:sldId id="258" r:id="rId8"/>
-    <p:sldId id="267" r:id="rId9"/>
-    <p:sldId id="270" r:id="rId10"/>
-    <p:sldId id="260" r:id="rId11"/>
-    <p:sldId id="268" r:id="rId12"/>
-    <p:sldId id="262" r:id="rId13"/>
-    <p:sldId id="269" r:id="rId14"/>
-    <p:sldId id="261" r:id="rId15"/>
-    <p:sldId id="266" r:id="rId16"/>
+    <p:sldId id="258" r:id="rId4"/>
+    <p:sldId id="267" r:id="rId5"/>
+    <p:sldId id="260" r:id="rId6"/>
+    <p:sldId id="270" r:id="rId7"/>
+    <p:sldId id="268" r:id="rId8"/>
+    <p:sldId id="262" r:id="rId9"/>
+    <p:sldId id="269" r:id="rId10"/>
+    <p:sldId id="261" r:id="rId11"/>
+    <p:sldId id="271" r:id="rId12"/>
   </p:sldIdLst>
   <p:sldSz cx="12192000" cy="6858000"/>
   <p:notesSz cx="6858000" cy="9144000"/>
@@ -222,7 +218,7 @@
           <a:p>
             <a:fld id="{9DAC62F3-80D8-1E48-86C7-1D252185633D}" type="datetimeFigureOut">
               <a:rPr lang="ru-RU" smtClean="0"/>
-              <a:t>12.09.2024</a:t>
+              <a:t>15.10.2024</a:t>
             </a:fld>
             <a:endParaRPr lang="ru-RU"/>
           </a:p>
@@ -559,7 +555,7 @@
           <a:p>
             <a:fld id="{06EA4D69-F075-B441-9253-1E8176C0CB11}" type="slidenum">
               <a:rPr lang="ru-RU" smtClean="0"/>
-              <a:t>7</a:t>
+              <a:t>3</a:t>
             </a:fld>
             <a:endParaRPr lang="ru-RU"/>
           </a:p>
@@ -648,7 +644,7 @@
           <a:p>
             <a:fld id="{06EA4D69-F075-B441-9253-1E8176C0CB11}" type="slidenum">
               <a:rPr lang="ru-RU" smtClean="0"/>
-              <a:t>9</a:t>
+              <a:t>6</a:t>
             </a:fld>
             <a:endParaRPr lang="ru-RU"/>
           </a:p>
@@ -846,7 +842,7 @@
           <a:p>
             <a:fld id="{1A7F0E84-8CFE-9449-96ED-4A47FCE21533}" type="datetimeFigureOut">
               <a:rPr lang="ru-RU" smtClean="0"/>
-              <a:t>12.09.2024</a:t>
+              <a:t>15.10.2024</a:t>
             </a:fld>
             <a:endParaRPr lang="ru-RU"/>
           </a:p>
@@ -1014,7 +1010,7 @@
           <a:p>
             <a:fld id="{1A7F0E84-8CFE-9449-96ED-4A47FCE21533}" type="datetimeFigureOut">
               <a:rPr lang="ru-RU" smtClean="0"/>
-              <a:t>12.09.2024</a:t>
+              <a:t>15.10.2024</a:t>
             </a:fld>
             <a:endParaRPr lang="ru-RU"/>
           </a:p>
@@ -1192,7 +1188,7 @@
           <a:p>
             <a:fld id="{1A7F0E84-8CFE-9449-96ED-4A47FCE21533}" type="datetimeFigureOut">
               <a:rPr lang="ru-RU" smtClean="0"/>
-              <a:t>12.09.2024</a:t>
+              <a:t>15.10.2024</a:t>
             </a:fld>
             <a:endParaRPr lang="ru-RU"/>
           </a:p>
@@ -1360,7 +1356,7 @@
           <a:p>
             <a:fld id="{1A7F0E84-8CFE-9449-96ED-4A47FCE21533}" type="datetimeFigureOut">
               <a:rPr lang="ru-RU" smtClean="0"/>
-              <a:t>12.09.2024</a:t>
+              <a:t>15.10.2024</a:t>
             </a:fld>
             <a:endParaRPr lang="ru-RU"/>
           </a:p>
@@ -1605,7 +1601,7 @@
           <a:p>
             <a:fld id="{1A7F0E84-8CFE-9449-96ED-4A47FCE21533}" type="datetimeFigureOut">
               <a:rPr lang="ru-RU" smtClean="0"/>
-              <a:t>12.09.2024</a:t>
+              <a:t>15.10.2024</a:t>
             </a:fld>
             <a:endParaRPr lang="ru-RU"/>
           </a:p>
@@ -1890,7 +1886,7 @@
           <a:p>
             <a:fld id="{1A7F0E84-8CFE-9449-96ED-4A47FCE21533}" type="datetimeFigureOut">
               <a:rPr lang="ru-RU" smtClean="0"/>
-              <a:t>12.09.2024</a:t>
+              <a:t>15.10.2024</a:t>
             </a:fld>
             <a:endParaRPr lang="ru-RU"/>
           </a:p>
@@ -2314,7 +2310,7 @@
           <a:p>
             <a:fld id="{1A7F0E84-8CFE-9449-96ED-4A47FCE21533}" type="datetimeFigureOut">
               <a:rPr lang="ru-RU" smtClean="0"/>
-              <a:t>12.09.2024</a:t>
+              <a:t>15.10.2024</a:t>
             </a:fld>
             <a:endParaRPr lang="ru-RU"/>
           </a:p>
@@ -2431,7 +2427,7 @@
           <a:p>
             <a:fld id="{1A7F0E84-8CFE-9449-96ED-4A47FCE21533}" type="datetimeFigureOut">
               <a:rPr lang="ru-RU" smtClean="0"/>
-              <a:t>12.09.2024</a:t>
+              <a:t>15.10.2024</a:t>
             </a:fld>
             <a:endParaRPr lang="ru-RU"/>
           </a:p>
@@ -2526,7 +2522,7 @@
           <a:p>
             <a:fld id="{1A7F0E84-8CFE-9449-96ED-4A47FCE21533}" type="datetimeFigureOut">
               <a:rPr lang="ru-RU" smtClean="0"/>
-              <a:t>12.09.2024</a:t>
+              <a:t>15.10.2024</a:t>
             </a:fld>
             <a:endParaRPr lang="ru-RU"/>
           </a:p>
@@ -2801,7 +2797,7 @@
           <a:p>
             <a:fld id="{1A7F0E84-8CFE-9449-96ED-4A47FCE21533}" type="datetimeFigureOut">
               <a:rPr lang="ru-RU" smtClean="0"/>
-              <a:t>12.09.2024</a:t>
+              <a:t>15.10.2024</a:t>
             </a:fld>
             <a:endParaRPr lang="ru-RU"/>
           </a:p>
@@ -3053,7 +3049,7 @@
           <a:p>
             <a:fld id="{1A7F0E84-8CFE-9449-96ED-4A47FCE21533}" type="datetimeFigureOut">
               <a:rPr lang="ru-RU" smtClean="0"/>
-              <a:t>12.09.2024</a:t>
+              <a:t>15.10.2024</a:t>
             </a:fld>
             <a:endParaRPr lang="ru-RU"/>
           </a:p>
@@ -3264,7 +3260,7 @@
           <a:p>
             <a:fld id="{1A7F0E84-8CFE-9449-96ED-4A47FCE21533}" type="datetimeFigureOut">
               <a:rPr lang="ru-RU" smtClean="0"/>
-              <a:t>12.09.2024</a:t>
+              <a:t>15.10.2024</a:t>
             </a:fld>
             <a:endParaRPr lang="ru-RU"/>
           </a:p>
@@ -3660,9 +3656,7 @@
             <a:avLst/>
           </a:prstGeom>
           <a:solidFill>
-            <a:schemeClr val="accent6">
-              <a:lumMod val="75000"/>
-            </a:schemeClr>
+            <a:schemeClr val="bg2"/>
           </a:solidFill>
           <a:ln>
             <a:solidFill>
@@ -3719,9 +3713,7 @@
             <a:ext cx="9144000" cy="2387600"/>
           </a:xfrm>
           <a:solidFill>
-            <a:schemeClr val="accent6">
-              <a:lumMod val="75000"/>
-            </a:schemeClr>
+            <a:schemeClr val="bg2"/>
           </a:solidFill>
         </p:spPr>
         <p:txBody>
@@ -3758,10 +3750,12 @@
           </p:nvPr>
         </p:nvSpPr>
         <p:spPr>
+          <a:xfrm>
+            <a:off x="1957388" y="3514725"/>
+            <a:ext cx="8534400" cy="1752600"/>
+          </a:xfrm>
           <a:solidFill>
-            <a:schemeClr val="accent6">
-              <a:lumMod val="75000"/>
-            </a:schemeClr>
+            <a:schemeClr val="bg2"/>
           </a:solidFill>
         </p:spPr>
         <p:txBody>
@@ -3883,9 +3877,7 @@
             <a:avLst/>
           </a:prstGeom>
           <a:solidFill>
-            <a:schemeClr val="accent6">
-              <a:lumMod val="75000"/>
-            </a:schemeClr>
+            <a:schemeClr val="bg2"/>
           </a:solidFill>
         </p:spPr>
         <p:txBody>
@@ -4150,16 +4142,14 @@
         </p:nvSpPr>
         <p:spPr>
           <a:xfrm>
-            <a:off x="-109940" y="-37731"/>
+            <a:off x="-109940" y="-115984"/>
             <a:ext cx="12411879" cy="7089967"/>
           </a:xfrm>
           <a:prstGeom prst="rect">
             <a:avLst/>
           </a:prstGeom>
           <a:solidFill>
-            <a:schemeClr val="accent6">
-              <a:lumMod val="75000"/>
-            </a:schemeClr>
+            <a:schemeClr val="bg2"/>
           </a:solidFill>
           <a:ln>
             <a:solidFill>
@@ -4258,6 +4248,9 @@
             <a:off x="2" y="4"/>
             <a:ext cx="8115300" cy="1122363"/>
           </a:xfrm>
+          <a:solidFill>
+            <a:schemeClr val="bg2"/>
+          </a:solidFill>
         </p:spPr>
         <p:txBody>
           <a:bodyPr>
@@ -4272,7 +4265,7 @@
                   <a:schemeClr val="bg1"/>
                 </a:solidFill>
               </a:rPr>
-              <a:t>Технологии разработки</a:t>
+              <a:t>Команда</a:t>
             </a:r>
           </a:p>
         </p:txBody>
@@ -4295,13 +4288,11 @@
         </p:nvSpPr>
         <p:spPr>
           <a:xfrm>
-            <a:off x="2" y="1517743"/>
-            <a:ext cx="6348047" cy="4788928"/>
+            <a:off x="19879" y="1351724"/>
+            <a:ext cx="12282063" cy="5685183"/>
           </a:xfrm>
           <a:solidFill>
-            <a:schemeClr val="accent6">
-              <a:lumMod val="75000"/>
-            </a:schemeClr>
+            <a:schemeClr val="bg2"/>
           </a:solidFill>
         </p:spPr>
         <p:txBody>
@@ -4310,26 +4301,10 @@
           </a:bodyPr>
           <a:lstStyle/>
           <a:p>
-            <a:r>
-              <a:rPr lang="en-US" sz="3200" dirty="0">
-                <a:solidFill>
-                  <a:schemeClr val="bg1"/>
-                </a:solidFill>
-              </a:rPr>
-              <a:t>Backend</a:t>
-            </a:r>
-            <a:endParaRPr lang="ru-RU" sz="3200" dirty="0">
-              <a:solidFill>
-                <a:schemeClr val="bg1"/>
-              </a:solidFill>
-            </a:endParaRPr>
-          </a:p>
-          <a:p>
-            <a:pPr marL="514350" indent="-514350" algn="l">
+            <a:pPr algn="l">
               <a:lnSpc>
                 <a:spcPct val="200000"/>
               </a:lnSpc>
-              <a:buAutoNum type="arabicPeriod"/>
             </a:pPr>
             <a:r>
               <a:rPr lang="ru-RU" sz="3200" dirty="0">
@@ -4337,7 +4312,7 @@
                   <a:schemeClr val="bg1"/>
                 </a:solidFill>
               </a:rPr>
-              <a:t>СУБД </a:t>
+              <a:t>Вадим Михайлов – </a:t>
             </a:r>
             <a:r>
               <a:rPr lang="en-US" sz="3200" dirty="0">
@@ -4345,34 +4320,31 @@
                   <a:schemeClr val="bg1"/>
                 </a:solidFill>
               </a:rPr>
-              <a:t>SQLite</a:t>
-            </a:r>
-          </a:p>
-          <a:p>
-            <a:pPr marL="514350" indent="-514350" algn="l">
+              <a:t>Team Lead, Full-stack </a:t>
+            </a:r>
+            <a:r>
+              <a:rPr lang="ru-RU" sz="3200" dirty="0">
+                <a:solidFill>
+                  <a:schemeClr val="bg1"/>
+                </a:solidFill>
+              </a:rPr>
+              <a:t>разработчик</a:t>
+            </a:r>
+          </a:p>
+          <a:p>
+            <a:pPr algn="l">
               <a:lnSpc>
                 <a:spcPct val="200000"/>
               </a:lnSpc>
-              <a:buAutoNum type="arabicPeriod"/>
             </a:pPr>
             <a:r>
-              <a:rPr lang="en-US" sz="3200" dirty="0">
+              <a:rPr lang="ru-RU" sz="3200" dirty="0">
                 <a:solidFill>
                   <a:schemeClr val="bg1"/>
                 </a:solidFill>
               </a:rPr>
-              <a:t>Django</a:t>
-            </a:r>
-          </a:p>
-          <a:p>
-            <a:pPr marL="514350" indent="-514350" algn="l">
-              <a:buAutoNum type="arabicPeriod"/>
-            </a:pPr>
-            <a:endParaRPr lang="ru-RU" sz="3200" dirty="0">
-              <a:solidFill>
-                <a:schemeClr val="bg1"/>
-              </a:solidFill>
-            </a:endParaRPr>
+              <a:t>Денис Рындин – Дизайнер, Бизнес аналитик</a:t>
+            </a:r>
           </a:p>
         </p:txBody>
       </p:sp>
@@ -4381,7 +4353,7 @@
           <p:cNvPr id="2" name="Номер слайда 1">
             <a:extLst>
               <a:ext uri="{FF2B5EF4-FFF2-40B4-BE49-F238E27FC236}">
-                <a16:creationId xmlns:a16="http://schemas.microsoft.com/office/drawing/2014/main" id="{BA706DB4-4C00-B8D4-9801-95C27EDC57A3}"/>
+                <a16:creationId xmlns:a16="http://schemas.microsoft.com/office/drawing/2014/main" id="{F12BEA67-8A7E-20FF-97F5-F2EC04399381}"/>
               </a:ext>
             </a:extLst>
           </p:cNvPr>
@@ -4392,7 +4364,11 @@
             <p:ph type="sldNum" sz="quarter" idx="12"/>
           </p:nvPr>
         </p:nvSpPr>
-        <p:spPr/>
+        <p:spPr>
+          <a:solidFill>
+            <a:schemeClr val="bg2"/>
+          </a:solidFill>
+        </p:spPr>
         <p:txBody>
           <a:bodyPr/>
           <a:lstStyle/>
@@ -4429,1780 +4405,7 @@
         </p:nvCxnSpPr>
         <p:spPr>
           <a:xfrm flipV="1">
-            <a:off x="1" y="1244913"/>
-            <a:ext cx="5459507" cy="1"/>
-          </a:xfrm>
-          <a:prstGeom prst="line">
-            <a:avLst/>
-          </a:prstGeom>
-          <a:ln w="34925">
-            <a:solidFill>
-              <a:srgbClr val="AB7942"/>
-            </a:solidFill>
-          </a:ln>
-        </p:spPr>
-        <p:style>
-          <a:lnRef idx="1">
-            <a:schemeClr val="accent1"/>
-          </a:lnRef>
-          <a:fillRef idx="0">
-            <a:schemeClr val="accent1"/>
-          </a:fillRef>
-          <a:effectRef idx="0">
-            <a:schemeClr val="accent1"/>
-          </a:effectRef>
-          <a:fontRef idx="minor">
-            <a:schemeClr val="tx1"/>
-          </a:fontRef>
-        </p:style>
-      </p:cxnSp>
-      <p:sp>
-        <p:nvSpPr>
-          <p:cNvPr id="8" name="Подзаголовок 2">
-            <a:extLst>
-              <a:ext uri="{FF2B5EF4-FFF2-40B4-BE49-F238E27FC236}">
-                <a16:creationId xmlns:a16="http://schemas.microsoft.com/office/drawing/2014/main" id="{C6F5A844-3994-CC4F-8771-3ECE3CB3E99F}"/>
-              </a:ext>
-            </a:extLst>
-          </p:cNvPr>
-          <p:cNvSpPr txBox="1">
-            <a:spLocks/>
-          </p:cNvSpPr>
-          <p:nvPr/>
-        </p:nvSpPr>
-        <p:spPr>
-          <a:xfrm>
-            <a:off x="5843955" y="1459128"/>
-            <a:ext cx="6348047" cy="4788928"/>
-          </a:xfrm>
-          <a:prstGeom prst="rect">
-            <a:avLst/>
-          </a:prstGeom>
-          <a:solidFill>
-            <a:schemeClr val="accent6">
-              <a:lumMod val="75000"/>
-            </a:schemeClr>
-          </a:solidFill>
-        </p:spPr>
-        <p:txBody>
-          <a:bodyPr vert="horz" lIns="91440" tIns="45720" rIns="91440" bIns="45720" rtlCol="0">
-            <a:normAutofit/>
-          </a:bodyPr>
-          <a:lstStyle>
-            <a:lvl1pPr marL="0" indent="0" algn="ctr" defTabSz="914400" rtl="0" eaLnBrk="1" latinLnBrk="0" hangingPunct="1">
-              <a:lnSpc>
-                <a:spcPct val="90000"/>
-              </a:lnSpc>
-              <a:spcBef>
-                <a:spcPts val="1000"/>
-              </a:spcBef>
-              <a:buFont typeface="Arial" panose="020B0604020202020204" pitchFamily="34" charset="0"/>
-              <a:buNone/>
-              <a:defRPr sz="2400" kern="1200">
-                <a:solidFill>
-                  <a:schemeClr val="tx1"/>
-                </a:solidFill>
-                <a:latin typeface="+mn-lt"/>
-                <a:ea typeface="+mn-ea"/>
-                <a:cs typeface="+mn-cs"/>
-              </a:defRPr>
-            </a:lvl1pPr>
-            <a:lvl2pPr marL="457200" indent="0" algn="ctr" defTabSz="914400" rtl="0" eaLnBrk="1" latinLnBrk="0" hangingPunct="1">
-              <a:lnSpc>
-                <a:spcPct val="90000"/>
-              </a:lnSpc>
-              <a:spcBef>
-                <a:spcPts val="500"/>
-              </a:spcBef>
-              <a:buFont typeface="Arial" panose="020B0604020202020204" pitchFamily="34" charset="0"/>
-              <a:buNone/>
-              <a:defRPr sz="2000" kern="1200">
-                <a:solidFill>
-                  <a:schemeClr val="tx1"/>
-                </a:solidFill>
-                <a:latin typeface="+mn-lt"/>
-                <a:ea typeface="+mn-ea"/>
-                <a:cs typeface="+mn-cs"/>
-              </a:defRPr>
-            </a:lvl2pPr>
-            <a:lvl3pPr marL="914400" indent="0" algn="ctr" defTabSz="914400" rtl="0" eaLnBrk="1" latinLnBrk="0" hangingPunct="1">
-              <a:lnSpc>
-                <a:spcPct val="90000"/>
-              </a:lnSpc>
-              <a:spcBef>
-                <a:spcPts val="500"/>
-              </a:spcBef>
-              <a:buFont typeface="Arial" panose="020B0604020202020204" pitchFamily="34" charset="0"/>
-              <a:buNone/>
-              <a:defRPr sz="1800" kern="1200">
-                <a:solidFill>
-                  <a:schemeClr val="tx1"/>
-                </a:solidFill>
-                <a:latin typeface="+mn-lt"/>
-                <a:ea typeface="+mn-ea"/>
-                <a:cs typeface="+mn-cs"/>
-              </a:defRPr>
-            </a:lvl3pPr>
-            <a:lvl4pPr marL="1371600" indent="0" algn="ctr" defTabSz="914400" rtl="0" eaLnBrk="1" latinLnBrk="0" hangingPunct="1">
-              <a:lnSpc>
-                <a:spcPct val="90000"/>
-              </a:lnSpc>
-              <a:spcBef>
-                <a:spcPts val="500"/>
-              </a:spcBef>
-              <a:buFont typeface="Arial" panose="020B0604020202020204" pitchFamily="34" charset="0"/>
-              <a:buNone/>
-              <a:defRPr sz="1600" kern="1200">
-                <a:solidFill>
-                  <a:schemeClr val="tx1"/>
-                </a:solidFill>
-                <a:latin typeface="+mn-lt"/>
-                <a:ea typeface="+mn-ea"/>
-                <a:cs typeface="+mn-cs"/>
-              </a:defRPr>
-            </a:lvl4pPr>
-            <a:lvl5pPr marL="1828800" indent="0" algn="ctr" defTabSz="914400" rtl="0" eaLnBrk="1" latinLnBrk="0" hangingPunct="1">
-              <a:lnSpc>
-                <a:spcPct val="90000"/>
-              </a:lnSpc>
-              <a:spcBef>
-                <a:spcPts val="500"/>
-              </a:spcBef>
-              <a:buFont typeface="Arial" panose="020B0604020202020204" pitchFamily="34" charset="0"/>
-              <a:buNone/>
-              <a:defRPr sz="1600" kern="1200">
-                <a:solidFill>
-                  <a:schemeClr val="tx1"/>
-                </a:solidFill>
-                <a:latin typeface="+mn-lt"/>
-                <a:ea typeface="+mn-ea"/>
-                <a:cs typeface="+mn-cs"/>
-              </a:defRPr>
-            </a:lvl5pPr>
-            <a:lvl6pPr marL="2286000" indent="0" algn="ctr" defTabSz="914400" rtl="0" eaLnBrk="1" latinLnBrk="0" hangingPunct="1">
-              <a:lnSpc>
-                <a:spcPct val="90000"/>
-              </a:lnSpc>
-              <a:spcBef>
-                <a:spcPts val="500"/>
-              </a:spcBef>
-              <a:buFont typeface="Arial" panose="020B0604020202020204" pitchFamily="34" charset="0"/>
-              <a:buNone/>
-              <a:defRPr sz="1600" kern="1200">
-                <a:solidFill>
-                  <a:schemeClr val="tx1"/>
-                </a:solidFill>
-                <a:latin typeface="+mn-lt"/>
-                <a:ea typeface="+mn-ea"/>
-                <a:cs typeface="+mn-cs"/>
-              </a:defRPr>
-            </a:lvl6pPr>
-            <a:lvl7pPr marL="2743200" indent="0" algn="ctr" defTabSz="914400" rtl="0" eaLnBrk="1" latinLnBrk="0" hangingPunct="1">
-              <a:lnSpc>
-                <a:spcPct val="90000"/>
-              </a:lnSpc>
-              <a:spcBef>
-                <a:spcPts val="500"/>
-              </a:spcBef>
-              <a:buFont typeface="Arial" panose="020B0604020202020204" pitchFamily="34" charset="0"/>
-              <a:buNone/>
-              <a:defRPr sz="1600" kern="1200">
-                <a:solidFill>
-                  <a:schemeClr val="tx1"/>
-                </a:solidFill>
-                <a:latin typeface="+mn-lt"/>
-                <a:ea typeface="+mn-ea"/>
-                <a:cs typeface="+mn-cs"/>
-              </a:defRPr>
-            </a:lvl7pPr>
-            <a:lvl8pPr marL="3200400" indent="0" algn="ctr" defTabSz="914400" rtl="0" eaLnBrk="1" latinLnBrk="0" hangingPunct="1">
-              <a:lnSpc>
-                <a:spcPct val="90000"/>
-              </a:lnSpc>
-              <a:spcBef>
-                <a:spcPts val="500"/>
-              </a:spcBef>
-              <a:buFont typeface="Arial" panose="020B0604020202020204" pitchFamily="34" charset="0"/>
-              <a:buNone/>
-              <a:defRPr sz="1600" kern="1200">
-                <a:solidFill>
-                  <a:schemeClr val="tx1"/>
-                </a:solidFill>
-                <a:latin typeface="+mn-lt"/>
-                <a:ea typeface="+mn-ea"/>
-                <a:cs typeface="+mn-cs"/>
-              </a:defRPr>
-            </a:lvl8pPr>
-            <a:lvl9pPr marL="3657600" indent="0" algn="ctr" defTabSz="914400" rtl="0" eaLnBrk="1" latinLnBrk="0" hangingPunct="1">
-              <a:lnSpc>
-                <a:spcPct val="90000"/>
-              </a:lnSpc>
-              <a:spcBef>
-                <a:spcPts val="500"/>
-              </a:spcBef>
-              <a:buFont typeface="Arial" panose="020B0604020202020204" pitchFamily="34" charset="0"/>
-              <a:buNone/>
-              <a:defRPr sz="1600" kern="1200">
-                <a:solidFill>
-                  <a:schemeClr val="tx1"/>
-                </a:solidFill>
-                <a:latin typeface="+mn-lt"/>
-                <a:ea typeface="+mn-ea"/>
-                <a:cs typeface="+mn-cs"/>
-              </a:defRPr>
-            </a:lvl9pPr>
-          </a:lstStyle>
-          <a:p>
-            <a:r>
-              <a:rPr lang="en-US" sz="3200" dirty="0">
-                <a:solidFill>
-                  <a:schemeClr val="bg1"/>
-                </a:solidFill>
-              </a:rPr>
-              <a:t>Frontend</a:t>
-            </a:r>
-            <a:endParaRPr lang="ru-RU" sz="3200" dirty="0">
-              <a:solidFill>
-                <a:schemeClr val="bg1"/>
-              </a:solidFill>
-            </a:endParaRPr>
-          </a:p>
-          <a:p>
-            <a:pPr marL="514350" indent="-514350" algn="l">
-              <a:lnSpc>
-                <a:spcPct val="200000"/>
-              </a:lnSpc>
-              <a:buFont typeface="Arial" panose="020B0604020202020204" pitchFamily="34" charset="0"/>
-              <a:buAutoNum type="arabicPeriod"/>
-            </a:pPr>
-            <a:r>
-              <a:rPr lang="en-US" sz="3200" dirty="0">
-                <a:solidFill>
-                  <a:schemeClr val="bg1"/>
-                </a:solidFill>
-              </a:rPr>
-              <a:t>HTML/CSS</a:t>
-            </a:r>
-          </a:p>
-          <a:p>
-            <a:pPr marL="514350" indent="-514350" algn="l">
-              <a:lnSpc>
-                <a:spcPct val="200000"/>
-              </a:lnSpc>
-              <a:buFont typeface="Arial" panose="020B0604020202020204" pitchFamily="34" charset="0"/>
-              <a:buAutoNum type="arabicPeriod"/>
-            </a:pPr>
-            <a:r>
-              <a:rPr lang="en-US" sz="3200" dirty="0">
-                <a:solidFill>
-                  <a:schemeClr val="bg1"/>
-                </a:solidFill>
-              </a:rPr>
-              <a:t>JavaScript</a:t>
-            </a:r>
-          </a:p>
-          <a:p>
-            <a:pPr marL="514350" indent="-514350" algn="l">
-              <a:lnSpc>
-                <a:spcPct val="200000"/>
-              </a:lnSpc>
-              <a:buFont typeface="Arial" panose="020B0604020202020204" pitchFamily="34" charset="0"/>
-              <a:buAutoNum type="arabicPeriod"/>
-            </a:pPr>
-            <a:r>
-              <a:rPr lang="en-US" sz="3200" dirty="0" err="1">
-                <a:solidFill>
-                  <a:schemeClr val="bg1"/>
-                </a:solidFill>
-              </a:rPr>
-              <a:t>Vue.js</a:t>
-            </a:r>
-            <a:endParaRPr lang="en-US" sz="3200" dirty="0">
-              <a:solidFill>
-                <a:schemeClr val="bg1"/>
-              </a:solidFill>
-            </a:endParaRPr>
-          </a:p>
-          <a:p>
-            <a:pPr marL="514350" indent="-514350" algn="l">
-              <a:buFont typeface="Arial" panose="020B0604020202020204" pitchFamily="34" charset="0"/>
-              <a:buAutoNum type="arabicPeriod"/>
-            </a:pPr>
-            <a:endParaRPr lang="ru-RU" sz="3200" dirty="0">
-              <a:solidFill>
-                <a:schemeClr val="bg1"/>
-              </a:solidFill>
-            </a:endParaRPr>
-          </a:p>
-        </p:txBody>
-      </p:sp>
-      <p:pic>
-        <p:nvPicPr>
-          <p:cNvPr id="3" name="Рисунок 2" descr="Газета">
-            <a:extLst>
-              <a:ext uri="{FF2B5EF4-FFF2-40B4-BE49-F238E27FC236}">
-                <a16:creationId xmlns:a16="http://schemas.microsoft.com/office/drawing/2014/main" id="{119FE3D5-F025-AF24-D1BF-D48ACE563B99}"/>
-              </a:ext>
-            </a:extLst>
-          </p:cNvPr>
-          <p:cNvPicPr>
-            <a:picLocks noChangeAspect="1"/>
-          </p:cNvPicPr>
-          <p:nvPr/>
-        </p:nvPicPr>
-        <p:blipFill>
-          <a:blip r:embed="rId2">
-            <a:extLst>
-              <a:ext uri="{96DAC541-7B7A-43D3-8B79-37D633B846F1}">
-                <asvg:svgBlip xmlns:asvg="http://schemas.microsoft.com/office/drawing/2016/SVG/main" r:embed="rId3"/>
-              </a:ext>
-            </a:extLst>
-          </a:blip>
-          <a:stretch>
-            <a:fillRect/>
-          </a:stretch>
-        </p:blipFill>
-        <p:spPr>
-          <a:xfrm>
-            <a:off x="11046399" y="-76442"/>
-            <a:ext cx="1255543" cy="1255542"/>
-          </a:xfrm>
-          <a:prstGeom prst="rect">
-            <a:avLst/>
-          </a:prstGeom>
-        </p:spPr>
-      </p:pic>
-    </p:spTree>
-    <p:extLst>
-      <p:ext uri="{BB962C8B-B14F-4D97-AF65-F5344CB8AC3E}">
-        <p14:creationId xmlns:p14="http://schemas.microsoft.com/office/powerpoint/2010/main" val="137486431"/>
-      </p:ext>
-    </p:extLst>
-  </p:cSld>
-  <p:clrMapOvr>
-    <a:masterClrMapping/>
-  </p:clrMapOvr>
-</p:sld>
-</file>
-
-<file path=ppt/slides/slide11.xml><?xml version="1.0" encoding="utf-8"?>
-<p:sld xmlns:a="http://schemas.openxmlformats.org/drawingml/2006/main" xmlns:r="http://schemas.openxmlformats.org/officeDocument/2006/relationships" xmlns:p="http://schemas.openxmlformats.org/presentationml/2006/main">
-  <p:cSld>
-    <p:bg>
-      <p:bgPr>
-        <a:solidFill>
-          <a:schemeClr val="bg2">
-            <a:alpha val="42091"/>
-          </a:schemeClr>
-        </a:solidFill>
-        <a:effectLst/>
-      </p:bgPr>
-    </p:bg>
-    <p:spTree>
-      <p:nvGrpSpPr>
-        <p:cNvPr id="1" name=""/>
-        <p:cNvGrpSpPr/>
-        <p:nvPr/>
-      </p:nvGrpSpPr>
-      <p:grpSpPr>
-        <a:xfrm>
-          <a:off x="0" y="0"/>
-          <a:ext cx="0" cy="0"/>
-          <a:chOff x="0" y="0"/>
-          <a:chExt cx="0" cy="0"/>
-        </a:xfrm>
-      </p:grpSpPr>
-      <p:cxnSp>
-        <p:nvCxnSpPr>
-          <p:cNvPr id="7" name="Прямая соединительная линия 6">
-            <a:extLst>
-              <a:ext uri="{FF2B5EF4-FFF2-40B4-BE49-F238E27FC236}">
-                <a16:creationId xmlns:a16="http://schemas.microsoft.com/office/drawing/2014/main" id="{34978BEC-136A-4E47-BCE9-00C9BB0B3470}"/>
-              </a:ext>
-            </a:extLst>
-          </p:cNvPr>
-          <p:cNvCxnSpPr>
-            <a:cxnSpLocks noChangeAspect="1"/>
-          </p:cNvCxnSpPr>
-          <p:nvPr/>
-        </p:nvCxnSpPr>
-        <p:spPr>
-          <a:xfrm>
-            <a:off x="12192000" y="3507255"/>
-            <a:ext cx="0" cy="1"/>
-          </a:xfrm>
-          <a:prstGeom prst="line">
-            <a:avLst/>
-          </a:prstGeom>
-          <a:ln w="25400">
-            <a:solidFill>
-              <a:srgbClr val="7E7626"/>
-            </a:solidFill>
-          </a:ln>
-        </p:spPr>
-        <p:style>
-          <a:lnRef idx="1">
-            <a:schemeClr val="accent4"/>
-          </a:lnRef>
-          <a:fillRef idx="0">
-            <a:schemeClr val="accent4"/>
-          </a:fillRef>
-          <a:effectRef idx="0">
-            <a:schemeClr val="accent4"/>
-          </a:effectRef>
-          <a:fontRef idx="minor">
-            <a:schemeClr val="tx1"/>
-          </a:fontRef>
-        </p:style>
-      </p:cxnSp>
-      <p:sp>
-        <p:nvSpPr>
-          <p:cNvPr id="6" name="Заголовок 5">
-            <a:extLst>
-              <a:ext uri="{FF2B5EF4-FFF2-40B4-BE49-F238E27FC236}">
-                <a16:creationId xmlns:a16="http://schemas.microsoft.com/office/drawing/2014/main" id="{D1BC7640-34E6-2F43-A800-C116881BBF44}"/>
-              </a:ext>
-            </a:extLst>
-          </p:cNvPr>
-          <p:cNvSpPr>
-            <a:spLocks noGrp="1"/>
-          </p:cNvSpPr>
-          <p:nvPr>
-            <p:ph type="ctrTitle"/>
-          </p:nvPr>
-        </p:nvSpPr>
-        <p:spPr>
-          <a:xfrm>
-            <a:off x="2" y="-228600"/>
-            <a:ext cx="8115300" cy="1122363"/>
-          </a:xfrm>
-        </p:spPr>
-        <p:txBody>
-          <a:bodyPr>
-            <a:normAutofit/>
-          </a:bodyPr>
-          <a:lstStyle/>
-          <a:p>
-            <a:pPr algn="l"/>
-            <a:r>
-              <a:rPr lang="ru-RU" sz="4800" b="1" dirty="0">
-                <a:solidFill>
-                  <a:schemeClr val="accent6">
-                    <a:lumMod val="50000"/>
-                  </a:schemeClr>
-                </a:solidFill>
-              </a:rPr>
-              <a:t>Демонстрация продукта</a:t>
-            </a:r>
-          </a:p>
-        </p:txBody>
-      </p:sp>
-      <p:sp>
-        <p:nvSpPr>
-          <p:cNvPr id="2" name="Номер слайда 1">
-            <a:extLst>
-              <a:ext uri="{FF2B5EF4-FFF2-40B4-BE49-F238E27FC236}">
-                <a16:creationId xmlns:a16="http://schemas.microsoft.com/office/drawing/2014/main" id="{5693458B-AA81-6398-03CC-FE2CB0147FAD}"/>
-              </a:ext>
-            </a:extLst>
-          </p:cNvPr>
-          <p:cNvSpPr>
-            <a:spLocks noGrp="1"/>
-          </p:cNvSpPr>
-          <p:nvPr>
-            <p:ph type="sldNum" sz="quarter" idx="12"/>
-          </p:nvPr>
-        </p:nvSpPr>
-        <p:spPr/>
-        <p:txBody>
-          <a:bodyPr/>
-          <a:lstStyle/>
-          <a:p>
-            <a:fld id="{98DC83F7-A2BF-A64B-B6B1-DB03C46AEE3B}" type="slidenum">
-              <a:rPr lang="ru-RU" sz="1600" smtClean="0">
-                <a:solidFill>
-                  <a:schemeClr val="tx1"/>
-                </a:solidFill>
-              </a:rPr>
-              <a:t>11</a:t>
-            </a:fld>
-            <a:endParaRPr lang="ru-RU" dirty="0">
-              <a:solidFill>
-                <a:schemeClr val="tx1"/>
-              </a:solidFill>
-            </a:endParaRPr>
-          </a:p>
-        </p:txBody>
-      </p:sp>
-      <p:cxnSp>
-        <p:nvCxnSpPr>
-          <p:cNvPr id="9" name="Прямая соединительная линия 8">
-            <a:extLst>
-              <a:ext uri="{FF2B5EF4-FFF2-40B4-BE49-F238E27FC236}">
-                <a16:creationId xmlns:a16="http://schemas.microsoft.com/office/drawing/2014/main" id="{7D967C6B-E15F-AF4B-81EE-340FAC37DCE6}"/>
-              </a:ext>
-            </a:extLst>
-          </p:cNvPr>
-          <p:cNvCxnSpPr>
-            <a:cxnSpLocks/>
-          </p:cNvCxnSpPr>
-          <p:nvPr/>
-        </p:nvCxnSpPr>
-        <p:spPr>
-          <a:xfrm flipV="1">
-            <a:off x="3" y="902012"/>
-            <a:ext cx="6338807" cy="1"/>
-          </a:xfrm>
-          <a:prstGeom prst="line">
-            <a:avLst/>
-          </a:prstGeom>
-          <a:ln w="34925">
-            <a:solidFill>
-              <a:srgbClr val="AB7942"/>
-            </a:solidFill>
-          </a:ln>
-        </p:spPr>
-        <p:style>
-          <a:lnRef idx="1">
-            <a:schemeClr val="accent1"/>
-          </a:lnRef>
-          <a:fillRef idx="0">
-            <a:schemeClr val="accent1"/>
-          </a:fillRef>
-          <a:effectRef idx="0">
-            <a:schemeClr val="accent1"/>
-          </a:effectRef>
-          <a:fontRef idx="minor">
-            <a:schemeClr val="tx1"/>
-          </a:fontRef>
-        </p:style>
-      </p:cxnSp>
-      <p:pic>
-        <p:nvPicPr>
-          <p:cNvPr id="10" name="Рисунок 9">
-            <a:extLst>
-              <a:ext uri="{FF2B5EF4-FFF2-40B4-BE49-F238E27FC236}">
-                <a16:creationId xmlns:a16="http://schemas.microsoft.com/office/drawing/2014/main" id="{15EC729A-BB93-0B47-967D-71519A1BE853}"/>
-              </a:ext>
-            </a:extLst>
-          </p:cNvPr>
-          <p:cNvPicPr>
-            <a:picLocks noChangeAspect="1"/>
-          </p:cNvPicPr>
-          <p:nvPr/>
-        </p:nvPicPr>
-        <p:blipFill rotWithShape="1">
-          <a:blip r:embed="rId2"/>
-          <a:srcRect l="357" t="551" r="686"/>
-          <a:stretch/>
-        </p:blipFill>
-        <p:spPr>
-          <a:xfrm>
-            <a:off x="364107" y="1137289"/>
-            <a:ext cx="5379471" cy="4961297"/>
-          </a:xfrm>
-          <a:prstGeom prst="rect">
-            <a:avLst/>
-          </a:prstGeom>
-        </p:spPr>
-      </p:pic>
-      <p:pic>
-        <p:nvPicPr>
-          <p:cNvPr id="14" name="Рисунок 13">
-            <a:extLst>
-              <a:ext uri="{FF2B5EF4-FFF2-40B4-BE49-F238E27FC236}">
-                <a16:creationId xmlns:a16="http://schemas.microsoft.com/office/drawing/2014/main" id="{34FAB6CD-9F7F-434A-80B9-503446894811}"/>
-              </a:ext>
-            </a:extLst>
-          </p:cNvPr>
-          <p:cNvPicPr>
-            <a:picLocks noChangeAspect="1"/>
-          </p:cNvPicPr>
-          <p:nvPr/>
-        </p:nvPicPr>
-        <p:blipFill>
-          <a:blip r:embed="rId3"/>
-          <a:stretch>
-            <a:fillRect/>
-          </a:stretch>
-        </p:blipFill>
-        <p:spPr>
-          <a:xfrm>
-            <a:off x="6581673" y="1108418"/>
-            <a:ext cx="5436159" cy="5066293"/>
-          </a:xfrm>
-          <a:prstGeom prst="rect">
-            <a:avLst/>
-          </a:prstGeom>
-        </p:spPr>
-      </p:pic>
-    </p:spTree>
-    <p:extLst>
-      <p:ext uri="{BB962C8B-B14F-4D97-AF65-F5344CB8AC3E}">
-        <p14:creationId xmlns:p14="http://schemas.microsoft.com/office/powerpoint/2010/main" val="1578738810"/>
-      </p:ext>
-    </p:extLst>
-  </p:cSld>
-  <p:clrMapOvr>
-    <a:masterClrMapping/>
-  </p:clrMapOvr>
-</p:sld>
-</file>
-
-<file path=ppt/slides/slide12.xml><?xml version="1.0" encoding="utf-8"?>
-<p:sld xmlns:a="http://schemas.openxmlformats.org/drawingml/2006/main" xmlns:r="http://schemas.openxmlformats.org/officeDocument/2006/relationships" xmlns:p="http://schemas.openxmlformats.org/presentationml/2006/main">
-  <p:cSld>
-    <p:spTree>
-      <p:nvGrpSpPr>
-        <p:cNvPr id="1" name=""/>
-        <p:cNvGrpSpPr/>
-        <p:nvPr/>
-      </p:nvGrpSpPr>
-      <p:grpSpPr>
-        <a:xfrm>
-          <a:off x="0" y="0"/>
-          <a:ext cx="0" cy="0"/>
-          <a:chOff x="0" y="0"/>
-          <a:chExt cx="0" cy="0"/>
-        </a:xfrm>
-      </p:grpSpPr>
-      <p:sp>
-        <p:nvSpPr>
-          <p:cNvPr id="4" name="Прямоугольник 3">
-            <a:extLst>
-              <a:ext uri="{FF2B5EF4-FFF2-40B4-BE49-F238E27FC236}">
-                <a16:creationId xmlns:a16="http://schemas.microsoft.com/office/drawing/2014/main" id="{80447D33-74F1-484F-8B36-D4EC94E475F5}"/>
-              </a:ext>
-            </a:extLst>
-          </p:cNvPr>
-          <p:cNvSpPr/>
-          <p:nvPr/>
-        </p:nvSpPr>
-        <p:spPr>
-          <a:xfrm>
-            <a:off x="-109940" y="-37730"/>
-            <a:ext cx="12411879" cy="7089967"/>
-          </a:xfrm>
-          <a:prstGeom prst="rect">
-            <a:avLst/>
-          </a:prstGeom>
-          <a:solidFill>
-            <a:schemeClr val="accent6">
-              <a:lumMod val="75000"/>
-            </a:schemeClr>
-          </a:solidFill>
-          <a:ln>
-            <a:solidFill>
-              <a:schemeClr val="tx2">
-                <a:lumMod val="75000"/>
-              </a:schemeClr>
-            </a:solidFill>
-          </a:ln>
-        </p:spPr>
-        <p:style>
-          <a:lnRef idx="2">
-            <a:schemeClr val="accent1">
-              <a:shade val="50000"/>
-            </a:schemeClr>
-          </a:lnRef>
-          <a:fillRef idx="1">
-            <a:schemeClr val="accent1"/>
-          </a:fillRef>
-          <a:effectRef idx="0">
-            <a:schemeClr val="accent1"/>
-          </a:effectRef>
-          <a:fontRef idx="minor">
-            <a:schemeClr val="lt1"/>
-          </a:fontRef>
-        </p:style>
-        <p:txBody>
-          <a:bodyPr rtlCol="0" anchor="ctr"/>
-          <a:lstStyle/>
-          <a:p>
-            <a:pPr algn="ctr"/>
-            <a:endParaRPr lang="ru-RU" dirty="0"/>
-          </a:p>
-        </p:txBody>
-      </p:sp>
-      <p:cxnSp>
-        <p:nvCxnSpPr>
-          <p:cNvPr id="7" name="Прямая соединительная линия 6">
-            <a:extLst>
-              <a:ext uri="{FF2B5EF4-FFF2-40B4-BE49-F238E27FC236}">
-                <a16:creationId xmlns:a16="http://schemas.microsoft.com/office/drawing/2014/main" id="{34978BEC-136A-4E47-BCE9-00C9BB0B3470}"/>
-              </a:ext>
-            </a:extLst>
-          </p:cNvPr>
-          <p:cNvCxnSpPr>
-            <a:cxnSpLocks noChangeAspect="1"/>
-          </p:cNvCxnSpPr>
-          <p:nvPr/>
-        </p:nvCxnSpPr>
-        <p:spPr>
-          <a:xfrm>
-            <a:off x="12192000" y="3507255"/>
-            <a:ext cx="0" cy="1"/>
-          </a:xfrm>
-          <a:prstGeom prst="line">
-            <a:avLst/>
-          </a:prstGeom>
-          <a:ln w="25400">
-            <a:solidFill>
-              <a:srgbClr val="7E7626"/>
-            </a:solidFill>
-          </a:ln>
-        </p:spPr>
-        <p:style>
-          <a:lnRef idx="1">
-            <a:schemeClr val="accent4"/>
-          </a:lnRef>
-          <a:fillRef idx="0">
-            <a:schemeClr val="accent4"/>
-          </a:fillRef>
-          <a:effectRef idx="0">
-            <a:schemeClr val="accent4"/>
-          </a:effectRef>
-          <a:fontRef idx="minor">
-            <a:schemeClr val="tx1"/>
-          </a:fontRef>
-        </p:style>
-      </p:cxnSp>
-      <p:sp>
-        <p:nvSpPr>
-          <p:cNvPr id="6" name="Заголовок 5">
-            <a:extLst>
-              <a:ext uri="{FF2B5EF4-FFF2-40B4-BE49-F238E27FC236}">
-                <a16:creationId xmlns:a16="http://schemas.microsoft.com/office/drawing/2014/main" id="{D1BC7640-34E6-2F43-A800-C116881BBF44}"/>
-              </a:ext>
-            </a:extLst>
-          </p:cNvPr>
-          <p:cNvSpPr>
-            <a:spLocks noGrp="1"/>
-          </p:cNvSpPr>
-          <p:nvPr>
-            <p:ph type="ctrTitle"/>
-          </p:nvPr>
-        </p:nvSpPr>
-        <p:spPr>
-          <a:xfrm>
-            <a:off x="-1" y="4"/>
-            <a:ext cx="11231217" cy="1122363"/>
-          </a:xfrm>
-        </p:spPr>
-        <p:txBody>
-          <a:bodyPr>
-            <a:normAutofit/>
-          </a:bodyPr>
-          <a:lstStyle/>
-          <a:p>
-            <a:pPr algn="l"/>
-            <a:r>
-              <a:rPr lang="ru-RU" sz="4800" b="1" dirty="0">
-                <a:solidFill>
-                  <a:schemeClr val="bg1"/>
-                </a:solidFill>
-              </a:rPr>
-              <a:t>Бизнес модель</a:t>
-            </a:r>
-          </a:p>
-        </p:txBody>
-      </p:sp>
-      <p:sp>
-        <p:nvSpPr>
-          <p:cNvPr id="15" name="Подзаголовок 2">
-            <a:extLst>
-              <a:ext uri="{FF2B5EF4-FFF2-40B4-BE49-F238E27FC236}">
-                <a16:creationId xmlns:a16="http://schemas.microsoft.com/office/drawing/2014/main" id="{921A7523-3711-4842-B7A9-F23827BC8A44}"/>
-              </a:ext>
-            </a:extLst>
-          </p:cNvPr>
-          <p:cNvSpPr>
-            <a:spLocks noGrp="1"/>
-          </p:cNvSpPr>
-          <p:nvPr>
-            <p:ph type="subTitle" idx="1"/>
-          </p:nvPr>
-        </p:nvSpPr>
-        <p:spPr>
-          <a:xfrm>
-            <a:off x="19877" y="1351724"/>
-            <a:ext cx="10472475" cy="5685183"/>
-          </a:xfrm>
-          <a:solidFill>
-            <a:schemeClr val="accent6">
-              <a:lumMod val="75000"/>
-            </a:schemeClr>
-          </a:solidFill>
-        </p:spPr>
-        <p:txBody>
-          <a:bodyPr>
-            <a:normAutofit/>
-          </a:bodyPr>
-          <a:lstStyle/>
-          <a:p>
-            <a:pPr algn="l">
-              <a:lnSpc>
-                <a:spcPct val="200000"/>
-              </a:lnSpc>
-            </a:pPr>
-            <a:r>
-              <a:rPr lang="ru-RU" sz="2800" dirty="0">
-                <a:solidFill>
-                  <a:schemeClr val="bg1"/>
-                </a:solidFill>
-                <a:effectLst/>
-                <a:latin typeface="Helvetica Neue" panose="02000503000000020004" pitchFamily="2" charset="0"/>
-              </a:rPr>
-              <a:t>Система оплаты подписки на платформе</a:t>
-            </a:r>
-            <a:r>
-              <a:rPr lang="ru-RU" sz="2800" dirty="0">
-                <a:solidFill>
-                  <a:schemeClr val="bg1"/>
-                </a:solidFill>
-                <a:latin typeface="Helvetica Neue" panose="02000503000000020004" pitchFamily="2" charset="0"/>
-              </a:rPr>
-              <a:t> для:</a:t>
-            </a:r>
-          </a:p>
-          <a:p>
-            <a:pPr marL="514350" indent="-514350" algn="l">
-              <a:lnSpc>
-                <a:spcPct val="200000"/>
-              </a:lnSpc>
-              <a:buFont typeface="Системный шрифт, обычный"/>
-              <a:buChar char="–"/>
-            </a:pPr>
-            <a:r>
-              <a:rPr lang="ru-RU" sz="2800" dirty="0">
-                <a:solidFill>
-                  <a:schemeClr val="bg1"/>
-                </a:solidFill>
-                <a:latin typeface="Helvetica Neue" panose="02000503000000020004" pitchFamily="2" charset="0"/>
-              </a:rPr>
-              <a:t>Д</a:t>
-            </a:r>
-            <a:r>
-              <a:rPr lang="ru-RU" sz="2800" dirty="0">
-                <a:solidFill>
-                  <a:schemeClr val="bg1"/>
-                </a:solidFill>
-                <a:effectLst/>
-                <a:latin typeface="Helvetica Neue" panose="02000503000000020004" pitchFamily="2" charset="0"/>
-              </a:rPr>
-              <a:t>обавление тегов и журналов в раздел "Избранно</a:t>
-            </a:r>
-            <a:r>
-              <a:rPr lang="ru-RU" sz="2800" dirty="0">
-                <a:solidFill>
-                  <a:schemeClr val="bg1"/>
-                </a:solidFill>
-                <a:latin typeface="Helvetica Neue" panose="02000503000000020004" pitchFamily="2" charset="0"/>
-              </a:rPr>
-              <a:t>е</a:t>
-            </a:r>
-            <a:r>
-              <a:rPr lang="ru-RU" sz="2800" dirty="0">
-                <a:solidFill>
-                  <a:schemeClr val="bg1"/>
-                </a:solidFill>
-                <a:effectLst/>
-                <a:latin typeface="Helvetica Neue" panose="02000503000000020004" pitchFamily="2" charset="0"/>
-              </a:rPr>
-              <a:t>”</a:t>
-            </a:r>
-            <a:r>
-              <a:rPr lang="en-US" sz="2800" dirty="0">
-                <a:solidFill>
-                  <a:schemeClr val="bg1"/>
-                </a:solidFill>
-                <a:effectLst/>
-                <a:latin typeface="Helvetica Neue" panose="02000503000000020004" pitchFamily="2" charset="0"/>
-              </a:rPr>
-              <a:t>;</a:t>
-            </a:r>
-            <a:endParaRPr lang="ru-RU" sz="2800" dirty="0">
-              <a:solidFill>
-                <a:schemeClr val="bg1"/>
-              </a:solidFill>
-              <a:effectLst/>
-              <a:latin typeface="Helvetica Neue" panose="02000503000000020004" pitchFamily="2" charset="0"/>
-            </a:endParaRPr>
-          </a:p>
-          <a:p>
-            <a:pPr marL="514350" indent="-514350" algn="l">
-              <a:lnSpc>
-                <a:spcPct val="200000"/>
-              </a:lnSpc>
-              <a:buFont typeface="Системный шрифт, обычный"/>
-              <a:buChar char="–"/>
-            </a:pPr>
-            <a:r>
-              <a:rPr lang="ru-RU" sz="2800" dirty="0">
-                <a:solidFill>
-                  <a:schemeClr val="bg1"/>
-                </a:solidFill>
-                <a:effectLst/>
-                <a:latin typeface="Helvetica Neue" panose="02000503000000020004" pitchFamily="2" charset="0"/>
-              </a:rPr>
-              <a:t>Расширенные возможности по поиску и сохранению статей</a:t>
-            </a:r>
-            <a:r>
-              <a:rPr lang="en-US" sz="2800" dirty="0">
-                <a:solidFill>
-                  <a:schemeClr val="bg1"/>
-                </a:solidFill>
-                <a:effectLst/>
-                <a:latin typeface="Helvetica Neue" panose="02000503000000020004" pitchFamily="2" charset="0"/>
-              </a:rPr>
-              <a:t>. </a:t>
-            </a:r>
-            <a:endParaRPr lang="ru-RU" sz="2800" dirty="0">
-              <a:solidFill>
-                <a:schemeClr val="bg1"/>
-              </a:solidFill>
-              <a:effectLst/>
-              <a:latin typeface="Helvetica Neue" panose="02000503000000020004" pitchFamily="2" charset="0"/>
-            </a:endParaRPr>
-          </a:p>
-          <a:p>
-            <a:pPr algn="l">
-              <a:lnSpc>
-                <a:spcPct val="200000"/>
-              </a:lnSpc>
-            </a:pPr>
-            <a:endParaRPr lang="ru-RU" sz="3200" dirty="0">
-              <a:solidFill>
-                <a:schemeClr val="bg1"/>
-              </a:solidFill>
-            </a:endParaRPr>
-          </a:p>
-        </p:txBody>
-      </p:sp>
-      <p:sp>
-        <p:nvSpPr>
-          <p:cNvPr id="2" name="Номер слайда 1">
-            <a:extLst>
-              <a:ext uri="{FF2B5EF4-FFF2-40B4-BE49-F238E27FC236}">
-                <a16:creationId xmlns:a16="http://schemas.microsoft.com/office/drawing/2014/main" id="{2595ACCD-F31A-38BC-0FE7-D6EC2A1F6520}"/>
-              </a:ext>
-            </a:extLst>
-          </p:cNvPr>
-          <p:cNvSpPr>
-            <a:spLocks noGrp="1"/>
-          </p:cNvSpPr>
-          <p:nvPr>
-            <p:ph type="sldNum" sz="quarter" idx="12"/>
-          </p:nvPr>
-        </p:nvSpPr>
-        <p:spPr/>
-        <p:txBody>
-          <a:bodyPr/>
-          <a:lstStyle/>
-          <a:p>
-            <a:fld id="{98DC83F7-A2BF-A64B-B6B1-DB03C46AEE3B}" type="slidenum">
-              <a:rPr lang="ru-RU" sz="1600" smtClean="0">
-                <a:solidFill>
-                  <a:schemeClr val="bg1"/>
-                </a:solidFill>
-              </a:rPr>
-              <a:t>12</a:t>
-            </a:fld>
-            <a:endParaRPr lang="ru-RU" sz="1600" dirty="0">
-              <a:solidFill>
-                <a:schemeClr val="bg1"/>
-              </a:solidFill>
-            </a:endParaRPr>
-          </a:p>
-        </p:txBody>
-      </p:sp>
-      <p:cxnSp>
-        <p:nvCxnSpPr>
-          <p:cNvPr id="9" name="Прямая соединительная линия 8">
-            <a:extLst>
-              <a:ext uri="{FF2B5EF4-FFF2-40B4-BE49-F238E27FC236}">
-                <a16:creationId xmlns:a16="http://schemas.microsoft.com/office/drawing/2014/main" id="{7D967C6B-E15F-AF4B-81EE-340FAC37DCE6}"/>
-              </a:ext>
-            </a:extLst>
-          </p:cNvPr>
-          <p:cNvCxnSpPr>
-            <a:cxnSpLocks/>
-          </p:cNvCxnSpPr>
-          <p:nvPr/>
-        </p:nvCxnSpPr>
-        <p:spPr>
-          <a:xfrm flipV="1">
-            <a:off x="3" y="1244915"/>
-            <a:ext cx="4293031" cy="1"/>
-          </a:xfrm>
-          <a:prstGeom prst="line">
-            <a:avLst/>
-          </a:prstGeom>
-          <a:ln w="34925">
-            <a:solidFill>
-              <a:srgbClr val="AB7942"/>
-            </a:solidFill>
-          </a:ln>
-        </p:spPr>
-        <p:style>
-          <a:lnRef idx="1">
-            <a:schemeClr val="accent1"/>
-          </a:lnRef>
-          <a:fillRef idx="0">
-            <a:schemeClr val="accent1"/>
-          </a:fillRef>
-          <a:effectRef idx="0">
-            <a:schemeClr val="accent1"/>
-          </a:effectRef>
-          <a:fontRef idx="minor">
-            <a:schemeClr val="tx1"/>
-          </a:fontRef>
-        </p:style>
-      </p:cxnSp>
-      <p:pic>
-        <p:nvPicPr>
-          <p:cNvPr id="3" name="Рисунок 2" descr="Газета">
-            <a:extLst>
-              <a:ext uri="{FF2B5EF4-FFF2-40B4-BE49-F238E27FC236}">
-                <a16:creationId xmlns:a16="http://schemas.microsoft.com/office/drawing/2014/main" id="{51995E44-8644-2C4D-17B7-D9ACA6B110C6}"/>
-              </a:ext>
-            </a:extLst>
-          </p:cNvPr>
-          <p:cNvPicPr>
-            <a:picLocks noChangeAspect="1"/>
-          </p:cNvPicPr>
-          <p:nvPr/>
-        </p:nvPicPr>
-        <p:blipFill>
-          <a:blip r:embed="rId2">
-            <a:extLst>
-              <a:ext uri="{96DAC541-7B7A-43D3-8B79-37D633B846F1}">
-                <asvg:svgBlip xmlns:asvg="http://schemas.microsoft.com/office/drawing/2016/SVG/main" r:embed="rId3"/>
-              </a:ext>
-            </a:extLst>
-          </a:blip>
-          <a:stretch>
-            <a:fillRect/>
-          </a:stretch>
-        </p:blipFill>
-        <p:spPr>
-          <a:xfrm>
-            <a:off x="11046399" y="-76442"/>
-            <a:ext cx="1255543" cy="1255542"/>
-          </a:xfrm>
-          <a:prstGeom prst="rect">
-            <a:avLst/>
-          </a:prstGeom>
-        </p:spPr>
-      </p:pic>
-    </p:spTree>
-    <p:extLst>
-      <p:ext uri="{BB962C8B-B14F-4D97-AF65-F5344CB8AC3E}">
-        <p14:creationId xmlns:p14="http://schemas.microsoft.com/office/powerpoint/2010/main" val="2619553097"/>
-      </p:ext>
-    </p:extLst>
-  </p:cSld>
-  <p:clrMapOvr>
-    <a:masterClrMapping/>
-  </p:clrMapOvr>
-</p:sld>
-</file>
-
-<file path=ppt/slides/slide13.xml><?xml version="1.0" encoding="utf-8"?>
-<p:sld xmlns:a="http://schemas.openxmlformats.org/drawingml/2006/main" xmlns:r="http://schemas.openxmlformats.org/officeDocument/2006/relationships" xmlns:p="http://schemas.openxmlformats.org/presentationml/2006/main">
-  <p:cSld>
-    <p:spTree>
-      <p:nvGrpSpPr>
-        <p:cNvPr id="1" name=""/>
-        <p:cNvGrpSpPr/>
-        <p:nvPr/>
-      </p:nvGrpSpPr>
-      <p:grpSpPr>
-        <a:xfrm>
-          <a:off x="0" y="0"/>
-          <a:ext cx="0" cy="0"/>
-          <a:chOff x="0" y="0"/>
-          <a:chExt cx="0" cy="0"/>
-        </a:xfrm>
-      </p:grpSpPr>
-      <p:sp>
-        <p:nvSpPr>
-          <p:cNvPr id="4" name="Прямоугольник 3">
-            <a:extLst>
-              <a:ext uri="{FF2B5EF4-FFF2-40B4-BE49-F238E27FC236}">
-                <a16:creationId xmlns:a16="http://schemas.microsoft.com/office/drawing/2014/main" id="{80447D33-74F1-484F-8B36-D4EC94E475F5}"/>
-              </a:ext>
-            </a:extLst>
-          </p:cNvPr>
-          <p:cNvSpPr/>
-          <p:nvPr/>
-        </p:nvSpPr>
-        <p:spPr>
-          <a:xfrm>
-            <a:off x="-109939" y="-115984"/>
-            <a:ext cx="12301940" cy="7216872"/>
-          </a:xfrm>
-          <a:prstGeom prst="rect">
-            <a:avLst/>
-          </a:prstGeom>
-          <a:solidFill>
-            <a:schemeClr val="accent6">
-              <a:lumMod val="75000"/>
-            </a:schemeClr>
-          </a:solidFill>
-          <a:ln>
-            <a:solidFill>
-              <a:schemeClr val="tx2">
-                <a:lumMod val="75000"/>
-              </a:schemeClr>
-            </a:solidFill>
-          </a:ln>
-        </p:spPr>
-        <p:style>
-          <a:lnRef idx="2">
-            <a:schemeClr val="accent1">
-              <a:shade val="50000"/>
-            </a:schemeClr>
-          </a:lnRef>
-          <a:fillRef idx="1">
-            <a:schemeClr val="accent1"/>
-          </a:fillRef>
-          <a:effectRef idx="0">
-            <a:schemeClr val="accent1"/>
-          </a:effectRef>
-          <a:fontRef idx="minor">
-            <a:schemeClr val="lt1"/>
-          </a:fontRef>
-        </p:style>
-        <p:txBody>
-          <a:bodyPr rtlCol="0" anchor="ctr"/>
-          <a:lstStyle/>
-          <a:p>
-            <a:pPr algn="ctr"/>
-            <a:endParaRPr lang="ru-RU" dirty="0"/>
-          </a:p>
-        </p:txBody>
-      </p:sp>
-      <p:cxnSp>
-        <p:nvCxnSpPr>
-          <p:cNvPr id="7" name="Прямая соединительная линия 6">
-            <a:extLst>
-              <a:ext uri="{FF2B5EF4-FFF2-40B4-BE49-F238E27FC236}">
-                <a16:creationId xmlns:a16="http://schemas.microsoft.com/office/drawing/2014/main" id="{34978BEC-136A-4E47-BCE9-00C9BB0B3470}"/>
-              </a:ext>
-            </a:extLst>
-          </p:cNvPr>
-          <p:cNvCxnSpPr>
-            <a:cxnSpLocks noChangeAspect="1"/>
-          </p:cNvCxnSpPr>
-          <p:nvPr/>
-        </p:nvCxnSpPr>
-        <p:spPr>
-          <a:xfrm>
-            <a:off x="12192000" y="3507255"/>
-            <a:ext cx="0" cy="1"/>
-          </a:xfrm>
-          <a:prstGeom prst="line">
-            <a:avLst/>
-          </a:prstGeom>
-          <a:ln w="25400">
-            <a:solidFill>
-              <a:srgbClr val="7E7626"/>
-            </a:solidFill>
-          </a:ln>
-        </p:spPr>
-        <p:style>
-          <a:lnRef idx="1">
-            <a:schemeClr val="accent4"/>
-          </a:lnRef>
-          <a:fillRef idx="0">
-            <a:schemeClr val="accent4"/>
-          </a:fillRef>
-          <a:effectRef idx="0">
-            <a:schemeClr val="accent4"/>
-          </a:effectRef>
-          <a:fontRef idx="minor">
-            <a:schemeClr val="tx1"/>
-          </a:fontRef>
-        </p:style>
-      </p:cxnSp>
-      <p:sp>
-        <p:nvSpPr>
-          <p:cNvPr id="6" name="Заголовок 5">
-            <a:extLst>
-              <a:ext uri="{FF2B5EF4-FFF2-40B4-BE49-F238E27FC236}">
-                <a16:creationId xmlns:a16="http://schemas.microsoft.com/office/drawing/2014/main" id="{D1BC7640-34E6-2F43-A800-C116881BBF44}"/>
-              </a:ext>
-            </a:extLst>
-          </p:cNvPr>
-          <p:cNvSpPr>
-            <a:spLocks noGrp="1"/>
-          </p:cNvSpPr>
-          <p:nvPr>
-            <p:ph type="ctrTitle"/>
-          </p:nvPr>
-        </p:nvSpPr>
-        <p:spPr>
-          <a:xfrm>
-            <a:off x="-1" y="4"/>
-            <a:ext cx="11231217" cy="1122363"/>
-          </a:xfrm>
-        </p:spPr>
-        <p:txBody>
-          <a:bodyPr>
-            <a:normAutofit/>
-          </a:bodyPr>
-          <a:lstStyle/>
-          <a:p>
-            <a:pPr algn="l"/>
-            <a:r>
-              <a:rPr lang="ru-RU" sz="4800" b="1" dirty="0">
-                <a:solidFill>
-                  <a:schemeClr val="bg1"/>
-                </a:solidFill>
-              </a:rPr>
-              <a:t>План развития</a:t>
-            </a:r>
-          </a:p>
-        </p:txBody>
-      </p:sp>
-      <p:sp>
-        <p:nvSpPr>
-          <p:cNvPr id="15" name="Подзаголовок 2">
-            <a:extLst>
-              <a:ext uri="{FF2B5EF4-FFF2-40B4-BE49-F238E27FC236}">
-                <a16:creationId xmlns:a16="http://schemas.microsoft.com/office/drawing/2014/main" id="{921A7523-3711-4842-B7A9-F23827BC8A44}"/>
-              </a:ext>
-            </a:extLst>
-          </p:cNvPr>
-          <p:cNvSpPr>
-            <a:spLocks noGrp="1"/>
-          </p:cNvSpPr>
-          <p:nvPr>
-            <p:ph type="subTitle" idx="1"/>
-          </p:nvPr>
-        </p:nvSpPr>
-        <p:spPr>
-          <a:xfrm>
-            <a:off x="19877" y="1351724"/>
-            <a:ext cx="10580963" cy="5685183"/>
-          </a:xfrm>
-          <a:solidFill>
-            <a:schemeClr val="accent6">
-              <a:lumMod val="75000"/>
-            </a:schemeClr>
-          </a:solidFill>
-        </p:spPr>
-        <p:txBody>
-          <a:bodyPr>
-            <a:normAutofit/>
-          </a:bodyPr>
-          <a:lstStyle/>
-          <a:p>
-            <a:pPr algn="l">
-              <a:lnSpc>
-                <a:spcPct val="200000"/>
-              </a:lnSpc>
-            </a:pPr>
-            <a:r>
-              <a:rPr lang="ru-RU" sz="3200" dirty="0">
-                <a:solidFill>
-                  <a:schemeClr val="bg1"/>
-                </a:solidFill>
-                <a:latin typeface="Helvetica Neue" panose="02000503000000020004" pitchFamily="2" charset="0"/>
-              </a:rPr>
-              <a:t>1. С</a:t>
-            </a:r>
-            <a:r>
-              <a:rPr lang="ru-RU" sz="3200" dirty="0">
-                <a:solidFill>
-                  <a:schemeClr val="bg1"/>
-                </a:solidFill>
-                <a:effectLst/>
-                <a:latin typeface="Helvetica Neue" panose="02000503000000020004" pitchFamily="2" charset="0"/>
-              </a:rPr>
-              <a:t>оздание возможности премиум подписки</a:t>
-            </a:r>
-          </a:p>
-          <a:p>
-            <a:pPr algn="l">
-              <a:lnSpc>
-                <a:spcPct val="200000"/>
-              </a:lnSpc>
-            </a:pPr>
-            <a:r>
-              <a:rPr lang="ru-RU" sz="3200" dirty="0">
-                <a:solidFill>
-                  <a:schemeClr val="bg1"/>
-                </a:solidFill>
-                <a:effectLst/>
-                <a:latin typeface="Helvetica Neue" panose="02000503000000020004" pitchFamily="2" charset="0"/>
-              </a:rPr>
-              <a:t>2. Мобильное приложение</a:t>
-            </a:r>
-          </a:p>
-          <a:p>
-            <a:pPr algn="l">
-              <a:lnSpc>
-                <a:spcPct val="200000"/>
-              </a:lnSpc>
-            </a:pPr>
-            <a:r>
-              <a:rPr lang="ru-RU" sz="3200" dirty="0">
-                <a:solidFill>
-                  <a:schemeClr val="bg1"/>
-                </a:solidFill>
-                <a:latin typeface="Helvetica Neue" panose="02000503000000020004" pitchFamily="2" charset="0"/>
-              </a:rPr>
-              <a:t>3. </a:t>
-            </a:r>
-            <a:r>
-              <a:rPr lang="ru-RU" dirty="0">
-                <a:solidFill>
-                  <a:schemeClr val="bg1"/>
-                </a:solidFill>
-                <a:latin typeface="Helvetica Neue" panose="02000503000000020004" pitchFamily="2" charset="0"/>
-              </a:rPr>
-              <a:t>Э</a:t>
-            </a:r>
-            <a:r>
-              <a:rPr lang="ru-RU" sz="3200" dirty="0">
-                <a:solidFill>
-                  <a:schemeClr val="bg1"/>
-                </a:solidFill>
-                <a:latin typeface="Helvetica Neue" panose="02000503000000020004" pitchFamily="2" charset="0"/>
-              </a:rPr>
-              <a:t>ксклюзивный контент</a:t>
-            </a:r>
-            <a:endParaRPr lang="ru-RU" sz="3200" dirty="0">
-              <a:solidFill>
-                <a:schemeClr val="bg1"/>
-              </a:solidFill>
-            </a:endParaRPr>
-          </a:p>
-        </p:txBody>
-      </p:sp>
-      <p:sp>
-        <p:nvSpPr>
-          <p:cNvPr id="2" name="Номер слайда 1">
-            <a:extLst>
-              <a:ext uri="{FF2B5EF4-FFF2-40B4-BE49-F238E27FC236}">
-                <a16:creationId xmlns:a16="http://schemas.microsoft.com/office/drawing/2014/main" id="{330DD1FD-C30C-387C-5DFE-7CD109B7C145}"/>
-              </a:ext>
-            </a:extLst>
-          </p:cNvPr>
-          <p:cNvSpPr>
-            <a:spLocks noGrp="1"/>
-          </p:cNvSpPr>
-          <p:nvPr>
-            <p:ph type="sldNum" sz="quarter" idx="12"/>
-          </p:nvPr>
-        </p:nvSpPr>
-        <p:spPr/>
-        <p:txBody>
-          <a:bodyPr/>
-          <a:lstStyle/>
-          <a:p>
-            <a:fld id="{98DC83F7-A2BF-A64B-B6B1-DB03C46AEE3B}" type="slidenum">
-              <a:rPr lang="ru-RU" sz="1600" smtClean="0">
-                <a:solidFill>
-                  <a:schemeClr val="bg1"/>
-                </a:solidFill>
-              </a:rPr>
-              <a:t>13</a:t>
-            </a:fld>
-            <a:endParaRPr lang="ru-RU" dirty="0">
-              <a:solidFill>
-                <a:schemeClr val="bg1"/>
-              </a:solidFill>
-            </a:endParaRPr>
-          </a:p>
-        </p:txBody>
-      </p:sp>
-      <p:cxnSp>
-        <p:nvCxnSpPr>
-          <p:cNvPr id="9" name="Прямая соединительная линия 8">
-            <a:extLst>
-              <a:ext uri="{FF2B5EF4-FFF2-40B4-BE49-F238E27FC236}">
-                <a16:creationId xmlns:a16="http://schemas.microsoft.com/office/drawing/2014/main" id="{7D967C6B-E15F-AF4B-81EE-340FAC37DCE6}"/>
-              </a:ext>
-            </a:extLst>
-          </p:cNvPr>
-          <p:cNvCxnSpPr>
-            <a:cxnSpLocks/>
-          </p:cNvCxnSpPr>
-          <p:nvPr/>
-        </p:nvCxnSpPr>
-        <p:spPr>
-          <a:xfrm flipV="1">
-            <a:off x="3" y="1244915"/>
-            <a:ext cx="4293031" cy="1"/>
-          </a:xfrm>
-          <a:prstGeom prst="line">
-            <a:avLst/>
-          </a:prstGeom>
-          <a:ln w="34925">
-            <a:solidFill>
-              <a:srgbClr val="AB7942"/>
-            </a:solidFill>
-          </a:ln>
-        </p:spPr>
-        <p:style>
-          <a:lnRef idx="1">
-            <a:schemeClr val="accent1"/>
-          </a:lnRef>
-          <a:fillRef idx="0">
-            <a:schemeClr val="accent1"/>
-          </a:fillRef>
-          <a:effectRef idx="0">
-            <a:schemeClr val="accent1"/>
-          </a:effectRef>
-          <a:fontRef idx="minor">
-            <a:schemeClr val="tx1"/>
-          </a:fontRef>
-        </p:style>
-      </p:cxnSp>
-      <p:pic>
-        <p:nvPicPr>
-          <p:cNvPr id="3" name="Рисунок 2" descr="Газета">
-            <a:extLst>
-              <a:ext uri="{FF2B5EF4-FFF2-40B4-BE49-F238E27FC236}">
-                <a16:creationId xmlns:a16="http://schemas.microsoft.com/office/drawing/2014/main" id="{897EBF78-D315-6FD8-5B7C-D661207351C8}"/>
-              </a:ext>
-            </a:extLst>
-          </p:cNvPr>
-          <p:cNvPicPr>
-            <a:picLocks noChangeAspect="1"/>
-          </p:cNvPicPr>
-          <p:nvPr/>
-        </p:nvPicPr>
-        <p:blipFill>
-          <a:blip r:embed="rId2">
-            <a:extLst>
-              <a:ext uri="{96DAC541-7B7A-43D3-8B79-37D633B846F1}">
-                <asvg:svgBlip xmlns:asvg="http://schemas.microsoft.com/office/drawing/2016/SVG/main" r:embed="rId3"/>
-              </a:ext>
-            </a:extLst>
-          </a:blip>
-          <a:stretch>
-            <a:fillRect/>
-          </a:stretch>
-        </p:blipFill>
-        <p:spPr>
-          <a:xfrm>
-            <a:off x="11046399" y="-76442"/>
-            <a:ext cx="1255543" cy="1255542"/>
-          </a:xfrm>
-          <a:prstGeom prst="rect">
-            <a:avLst/>
-          </a:prstGeom>
-        </p:spPr>
-      </p:pic>
-    </p:spTree>
-    <p:extLst>
-      <p:ext uri="{BB962C8B-B14F-4D97-AF65-F5344CB8AC3E}">
-        <p14:creationId xmlns:p14="http://schemas.microsoft.com/office/powerpoint/2010/main" val="1453286986"/>
-      </p:ext>
-    </p:extLst>
-  </p:cSld>
-  <p:clrMapOvr>
-    <a:masterClrMapping/>
-  </p:clrMapOvr>
-</p:sld>
-</file>
-
-<file path=ppt/slides/slide14.xml><?xml version="1.0" encoding="utf-8"?>
-<p:sld xmlns:a="http://schemas.openxmlformats.org/drawingml/2006/main" xmlns:r="http://schemas.openxmlformats.org/officeDocument/2006/relationships" xmlns:p="http://schemas.openxmlformats.org/presentationml/2006/main">
-  <p:cSld>
-    <p:spTree>
-      <p:nvGrpSpPr>
-        <p:cNvPr id="1" name=""/>
-        <p:cNvGrpSpPr/>
-        <p:nvPr/>
-      </p:nvGrpSpPr>
-      <p:grpSpPr>
-        <a:xfrm>
-          <a:off x="0" y="0"/>
-          <a:ext cx="0" cy="0"/>
-          <a:chOff x="0" y="0"/>
-          <a:chExt cx="0" cy="0"/>
-        </a:xfrm>
-      </p:grpSpPr>
-      <p:sp>
-        <p:nvSpPr>
-          <p:cNvPr id="4" name="Прямоугольник 3">
-            <a:extLst>
-              <a:ext uri="{FF2B5EF4-FFF2-40B4-BE49-F238E27FC236}">
-                <a16:creationId xmlns:a16="http://schemas.microsoft.com/office/drawing/2014/main" id="{80447D33-74F1-484F-8B36-D4EC94E475F5}"/>
-              </a:ext>
-            </a:extLst>
-          </p:cNvPr>
-          <p:cNvSpPr/>
-          <p:nvPr/>
-        </p:nvSpPr>
-        <p:spPr>
-          <a:xfrm>
-            <a:off x="-109940" y="-115984"/>
-            <a:ext cx="12411879" cy="7089967"/>
-          </a:xfrm>
-          <a:prstGeom prst="rect">
-            <a:avLst/>
-          </a:prstGeom>
-          <a:solidFill>
-            <a:schemeClr val="accent6">
-              <a:lumMod val="75000"/>
-            </a:schemeClr>
-          </a:solidFill>
-          <a:ln>
-            <a:solidFill>
-              <a:schemeClr val="tx2">
-                <a:lumMod val="75000"/>
-              </a:schemeClr>
-            </a:solidFill>
-          </a:ln>
-        </p:spPr>
-        <p:style>
-          <a:lnRef idx="2">
-            <a:schemeClr val="accent1">
-              <a:shade val="50000"/>
-            </a:schemeClr>
-          </a:lnRef>
-          <a:fillRef idx="1">
-            <a:schemeClr val="accent1"/>
-          </a:fillRef>
-          <a:effectRef idx="0">
-            <a:schemeClr val="accent1"/>
-          </a:effectRef>
-          <a:fontRef idx="minor">
-            <a:schemeClr val="lt1"/>
-          </a:fontRef>
-        </p:style>
-        <p:txBody>
-          <a:bodyPr rtlCol="0" anchor="ctr"/>
-          <a:lstStyle/>
-          <a:p>
-            <a:pPr algn="ctr"/>
-            <a:endParaRPr lang="ru-RU" dirty="0"/>
-          </a:p>
-        </p:txBody>
-      </p:sp>
-      <p:cxnSp>
-        <p:nvCxnSpPr>
-          <p:cNvPr id="7" name="Прямая соединительная линия 6">
-            <a:extLst>
-              <a:ext uri="{FF2B5EF4-FFF2-40B4-BE49-F238E27FC236}">
-                <a16:creationId xmlns:a16="http://schemas.microsoft.com/office/drawing/2014/main" id="{34978BEC-136A-4E47-BCE9-00C9BB0B3470}"/>
-              </a:ext>
-            </a:extLst>
-          </p:cNvPr>
-          <p:cNvCxnSpPr>
-            <a:cxnSpLocks noChangeAspect="1"/>
-          </p:cNvCxnSpPr>
-          <p:nvPr/>
-        </p:nvCxnSpPr>
-        <p:spPr>
-          <a:xfrm>
-            <a:off x="12192000" y="3507255"/>
-            <a:ext cx="0" cy="1"/>
-          </a:xfrm>
-          <a:prstGeom prst="line">
-            <a:avLst/>
-          </a:prstGeom>
-          <a:ln w="25400">
-            <a:solidFill>
-              <a:srgbClr val="7E7626"/>
-            </a:solidFill>
-          </a:ln>
-        </p:spPr>
-        <p:style>
-          <a:lnRef idx="1">
-            <a:schemeClr val="accent4"/>
-          </a:lnRef>
-          <a:fillRef idx="0">
-            <a:schemeClr val="accent4"/>
-          </a:fillRef>
-          <a:effectRef idx="0">
-            <a:schemeClr val="accent4"/>
-          </a:effectRef>
-          <a:fontRef idx="minor">
-            <a:schemeClr val="tx1"/>
-          </a:fontRef>
-        </p:style>
-      </p:cxnSp>
-      <p:sp>
-        <p:nvSpPr>
-          <p:cNvPr id="6" name="Заголовок 5">
-            <a:extLst>
-              <a:ext uri="{FF2B5EF4-FFF2-40B4-BE49-F238E27FC236}">
-                <a16:creationId xmlns:a16="http://schemas.microsoft.com/office/drawing/2014/main" id="{D1BC7640-34E6-2F43-A800-C116881BBF44}"/>
-              </a:ext>
-            </a:extLst>
-          </p:cNvPr>
-          <p:cNvSpPr>
-            <a:spLocks noGrp="1"/>
-          </p:cNvSpPr>
-          <p:nvPr>
-            <p:ph type="ctrTitle"/>
-          </p:nvPr>
-        </p:nvSpPr>
-        <p:spPr>
-          <a:xfrm>
-            <a:off x="2" y="4"/>
-            <a:ext cx="8115300" cy="1122363"/>
-          </a:xfrm>
-        </p:spPr>
-        <p:txBody>
-          <a:bodyPr>
-            <a:normAutofit/>
-          </a:bodyPr>
-          <a:lstStyle/>
-          <a:p>
-            <a:pPr algn="l"/>
-            <a:r>
-              <a:rPr lang="ru-RU" sz="4800" b="1" dirty="0">
-                <a:solidFill>
-                  <a:schemeClr val="bg1"/>
-                </a:solidFill>
-              </a:rPr>
-              <a:t>Команда</a:t>
-            </a:r>
-          </a:p>
-        </p:txBody>
-      </p:sp>
-      <p:sp>
-        <p:nvSpPr>
-          <p:cNvPr id="15" name="Подзаголовок 2">
-            <a:extLst>
-              <a:ext uri="{FF2B5EF4-FFF2-40B4-BE49-F238E27FC236}">
-                <a16:creationId xmlns:a16="http://schemas.microsoft.com/office/drawing/2014/main" id="{921A7523-3711-4842-B7A9-F23827BC8A44}"/>
-              </a:ext>
-            </a:extLst>
-          </p:cNvPr>
-          <p:cNvSpPr>
-            <a:spLocks noGrp="1"/>
-          </p:cNvSpPr>
-          <p:nvPr>
-            <p:ph type="subTitle" idx="1"/>
-          </p:nvPr>
-        </p:nvSpPr>
-        <p:spPr>
-          <a:xfrm>
-            <a:off x="19879" y="1351724"/>
-            <a:ext cx="12282063" cy="5685183"/>
-          </a:xfrm>
-          <a:solidFill>
-            <a:schemeClr val="accent6">
-              <a:lumMod val="75000"/>
-            </a:schemeClr>
-          </a:solidFill>
-        </p:spPr>
-        <p:txBody>
-          <a:bodyPr>
-            <a:normAutofit/>
-          </a:bodyPr>
-          <a:lstStyle/>
-          <a:p>
-            <a:pPr algn="l">
-              <a:lnSpc>
-                <a:spcPct val="200000"/>
-              </a:lnSpc>
-            </a:pPr>
-            <a:r>
-              <a:rPr lang="ru-RU" sz="3200" dirty="0">
-                <a:solidFill>
-                  <a:schemeClr val="bg1"/>
-                </a:solidFill>
-              </a:rPr>
-              <a:t>Вадим Михайлов – </a:t>
-            </a:r>
-            <a:r>
-              <a:rPr lang="en-US" sz="3200" dirty="0">
-                <a:solidFill>
-                  <a:schemeClr val="bg1"/>
-                </a:solidFill>
-              </a:rPr>
-              <a:t>Team Lead, Full-stack </a:t>
-            </a:r>
-            <a:r>
-              <a:rPr lang="ru-RU" sz="3200" dirty="0">
-                <a:solidFill>
-                  <a:schemeClr val="bg1"/>
-                </a:solidFill>
-              </a:rPr>
-              <a:t>разработчик</a:t>
-            </a:r>
-          </a:p>
-          <a:p>
-            <a:pPr algn="l">
-              <a:lnSpc>
-                <a:spcPct val="200000"/>
-              </a:lnSpc>
-            </a:pPr>
-            <a:r>
-              <a:rPr lang="ru-RU" sz="3200" dirty="0">
-                <a:solidFill>
-                  <a:schemeClr val="bg1"/>
-                </a:solidFill>
-              </a:rPr>
-              <a:t>Денис Рындин – Дизайнер, Бизнес аналитик</a:t>
-            </a:r>
-          </a:p>
-        </p:txBody>
-      </p:sp>
-      <p:sp>
-        <p:nvSpPr>
-          <p:cNvPr id="2" name="Номер слайда 1">
-            <a:extLst>
-              <a:ext uri="{FF2B5EF4-FFF2-40B4-BE49-F238E27FC236}">
-                <a16:creationId xmlns:a16="http://schemas.microsoft.com/office/drawing/2014/main" id="{F12BEA67-8A7E-20FF-97F5-F2EC04399381}"/>
-              </a:ext>
-            </a:extLst>
-          </p:cNvPr>
-          <p:cNvSpPr>
-            <a:spLocks noGrp="1"/>
-          </p:cNvSpPr>
-          <p:nvPr>
-            <p:ph type="sldNum" sz="quarter" idx="12"/>
-          </p:nvPr>
-        </p:nvSpPr>
-        <p:spPr/>
-        <p:txBody>
-          <a:bodyPr/>
-          <a:lstStyle/>
-          <a:p>
-            <a:fld id="{98DC83F7-A2BF-A64B-B6B1-DB03C46AEE3B}" type="slidenum">
-              <a:rPr lang="ru-RU" sz="1600" smtClean="0">
-                <a:solidFill>
-                  <a:schemeClr val="bg1"/>
-                </a:solidFill>
-              </a:rPr>
-              <a:t>14</a:t>
-            </a:fld>
-            <a:endParaRPr lang="ru-RU" sz="1600" dirty="0">
-              <a:solidFill>
-                <a:schemeClr val="bg1"/>
-              </a:solidFill>
-            </a:endParaRPr>
-          </a:p>
-        </p:txBody>
-      </p:sp>
-      <p:cxnSp>
-        <p:nvCxnSpPr>
-          <p:cNvPr id="9" name="Прямая соединительная линия 8">
-            <a:extLst>
-              <a:ext uri="{FF2B5EF4-FFF2-40B4-BE49-F238E27FC236}">
-                <a16:creationId xmlns:a16="http://schemas.microsoft.com/office/drawing/2014/main" id="{7D967C6B-E15F-AF4B-81EE-340FAC37DCE6}"/>
-              </a:ext>
-            </a:extLst>
-          </p:cNvPr>
-          <p:cNvCxnSpPr>
-            <a:cxnSpLocks/>
-          </p:cNvCxnSpPr>
-          <p:nvPr/>
-        </p:nvCxnSpPr>
-        <p:spPr>
-          <a:xfrm flipV="1">
-            <a:off x="1" y="1244913"/>
+            <a:off x="0" y="1059175"/>
             <a:ext cx="5459507" cy="1"/>
           </a:xfrm>
           <a:prstGeom prst="line">
@@ -6278,7 +4481,7 @@
 </p:sld>
 </file>
 
-<file path=ppt/slides/slide15.xml><?xml version="1.0" encoding="utf-8"?>
+<file path=ppt/slides/slide11.xml><?xml version="1.0" encoding="utf-8"?>
 <p:sld xmlns:a="http://schemas.openxmlformats.org/drawingml/2006/main" xmlns:r="http://schemas.openxmlformats.org/officeDocument/2006/relationships" xmlns:p="http://schemas.openxmlformats.org/presentationml/2006/main">
   <p:cSld>
     <p:spTree>
@@ -6297,234 +4500,132 @@
       </p:grpSpPr>
       <p:sp>
         <p:nvSpPr>
-          <p:cNvPr id="4" name="Прямоугольник 3">
+          <p:cNvPr id="2" name="Заголовок 1">
             <a:extLst>
               <a:ext uri="{FF2B5EF4-FFF2-40B4-BE49-F238E27FC236}">
-                <a16:creationId xmlns:a16="http://schemas.microsoft.com/office/drawing/2014/main" id="{80447D33-74F1-484F-8B36-D4EC94E475F5}"/>
+                <a16:creationId xmlns:a16="http://schemas.microsoft.com/office/drawing/2014/main" id="{B4BAC50B-A572-6B42-9A8F-65FD4F434281}"/>
               </a:ext>
             </a:extLst>
           </p:cNvPr>
-          <p:cNvSpPr/>
+          <p:cNvSpPr>
+            <a:spLocks noGrp="1"/>
+          </p:cNvSpPr>
+          <p:nvPr>
+            <p:ph type="title"/>
+          </p:nvPr>
+        </p:nvSpPr>
+        <p:spPr>
+          <a:solidFill>
+            <a:schemeClr val="bg2"/>
+          </a:solidFill>
+        </p:spPr>
+        <p:txBody>
+          <a:bodyPr/>
+          <a:lstStyle/>
+          <a:p>
+            <a:endParaRPr lang="ru-RU" dirty="0"/>
+          </a:p>
+        </p:txBody>
+      </p:sp>
+      <p:sp>
+        <p:nvSpPr>
+          <p:cNvPr id="3" name="Объект 2">
+            <a:extLst>
+              <a:ext uri="{FF2B5EF4-FFF2-40B4-BE49-F238E27FC236}">
+                <a16:creationId xmlns:a16="http://schemas.microsoft.com/office/drawing/2014/main" id="{1F5C2E1B-FA77-6443-AA55-B31DB1421A40}"/>
+              </a:ext>
+            </a:extLst>
+          </p:cNvPr>
+          <p:cNvSpPr>
+            <a:spLocks noGrp="1"/>
+          </p:cNvSpPr>
+          <p:nvPr>
+            <p:ph idx="1"/>
+          </p:nvPr>
+        </p:nvSpPr>
+        <p:spPr>
+          <a:xfrm>
+            <a:off x="0" y="0"/>
+            <a:ext cx="12192000" cy="6858000"/>
+          </a:xfrm>
+          <a:solidFill>
+            <a:schemeClr val="bg2"/>
+          </a:solidFill>
+        </p:spPr>
+        <p:txBody>
+          <a:bodyPr/>
+          <a:lstStyle/>
+          <a:p>
+            <a:endParaRPr lang="ru-RU" dirty="0">
+              <a:noFill/>
+            </a:endParaRPr>
+          </a:p>
+        </p:txBody>
+      </p:sp>
+      <p:sp>
+        <p:nvSpPr>
+          <p:cNvPr id="7" name="Заголовок 1">
+            <a:extLst>
+              <a:ext uri="{FF2B5EF4-FFF2-40B4-BE49-F238E27FC236}">
+                <a16:creationId xmlns:a16="http://schemas.microsoft.com/office/drawing/2014/main" id="{C0843EC9-370D-8D42-B793-358A27F26BAD}"/>
+              </a:ext>
+            </a:extLst>
+          </p:cNvPr>
+          <p:cNvSpPr txBox="1">
+            <a:spLocks/>
+          </p:cNvSpPr>
           <p:nvPr/>
         </p:nvSpPr>
         <p:spPr>
           <a:xfrm>
-            <a:off x="-123094" y="-1424353"/>
-            <a:ext cx="12526179" cy="8792307"/>
+            <a:off x="2283936" y="828674"/>
+            <a:ext cx="7635037" cy="2387600"/>
           </a:xfrm>
           <a:prstGeom prst="rect">
             <a:avLst/>
           </a:prstGeom>
           <a:solidFill>
-            <a:schemeClr val="accent6">
-              <a:lumMod val="75000"/>
-            </a:schemeClr>
+            <a:schemeClr val="bg2"/>
           </a:solidFill>
-          <a:ln>
-            <a:solidFill>
-              <a:schemeClr val="tx2">
-                <a:lumMod val="75000"/>
-              </a:schemeClr>
-            </a:solidFill>
-          </a:ln>
-        </p:spPr>
-        <p:style>
-          <a:lnRef idx="2">
-            <a:schemeClr val="accent1">
-              <a:shade val="50000"/>
-            </a:schemeClr>
-          </a:lnRef>
-          <a:fillRef idx="1">
-            <a:schemeClr val="accent1"/>
-          </a:fillRef>
-          <a:effectRef idx="0">
-            <a:schemeClr val="accent1"/>
-          </a:effectRef>
-          <a:fontRef idx="minor">
-            <a:schemeClr val="lt1"/>
-          </a:fontRef>
-        </p:style>
-        <p:txBody>
-          <a:bodyPr rtlCol="0" anchor="ctr"/>
-          <a:lstStyle/>
-          <a:p>
-            <a:pPr algn="ctr"/>
-            <a:endParaRPr lang="ru-RU" dirty="0"/>
-          </a:p>
-        </p:txBody>
-      </p:sp>
-      <p:sp>
-        <p:nvSpPr>
-          <p:cNvPr id="2" name="Заголовок 1">
+        </p:spPr>
+        <p:txBody>
+          <a:bodyPr vert="horz" lIns="91440" tIns="45720" rIns="91440" bIns="45720" rtlCol="0" anchor="ctr">
+            <a:normAutofit/>
+          </a:bodyPr>
+          <a:lstStyle>
+            <a:lvl1pPr algn="ctr" defTabSz="914400" rtl="0" eaLnBrk="1" latinLnBrk="0" hangingPunct="1">
+              <a:spcBef>
+                <a:spcPct val="0"/>
+              </a:spcBef>
+              <a:buNone/>
+              <a:defRPr sz="4400" kern="1200">
+                <a:solidFill>
+                  <a:schemeClr val="tx1"/>
+                </a:solidFill>
+                <a:latin typeface="+mj-lt"/>
+                <a:ea typeface="+mj-ea"/>
+                <a:cs typeface="+mj-cs"/>
+              </a:defRPr>
+            </a:lvl1pPr>
+          </a:lstStyle>
+          <a:p>
+            <a:r>
+              <a:rPr lang="ru-RU" sz="5400" b="1" dirty="0">
+                <a:solidFill>
+                  <a:schemeClr val="bg1"/>
+                </a:solidFill>
+              </a:rPr>
+              <a:t>Мои новости</a:t>
+            </a:r>
+          </a:p>
+        </p:txBody>
+      </p:sp>
+      <p:pic>
+        <p:nvPicPr>
+          <p:cNvPr id="6" name="Рисунок 5" descr="Газета">
             <a:extLst>
               <a:ext uri="{FF2B5EF4-FFF2-40B4-BE49-F238E27FC236}">
-                <a16:creationId xmlns:a16="http://schemas.microsoft.com/office/drawing/2014/main" id="{080DD388-20A7-FA41-8FF1-C47B82F84D0C}"/>
-              </a:ext>
-            </a:extLst>
-          </p:cNvPr>
-          <p:cNvSpPr>
-            <a:spLocks noGrp="1"/>
-          </p:cNvSpPr>
-          <p:nvPr>
-            <p:ph type="ctrTitle"/>
-          </p:nvPr>
-        </p:nvSpPr>
-        <p:spPr>
-          <a:xfrm>
-            <a:off x="1133621" y="-319575"/>
-            <a:ext cx="9144000" cy="2387600"/>
-          </a:xfrm>
-          <a:solidFill>
-            <a:schemeClr val="accent6">
-              <a:lumMod val="75000"/>
-            </a:schemeClr>
-          </a:solidFill>
-        </p:spPr>
-        <p:txBody>
-          <a:bodyPr/>
-          <a:lstStyle/>
-          <a:p>
-            <a:r>
-              <a:rPr lang="ru-RU" b="1" dirty="0">
-                <a:solidFill>
-                  <a:schemeClr val="bg1"/>
-                </a:solidFill>
-              </a:rPr>
-              <a:t>Мои новости</a:t>
-            </a:r>
-          </a:p>
-        </p:txBody>
-      </p:sp>
-      <p:sp>
-        <p:nvSpPr>
-          <p:cNvPr id="3" name="Подзаголовок 2">
-            <a:extLst>
-              <a:ext uri="{FF2B5EF4-FFF2-40B4-BE49-F238E27FC236}">
-                <a16:creationId xmlns:a16="http://schemas.microsoft.com/office/drawing/2014/main" id="{9C075F8E-8D02-BC4C-8972-3423F80EC1B2}"/>
-              </a:ext>
-            </a:extLst>
-          </p:cNvPr>
-          <p:cNvSpPr>
-            <a:spLocks noGrp="1"/>
-          </p:cNvSpPr>
-          <p:nvPr>
-            <p:ph type="subTitle" idx="1"/>
-          </p:nvPr>
-        </p:nvSpPr>
-        <p:spPr>
-          <a:xfrm>
-            <a:off x="1400907" y="2160100"/>
-            <a:ext cx="9144000" cy="1655762"/>
-          </a:xfrm>
-          <a:solidFill>
-            <a:schemeClr val="accent6">
-              <a:lumMod val="75000"/>
-            </a:schemeClr>
-          </a:solidFill>
-        </p:spPr>
-        <p:txBody>
-          <a:bodyPr>
-            <a:normAutofit/>
-          </a:bodyPr>
-          <a:lstStyle/>
-          <a:p>
-            <a:r>
-              <a:rPr lang="ru-RU" sz="2800" dirty="0">
-                <a:solidFill>
-                  <a:schemeClr val="bg1"/>
-                </a:solidFill>
-              </a:rPr>
-              <a:t>Веб-приложение для просмотра и создания новостных статей</a:t>
-            </a:r>
-          </a:p>
-        </p:txBody>
-      </p:sp>
-      <p:sp>
-        <p:nvSpPr>
-          <p:cNvPr id="5" name="Номер слайда 4">
-            <a:extLst>
-              <a:ext uri="{FF2B5EF4-FFF2-40B4-BE49-F238E27FC236}">
-                <a16:creationId xmlns:a16="http://schemas.microsoft.com/office/drawing/2014/main" id="{9C0D6E77-C032-6FBA-9D12-04FEBCFADC47}"/>
-              </a:ext>
-            </a:extLst>
-          </p:cNvPr>
-          <p:cNvSpPr>
-            <a:spLocks noGrp="1"/>
-          </p:cNvSpPr>
-          <p:nvPr>
-            <p:ph type="sldNum" sz="quarter" idx="12"/>
-          </p:nvPr>
-        </p:nvSpPr>
-        <p:spPr/>
-        <p:txBody>
-          <a:bodyPr/>
-          <a:lstStyle/>
-          <a:p>
-            <a:fld id="{98DC83F7-A2BF-A64B-B6B1-DB03C46AEE3B}" type="slidenum">
-              <a:rPr lang="ru-RU" sz="1600" smtClean="0">
-                <a:solidFill>
-                  <a:schemeClr val="bg1"/>
-                </a:solidFill>
-              </a:rPr>
-              <a:t>15</a:t>
-            </a:fld>
-            <a:endParaRPr lang="ru-RU" dirty="0">
-              <a:solidFill>
-                <a:schemeClr val="bg1"/>
-              </a:solidFill>
-            </a:endParaRPr>
-          </a:p>
-        </p:txBody>
-      </p:sp>
-      <p:cxnSp>
-        <p:nvCxnSpPr>
-          <p:cNvPr id="7" name="Прямая соединительная линия 6">
-            <a:extLst>
-              <a:ext uri="{FF2B5EF4-FFF2-40B4-BE49-F238E27FC236}">
-                <a16:creationId xmlns:a16="http://schemas.microsoft.com/office/drawing/2014/main" id="{34978BEC-136A-4E47-BCE9-00C9BB0B3470}"/>
-              </a:ext>
-            </a:extLst>
-          </p:cNvPr>
-          <p:cNvCxnSpPr>
-            <a:cxnSpLocks noChangeAspect="1"/>
-          </p:cNvCxnSpPr>
-          <p:nvPr/>
-        </p:nvCxnSpPr>
-        <p:spPr>
-          <a:xfrm>
-            <a:off x="12068907" y="2065316"/>
-            <a:ext cx="0" cy="1"/>
-          </a:xfrm>
-          <a:prstGeom prst="line">
-            <a:avLst/>
-          </a:prstGeom>
-          <a:ln w="25400">
-            <a:solidFill>
-              <a:srgbClr val="7E7626"/>
-            </a:solidFill>
-          </a:ln>
-        </p:spPr>
-        <p:style>
-          <a:lnRef idx="1">
-            <a:schemeClr val="accent4"/>
-          </a:lnRef>
-          <a:fillRef idx="0">
-            <a:schemeClr val="accent4"/>
-          </a:fillRef>
-          <a:effectRef idx="0">
-            <a:schemeClr val="accent4"/>
-          </a:effectRef>
-          <a:fontRef idx="minor">
-            <a:schemeClr val="tx1"/>
-          </a:fontRef>
-        </p:style>
-      </p:cxnSp>
-      <p:pic>
-        <p:nvPicPr>
-          <p:cNvPr id="11" name="Рисунок 10" descr="Газета">
-            <a:extLst>
-              <a:ext uri="{FF2B5EF4-FFF2-40B4-BE49-F238E27FC236}">
-                <a16:creationId xmlns:a16="http://schemas.microsoft.com/office/drawing/2014/main" id="{D230C94B-07F3-0442-B493-D57E43C534FB}"/>
+                <a16:creationId xmlns:a16="http://schemas.microsoft.com/office/drawing/2014/main" id="{1A77067C-9205-2249-BDA2-556EC105ADF2}"/>
               </a:ext>
             </a:extLst>
           </p:cNvPr>
@@ -6547,7 +4648,7 @@
         </p:blipFill>
         <p:spPr>
           <a:xfrm>
-            <a:off x="7844551" y="792267"/>
+            <a:off x="8330326" y="1478067"/>
             <a:ext cx="1255543" cy="1255542"/>
           </a:xfrm>
           <a:prstGeom prst="rect">
@@ -6557,10 +4658,10 @@
       </p:pic>
       <p:sp>
         <p:nvSpPr>
-          <p:cNvPr id="8" name="Подзаголовок 2">
+          <p:cNvPr id="12" name="Подзаголовок 2">
             <a:extLst>
               <a:ext uri="{FF2B5EF4-FFF2-40B4-BE49-F238E27FC236}">
-                <a16:creationId xmlns:a16="http://schemas.microsoft.com/office/drawing/2014/main" id="{BCB6A086-EAC0-214B-A35A-DA5B2AEA7BF3}"/>
+                <a16:creationId xmlns:a16="http://schemas.microsoft.com/office/drawing/2014/main" id="{A75F159A-B1CA-474B-ACF7-D5679FEB1257}"/>
               </a:ext>
             </a:extLst>
           </p:cNvPr>
@@ -6571,16 +4672,14 @@
         </p:nvSpPr>
         <p:spPr>
           <a:xfrm>
-            <a:off x="2" y="3437915"/>
-            <a:ext cx="4196863" cy="1819884"/>
+            <a:off x="1772382" y="2660163"/>
+            <a:ext cx="9144000" cy="1655762"/>
           </a:xfrm>
           <a:prstGeom prst="rect">
             <a:avLst/>
           </a:prstGeom>
           <a:solidFill>
-            <a:schemeClr val="accent6">
-              <a:lumMod val="75000"/>
-            </a:schemeClr>
+            <a:schemeClr val="bg2"/>
           </a:solidFill>
         </p:spPr>
         <p:txBody>
@@ -6588,16 +4687,13 @@
             <a:normAutofit/>
           </a:bodyPr>
           <a:lstStyle>
-            <a:lvl1pPr marL="0" indent="0" algn="ctr" defTabSz="914400" rtl="0" eaLnBrk="1" latinLnBrk="0" hangingPunct="1">
-              <a:lnSpc>
-                <a:spcPct val="90000"/>
-              </a:lnSpc>
+            <a:lvl1pPr marL="342900" indent="-342900" algn="l" defTabSz="914400" rtl="0" eaLnBrk="1" latinLnBrk="0" hangingPunct="1">
               <a:spcBef>
-                <a:spcPts val="1000"/>
+                <a:spcPct val="20000"/>
               </a:spcBef>
               <a:buFont typeface="Arial" panose="020B0604020202020204" pitchFamily="34" charset="0"/>
-              <a:buNone/>
-              <a:defRPr sz="2400" kern="1200">
+              <a:buChar char="•"/>
+              <a:defRPr sz="3200" kern="1200">
                 <a:solidFill>
                   <a:schemeClr val="tx1"/>
                 </a:solidFill>
@@ -6606,16 +4702,13 @@
                 <a:cs typeface="+mn-cs"/>
               </a:defRPr>
             </a:lvl1pPr>
-            <a:lvl2pPr marL="457200" indent="0" algn="ctr" defTabSz="914400" rtl="0" eaLnBrk="1" latinLnBrk="0" hangingPunct="1">
-              <a:lnSpc>
-                <a:spcPct val="90000"/>
-              </a:lnSpc>
+            <a:lvl2pPr marL="742950" indent="-285750" algn="l" defTabSz="914400" rtl="0" eaLnBrk="1" latinLnBrk="0" hangingPunct="1">
               <a:spcBef>
-                <a:spcPts val="500"/>
+                <a:spcPct val="20000"/>
               </a:spcBef>
               <a:buFont typeface="Arial" panose="020B0604020202020204" pitchFamily="34" charset="0"/>
-              <a:buNone/>
-              <a:defRPr sz="2000" kern="1200">
+              <a:buChar char="–"/>
+              <a:defRPr sz="2800" kern="1200">
                 <a:solidFill>
                   <a:schemeClr val="tx1"/>
                 </a:solidFill>
@@ -6624,16 +4717,13 @@
                 <a:cs typeface="+mn-cs"/>
               </a:defRPr>
             </a:lvl2pPr>
-            <a:lvl3pPr marL="914400" indent="0" algn="ctr" defTabSz="914400" rtl="0" eaLnBrk="1" latinLnBrk="0" hangingPunct="1">
-              <a:lnSpc>
-                <a:spcPct val="90000"/>
-              </a:lnSpc>
+            <a:lvl3pPr marL="1143000" indent="-228600" algn="l" defTabSz="914400" rtl="0" eaLnBrk="1" latinLnBrk="0" hangingPunct="1">
               <a:spcBef>
-                <a:spcPts val="500"/>
+                <a:spcPct val="20000"/>
               </a:spcBef>
               <a:buFont typeface="Arial" panose="020B0604020202020204" pitchFamily="34" charset="0"/>
-              <a:buNone/>
-              <a:defRPr sz="1800" kern="1200">
+              <a:buChar char="•"/>
+              <a:defRPr sz="2400" kern="1200">
                 <a:solidFill>
                   <a:schemeClr val="tx1"/>
                 </a:solidFill>
@@ -6642,16 +4732,13 @@
                 <a:cs typeface="+mn-cs"/>
               </a:defRPr>
             </a:lvl3pPr>
-            <a:lvl4pPr marL="1371600" indent="0" algn="ctr" defTabSz="914400" rtl="0" eaLnBrk="1" latinLnBrk="0" hangingPunct="1">
-              <a:lnSpc>
-                <a:spcPct val="90000"/>
-              </a:lnSpc>
+            <a:lvl4pPr marL="1600200" indent="-228600" algn="l" defTabSz="914400" rtl="0" eaLnBrk="1" latinLnBrk="0" hangingPunct="1">
               <a:spcBef>
-                <a:spcPts val="500"/>
+                <a:spcPct val="20000"/>
               </a:spcBef>
               <a:buFont typeface="Arial" panose="020B0604020202020204" pitchFamily="34" charset="0"/>
-              <a:buNone/>
-              <a:defRPr sz="1600" kern="1200">
+              <a:buChar char="–"/>
+              <a:defRPr sz="2000" kern="1200">
                 <a:solidFill>
                   <a:schemeClr val="tx1"/>
                 </a:solidFill>
@@ -6660,16 +4747,13 @@
                 <a:cs typeface="+mn-cs"/>
               </a:defRPr>
             </a:lvl4pPr>
-            <a:lvl5pPr marL="1828800" indent="0" algn="ctr" defTabSz="914400" rtl="0" eaLnBrk="1" latinLnBrk="0" hangingPunct="1">
-              <a:lnSpc>
-                <a:spcPct val="90000"/>
-              </a:lnSpc>
+            <a:lvl5pPr marL="2057400" indent="-228600" algn="l" defTabSz="914400" rtl="0" eaLnBrk="1" latinLnBrk="0" hangingPunct="1">
               <a:spcBef>
-                <a:spcPts val="500"/>
+                <a:spcPct val="20000"/>
               </a:spcBef>
               <a:buFont typeface="Arial" panose="020B0604020202020204" pitchFamily="34" charset="0"/>
-              <a:buNone/>
-              <a:defRPr sz="1600" kern="1200">
+              <a:buChar char="»"/>
+              <a:defRPr sz="2000" kern="1200">
                 <a:solidFill>
                   <a:schemeClr val="tx1"/>
                 </a:solidFill>
@@ -6678,16 +4762,13 @@
                 <a:cs typeface="+mn-cs"/>
               </a:defRPr>
             </a:lvl5pPr>
-            <a:lvl6pPr marL="2286000" indent="0" algn="ctr" defTabSz="914400" rtl="0" eaLnBrk="1" latinLnBrk="0" hangingPunct="1">
-              <a:lnSpc>
-                <a:spcPct val="90000"/>
-              </a:lnSpc>
+            <a:lvl6pPr marL="2514600" indent="-228600" algn="l" defTabSz="914400" rtl="0" eaLnBrk="1" latinLnBrk="0" hangingPunct="1">
               <a:spcBef>
-                <a:spcPts val="500"/>
+                <a:spcPct val="20000"/>
               </a:spcBef>
               <a:buFont typeface="Arial" panose="020B0604020202020204" pitchFamily="34" charset="0"/>
-              <a:buNone/>
-              <a:defRPr sz="1600" kern="1200">
+              <a:buChar char="•"/>
+              <a:defRPr sz="2000" kern="1200">
                 <a:solidFill>
                   <a:schemeClr val="tx1"/>
                 </a:solidFill>
@@ -6696,16 +4777,13 @@
                 <a:cs typeface="+mn-cs"/>
               </a:defRPr>
             </a:lvl6pPr>
-            <a:lvl7pPr marL="2743200" indent="0" algn="ctr" defTabSz="914400" rtl="0" eaLnBrk="1" latinLnBrk="0" hangingPunct="1">
-              <a:lnSpc>
-                <a:spcPct val="90000"/>
-              </a:lnSpc>
+            <a:lvl7pPr marL="2971800" indent="-228600" algn="l" defTabSz="914400" rtl="0" eaLnBrk="1" latinLnBrk="0" hangingPunct="1">
               <a:spcBef>
-                <a:spcPts val="500"/>
+                <a:spcPct val="20000"/>
               </a:spcBef>
               <a:buFont typeface="Arial" panose="020B0604020202020204" pitchFamily="34" charset="0"/>
-              <a:buNone/>
-              <a:defRPr sz="1600" kern="1200">
+              <a:buChar char="•"/>
+              <a:defRPr sz="2000" kern="1200">
                 <a:solidFill>
                   <a:schemeClr val="tx1"/>
                 </a:solidFill>
@@ -6714,16 +4792,13 @@
                 <a:cs typeface="+mn-cs"/>
               </a:defRPr>
             </a:lvl7pPr>
-            <a:lvl8pPr marL="3200400" indent="0" algn="ctr" defTabSz="914400" rtl="0" eaLnBrk="1" latinLnBrk="0" hangingPunct="1">
-              <a:lnSpc>
-                <a:spcPct val="90000"/>
-              </a:lnSpc>
+            <a:lvl8pPr marL="3429000" indent="-228600" algn="l" defTabSz="914400" rtl="0" eaLnBrk="1" latinLnBrk="0" hangingPunct="1">
               <a:spcBef>
-                <a:spcPts val="500"/>
+                <a:spcPct val="20000"/>
               </a:spcBef>
               <a:buFont typeface="Arial" panose="020B0604020202020204" pitchFamily="34" charset="0"/>
-              <a:buNone/>
-              <a:defRPr sz="1600" kern="1200">
+              <a:buChar char="•"/>
+              <a:defRPr sz="2000" kern="1200">
                 <a:solidFill>
                   <a:schemeClr val="tx1"/>
                 </a:solidFill>
@@ -6732,16 +4807,13 @@
                 <a:cs typeface="+mn-cs"/>
               </a:defRPr>
             </a:lvl8pPr>
-            <a:lvl9pPr marL="3657600" indent="0" algn="ctr" defTabSz="914400" rtl="0" eaLnBrk="1" latinLnBrk="0" hangingPunct="1">
-              <a:lnSpc>
-                <a:spcPct val="90000"/>
-              </a:lnSpc>
+            <a:lvl9pPr marL="3886200" indent="-228600" algn="l" defTabSz="914400" rtl="0" eaLnBrk="1" latinLnBrk="0" hangingPunct="1">
               <a:spcBef>
-                <a:spcPts val="500"/>
+                <a:spcPct val="20000"/>
               </a:spcBef>
               <a:buFont typeface="Arial" panose="020B0604020202020204" pitchFamily="34" charset="0"/>
-              <a:buNone/>
-              <a:defRPr sz="1600" kern="1200">
+              <a:buChar char="•"/>
+              <a:defRPr sz="2000" kern="1200">
                 <a:solidFill>
                   <a:schemeClr val="tx1"/>
                 </a:solidFill>
@@ -6752,248 +4824,26 @@
             </a:lvl9pPr>
           </a:lstStyle>
           <a:p>
-            <a:r>
-              <a:rPr lang="en-US" sz="2800" dirty="0">
+            <a:pPr marL="0" indent="0" algn="ctr">
+              <a:buNone/>
+            </a:pPr>
+            <a:r>
+              <a:rPr lang="ru-RU" sz="2800" dirty="0">
                 <a:solidFill>
                   <a:schemeClr val="bg1"/>
                 </a:solidFill>
               </a:rPr>
-              <a:t>GitHub</a:t>
-            </a:r>
-            <a:endParaRPr lang="ru-RU" sz="2800" dirty="0">
-              <a:solidFill>
-                <a:schemeClr val="bg1"/>
-              </a:solidFill>
-            </a:endParaRPr>
-          </a:p>
-        </p:txBody>
-      </p:sp>
-      <p:sp>
-        <p:nvSpPr>
-          <p:cNvPr id="9" name="Подзаголовок 2">
+              <a:t>Веб-приложение для просмотра и создания новостных статей</a:t>
+            </a:r>
+          </a:p>
+        </p:txBody>
+      </p:sp>
+      <p:pic>
+        <p:nvPicPr>
+          <p:cNvPr id="4" name="Рисунок 3">
             <a:extLst>
               <a:ext uri="{FF2B5EF4-FFF2-40B4-BE49-F238E27FC236}">
-                <a16:creationId xmlns:a16="http://schemas.microsoft.com/office/drawing/2014/main" id="{0E09F3BA-CD21-3948-8E01-CE84BA995698}"/>
-              </a:ext>
-            </a:extLst>
-          </p:cNvPr>
-          <p:cNvSpPr txBox="1">
-            <a:spLocks/>
-          </p:cNvSpPr>
-          <p:nvPr/>
-        </p:nvSpPr>
-        <p:spPr>
-          <a:xfrm>
-            <a:off x="7385539" y="4118336"/>
-            <a:ext cx="4196863" cy="1819884"/>
-          </a:xfrm>
-          <a:prstGeom prst="rect">
-            <a:avLst/>
-          </a:prstGeom>
-          <a:solidFill>
-            <a:schemeClr val="accent6">
-              <a:lumMod val="75000"/>
-            </a:schemeClr>
-          </a:solidFill>
-        </p:spPr>
-        <p:txBody>
-          <a:bodyPr vert="horz" lIns="91440" tIns="45720" rIns="91440" bIns="45720" rtlCol="0">
-            <a:normAutofit/>
-          </a:bodyPr>
-          <a:lstStyle>
-            <a:lvl1pPr marL="0" indent="0" algn="ctr" defTabSz="914400" rtl="0" eaLnBrk="1" latinLnBrk="0" hangingPunct="1">
-              <a:lnSpc>
-                <a:spcPct val="90000"/>
-              </a:lnSpc>
-              <a:spcBef>
-                <a:spcPts val="1000"/>
-              </a:spcBef>
-              <a:buFont typeface="Arial" panose="020B0604020202020204" pitchFamily="34" charset="0"/>
-              <a:buNone/>
-              <a:defRPr sz="2400" kern="1200">
-                <a:solidFill>
-                  <a:schemeClr val="tx1"/>
-                </a:solidFill>
-                <a:latin typeface="+mn-lt"/>
-                <a:ea typeface="+mn-ea"/>
-                <a:cs typeface="+mn-cs"/>
-              </a:defRPr>
-            </a:lvl1pPr>
-            <a:lvl2pPr marL="457200" indent="0" algn="ctr" defTabSz="914400" rtl="0" eaLnBrk="1" latinLnBrk="0" hangingPunct="1">
-              <a:lnSpc>
-                <a:spcPct val="90000"/>
-              </a:lnSpc>
-              <a:spcBef>
-                <a:spcPts val="500"/>
-              </a:spcBef>
-              <a:buFont typeface="Arial" panose="020B0604020202020204" pitchFamily="34" charset="0"/>
-              <a:buNone/>
-              <a:defRPr sz="2000" kern="1200">
-                <a:solidFill>
-                  <a:schemeClr val="tx1"/>
-                </a:solidFill>
-                <a:latin typeface="+mn-lt"/>
-                <a:ea typeface="+mn-ea"/>
-                <a:cs typeface="+mn-cs"/>
-              </a:defRPr>
-            </a:lvl2pPr>
-            <a:lvl3pPr marL="914400" indent="0" algn="ctr" defTabSz="914400" rtl="0" eaLnBrk="1" latinLnBrk="0" hangingPunct="1">
-              <a:lnSpc>
-                <a:spcPct val="90000"/>
-              </a:lnSpc>
-              <a:spcBef>
-                <a:spcPts val="500"/>
-              </a:spcBef>
-              <a:buFont typeface="Arial" panose="020B0604020202020204" pitchFamily="34" charset="0"/>
-              <a:buNone/>
-              <a:defRPr sz="1800" kern="1200">
-                <a:solidFill>
-                  <a:schemeClr val="tx1"/>
-                </a:solidFill>
-                <a:latin typeface="+mn-lt"/>
-                <a:ea typeface="+mn-ea"/>
-                <a:cs typeface="+mn-cs"/>
-              </a:defRPr>
-            </a:lvl3pPr>
-            <a:lvl4pPr marL="1371600" indent="0" algn="ctr" defTabSz="914400" rtl="0" eaLnBrk="1" latinLnBrk="0" hangingPunct="1">
-              <a:lnSpc>
-                <a:spcPct val="90000"/>
-              </a:lnSpc>
-              <a:spcBef>
-                <a:spcPts val="500"/>
-              </a:spcBef>
-              <a:buFont typeface="Arial" panose="020B0604020202020204" pitchFamily="34" charset="0"/>
-              <a:buNone/>
-              <a:defRPr sz="1600" kern="1200">
-                <a:solidFill>
-                  <a:schemeClr val="tx1"/>
-                </a:solidFill>
-                <a:latin typeface="+mn-lt"/>
-                <a:ea typeface="+mn-ea"/>
-                <a:cs typeface="+mn-cs"/>
-              </a:defRPr>
-            </a:lvl4pPr>
-            <a:lvl5pPr marL="1828800" indent="0" algn="ctr" defTabSz="914400" rtl="0" eaLnBrk="1" latinLnBrk="0" hangingPunct="1">
-              <a:lnSpc>
-                <a:spcPct val="90000"/>
-              </a:lnSpc>
-              <a:spcBef>
-                <a:spcPts val="500"/>
-              </a:spcBef>
-              <a:buFont typeface="Arial" panose="020B0604020202020204" pitchFamily="34" charset="0"/>
-              <a:buNone/>
-              <a:defRPr sz="1600" kern="1200">
-                <a:solidFill>
-                  <a:schemeClr val="tx1"/>
-                </a:solidFill>
-                <a:latin typeface="+mn-lt"/>
-                <a:ea typeface="+mn-ea"/>
-                <a:cs typeface="+mn-cs"/>
-              </a:defRPr>
-            </a:lvl5pPr>
-            <a:lvl6pPr marL="2286000" indent="0" algn="ctr" defTabSz="914400" rtl="0" eaLnBrk="1" latinLnBrk="0" hangingPunct="1">
-              <a:lnSpc>
-                <a:spcPct val="90000"/>
-              </a:lnSpc>
-              <a:spcBef>
-                <a:spcPts val="500"/>
-              </a:spcBef>
-              <a:buFont typeface="Arial" panose="020B0604020202020204" pitchFamily="34" charset="0"/>
-              <a:buNone/>
-              <a:defRPr sz="1600" kern="1200">
-                <a:solidFill>
-                  <a:schemeClr val="tx1"/>
-                </a:solidFill>
-                <a:latin typeface="+mn-lt"/>
-                <a:ea typeface="+mn-ea"/>
-                <a:cs typeface="+mn-cs"/>
-              </a:defRPr>
-            </a:lvl6pPr>
-            <a:lvl7pPr marL="2743200" indent="0" algn="ctr" defTabSz="914400" rtl="0" eaLnBrk="1" latinLnBrk="0" hangingPunct="1">
-              <a:lnSpc>
-                <a:spcPct val="90000"/>
-              </a:lnSpc>
-              <a:spcBef>
-                <a:spcPts val="500"/>
-              </a:spcBef>
-              <a:buFont typeface="Arial" panose="020B0604020202020204" pitchFamily="34" charset="0"/>
-              <a:buNone/>
-              <a:defRPr sz="1600" kern="1200">
-                <a:solidFill>
-                  <a:schemeClr val="tx1"/>
-                </a:solidFill>
-                <a:latin typeface="+mn-lt"/>
-                <a:ea typeface="+mn-ea"/>
-                <a:cs typeface="+mn-cs"/>
-              </a:defRPr>
-            </a:lvl7pPr>
-            <a:lvl8pPr marL="3200400" indent="0" algn="ctr" defTabSz="914400" rtl="0" eaLnBrk="1" latinLnBrk="0" hangingPunct="1">
-              <a:lnSpc>
-                <a:spcPct val="90000"/>
-              </a:lnSpc>
-              <a:spcBef>
-                <a:spcPts val="500"/>
-              </a:spcBef>
-              <a:buFont typeface="Arial" panose="020B0604020202020204" pitchFamily="34" charset="0"/>
-              <a:buNone/>
-              <a:defRPr sz="1600" kern="1200">
-                <a:solidFill>
-                  <a:schemeClr val="tx1"/>
-                </a:solidFill>
-                <a:latin typeface="+mn-lt"/>
-                <a:ea typeface="+mn-ea"/>
-                <a:cs typeface="+mn-cs"/>
-              </a:defRPr>
-            </a:lvl8pPr>
-            <a:lvl9pPr marL="3657600" indent="0" algn="ctr" defTabSz="914400" rtl="0" eaLnBrk="1" latinLnBrk="0" hangingPunct="1">
-              <a:lnSpc>
-                <a:spcPct val="90000"/>
-              </a:lnSpc>
-              <a:spcBef>
-                <a:spcPts val="500"/>
-              </a:spcBef>
-              <a:buFont typeface="Arial" panose="020B0604020202020204" pitchFamily="34" charset="0"/>
-              <a:buNone/>
-              <a:defRPr sz="1600" kern="1200">
-                <a:solidFill>
-                  <a:schemeClr val="tx1"/>
-                </a:solidFill>
-                <a:latin typeface="+mn-lt"/>
-                <a:ea typeface="+mn-ea"/>
-                <a:cs typeface="+mn-cs"/>
-              </a:defRPr>
-            </a:lvl9pPr>
-          </a:lstStyle>
-          <a:p>
-            <a:pPr algn="r"/>
-            <a:r>
-              <a:rPr lang="ru-RU" sz="2800" dirty="0">
-                <a:solidFill>
-                  <a:schemeClr val="bg1"/>
-                </a:solidFill>
-              </a:rPr>
-              <a:t>Михайлов Вадим</a:t>
-            </a:r>
-          </a:p>
-          <a:p>
-            <a:pPr algn="r"/>
-            <a:r>
-              <a:rPr lang="ru-RU" sz="2800" dirty="0">
-                <a:solidFill>
-                  <a:schemeClr val="bg1"/>
-                </a:solidFill>
-              </a:rPr>
-              <a:t>Рындин Денис</a:t>
-            </a:r>
-          </a:p>
-        </p:txBody>
-      </p:sp>
-      <p:pic>
-        <p:nvPicPr>
-          <p:cNvPr id="10" name="Рисунок 9">
-            <a:extLst>
-              <a:ext uri="{FF2B5EF4-FFF2-40B4-BE49-F238E27FC236}">
-                <a16:creationId xmlns:a16="http://schemas.microsoft.com/office/drawing/2014/main" id="{56776E1F-D549-114A-979F-F7FDB23CC228}"/>
+                <a16:creationId xmlns:a16="http://schemas.microsoft.com/office/drawing/2014/main" id="{53F936E2-738F-744F-811C-4E9078F9E505}"/>
               </a:ext>
             </a:extLst>
           </p:cNvPr>
@@ -7016,7 +4866,7 @@
         </p:blipFill>
         <p:spPr>
           <a:xfrm>
-            <a:off x="973015" y="3985847"/>
+            <a:off x="601539" y="3838575"/>
             <a:ext cx="2438400" cy="2438400"/>
           </a:xfrm>
           <a:prstGeom prst="rect">
@@ -7024,10 +4874,228 @@
           </a:prstGeom>
         </p:spPr>
       </p:pic>
+      <p:sp>
+        <p:nvSpPr>
+          <p:cNvPr id="5" name="Подзаголовок 2">
+            <a:extLst>
+              <a:ext uri="{FF2B5EF4-FFF2-40B4-BE49-F238E27FC236}">
+                <a16:creationId xmlns:a16="http://schemas.microsoft.com/office/drawing/2014/main" id="{7241DB2D-FFE1-7F40-AF52-9F0EAE8A9A36}"/>
+              </a:ext>
+            </a:extLst>
+          </p:cNvPr>
+          <p:cNvSpPr txBox="1">
+            <a:spLocks/>
+          </p:cNvSpPr>
+          <p:nvPr/>
+        </p:nvSpPr>
+        <p:spPr>
+          <a:xfrm>
+            <a:off x="7542702" y="4075473"/>
+            <a:ext cx="4196863" cy="1819884"/>
+          </a:xfrm>
+          <a:prstGeom prst="rect">
+            <a:avLst/>
+          </a:prstGeom>
+          <a:solidFill>
+            <a:schemeClr val="bg2"/>
+          </a:solidFill>
+        </p:spPr>
+        <p:txBody>
+          <a:bodyPr vert="horz" lIns="91440" tIns="45720" rIns="91440" bIns="45720" rtlCol="0">
+            <a:normAutofit/>
+          </a:bodyPr>
+          <a:lstStyle>
+            <a:lvl1pPr marL="0" indent="0" algn="ctr" defTabSz="914400" rtl="0" eaLnBrk="1" latinLnBrk="0" hangingPunct="1">
+              <a:lnSpc>
+                <a:spcPct val="90000"/>
+              </a:lnSpc>
+              <a:spcBef>
+                <a:spcPts val="1000"/>
+              </a:spcBef>
+              <a:buFont typeface="Arial" panose="020B0604020202020204" pitchFamily="34" charset="0"/>
+              <a:buNone/>
+              <a:defRPr sz="2400" kern="1200">
+                <a:solidFill>
+                  <a:schemeClr val="tx1"/>
+                </a:solidFill>
+                <a:latin typeface="+mn-lt"/>
+                <a:ea typeface="+mn-ea"/>
+                <a:cs typeface="+mn-cs"/>
+              </a:defRPr>
+            </a:lvl1pPr>
+            <a:lvl2pPr marL="457200" indent="0" algn="ctr" defTabSz="914400" rtl="0" eaLnBrk="1" latinLnBrk="0" hangingPunct="1">
+              <a:lnSpc>
+                <a:spcPct val="90000"/>
+              </a:lnSpc>
+              <a:spcBef>
+                <a:spcPts val="500"/>
+              </a:spcBef>
+              <a:buFont typeface="Arial" panose="020B0604020202020204" pitchFamily="34" charset="0"/>
+              <a:buNone/>
+              <a:defRPr sz="2000" kern="1200">
+                <a:solidFill>
+                  <a:schemeClr val="tx1"/>
+                </a:solidFill>
+                <a:latin typeface="+mn-lt"/>
+                <a:ea typeface="+mn-ea"/>
+                <a:cs typeface="+mn-cs"/>
+              </a:defRPr>
+            </a:lvl2pPr>
+            <a:lvl3pPr marL="914400" indent="0" algn="ctr" defTabSz="914400" rtl="0" eaLnBrk="1" latinLnBrk="0" hangingPunct="1">
+              <a:lnSpc>
+                <a:spcPct val="90000"/>
+              </a:lnSpc>
+              <a:spcBef>
+                <a:spcPts val="500"/>
+              </a:spcBef>
+              <a:buFont typeface="Arial" panose="020B0604020202020204" pitchFamily="34" charset="0"/>
+              <a:buNone/>
+              <a:defRPr sz="1800" kern="1200">
+                <a:solidFill>
+                  <a:schemeClr val="tx1"/>
+                </a:solidFill>
+                <a:latin typeface="+mn-lt"/>
+                <a:ea typeface="+mn-ea"/>
+                <a:cs typeface="+mn-cs"/>
+              </a:defRPr>
+            </a:lvl3pPr>
+            <a:lvl4pPr marL="1371600" indent="0" algn="ctr" defTabSz="914400" rtl="0" eaLnBrk="1" latinLnBrk="0" hangingPunct="1">
+              <a:lnSpc>
+                <a:spcPct val="90000"/>
+              </a:lnSpc>
+              <a:spcBef>
+                <a:spcPts val="500"/>
+              </a:spcBef>
+              <a:buFont typeface="Arial" panose="020B0604020202020204" pitchFamily="34" charset="0"/>
+              <a:buNone/>
+              <a:defRPr sz="1600" kern="1200">
+                <a:solidFill>
+                  <a:schemeClr val="tx1"/>
+                </a:solidFill>
+                <a:latin typeface="+mn-lt"/>
+                <a:ea typeface="+mn-ea"/>
+                <a:cs typeface="+mn-cs"/>
+              </a:defRPr>
+            </a:lvl4pPr>
+            <a:lvl5pPr marL="1828800" indent="0" algn="ctr" defTabSz="914400" rtl="0" eaLnBrk="1" latinLnBrk="0" hangingPunct="1">
+              <a:lnSpc>
+                <a:spcPct val="90000"/>
+              </a:lnSpc>
+              <a:spcBef>
+                <a:spcPts val="500"/>
+              </a:spcBef>
+              <a:buFont typeface="Arial" panose="020B0604020202020204" pitchFamily="34" charset="0"/>
+              <a:buNone/>
+              <a:defRPr sz="1600" kern="1200">
+                <a:solidFill>
+                  <a:schemeClr val="tx1"/>
+                </a:solidFill>
+                <a:latin typeface="+mn-lt"/>
+                <a:ea typeface="+mn-ea"/>
+                <a:cs typeface="+mn-cs"/>
+              </a:defRPr>
+            </a:lvl5pPr>
+            <a:lvl6pPr marL="2286000" indent="0" algn="ctr" defTabSz="914400" rtl="0" eaLnBrk="1" latinLnBrk="0" hangingPunct="1">
+              <a:lnSpc>
+                <a:spcPct val="90000"/>
+              </a:lnSpc>
+              <a:spcBef>
+                <a:spcPts val="500"/>
+              </a:spcBef>
+              <a:buFont typeface="Arial" panose="020B0604020202020204" pitchFamily="34" charset="0"/>
+              <a:buNone/>
+              <a:defRPr sz="1600" kern="1200">
+                <a:solidFill>
+                  <a:schemeClr val="tx1"/>
+                </a:solidFill>
+                <a:latin typeface="+mn-lt"/>
+                <a:ea typeface="+mn-ea"/>
+                <a:cs typeface="+mn-cs"/>
+              </a:defRPr>
+            </a:lvl6pPr>
+            <a:lvl7pPr marL="2743200" indent="0" algn="ctr" defTabSz="914400" rtl="0" eaLnBrk="1" latinLnBrk="0" hangingPunct="1">
+              <a:lnSpc>
+                <a:spcPct val="90000"/>
+              </a:lnSpc>
+              <a:spcBef>
+                <a:spcPts val="500"/>
+              </a:spcBef>
+              <a:buFont typeface="Arial" panose="020B0604020202020204" pitchFamily="34" charset="0"/>
+              <a:buNone/>
+              <a:defRPr sz="1600" kern="1200">
+                <a:solidFill>
+                  <a:schemeClr val="tx1"/>
+                </a:solidFill>
+                <a:latin typeface="+mn-lt"/>
+                <a:ea typeface="+mn-ea"/>
+                <a:cs typeface="+mn-cs"/>
+              </a:defRPr>
+            </a:lvl7pPr>
+            <a:lvl8pPr marL="3200400" indent="0" algn="ctr" defTabSz="914400" rtl="0" eaLnBrk="1" latinLnBrk="0" hangingPunct="1">
+              <a:lnSpc>
+                <a:spcPct val="90000"/>
+              </a:lnSpc>
+              <a:spcBef>
+                <a:spcPts val="500"/>
+              </a:spcBef>
+              <a:buFont typeface="Arial" panose="020B0604020202020204" pitchFamily="34" charset="0"/>
+              <a:buNone/>
+              <a:defRPr sz="1600" kern="1200">
+                <a:solidFill>
+                  <a:schemeClr val="tx1"/>
+                </a:solidFill>
+                <a:latin typeface="+mn-lt"/>
+                <a:ea typeface="+mn-ea"/>
+                <a:cs typeface="+mn-cs"/>
+              </a:defRPr>
+            </a:lvl8pPr>
+            <a:lvl9pPr marL="3657600" indent="0" algn="ctr" defTabSz="914400" rtl="0" eaLnBrk="1" latinLnBrk="0" hangingPunct="1">
+              <a:lnSpc>
+                <a:spcPct val="90000"/>
+              </a:lnSpc>
+              <a:spcBef>
+                <a:spcPts val="500"/>
+              </a:spcBef>
+              <a:buFont typeface="Arial" panose="020B0604020202020204" pitchFamily="34" charset="0"/>
+              <a:buNone/>
+              <a:defRPr sz="1600" kern="1200">
+                <a:solidFill>
+                  <a:schemeClr val="tx1"/>
+                </a:solidFill>
+                <a:latin typeface="+mn-lt"/>
+                <a:ea typeface="+mn-ea"/>
+                <a:cs typeface="+mn-cs"/>
+              </a:defRPr>
+            </a:lvl9pPr>
+          </a:lstStyle>
+          <a:p>
+            <a:pPr algn="r"/>
+            <a:r>
+              <a:rPr lang="ru-RU" sz="2800" dirty="0">
+                <a:solidFill>
+                  <a:schemeClr val="bg1"/>
+                </a:solidFill>
+              </a:rPr>
+              <a:t>Михайлов Вадим</a:t>
+            </a:r>
+          </a:p>
+          <a:p>
+            <a:pPr algn="r"/>
+            <a:r>
+              <a:rPr lang="ru-RU" sz="2800" dirty="0">
+                <a:solidFill>
+                  <a:schemeClr val="bg1"/>
+                </a:solidFill>
+              </a:rPr>
+              <a:t>Рындин Денис</a:t>
+            </a:r>
+          </a:p>
+        </p:txBody>
+      </p:sp>
     </p:spTree>
     <p:extLst>
       <p:ext uri="{BB962C8B-B14F-4D97-AF65-F5344CB8AC3E}">
-        <p14:creationId xmlns:p14="http://schemas.microsoft.com/office/powerpoint/2010/main" val="2786016492"/>
+        <p14:creationId xmlns:p14="http://schemas.microsoft.com/office/powerpoint/2010/main" val="726609235"/>
       </p:ext>
     </p:extLst>
   </p:cSld>
@@ -7075,9 +5143,7 @@
             <a:avLst/>
           </a:prstGeom>
           <a:solidFill>
-            <a:schemeClr val="accent6">
-              <a:lumMod val="75000"/>
-            </a:schemeClr>
+            <a:schemeClr val="bg2"/>
           </a:solidFill>
           <a:ln>
             <a:solidFill>
@@ -7176,6 +5242,9 @@
             <a:off x="0" y="108492"/>
             <a:ext cx="12192000" cy="1122363"/>
           </a:xfrm>
+          <a:solidFill>
+            <a:schemeClr val="bg2"/>
+          </a:solidFill>
         </p:spPr>
         <p:txBody>
           <a:bodyPr>
@@ -7217,9 +5286,7 @@
             <a:ext cx="11430001" cy="4788928"/>
           </a:xfrm>
           <a:solidFill>
-            <a:schemeClr val="accent6">
-              <a:lumMod val="75000"/>
-            </a:schemeClr>
+            <a:schemeClr val="bg2"/>
           </a:solidFill>
         </p:spPr>
         <p:txBody>
@@ -7236,25 +5303,28 @@
               <a:buChar char="–"/>
             </a:pPr>
             <a:r>
-              <a:rPr lang="ru-RU" dirty="0">
-                <a:solidFill>
-                  <a:schemeClr val="bg1"/>
-                </a:solidFill>
+              <a:rPr lang="ru-RU" b="0" i="0" u="none" strike="noStrike" dirty="0">
+                <a:solidFill>
+                  <a:srgbClr val="000000"/>
+                </a:solidFill>
+                <a:effectLst/>
               </a:rPr>
-              <a:t>Интерфейс с неиспользуемой функциональностью</a:t>
-            </a:r>
-            <a:r>
-              <a:rPr lang="en-US" dirty="0">
-                <a:solidFill>
-                  <a:schemeClr val="bg1"/>
-                </a:solidFill>
+              <a:t>Контент, неподходящий под нужды отдельных пользователей</a:t>
+            </a:r>
+            <a:r>
+              <a:rPr lang="en-US" b="0" i="0" u="none" strike="noStrike" dirty="0">
+                <a:solidFill>
+                  <a:srgbClr val="000000"/>
+                </a:solidFill>
+                <a:effectLst/>
               </a:rPr>
               <a:t>;</a:t>
             </a:r>
-            <a:endParaRPr lang="ru-RU" dirty="0">
+            <a:endParaRPr lang="ru-RU" b="0" i="0" u="none" strike="noStrike" dirty="0">
               <a:solidFill>
-                <a:schemeClr val="bg1"/>
+                <a:srgbClr val="000000"/>
               </a:solidFill>
+              <a:effectLst/>
             </a:endParaRPr>
           </a:p>
           <a:p>
@@ -7272,7 +5342,7 @@
                 </a:solidFill>
                 <a:effectLst/>
               </a:rPr>
-              <a:t>Контент, неподходящий под нужды отдельных пользователей</a:t>
+              <a:t>Отсутствие настройки интересов через систему тегов</a:t>
             </a:r>
             <a:r>
               <a:rPr lang="en-US" b="0" i="0" u="none" strike="noStrike" dirty="0">
@@ -7305,39 +5375,6 @@
                 </a:solidFill>
                 <a:effectLst/>
               </a:rPr>
-              <a:t>Отсутствие настройки интересов через систему тегов</a:t>
-            </a:r>
-            <a:r>
-              <a:rPr lang="en-US" b="0" i="0" u="none" strike="noStrike" dirty="0">
-                <a:solidFill>
-                  <a:srgbClr val="000000"/>
-                </a:solidFill>
-                <a:effectLst/>
-              </a:rPr>
-              <a:t>;</a:t>
-            </a:r>
-            <a:endParaRPr lang="ru-RU" b="0" i="0" u="none" strike="noStrike" dirty="0">
-              <a:solidFill>
-                <a:srgbClr val="000000"/>
-              </a:solidFill>
-              <a:effectLst/>
-            </a:endParaRPr>
-          </a:p>
-          <a:p>
-            <a:pPr marL="514350" indent="-514350" algn="l">
-              <a:lnSpc>
-                <a:spcPct val="150000"/>
-              </a:lnSpc>
-              <a:buFont typeface="Системный шрифт, обычный"/>
-              <a:buChar char="–"/>
-            </a:pPr>
-            <a:r>
-              <a:rPr lang="ru-RU" b="0" i="0" u="none" strike="noStrike" dirty="0">
-                <a:solidFill>
-                  <a:srgbClr val="000000"/>
-                </a:solidFill>
-                <a:effectLst/>
-              </a:rPr>
               <a:t>Большое количество рекламы на странице</a:t>
             </a:r>
             <a:r>
@@ -7373,7 +5410,11 @@
             <p:ph type="sldNum" sz="quarter" idx="12"/>
           </p:nvPr>
         </p:nvSpPr>
-        <p:spPr/>
+        <p:spPr>
+          <a:solidFill>
+            <a:schemeClr val="bg2"/>
+          </a:solidFill>
+        </p:spPr>
         <p:txBody>
           <a:bodyPr/>
           <a:lstStyle/>
@@ -7524,9 +5565,7 @@
             <a:avLst/>
           </a:prstGeom>
           <a:solidFill>
-            <a:schemeClr val="accent6">
-              <a:lumMod val="75000"/>
-            </a:schemeClr>
+            <a:schemeClr val="bg2"/>
           </a:solidFill>
           <a:ln>
             <a:solidFill>
@@ -7622,9 +5661,12 @@
         </p:nvSpPr>
         <p:spPr>
           <a:xfrm>
-            <a:off x="2" y="-228600"/>
+            <a:off x="2" y="4"/>
             <a:ext cx="8115300" cy="1122363"/>
           </a:xfrm>
+          <a:solidFill>
+            <a:schemeClr val="bg2"/>
+          </a:solidFill>
         </p:spPr>
         <p:txBody>
           <a:bodyPr>
@@ -7639,7 +5681,7 @@
                   <a:schemeClr val="bg1"/>
                 </a:solidFill>
               </a:rPr>
-              <a:t>Обзор аналогов</a:t>
+              <a:t>Целевая аудитория</a:t>
             </a:r>
           </a:p>
         </p:txBody>
@@ -7662,468 +5704,12 @@
         </p:nvSpPr>
         <p:spPr>
           <a:xfrm>
-            <a:off x="4258852" y="1141526"/>
-            <a:ext cx="3489617" cy="324023"/>
+            <a:off x="1" y="1517743"/>
+            <a:ext cx="11591367" cy="4788928"/>
           </a:xfrm>
           <a:solidFill>
-            <a:schemeClr val="accent6">
-              <a:lumMod val="75000"/>
-            </a:schemeClr>
+            <a:schemeClr val="bg2"/>
           </a:solidFill>
-        </p:spPr>
-        <p:txBody>
-          <a:bodyPr>
-            <a:noAutofit/>
-          </a:bodyPr>
-          <a:lstStyle/>
-          <a:p>
-            <a:pPr algn="l"/>
-            <a:endParaRPr lang="en-US" sz="3200" dirty="0">
-              <a:solidFill>
-                <a:schemeClr val="bg1"/>
-              </a:solidFill>
-            </a:endParaRPr>
-          </a:p>
-          <a:p>
-            <a:pPr marL="514350" indent="-514350" algn="l">
-              <a:buAutoNum type="arabicPeriod"/>
-            </a:pPr>
-            <a:endParaRPr lang="en-US" sz="3200" dirty="0">
-              <a:solidFill>
-                <a:schemeClr val="bg1"/>
-              </a:solidFill>
-            </a:endParaRPr>
-          </a:p>
-          <a:p>
-            <a:pPr marL="514350" indent="-514350" algn="l">
-              <a:buAutoNum type="arabicPeriod"/>
-            </a:pPr>
-            <a:endParaRPr lang="ru-RU" sz="3200" dirty="0">
-              <a:solidFill>
-                <a:schemeClr val="bg1"/>
-              </a:solidFill>
-            </a:endParaRPr>
-          </a:p>
-          <a:p>
-            <a:pPr algn="l"/>
-            <a:endParaRPr lang="en-US" sz="3200" dirty="0">
-              <a:solidFill>
-                <a:schemeClr val="bg1"/>
-              </a:solidFill>
-            </a:endParaRPr>
-          </a:p>
-          <a:p>
-            <a:pPr marL="514350" indent="-514350" algn="l">
-              <a:buAutoNum type="arabicPeriod"/>
-            </a:pPr>
-            <a:endParaRPr lang="en-US" sz="3200" dirty="0">
-              <a:solidFill>
-                <a:schemeClr val="bg1"/>
-              </a:solidFill>
-            </a:endParaRPr>
-          </a:p>
-          <a:p>
-            <a:pPr marL="514350" indent="-514350" algn="l">
-              <a:buAutoNum type="arabicPeriod"/>
-            </a:pPr>
-            <a:endParaRPr lang="en-US" sz="3200" dirty="0">
-              <a:solidFill>
-                <a:schemeClr val="bg1"/>
-              </a:solidFill>
-            </a:endParaRPr>
-          </a:p>
-          <a:p>
-            <a:pPr algn="l"/>
-            <a:endParaRPr lang="ru-RU" sz="3200" dirty="0">
-              <a:solidFill>
-                <a:schemeClr val="bg1"/>
-              </a:solidFill>
-            </a:endParaRPr>
-          </a:p>
-          <a:p>
-            <a:pPr marL="514350" indent="-514350" algn="l">
-              <a:buAutoNum type="arabicPeriod"/>
-            </a:pPr>
-            <a:endParaRPr lang="ru-RU" sz="3200" dirty="0">
-              <a:solidFill>
-                <a:schemeClr val="bg1"/>
-              </a:solidFill>
-            </a:endParaRPr>
-          </a:p>
-        </p:txBody>
-      </p:sp>
-      <p:sp>
-        <p:nvSpPr>
-          <p:cNvPr id="2" name="Номер слайда 1">
-            <a:extLst>
-              <a:ext uri="{FF2B5EF4-FFF2-40B4-BE49-F238E27FC236}">
-                <a16:creationId xmlns:a16="http://schemas.microsoft.com/office/drawing/2014/main" id="{E153EF05-2CF9-45CA-0153-86C505AF5347}"/>
-              </a:ext>
-            </a:extLst>
-          </p:cNvPr>
-          <p:cNvSpPr>
-            <a:spLocks noGrp="1"/>
-          </p:cNvSpPr>
-          <p:nvPr>
-            <p:ph type="sldNum" sz="quarter" idx="12"/>
-          </p:nvPr>
-        </p:nvSpPr>
-        <p:spPr/>
-        <p:txBody>
-          <a:bodyPr/>
-          <a:lstStyle/>
-          <a:p>
-            <a:fld id="{98DC83F7-A2BF-A64B-B6B1-DB03C46AEE3B}" type="slidenum">
-              <a:rPr lang="ru-RU" sz="1600" smtClean="0">
-                <a:solidFill>
-                  <a:schemeClr val="bg1"/>
-                </a:solidFill>
-              </a:rPr>
-              <a:t>3</a:t>
-            </a:fld>
-            <a:endParaRPr lang="ru-RU" dirty="0">
-              <a:solidFill>
-                <a:schemeClr val="bg1"/>
-              </a:solidFill>
-            </a:endParaRPr>
-          </a:p>
-        </p:txBody>
-      </p:sp>
-      <p:cxnSp>
-        <p:nvCxnSpPr>
-          <p:cNvPr id="9" name="Прямая соединительная линия 8">
-            <a:extLst>
-              <a:ext uri="{FF2B5EF4-FFF2-40B4-BE49-F238E27FC236}">
-                <a16:creationId xmlns:a16="http://schemas.microsoft.com/office/drawing/2014/main" id="{7D967C6B-E15F-AF4B-81EE-340FAC37DCE6}"/>
-              </a:ext>
-            </a:extLst>
-          </p:cNvPr>
-          <p:cNvCxnSpPr>
-            <a:cxnSpLocks/>
-          </p:cNvCxnSpPr>
-          <p:nvPr/>
-        </p:nvCxnSpPr>
-        <p:spPr>
-          <a:xfrm flipV="1">
-            <a:off x="1" y="824521"/>
-            <a:ext cx="5459507" cy="1"/>
-          </a:xfrm>
-          <a:prstGeom prst="line">
-            <a:avLst/>
-          </a:prstGeom>
-          <a:ln w="34925">
-            <a:solidFill>
-              <a:srgbClr val="AB7942"/>
-            </a:solidFill>
-          </a:ln>
-        </p:spPr>
-        <p:style>
-          <a:lnRef idx="1">
-            <a:schemeClr val="accent1"/>
-          </a:lnRef>
-          <a:fillRef idx="0">
-            <a:schemeClr val="accent1"/>
-          </a:fillRef>
-          <a:effectRef idx="0">
-            <a:schemeClr val="accent1"/>
-          </a:effectRef>
-          <a:fontRef idx="minor">
-            <a:schemeClr val="tx1"/>
-          </a:fontRef>
-        </p:style>
-      </p:cxnSp>
-      <p:pic>
-        <p:nvPicPr>
-          <p:cNvPr id="8" name="Рисунок 7" descr="Газета">
-            <a:extLst>
-              <a:ext uri="{FF2B5EF4-FFF2-40B4-BE49-F238E27FC236}">
-                <a16:creationId xmlns:a16="http://schemas.microsoft.com/office/drawing/2014/main" id="{0ED26B7B-1298-F102-D889-8AD001325945}"/>
-              </a:ext>
-            </a:extLst>
-          </p:cNvPr>
-          <p:cNvPicPr>
-            <a:picLocks noChangeAspect="1"/>
-          </p:cNvPicPr>
-          <p:nvPr/>
-        </p:nvPicPr>
-        <p:blipFill>
-          <a:blip r:embed="rId2">
-            <a:extLst>
-              <a:ext uri="{96DAC541-7B7A-43D3-8B79-37D633B846F1}">
-                <asvg:svgBlip xmlns:asvg="http://schemas.microsoft.com/office/drawing/2016/SVG/main" r:embed="rId3"/>
-              </a:ext>
-            </a:extLst>
-          </a:blip>
-          <a:stretch>
-            <a:fillRect/>
-          </a:stretch>
-        </p:blipFill>
-        <p:spPr>
-          <a:xfrm>
-            <a:off x="11046399" y="-76442"/>
-            <a:ext cx="1255543" cy="1255542"/>
-          </a:xfrm>
-          <a:prstGeom prst="rect">
-            <a:avLst/>
-          </a:prstGeom>
-        </p:spPr>
-      </p:pic>
-      <p:pic>
-        <p:nvPicPr>
-          <p:cNvPr id="1026" name="Picture 2" descr="Picture background"/>
-          <p:cNvPicPr>
-            <a:picLocks noChangeAspect="1" noChangeArrowheads="1"/>
-          </p:cNvPicPr>
-          <p:nvPr/>
-        </p:nvPicPr>
-        <p:blipFill>
-          <a:blip r:embed="rId4">
-            <a:extLst>
-              <a:ext uri="{28A0092B-C50C-407E-A947-70E740481C1C}">
-                <a14:useLocalDpi xmlns:a14="http://schemas.microsoft.com/office/drawing/2010/main" val="0"/>
-              </a:ext>
-            </a:extLst>
-          </a:blip>
-          <a:srcRect/>
-          <a:stretch>
-            <a:fillRect/>
-          </a:stretch>
-        </p:blipFill>
-        <p:spPr bwMode="auto">
-          <a:xfrm>
-            <a:off x="3030522" y="2593076"/>
-            <a:ext cx="5406879" cy="1418757"/>
-          </a:xfrm>
-          <a:prstGeom prst="rect">
-            <a:avLst/>
-          </a:prstGeom>
-          <a:noFill/>
-          <a:extLst>
-            <a:ext uri="{909E8E84-426E-40DD-AFC4-6F175D3DCCD1}">
-              <a14:hiddenFill xmlns:a14="http://schemas.microsoft.com/office/drawing/2010/main">
-                <a:solidFill>
-                  <a:srgbClr val="FFFFFF"/>
-                </a:solidFill>
-              </a14:hiddenFill>
-            </a:ext>
-          </a:extLst>
-        </p:spPr>
-      </p:pic>
-    </p:spTree>
-    <p:extLst>
-      <p:ext uri="{BB962C8B-B14F-4D97-AF65-F5344CB8AC3E}">
-        <p14:creationId xmlns:p14="http://schemas.microsoft.com/office/powerpoint/2010/main" val="2005048380"/>
-      </p:ext>
-    </p:extLst>
-  </p:cSld>
-  <p:clrMapOvr>
-    <a:masterClrMapping/>
-  </p:clrMapOvr>
-</p:sld>
-</file>
-
-<file path=ppt/slides/slide4.xml><?xml version="1.0" encoding="utf-8"?>
-<p:sld xmlns:a="http://schemas.openxmlformats.org/drawingml/2006/main" xmlns:r="http://schemas.openxmlformats.org/officeDocument/2006/relationships" xmlns:p="http://schemas.openxmlformats.org/presentationml/2006/main">
-  <p:cSld>
-    <p:spTree>
-      <p:nvGrpSpPr>
-        <p:cNvPr id="1" name=""/>
-        <p:cNvGrpSpPr/>
-        <p:nvPr/>
-      </p:nvGrpSpPr>
-      <p:grpSpPr>
-        <a:xfrm>
-          <a:off x="0" y="0"/>
-          <a:ext cx="0" cy="0"/>
-          <a:chOff x="0" y="0"/>
-          <a:chExt cx="0" cy="0"/>
-        </a:xfrm>
-      </p:grpSpPr>
-      <p:sp>
-        <p:nvSpPr>
-          <p:cNvPr id="4" name="Прямоугольник 3">
-            <a:extLst>
-              <a:ext uri="{FF2B5EF4-FFF2-40B4-BE49-F238E27FC236}">
-                <a16:creationId xmlns:a16="http://schemas.microsoft.com/office/drawing/2014/main" id="{80447D33-74F1-484F-8B36-D4EC94E475F5}"/>
-              </a:ext>
-            </a:extLst>
-          </p:cNvPr>
-          <p:cNvSpPr/>
-          <p:nvPr/>
-        </p:nvSpPr>
-        <p:spPr>
-          <a:xfrm>
-            <a:off x="2" y="-37731"/>
-            <a:ext cx="12301937" cy="7089967"/>
-          </a:xfrm>
-          <a:prstGeom prst="rect">
-            <a:avLst/>
-          </a:prstGeom>
-          <a:solidFill>
-            <a:schemeClr val="accent6">
-              <a:lumMod val="75000"/>
-            </a:schemeClr>
-          </a:solidFill>
-          <a:ln>
-            <a:solidFill>
-              <a:schemeClr val="tx2">
-                <a:lumMod val="75000"/>
-              </a:schemeClr>
-            </a:solidFill>
-          </a:ln>
-        </p:spPr>
-        <p:style>
-          <a:lnRef idx="2">
-            <a:schemeClr val="accent1">
-              <a:shade val="50000"/>
-            </a:schemeClr>
-          </a:lnRef>
-          <a:fillRef idx="1">
-            <a:schemeClr val="accent1"/>
-          </a:fillRef>
-          <a:effectRef idx="0">
-            <a:schemeClr val="accent1"/>
-          </a:effectRef>
-          <a:fontRef idx="minor">
-            <a:schemeClr val="lt1"/>
-          </a:fontRef>
-        </p:style>
-        <p:txBody>
-          <a:bodyPr rtlCol="0" anchor="ctr"/>
-          <a:lstStyle/>
-          <a:p>
-            <a:pPr>
-              <a:lnSpc>
-                <a:spcPct val="150000"/>
-              </a:lnSpc>
-            </a:pPr>
-            <a:r>
-              <a:rPr lang="ru-RU" sz="2400" dirty="0">
-                <a:solidFill>
-                  <a:srgbClr val="000000"/>
-                </a:solidFill>
-                <a:latin typeface="Roboto"/>
-              </a:rPr>
-              <a:t>⎯ из-за возможности публикации материалов пользователями, качество контента является неравномерным, ограничений по загрузке, кроме правил, нет;</a:t>
-            </a:r>
-          </a:p>
-          <a:p>
-            <a:pPr>
-              <a:lnSpc>
-                <a:spcPct val="150000"/>
-              </a:lnSpc>
-            </a:pPr>
-            <a:br>
-              <a:rPr lang="ru-RU" sz="2400" dirty="0"/>
-            </a:br>
-            <a:r>
-              <a:rPr lang="ru-RU" sz="2400" dirty="0">
-                <a:solidFill>
-                  <a:srgbClr val="000000"/>
-                </a:solidFill>
-                <a:latin typeface="Roboto"/>
-              </a:rPr>
-              <a:t>⎯ ограниченная настройка фильтрации контента;</a:t>
-            </a:r>
-          </a:p>
-          <a:p>
-            <a:pPr>
-              <a:lnSpc>
-                <a:spcPct val="150000"/>
-              </a:lnSpc>
-            </a:pPr>
-            <a:br>
-              <a:rPr lang="ru-RU" sz="2400" dirty="0"/>
-            </a:br>
-            <a:r>
-              <a:rPr lang="ru-RU" sz="2400" dirty="0">
-                <a:solidFill>
-                  <a:srgbClr val="000000"/>
-                </a:solidFill>
-                <a:latin typeface="Roboto"/>
-              </a:rPr>
-              <a:t>⎯ избыточное количество навязчивой рекламы, которую невозможно отключить в виду интеграции с другими сервисами</a:t>
-            </a:r>
-            <a:r>
-              <a:rPr lang="en-US" sz="2400" dirty="0">
-                <a:solidFill>
-                  <a:srgbClr val="000000"/>
-                </a:solidFill>
-                <a:latin typeface="Roboto"/>
-              </a:rPr>
-              <a:t>. </a:t>
-            </a:r>
-            <a:br>
-              <a:rPr lang="ru-RU" sz="2400" dirty="0"/>
-            </a:br>
-            <a:endParaRPr lang="ru-RU" sz="2400" dirty="0"/>
-          </a:p>
-        </p:txBody>
-      </p:sp>
-      <p:cxnSp>
-        <p:nvCxnSpPr>
-          <p:cNvPr id="7" name="Прямая соединительная линия 6">
-            <a:extLst>
-              <a:ext uri="{FF2B5EF4-FFF2-40B4-BE49-F238E27FC236}">
-                <a16:creationId xmlns:a16="http://schemas.microsoft.com/office/drawing/2014/main" id="{34978BEC-136A-4E47-BCE9-00C9BB0B3470}"/>
-              </a:ext>
-            </a:extLst>
-          </p:cNvPr>
-          <p:cNvCxnSpPr>
-            <a:cxnSpLocks noChangeAspect="1"/>
-          </p:cNvCxnSpPr>
-          <p:nvPr/>
-        </p:nvCxnSpPr>
-        <p:spPr>
-          <a:xfrm>
-            <a:off x="12192000" y="3507255"/>
-            <a:ext cx="0" cy="1"/>
-          </a:xfrm>
-          <a:prstGeom prst="line">
-            <a:avLst/>
-          </a:prstGeom>
-          <a:ln w="25400">
-            <a:solidFill>
-              <a:srgbClr val="7E7626"/>
-            </a:solidFill>
-          </a:ln>
-        </p:spPr>
-        <p:style>
-          <a:lnRef idx="1">
-            <a:schemeClr val="accent4"/>
-          </a:lnRef>
-          <a:fillRef idx="0">
-            <a:schemeClr val="accent4"/>
-          </a:fillRef>
-          <a:effectRef idx="0">
-            <a:schemeClr val="accent4"/>
-          </a:effectRef>
-          <a:fontRef idx="minor">
-            <a:schemeClr val="tx1"/>
-          </a:fontRef>
-        </p:style>
-      </p:cxnSp>
-      <p:sp>
-        <p:nvSpPr>
-          <p:cNvPr id="6" name="Заголовок 5">
-            <a:extLst>
-              <a:ext uri="{FF2B5EF4-FFF2-40B4-BE49-F238E27FC236}">
-                <a16:creationId xmlns:a16="http://schemas.microsoft.com/office/drawing/2014/main" id="{D1BC7640-34E6-2F43-A800-C116881BBF44}"/>
-              </a:ext>
-            </a:extLst>
-          </p:cNvPr>
-          <p:cNvSpPr>
-            <a:spLocks noGrp="1"/>
-          </p:cNvSpPr>
-          <p:nvPr>
-            <p:ph type="ctrTitle"/>
-          </p:nvPr>
-        </p:nvSpPr>
-        <p:spPr>
-          <a:xfrm>
-            <a:off x="2" y="-228600"/>
-            <a:ext cx="8115300" cy="1122363"/>
-          </a:xfrm>
         </p:spPr>
         <p:txBody>
           <a:bodyPr>
@@ -8133,1317 +5719,13 @@
           <a:p>
             <a:pPr algn="l"/>
             <a:r>
-              <a:rPr lang="ru-RU" sz="4800" b="1" dirty="0">
+              <a:rPr lang="ru-RU" sz="2800" dirty="0">
                 <a:solidFill>
                   <a:schemeClr val="bg1"/>
                 </a:solidFill>
               </a:rPr>
-              <a:t>Недостатки «Яндекс Дзен»</a:t>
-            </a:r>
-          </a:p>
-        </p:txBody>
-      </p:sp>
-      <p:sp>
-        <p:nvSpPr>
-          <p:cNvPr id="15" name="Подзаголовок 2">
-            <a:extLst>
-              <a:ext uri="{FF2B5EF4-FFF2-40B4-BE49-F238E27FC236}">
-                <a16:creationId xmlns:a16="http://schemas.microsoft.com/office/drawing/2014/main" id="{921A7523-3711-4842-B7A9-F23827BC8A44}"/>
-              </a:ext>
-            </a:extLst>
-          </p:cNvPr>
-          <p:cNvSpPr>
-            <a:spLocks noGrp="1"/>
-          </p:cNvSpPr>
-          <p:nvPr>
-            <p:ph type="subTitle" idx="1"/>
-          </p:nvPr>
-        </p:nvSpPr>
-        <p:spPr>
-          <a:xfrm>
-            <a:off x="4258852" y="1141526"/>
-            <a:ext cx="3489617" cy="324023"/>
-          </a:xfrm>
-          <a:solidFill>
-            <a:schemeClr val="accent6">
-              <a:lumMod val="75000"/>
-            </a:schemeClr>
-          </a:solidFill>
-        </p:spPr>
-        <p:txBody>
-          <a:bodyPr>
-            <a:noAutofit/>
-          </a:bodyPr>
-          <a:lstStyle/>
-          <a:p>
-            <a:pPr algn="l"/>
-            <a:endParaRPr lang="en-US" sz="3200" dirty="0">
-              <a:solidFill>
-                <a:schemeClr val="bg1"/>
-              </a:solidFill>
-            </a:endParaRPr>
-          </a:p>
-          <a:p>
-            <a:pPr marL="514350" indent="-514350" algn="l">
-              <a:buAutoNum type="arabicPeriod"/>
-            </a:pPr>
-            <a:endParaRPr lang="en-US" sz="3200" dirty="0">
-              <a:solidFill>
-                <a:schemeClr val="bg1"/>
-              </a:solidFill>
-            </a:endParaRPr>
-          </a:p>
-          <a:p>
-            <a:pPr marL="514350" indent="-514350" algn="l">
-              <a:buAutoNum type="arabicPeriod"/>
-            </a:pPr>
-            <a:endParaRPr lang="ru-RU" sz="3200" dirty="0">
-              <a:solidFill>
-                <a:schemeClr val="bg1"/>
-              </a:solidFill>
-            </a:endParaRPr>
-          </a:p>
-          <a:p>
-            <a:pPr algn="l"/>
-            <a:endParaRPr lang="en-US" sz="3200" dirty="0">
-              <a:solidFill>
-                <a:schemeClr val="bg1"/>
-              </a:solidFill>
-            </a:endParaRPr>
-          </a:p>
-          <a:p>
-            <a:pPr marL="514350" indent="-514350" algn="l">
-              <a:buAutoNum type="arabicPeriod"/>
-            </a:pPr>
-            <a:endParaRPr lang="en-US" sz="3200" dirty="0">
-              <a:solidFill>
-                <a:schemeClr val="bg1"/>
-              </a:solidFill>
-            </a:endParaRPr>
-          </a:p>
-          <a:p>
-            <a:pPr marL="514350" indent="-514350" algn="l">
-              <a:buAutoNum type="arabicPeriod"/>
-            </a:pPr>
-            <a:endParaRPr lang="en-US" sz="3200" dirty="0">
-              <a:solidFill>
-                <a:schemeClr val="bg1"/>
-              </a:solidFill>
-            </a:endParaRPr>
-          </a:p>
-          <a:p>
-            <a:pPr algn="l"/>
-            <a:endParaRPr lang="ru-RU" sz="3200" dirty="0">
-              <a:solidFill>
-                <a:schemeClr val="bg1"/>
-              </a:solidFill>
-            </a:endParaRPr>
-          </a:p>
-          <a:p>
-            <a:pPr marL="514350" indent="-514350" algn="l">
-              <a:buAutoNum type="arabicPeriod"/>
-            </a:pPr>
-            <a:endParaRPr lang="ru-RU" sz="3200" dirty="0">
-              <a:solidFill>
-                <a:schemeClr val="bg1"/>
-              </a:solidFill>
-            </a:endParaRPr>
-          </a:p>
-        </p:txBody>
-      </p:sp>
-      <p:sp>
-        <p:nvSpPr>
-          <p:cNvPr id="2" name="Номер слайда 1">
-            <a:extLst>
-              <a:ext uri="{FF2B5EF4-FFF2-40B4-BE49-F238E27FC236}">
-                <a16:creationId xmlns:a16="http://schemas.microsoft.com/office/drawing/2014/main" id="{E153EF05-2CF9-45CA-0153-86C505AF5347}"/>
-              </a:ext>
-            </a:extLst>
-          </p:cNvPr>
-          <p:cNvSpPr>
-            <a:spLocks noGrp="1"/>
-          </p:cNvSpPr>
-          <p:nvPr>
-            <p:ph type="sldNum" sz="quarter" idx="12"/>
-          </p:nvPr>
-        </p:nvSpPr>
-        <p:spPr/>
-        <p:txBody>
-          <a:bodyPr/>
-          <a:lstStyle/>
-          <a:p>
-            <a:fld id="{98DC83F7-A2BF-A64B-B6B1-DB03C46AEE3B}" type="slidenum">
-              <a:rPr lang="ru-RU" sz="1600" smtClean="0">
-                <a:solidFill>
-                  <a:schemeClr val="bg1"/>
-                </a:solidFill>
-              </a:rPr>
-              <a:t>4</a:t>
-            </a:fld>
-            <a:endParaRPr lang="ru-RU" dirty="0">
-              <a:solidFill>
-                <a:schemeClr val="bg1"/>
-              </a:solidFill>
-            </a:endParaRPr>
-          </a:p>
-        </p:txBody>
-      </p:sp>
-      <p:cxnSp>
-        <p:nvCxnSpPr>
-          <p:cNvPr id="9" name="Прямая соединительная линия 8">
-            <a:extLst>
-              <a:ext uri="{FF2B5EF4-FFF2-40B4-BE49-F238E27FC236}">
-                <a16:creationId xmlns:a16="http://schemas.microsoft.com/office/drawing/2014/main" id="{7D967C6B-E15F-AF4B-81EE-340FAC37DCE6}"/>
-              </a:ext>
-            </a:extLst>
-          </p:cNvPr>
-          <p:cNvCxnSpPr>
-            <a:cxnSpLocks/>
-          </p:cNvCxnSpPr>
-          <p:nvPr/>
-        </p:nvCxnSpPr>
-        <p:spPr>
-          <a:xfrm flipV="1">
-            <a:off x="1" y="824521"/>
-            <a:ext cx="5459507" cy="1"/>
-          </a:xfrm>
-          <a:prstGeom prst="line">
-            <a:avLst/>
-          </a:prstGeom>
-          <a:ln w="34925">
-            <a:solidFill>
-              <a:srgbClr val="AB7942"/>
-            </a:solidFill>
-          </a:ln>
-        </p:spPr>
-        <p:style>
-          <a:lnRef idx="1">
-            <a:schemeClr val="accent1"/>
-          </a:lnRef>
-          <a:fillRef idx="0">
-            <a:schemeClr val="accent1"/>
-          </a:fillRef>
-          <a:effectRef idx="0">
-            <a:schemeClr val="accent1"/>
-          </a:effectRef>
-          <a:fontRef idx="minor">
-            <a:schemeClr val="tx1"/>
-          </a:fontRef>
-        </p:style>
-      </p:cxnSp>
-      <p:pic>
-        <p:nvPicPr>
-          <p:cNvPr id="8" name="Рисунок 7" descr="Газета">
-            <a:extLst>
-              <a:ext uri="{FF2B5EF4-FFF2-40B4-BE49-F238E27FC236}">
-                <a16:creationId xmlns:a16="http://schemas.microsoft.com/office/drawing/2014/main" id="{0ED26B7B-1298-F102-D889-8AD001325945}"/>
-              </a:ext>
-            </a:extLst>
-          </p:cNvPr>
-          <p:cNvPicPr>
-            <a:picLocks noChangeAspect="1"/>
-          </p:cNvPicPr>
-          <p:nvPr/>
-        </p:nvPicPr>
-        <p:blipFill>
-          <a:blip r:embed="rId2">
-            <a:extLst>
-              <a:ext uri="{96DAC541-7B7A-43D3-8B79-37D633B846F1}">
-                <asvg:svgBlip xmlns:asvg="http://schemas.microsoft.com/office/drawing/2016/SVG/main" r:embed="rId3"/>
-              </a:ext>
-            </a:extLst>
-          </a:blip>
-          <a:stretch>
-            <a:fillRect/>
-          </a:stretch>
-        </p:blipFill>
-        <p:spPr>
-          <a:xfrm>
-            <a:off x="11046399" y="-76442"/>
-            <a:ext cx="1255543" cy="1255542"/>
-          </a:xfrm>
-          <a:prstGeom prst="rect">
-            <a:avLst/>
-          </a:prstGeom>
-        </p:spPr>
-      </p:pic>
-    </p:spTree>
-    <p:extLst>
-      <p:ext uri="{BB962C8B-B14F-4D97-AF65-F5344CB8AC3E}">
-        <p14:creationId xmlns:p14="http://schemas.microsoft.com/office/powerpoint/2010/main" val="2232663831"/>
-      </p:ext>
-    </p:extLst>
-  </p:cSld>
-  <p:clrMapOvr>
-    <a:masterClrMapping/>
-  </p:clrMapOvr>
-</p:sld>
-</file>
-
-<file path=ppt/slides/slide5.xml><?xml version="1.0" encoding="utf-8"?>
-<p:sld xmlns:a="http://schemas.openxmlformats.org/drawingml/2006/main" xmlns:r="http://schemas.openxmlformats.org/officeDocument/2006/relationships" xmlns:p="http://schemas.openxmlformats.org/presentationml/2006/main">
-  <p:cSld>
-    <p:spTree>
-      <p:nvGrpSpPr>
-        <p:cNvPr id="1" name=""/>
-        <p:cNvGrpSpPr/>
-        <p:nvPr/>
-      </p:nvGrpSpPr>
-      <p:grpSpPr>
-        <a:xfrm>
-          <a:off x="0" y="0"/>
-          <a:ext cx="0" cy="0"/>
-          <a:chOff x="0" y="0"/>
-          <a:chExt cx="0" cy="0"/>
-        </a:xfrm>
-      </p:grpSpPr>
-      <p:sp>
-        <p:nvSpPr>
-          <p:cNvPr id="4" name="Прямоугольник 3">
-            <a:extLst>
-              <a:ext uri="{FF2B5EF4-FFF2-40B4-BE49-F238E27FC236}">
-                <a16:creationId xmlns:a16="http://schemas.microsoft.com/office/drawing/2014/main" id="{80447D33-74F1-484F-8B36-D4EC94E475F5}"/>
-              </a:ext>
-            </a:extLst>
-          </p:cNvPr>
-          <p:cNvSpPr/>
-          <p:nvPr/>
-        </p:nvSpPr>
-        <p:spPr>
-          <a:xfrm>
-            <a:off x="-109940" y="-37731"/>
-            <a:ext cx="12411879" cy="7089967"/>
-          </a:xfrm>
-          <a:prstGeom prst="rect">
-            <a:avLst/>
-          </a:prstGeom>
-          <a:solidFill>
-            <a:schemeClr val="accent6">
-              <a:lumMod val="75000"/>
-            </a:schemeClr>
-          </a:solidFill>
-          <a:ln>
-            <a:solidFill>
-              <a:schemeClr val="tx2">
-                <a:lumMod val="75000"/>
-              </a:schemeClr>
-            </a:solidFill>
-          </a:ln>
-        </p:spPr>
-        <p:style>
-          <a:lnRef idx="2">
-            <a:schemeClr val="accent1">
-              <a:shade val="50000"/>
-            </a:schemeClr>
-          </a:lnRef>
-          <a:fillRef idx="1">
-            <a:schemeClr val="accent1"/>
-          </a:fillRef>
-          <a:effectRef idx="0">
-            <a:schemeClr val="accent1"/>
-          </a:effectRef>
-          <a:fontRef idx="minor">
-            <a:schemeClr val="lt1"/>
-          </a:fontRef>
-        </p:style>
-        <p:txBody>
-          <a:bodyPr rtlCol="0" anchor="ctr"/>
-          <a:lstStyle/>
-          <a:p>
-            <a:pPr algn="ctr"/>
-            <a:endParaRPr lang="ru-RU" dirty="0"/>
-          </a:p>
-        </p:txBody>
-      </p:sp>
-      <p:cxnSp>
-        <p:nvCxnSpPr>
-          <p:cNvPr id="7" name="Прямая соединительная линия 6">
-            <a:extLst>
-              <a:ext uri="{FF2B5EF4-FFF2-40B4-BE49-F238E27FC236}">
-                <a16:creationId xmlns:a16="http://schemas.microsoft.com/office/drawing/2014/main" id="{34978BEC-136A-4E47-BCE9-00C9BB0B3470}"/>
-              </a:ext>
-            </a:extLst>
-          </p:cNvPr>
-          <p:cNvCxnSpPr>
-            <a:cxnSpLocks noChangeAspect="1"/>
-          </p:cNvCxnSpPr>
-          <p:nvPr/>
-        </p:nvCxnSpPr>
-        <p:spPr>
-          <a:xfrm>
-            <a:off x="12192000" y="3507255"/>
-            <a:ext cx="0" cy="1"/>
-          </a:xfrm>
-          <a:prstGeom prst="line">
-            <a:avLst/>
-          </a:prstGeom>
-          <a:ln w="25400">
-            <a:solidFill>
-              <a:srgbClr val="7E7626"/>
-            </a:solidFill>
-          </a:ln>
-        </p:spPr>
-        <p:style>
-          <a:lnRef idx="1">
-            <a:schemeClr val="accent4"/>
-          </a:lnRef>
-          <a:fillRef idx="0">
-            <a:schemeClr val="accent4"/>
-          </a:fillRef>
-          <a:effectRef idx="0">
-            <a:schemeClr val="accent4"/>
-          </a:effectRef>
-          <a:fontRef idx="minor">
-            <a:schemeClr val="tx1"/>
-          </a:fontRef>
-        </p:style>
-      </p:cxnSp>
-      <p:sp>
-        <p:nvSpPr>
-          <p:cNvPr id="6" name="Заголовок 5">
-            <a:extLst>
-              <a:ext uri="{FF2B5EF4-FFF2-40B4-BE49-F238E27FC236}">
-                <a16:creationId xmlns:a16="http://schemas.microsoft.com/office/drawing/2014/main" id="{D1BC7640-34E6-2F43-A800-C116881BBF44}"/>
-              </a:ext>
-            </a:extLst>
-          </p:cNvPr>
-          <p:cNvSpPr>
-            <a:spLocks noGrp="1"/>
-          </p:cNvSpPr>
-          <p:nvPr>
-            <p:ph type="ctrTitle"/>
-          </p:nvPr>
-        </p:nvSpPr>
-        <p:spPr>
-          <a:xfrm>
-            <a:off x="2" y="-228600"/>
-            <a:ext cx="8115300" cy="1122363"/>
-          </a:xfrm>
-        </p:spPr>
-        <p:txBody>
-          <a:bodyPr>
-            <a:normAutofit/>
-          </a:bodyPr>
-          <a:lstStyle/>
-          <a:p>
-            <a:pPr algn="l"/>
-            <a:r>
-              <a:rPr lang="ru-RU" sz="4800" b="1" dirty="0">
-                <a:solidFill>
-                  <a:schemeClr val="bg1"/>
-                </a:solidFill>
-              </a:rPr>
-              <a:t>Обзор аналогов</a:t>
-            </a:r>
-          </a:p>
-        </p:txBody>
-      </p:sp>
-      <p:sp>
-        <p:nvSpPr>
-          <p:cNvPr id="15" name="Подзаголовок 2">
-            <a:extLst>
-              <a:ext uri="{FF2B5EF4-FFF2-40B4-BE49-F238E27FC236}">
-                <a16:creationId xmlns:a16="http://schemas.microsoft.com/office/drawing/2014/main" id="{921A7523-3711-4842-B7A9-F23827BC8A44}"/>
-              </a:ext>
-            </a:extLst>
-          </p:cNvPr>
-          <p:cNvSpPr>
-            <a:spLocks noGrp="1"/>
-          </p:cNvSpPr>
-          <p:nvPr>
-            <p:ph type="subTitle" idx="1"/>
-          </p:nvPr>
-        </p:nvSpPr>
-        <p:spPr>
-          <a:xfrm>
-            <a:off x="4258852" y="1141526"/>
-            <a:ext cx="3489617" cy="324023"/>
-          </a:xfrm>
-          <a:solidFill>
-            <a:schemeClr val="accent6">
-              <a:lumMod val="75000"/>
-            </a:schemeClr>
-          </a:solidFill>
-        </p:spPr>
-        <p:txBody>
-          <a:bodyPr>
-            <a:noAutofit/>
-          </a:bodyPr>
-          <a:lstStyle/>
-          <a:p>
-            <a:pPr algn="l"/>
-            <a:endParaRPr lang="en-US" sz="3200" dirty="0">
-              <a:solidFill>
-                <a:schemeClr val="bg1"/>
-              </a:solidFill>
-            </a:endParaRPr>
-          </a:p>
-          <a:p>
-            <a:pPr marL="514350" indent="-514350" algn="l">
-              <a:buAutoNum type="arabicPeriod"/>
-            </a:pPr>
-            <a:endParaRPr lang="en-US" sz="3200" dirty="0">
-              <a:solidFill>
-                <a:schemeClr val="bg1"/>
-              </a:solidFill>
-            </a:endParaRPr>
-          </a:p>
-          <a:p>
-            <a:pPr marL="514350" indent="-514350" algn="l">
-              <a:buAutoNum type="arabicPeriod"/>
-            </a:pPr>
-            <a:endParaRPr lang="ru-RU" sz="3200" dirty="0">
-              <a:solidFill>
-                <a:schemeClr val="bg1"/>
-              </a:solidFill>
-            </a:endParaRPr>
-          </a:p>
-          <a:p>
-            <a:pPr algn="l"/>
-            <a:endParaRPr lang="en-US" sz="3200" dirty="0">
-              <a:solidFill>
-                <a:schemeClr val="bg1"/>
-              </a:solidFill>
-            </a:endParaRPr>
-          </a:p>
-          <a:p>
-            <a:pPr marL="514350" indent="-514350" algn="l">
-              <a:buAutoNum type="arabicPeriod"/>
-            </a:pPr>
-            <a:endParaRPr lang="en-US" sz="3200" dirty="0">
-              <a:solidFill>
-                <a:schemeClr val="bg1"/>
-              </a:solidFill>
-            </a:endParaRPr>
-          </a:p>
-          <a:p>
-            <a:pPr marL="514350" indent="-514350" algn="l">
-              <a:buAutoNum type="arabicPeriod"/>
-            </a:pPr>
-            <a:endParaRPr lang="en-US" sz="3200" dirty="0">
-              <a:solidFill>
-                <a:schemeClr val="bg1"/>
-              </a:solidFill>
-            </a:endParaRPr>
-          </a:p>
-          <a:p>
-            <a:pPr algn="l"/>
-            <a:endParaRPr lang="ru-RU" sz="3200" dirty="0">
-              <a:solidFill>
-                <a:schemeClr val="bg1"/>
-              </a:solidFill>
-            </a:endParaRPr>
-          </a:p>
-          <a:p>
-            <a:pPr marL="514350" indent="-514350" algn="l">
-              <a:buAutoNum type="arabicPeriod"/>
-            </a:pPr>
-            <a:endParaRPr lang="ru-RU" sz="3200" dirty="0">
-              <a:solidFill>
-                <a:schemeClr val="bg1"/>
-              </a:solidFill>
-            </a:endParaRPr>
-          </a:p>
-        </p:txBody>
-      </p:sp>
-      <p:sp>
-        <p:nvSpPr>
-          <p:cNvPr id="2" name="Номер слайда 1">
-            <a:extLst>
-              <a:ext uri="{FF2B5EF4-FFF2-40B4-BE49-F238E27FC236}">
-                <a16:creationId xmlns:a16="http://schemas.microsoft.com/office/drawing/2014/main" id="{E153EF05-2CF9-45CA-0153-86C505AF5347}"/>
-              </a:ext>
-            </a:extLst>
-          </p:cNvPr>
-          <p:cNvSpPr>
-            <a:spLocks noGrp="1"/>
-          </p:cNvSpPr>
-          <p:nvPr>
-            <p:ph type="sldNum" sz="quarter" idx="12"/>
-          </p:nvPr>
-        </p:nvSpPr>
-        <p:spPr/>
-        <p:txBody>
-          <a:bodyPr/>
-          <a:lstStyle/>
-          <a:p>
-            <a:fld id="{98DC83F7-A2BF-A64B-B6B1-DB03C46AEE3B}" type="slidenum">
-              <a:rPr lang="ru-RU" sz="1600" smtClean="0">
-                <a:solidFill>
-                  <a:schemeClr val="bg1"/>
-                </a:solidFill>
-              </a:rPr>
-              <a:t>5</a:t>
-            </a:fld>
-            <a:endParaRPr lang="ru-RU" dirty="0">
-              <a:solidFill>
-                <a:schemeClr val="bg1"/>
-              </a:solidFill>
-            </a:endParaRPr>
-          </a:p>
-        </p:txBody>
-      </p:sp>
-      <p:cxnSp>
-        <p:nvCxnSpPr>
-          <p:cNvPr id="9" name="Прямая соединительная линия 8">
-            <a:extLst>
-              <a:ext uri="{FF2B5EF4-FFF2-40B4-BE49-F238E27FC236}">
-                <a16:creationId xmlns:a16="http://schemas.microsoft.com/office/drawing/2014/main" id="{7D967C6B-E15F-AF4B-81EE-340FAC37DCE6}"/>
-              </a:ext>
-            </a:extLst>
-          </p:cNvPr>
-          <p:cNvCxnSpPr>
-            <a:cxnSpLocks/>
-          </p:cNvCxnSpPr>
-          <p:nvPr/>
-        </p:nvCxnSpPr>
-        <p:spPr>
-          <a:xfrm flipV="1">
-            <a:off x="1" y="824521"/>
-            <a:ext cx="5459507" cy="1"/>
-          </a:xfrm>
-          <a:prstGeom prst="line">
-            <a:avLst/>
-          </a:prstGeom>
-          <a:ln w="34925">
-            <a:solidFill>
-              <a:srgbClr val="AB7942"/>
-            </a:solidFill>
-          </a:ln>
-        </p:spPr>
-        <p:style>
-          <a:lnRef idx="1">
-            <a:schemeClr val="accent1"/>
-          </a:lnRef>
-          <a:fillRef idx="0">
-            <a:schemeClr val="accent1"/>
-          </a:fillRef>
-          <a:effectRef idx="0">
-            <a:schemeClr val="accent1"/>
-          </a:effectRef>
-          <a:fontRef idx="minor">
-            <a:schemeClr val="tx1"/>
-          </a:fontRef>
-        </p:style>
-      </p:cxnSp>
-      <p:pic>
-        <p:nvPicPr>
-          <p:cNvPr id="8" name="Рисунок 7" descr="Газета">
-            <a:extLst>
-              <a:ext uri="{FF2B5EF4-FFF2-40B4-BE49-F238E27FC236}">
-                <a16:creationId xmlns:a16="http://schemas.microsoft.com/office/drawing/2014/main" id="{0ED26B7B-1298-F102-D889-8AD001325945}"/>
-              </a:ext>
-            </a:extLst>
-          </p:cNvPr>
-          <p:cNvPicPr>
-            <a:picLocks noChangeAspect="1"/>
-          </p:cNvPicPr>
-          <p:nvPr/>
-        </p:nvPicPr>
-        <p:blipFill>
-          <a:blip r:embed="rId2">
-            <a:extLst>
-              <a:ext uri="{96DAC541-7B7A-43D3-8B79-37D633B846F1}">
-                <asvg:svgBlip xmlns:asvg="http://schemas.microsoft.com/office/drawing/2016/SVG/main" r:embed="rId3"/>
-              </a:ext>
-            </a:extLst>
-          </a:blip>
-          <a:stretch>
-            <a:fillRect/>
-          </a:stretch>
-        </p:blipFill>
-        <p:spPr>
-          <a:xfrm>
-            <a:off x="11046399" y="-76442"/>
-            <a:ext cx="1255543" cy="1255542"/>
-          </a:xfrm>
-          <a:prstGeom prst="rect">
-            <a:avLst/>
-          </a:prstGeom>
-        </p:spPr>
-      </p:pic>
-      <p:pic>
-        <p:nvPicPr>
-          <p:cNvPr id="3" name="Picture 2" descr="Picture background"/>
-          <p:cNvPicPr>
-            <a:picLocks noChangeAspect="1" noChangeArrowheads="1"/>
-          </p:cNvPicPr>
-          <p:nvPr/>
-        </p:nvPicPr>
-        <p:blipFill>
-          <a:blip r:embed="rId4">
-            <a:extLst>
-              <a:ext uri="{28A0092B-C50C-407E-A947-70E740481C1C}">
-                <a14:useLocalDpi xmlns:a14="http://schemas.microsoft.com/office/drawing/2010/main" val="0"/>
-              </a:ext>
-            </a:extLst>
-          </a:blip>
-          <a:srcRect/>
-          <a:stretch>
-            <a:fillRect/>
-          </a:stretch>
-        </p:blipFill>
-        <p:spPr bwMode="auto">
-          <a:xfrm>
-            <a:off x="3002241" y="2814205"/>
-            <a:ext cx="5610097" cy="1873772"/>
-          </a:xfrm>
-          <a:prstGeom prst="rect">
-            <a:avLst/>
-          </a:prstGeom>
-          <a:noFill/>
-          <a:extLst>
-            <a:ext uri="{909E8E84-426E-40DD-AFC4-6F175D3DCCD1}">
-              <a14:hiddenFill xmlns:a14="http://schemas.microsoft.com/office/drawing/2010/main">
-                <a:solidFill>
-                  <a:srgbClr val="FFFFFF"/>
-                </a:solidFill>
-              </a14:hiddenFill>
-            </a:ext>
-          </a:extLst>
-        </p:spPr>
-      </p:pic>
-    </p:spTree>
-    <p:extLst>
-      <p:ext uri="{BB962C8B-B14F-4D97-AF65-F5344CB8AC3E}">
-        <p14:creationId xmlns:p14="http://schemas.microsoft.com/office/powerpoint/2010/main" val="3074469136"/>
-      </p:ext>
-    </p:extLst>
-  </p:cSld>
-  <p:clrMapOvr>
-    <a:masterClrMapping/>
-  </p:clrMapOvr>
-</p:sld>
-</file>
-
-<file path=ppt/slides/slide6.xml><?xml version="1.0" encoding="utf-8"?>
-<p:sld xmlns:a="http://schemas.openxmlformats.org/drawingml/2006/main" xmlns:r="http://schemas.openxmlformats.org/officeDocument/2006/relationships" xmlns:p="http://schemas.openxmlformats.org/presentationml/2006/main">
-  <p:cSld>
-    <p:spTree>
-      <p:nvGrpSpPr>
-        <p:cNvPr id="1" name=""/>
-        <p:cNvGrpSpPr/>
-        <p:nvPr/>
-      </p:nvGrpSpPr>
-      <p:grpSpPr>
-        <a:xfrm>
-          <a:off x="0" y="0"/>
-          <a:ext cx="0" cy="0"/>
-          <a:chOff x="0" y="0"/>
-          <a:chExt cx="0" cy="0"/>
-        </a:xfrm>
-      </p:grpSpPr>
-      <p:sp>
-        <p:nvSpPr>
-          <p:cNvPr id="4" name="Прямоугольник 3">
-            <a:extLst>
-              <a:ext uri="{FF2B5EF4-FFF2-40B4-BE49-F238E27FC236}">
-                <a16:creationId xmlns:a16="http://schemas.microsoft.com/office/drawing/2014/main" id="{80447D33-74F1-484F-8B36-D4EC94E475F5}"/>
-              </a:ext>
-            </a:extLst>
-          </p:cNvPr>
-          <p:cNvSpPr/>
-          <p:nvPr/>
-        </p:nvSpPr>
-        <p:spPr>
-          <a:xfrm>
-            <a:off x="-109940" y="-37731"/>
-            <a:ext cx="12411879" cy="7089967"/>
-          </a:xfrm>
-          <a:prstGeom prst="rect">
-            <a:avLst/>
-          </a:prstGeom>
-          <a:solidFill>
-            <a:schemeClr val="accent6">
-              <a:lumMod val="75000"/>
-            </a:schemeClr>
-          </a:solidFill>
-          <a:ln>
-            <a:solidFill>
-              <a:schemeClr val="tx2">
-                <a:lumMod val="75000"/>
-              </a:schemeClr>
-            </a:solidFill>
-          </a:ln>
-        </p:spPr>
-        <p:style>
-          <a:lnRef idx="2">
-            <a:schemeClr val="accent1">
-              <a:shade val="50000"/>
-            </a:schemeClr>
-          </a:lnRef>
-          <a:fillRef idx="1">
-            <a:schemeClr val="accent1"/>
-          </a:fillRef>
-          <a:effectRef idx="0">
-            <a:schemeClr val="accent1"/>
-          </a:effectRef>
-          <a:fontRef idx="minor">
-            <a:schemeClr val="lt1"/>
-          </a:fontRef>
-        </p:style>
-        <p:txBody>
-          <a:bodyPr rtlCol="0" anchor="ctr"/>
-          <a:lstStyle/>
-          <a:p>
-            <a:pPr>
-              <a:lnSpc>
-                <a:spcPct val="150000"/>
-              </a:lnSpc>
-            </a:pPr>
-            <a:r>
-              <a:rPr lang="ru-RU" sz="2400" dirty="0">
-                <a:solidFill>
-                  <a:srgbClr val="000000"/>
-                </a:solidFill>
-                <a:latin typeface="Roboto"/>
-              </a:rPr>
-              <a:t>⎯ ограничения в функциональности, связанной с тегами и </a:t>
-            </a:r>
-            <a:r>
-              <a:rPr lang="ru-RU" sz="2400" dirty="0" err="1">
-                <a:solidFill>
-                  <a:srgbClr val="000000"/>
-                </a:solidFill>
-                <a:latin typeface="Roboto"/>
-              </a:rPr>
-              <a:t>таргетированными</a:t>
-            </a:r>
-            <a:r>
-              <a:rPr lang="ru-RU" sz="2400" dirty="0">
-                <a:solidFill>
-                  <a:srgbClr val="000000"/>
-                </a:solidFill>
-                <a:latin typeface="Roboto"/>
-              </a:rPr>
-              <a:t> новостями (невозможно получить новости, если их нет в каналах или их не переслали в каналы, на которые оформлена подписка);</a:t>
-            </a:r>
-          </a:p>
-          <a:p>
-            <a:pPr>
-              <a:lnSpc>
-                <a:spcPct val="150000"/>
-              </a:lnSpc>
-            </a:pPr>
-            <a:br>
-              <a:rPr lang="ru-RU" sz="2400" dirty="0">
-                <a:solidFill>
-                  <a:srgbClr val="000000"/>
-                </a:solidFill>
-                <a:latin typeface="Roboto"/>
-              </a:rPr>
-            </a:br>
-            <a:r>
-              <a:rPr lang="ru-RU" sz="2400" dirty="0">
-                <a:solidFill>
-                  <a:srgbClr val="000000"/>
-                </a:solidFill>
-                <a:latin typeface="Roboto"/>
-              </a:rPr>
-              <a:t>⎯ отсутствие возможности писать большие статьи;</a:t>
-            </a:r>
-          </a:p>
-          <a:p>
-            <a:pPr>
-              <a:lnSpc>
-                <a:spcPct val="150000"/>
-              </a:lnSpc>
-            </a:pPr>
-            <a:br>
-              <a:rPr lang="ru-RU" sz="2400" dirty="0">
-                <a:solidFill>
-                  <a:srgbClr val="000000"/>
-                </a:solidFill>
-                <a:latin typeface="Roboto"/>
-              </a:rPr>
-            </a:br>
-            <a:r>
-              <a:rPr lang="ru-RU" sz="2400" dirty="0">
-                <a:solidFill>
-                  <a:srgbClr val="000000"/>
-                </a:solidFill>
-                <a:latin typeface="Roboto"/>
-              </a:rPr>
-              <a:t>⎯ наличие дополнительной функциональности, излишней для пользователей и невозможной для отключения</a:t>
-            </a:r>
-            <a:r>
-              <a:rPr lang="en-US" sz="2400" dirty="0">
-                <a:solidFill>
-                  <a:srgbClr val="000000"/>
-                </a:solidFill>
-                <a:latin typeface="Roboto"/>
-              </a:rPr>
-              <a:t>. </a:t>
-            </a:r>
-            <a:endParaRPr lang="ru-RU" sz="2400" dirty="0">
-              <a:solidFill>
-                <a:srgbClr val="000000"/>
-              </a:solidFill>
-              <a:latin typeface="Roboto"/>
-            </a:endParaRPr>
-          </a:p>
-          <a:p>
-            <a:br>
-              <a:rPr lang="ru-RU" sz="2400" dirty="0"/>
-            </a:br>
-            <a:endParaRPr lang="ru-RU" sz="2400" dirty="0"/>
-          </a:p>
-        </p:txBody>
-      </p:sp>
-      <p:cxnSp>
-        <p:nvCxnSpPr>
-          <p:cNvPr id="7" name="Прямая соединительная линия 6">
-            <a:extLst>
-              <a:ext uri="{FF2B5EF4-FFF2-40B4-BE49-F238E27FC236}">
-                <a16:creationId xmlns:a16="http://schemas.microsoft.com/office/drawing/2014/main" id="{34978BEC-136A-4E47-BCE9-00C9BB0B3470}"/>
-              </a:ext>
-            </a:extLst>
-          </p:cNvPr>
-          <p:cNvCxnSpPr>
-            <a:cxnSpLocks noChangeAspect="1"/>
-          </p:cNvCxnSpPr>
-          <p:nvPr/>
-        </p:nvCxnSpPr>
-        <p:spPr>
-          <a:xfrm>
-            <a:off x="12192000" y="3507255"/>
-            <a:ext cx="0" cy="1"/>
-          </a:xfrm>
-          <a:prstGeom prst="line">
-            <a:avLst/>
-          </a:prstGeom>
-          <a:ln w="25400">
-            <a:solidFill>
-              <a:srgbClr val="7E7626"/>
-            </a:solidFill>
-          </a:ln>
-        </p:spPr>
-        <p:style>
-          <a:lnRef idx="1">
-            <a:schemeClr val="accent4"/>
-          </a:lnRef>
-          <a:fillRef idx="0">
-            <a:schemeClr val="accent4"/>
-          </a:fillRef>
-          <a:effectRef idx="0">
-            <a:schemeClr val="accent4"/>
-          </a:effectRef>
-          <a:fontRef idx="minor">
-            <a:schemeClr val="tx1"/>
-          </a:fontRef>
-        </p:style>
-      </p:cxnSp>
-      <p:sp>
-        <p:nvSpPr>
-          <p:cNvPr id="6" name="Заголовок 5">
-            <a:extLst>
-              <a:ext uri="{FF2B5EF4-FFF2-40B4-BE49-F238E27FC236}">
-                <a16:creationId xmlns:a16="http://schemas.microsoft.com/office/drawing/2014/main" id="{D1BC7640-34E6-2F43-A800-C116881BBF44}"/>
-              </a:ext>
-            </a:extLst>
-          </p:cNvPr>
-          <p:cNvSpPr>
-            <a:spLocks noGrp="1"/>
-          </p:cNvSpPr>
-          <p:nvPr>
-            <p:ph type="ctrTitle"/>
-          </p:nvPr>
-        </p:nvSpPr>
-        <p:spPr>
-          <a:xfrm>
-            <a:off x="2" y="-228600"/>
-            <a:ext cx="8115300" cy="1122363"/>
-          </a:xfrm>
-        </p:spPr>
-        <p:txBody>
-          <a:bodyPr>
-            <a:normAutofit/>
-          </a:bodyPr>
-          <a:lstStyle/>
-          <a:p>
-            <a:pPr algn="l"/>
-            <a:r>
-              <a:rPr lang="ru-RU" sz="4800" b="1" dirty="0">
-                <a:solidFill>
-                  <a:schemeClr val="bg1"/>
-                </a:solidFill>
-              </a:rPr>
-              <a:t>Недостатки «</a:t>
-            </a:r>
-            <a:r>
-              <a:rPr lang="en-US" sz="4800" b="1" dirty="0">
-                <a:solidFill>
-                  <a:schemeClr val="bg1"/>
-                </a:solidFill>
-              </a:rPr>
-              <a:t>Telegram</a:t>
-            </a:r>
-            <a:r>
-              <a:rPr lang="ru-RU" sz="4800" b="1" dirty="0">
-                <a:solidFill>
-                  <a:schemeClr val="bg1"/>
-                </a:solidFill>
-              </a:rPr>
-              <a:t>»</a:t>
-            </a:r>
-          </a:p>
-        </p:txBody>
-      </p:sp>
-      <p:sp>
-        <p:nvSpPr>
-          <p:cNvPr id="2" name="Номер слайда 1">
-            <a:extLst>
-              <a:ext uri="{FF2B5EF4-FFF2-40B4-BE49-F238E27FC236}">
-                <a16:creationId xmlns:a16="http://schemas.microsoft.com/office/drawing/2014/main" id="{E153EF05-2CF9-45CA-0153-86C505AF5347}"/>
-              </a:ext>
-            </a:extLst>
-          </p:cNvPr>
-          <p:cNvSpPr>
-            <a:spLocks noGrp="1"/>
-          </p:cNvSpPr>
-          <p:nvPr>
-            <p:ph type="sldNum" sz="quarter" idx="12"/>
-          </p:nvPr>
-        </p:nvSpPr>
-        <p:spPr/>
-        <p:txBody>
-          <a:bodyPr/>
-          <a:lstStyle/>
-          <a:p>
-            <a:fld id="{98DC83F7-A2BF-A64B-B6B1-DB03C46AEE3B}" type="slidenum">
-              <a:rPr lang="ru-RU" sz="1600" smtClean="0">
-                <a:solidFill>
-                  <a:schemeClr val="bg1"/>
-                </a:solidFill>
-              </a:rPr>
-              <a:t>6</a:t>
-            </a:fld>
-            <a:endParaRPr lang="ru-RU" dirty="0">
-              <a:solidFill>
-                <a:schemeClr val="bg1"/>
-              </a:solidFill>
-            </a:endParaRPr>
-          </a:p>
-        </p:txBody>
-      </p:sp>
-      <p:cxnSp>
-        <p:nvCxnSpPr>
-          <p:cNvPr id="9" name="Прямая соединительная линия 8">
-            <a:extLst>
-              <a:ext uri="{FF2B5EF4-FFF2-40B4-BE49-F238E27FC236}">
-                <a16:creationId xmlns:a16="http://schemas.microsoft.com/office/drawing/2014/main" id="{7D967C6B-E15F-AF4B-81EE-340FAC37DCE6}"/>
-              </a:ext>
-            </a:extLst>
-          </p:cNvPr>
-          <p:cNvCxnSpPr>
-            <a:cxnSpLocks/>
-          </p:cNvCxnSpPr>
-          <p:nvPr/>
-        </p:nvCxnSpPr>
-        <p:spPr>
-          <a:xfrm flipV="1">
-            <a:off x="1" y="824521"/>
-            <a:ext cx="5459507" cy="1"/>
-          </a:xfrm>
-          <a:prstGeom prst="line">
-            <a:avLst/>
-          </a:prstGeom>
-          <a:ln w="34925">
-            <a:solidFill>
-              <a:srgbClr val="AB7942"/>
-            </a:solidFill>
-          </a:ln>
-        </p:spPr>
-        <p:style>
-          <a:lnRef idx="1">
-            <a:schemeClr val="accent1"/>
-          </a:lnRef>
-          <a:fillRef idx="0">
-            <a:schemeClr val="accent1"/>
-          </a:fillRef>
-          <a:effectRef idx="0">
-            <a:schemeClr val="accent1"/>
-          </a:effectRef>
-          <a:fontRef idx="minor">
-            <a:schemeClr val="tx1"/>
-          </a:fontRef>
-        </p:style>
-      </p:cxnSp>
-      <p:pic>
-        <p:nvPicPr>
-          <p:cNvPr id="8" name="Рисунок 7" descr="Газета">
-            <a:extLst>
-              <a:ext uri="{FF2B5EF4-FFF2-40B4-BE49-F238E27FC236}">
-                <a16:creationId xmlns:a16="http://schemas.microsoft.com/office/drawing/2014/main" id="{0ED26B7B-1298-F102-D889-8AD001325945}"/>
-              </a:ext>
-            </a:extLst>
-          </p:cNvPr>
-          <p:cNvPicPr>
-            <a:picLocks noChangeAspect="1"/>
-          </p:cNvPicPr>
-          <p:nvPr/>
-        </p:nvPicPr>
-        <p:blipFill>
-          <a:blip r:embed="rId2">
-            <a:extLst>
-              <a:ext uri="{96DAC541-7B7A-43D3-8B79-37D633B846F1}">
-                <asvg:svgBlip xmlns:asvg="http://schemas.microsoft.com/office/drawing/2016/SVG/main" r:embed="rId3"/>
-              </a:ext>
-            </a:extLst>
-          </a:blip>
-          <a:stretch>
-            <a:fillRect/>
-          </a:stretch>
-        </p:blipFill>
-        <p:spPr>
-          <a:xfrm>
-            <a:off x="11046399" y="-76442"/>
-            <a:ext cx="1255543" cy="1255542"/>
-          </a:xfrm>
-          <a:prstGeom prst="rect">
-            <a:avLst/>
-          </a:prstGeom>
-        </p:spPr>
-      </p:pic>
-    </p:spTree>
-    <p:extLst>
-      <p:ext uri="{BB962C8B-B14F-4D97-AF65-F5344CB8AC3E}">
-        <p14:creationId xmlns:p14="http://schemas.microsoft.com/office/powerpoint/2010/main" val="2011259435"/>
-      </p:ext>
-    </p:extLst>
-  </p:cSld>
-  <p:clrMapOvr>
-    <a:masterClrMapping/>
-  </p:clrMapOvr>
-</p:sld>
-</file>
-
-<file path=ppt/slides/slide7.xml><?xml version="1.0" encoding="utf-8"?>
-<p:sld xmlns:a="http://schemas.openxmlformats.org/drawingml/2006/main" xmlns:r="http://schemas.openxmlformats.org/officeDocument/2006/relationships" xmlns:p="http://schemas.openxmlformats.org/presentationml/2006/main">
-  <p:cSld>
-    <p:spTree>
-      <p:nvGrpSpPr>
-        <p:cNvPr id="1" name=""/>
-        <p:cNvGrpSpPr/>
-        <p:nvPr/>
-      </p:nvGrpSpPr>
-      <p:grpSpPr>
-        <a:xfrm>
-          <a:off x="0" y="0"/>
-          <a:ext cx="0" cy="0"/>
-          <a:chOff x="0" y="0"/>
-          <a:chExt cx="0" cy="0"/>
-        </a:xfrm>
-      </p:grpSpPr>
-      <p:sp>
-        <p:nvSpPr>
-          <p:cNvPr id="4" name="Прямоугольник 3">
-            <a:extLst>
-              <a:ext uri="{FF2B5EF4-FFF2-40B4-BE49-F238E27FC236}">
-                <a16:creationId xmlns:a16="http://schemas.microsoft.com/office/drawing/2014/main" id="{80447D33-74F1-484F-8B36-D4EC94E475F5}"/>
-              </a:ext>
-            </a:extLst>
-          </p:cNvPr>
-          <p:cNvSpPr/>
-          <p:nvPr/>
-        </p:nvSpPr>
-        <p:spPr>
-          <a:xfrm>
-            <a:off x="-109940" y="-37731"/>
-            <a:ext cx="12411879" cy="7089967"/>
-          </a:xfrm>
-          <a:prstGeom prst="rect">
-            <a:avLst/>
-          </a:prstGeom>
-          <a:solidFill>
-            <a:schemeClr val="accent6">
-              <a:lumMod val="75000"/>
-            </a:schemeClr>
-          </a:solidFill>
-          <a:ln>
-            <a:solidFill>
-              <a:schemeClr val="tx2">
-                <a:lumMod val="75000"/>
-              </a:schemeClr>
-            </a:solidFill>
-          </a:ln>
-        </p:spPr>
-        <p:style>
-          <a:lnRef idx="2">
-            <a:schemeClr val="accent1">
-              <a:shade val="50000"/>
-            </a:schemeClr>
-          </a:lnRef>
-          <a:fillRef idx="1">
-            <a:schemeClr val="accent1"/>
-          </a:fillRef>
-          <a:effectRef idx="0">
-            <a:schemeClr val="accent1"/>
-          </a:effectRef>
-          <a:fontRef idx="minor">
-            <a:schemeClr val="lt1"/>
-          </a:fontRef>
-        </p:style>
-        <p:txBody>
-          <a:bodyPr rtlCol="0" anchor="ctr"/>
-          <a:lstStyle/>
-          <a:p>
-            <a:pPr algn="ctr"/>
-            <a:endParaRPr lang="ru-RU" dirty="0"/>
-          </a:p>
-        </p:txBody>
-      </p:sp>
-      <p:cxnSp>
-        <p:nvCxnSpPr>
-          <p:cNvPr id="7" name="Прямая соединительная линия 6">
-            <a:extLst>
-              <a:ext uri="{FF2B5EF4-FFF2-40B4-BE49-F238E27FC236}">
-                <a16:creationId xmlns:a16="http://schemas.microsoft.com/office/drawing/2014/main" id="{34978BEC-136A-4E47-BCE9-00C9BB0B3470}"/>
-              </a:ext>
-            </a:extLst>
-          </p:cNvPr>
-          <p:cNvCxnSpPr>
-            <a:cxnSpLocks noChangeAspect="1"/>
-          </p:cNvCxnSpPr>
-          <p:nvPr/>
-        </p:nvCxnSpPr>
-        <p:spPr>
-          <a:xfrm>
-            <a:off x="12192000" y="3507255"/>
-            <a:ext cx="0" cy="1"/>
-          </a:xfrm>
-          <a:prstGeom prst="line">
-            <a:avLst/>
-          </a:prstGeom>
-          <a:ln w="25400">
-            <a:solidFill>
-              <a:srgbClr val="7E7626"/>
-            </a:solidFill>
-          </a:ln>
-        </p:spPr>
-        <p:style>
-          <a:lnRef idx="1">
-            <a:schemeClr val="accent4"/>
-          </a:lnRef>
-          <a:fillRef idx="0">
-            <a:schemeClr val="accent4"/>
-          </a:fillRef>
-          <a:effectRef idx="0">
-            <a:schemeClr val="accent4"/>
-          </a:effectRef>
-          <a:fontRef idx="minor">
-            <a:schemeClr val="tx1"/>
-          </a:fontRef>
-        </p:style>
-      </p:cxnSp>
-      <p:sp>
-        <p:nvSpPr>
-          <p:cNvPr id="6" name="Заголовок 5">
-            <a:extLst>
-              <a:ext uri="{FF2B5EF4-FFF2-40B4-BE49-F238E27FC236}">
-                <a16:creationId xmlns:a16="http://schemas.microsoft.com/office/drawing/2014/main" id="{D1BC7640-34E6-2F43-A800-C116881BBF44}"/>
-              </a:ext>
-            </a:extLst>
-          </p:cNvPr>
-          <p:cNvSpPr>
-            <a:spLocks noGrp="1"/>
-          </p:cNvSpPr>
-          <p:nvPr>
-            <p:ph type="ctrTitle"/>
-          </p:nvPr>
-        </p:nvSpPr>
-        <p:spPr>
-          <a:xfrm>
-            <a:off x="2" y="4"/>
-            <a:ext cx="8115300" cy="1122363"/>
-          </a:xfrm>
-        </p:spPr>
-        <p:txBody>
-          <a:bodyPr>
-            <a:normAutofit/>
-          </a:bodyPr>
-          <a:lstStyle/>
-          <a:p>
-            <a:pPr algn="l"/>
-            <a:r>
-              <a:rPr lang="ru-RU" sz="4800" b="1" dirty="0">
-                <a:solidFill>
-                  <a:schemeClr val="bg1"/>
-                </a:solidFill>
-              </a:rPr>
-              <a:t>Целевая аудитория</a:t>
-            </a:r>
-          </a:p>
-        </p:txBody>
-      </p:sp>
-      <p:sp>
-        <p:nvSpPr>
-          <p:cNvPr id="15" name="Подзаголовок 2">
-            <a:extLst>
-              <a:ext uri="{FF2B5EF4-FFF2-40B4-BE49-F238E27FC236}">
-                <a16:creationId xmlns:a16="http://schemas.microsoft.com/office/drawing/2014/main" id="{921A7523-3711-4842-B7A9-F23827BC8A44}"/>
-              </a:ext>
-            </a:extLst>
-          </p:cNvPr>
-          <p:cNvSpPr>
-            <a:spLocks noGrp="1"/>
-          </p:cNvSpPr>
-          <p:nvPr>
-            <p:ph type="subTitle" idx="1"/>
-          </p:nvPr>
-        </p:nvSpPr>
-        <p:spPr>
-          <a:xfrm>
-            <a:off x="1" y="1517743"/>
-            <a:ext cx="11591367" cy="4788928"/>
-          </a:xfrm>
-          <a:solidFill>
-            <a:schemeClr val="accent6">
-              <a:lumMod val="75000"/>
-            </a:schemeClr>
-          </a:solidFill>
-        </p:spPr>
-        <p:txBody>
-          <a:bodyPr>
-            <a:normAutofit/>
-          </a:bodyPr>
-          <a:lstStyle/>
-          <a:p>
-            <a:pPr algn="l"/>
-            <a:r>
-              <a:rPr lang="ru-RU" sz="3200" dirty="0">
-                <a:solidFill>
-                  <a:schemeClr val="bg1"/>
-                </a:solidFill>
-              </a:rPr>
-              <a:t>Представители разных профессий любого социального статуса</a:t>
-            </a:r>
-            <a:r>
-              <a:rPr lang="en-US" sz="3200" dirty="0">
-                <a:solidFill>
-                  <a:schemeClr val="bg1"/>
-                </a:solidFill>
-              </a:rPr>
-              <a:t>, </a:t>
-            </a:r>
-            <a:r>
-              <a:rPr lang="ru-RU" sz="3200" dirty="0">
-                <a:solidFill>
-                  <a:schemeClr val="bg1"/>
-                </a:solidFill>
-              </a:rPr>
-              <a:t>от 20 до 35 лет.</a:t>
-            </a:r>
-          </a:p>
-          <a:p>
-            <a:pPr marL="514350" indent="-514350" algn="l">
-              <a:buAutoNum type="arabicPeriod"/>
-            </a:pPr>
-            <a:endParaRPr lang="ru-RU" sz="2800" dirty="0">
-              <a:solidFill>
-                <a:schemeClr val="bg1"/>
-              </a:solidFill>
-            </a:endParaRPr>
+              <a:t>Люди от 18 лет и старше, интересующиеся актуальными событиями в мире, наукой и искусством. </a:t>
+            </a:r>
           </a:p>
         </p:txBody>
       </p:sp>
@@ -9463,7 +5745,11 @@
             <p:ph type="sldNum" sz="quarter" idx="12"/>
           </p:nvPr>
         </p:nvSpPr>
-        <p:spPr/>
+        <p:spPr>
+          <a:solidFill>
+            <a:schemeClr val="bg2"/>
+          </a:solidFill>
+        </p:spPr>
         <p:txBody>
           <a:bodyPr/>
           <a:lstStyle/>
@@ -9474,7 +5760,7 @@
                   <a:schemeClr val="bg1"/>
                 </a:solidFill>
               </a:rPr>
-              <a:t>7</a:t>
+              <a:t>3</a:t>
             </a:fld>
             <a:endParaRPr lang="ru-RU" dirty="0">
               <a:solidFill>
@@ -9576,7 +5862,7 @@
 </p:sld>
 </file>
 
-<file path=ppt/slides/slide8.xml><?xml version="1.0" encoding="utf-8"?>
+<file path=ppt/slides/slide4.xml><?xml version="1.0" encoding="utf-8"?>
 <p:sld xmlns:a="http://schemas.openxmlformats.org/drawingml/2006/main" xmlns:r="http://schemas.openxmlformats.org/officeDocument/2006/relationships" xmlns:p="http://schemas.openxmlformats.org/presentationml/2006/main">
   <p:cSld>
     <p:spTree>
@@ -9614,9 +5900,7 @@
             <a:avLst/>
           </a:prstGeom>
           <a:solidFill>
-            <a:schemeClr val="accent6">
-              <a:lumMod val="75000"/>
-            </a:schemeClr>
+            <a:schemeClr val="bg2"/>
           </a:solidFill>
           <a:ln>
             <a:solidFill>
@@ -9715,6 +5999,9 @@
             <a:off x="2" y="4"/>
             <a:ext cx="8115300" cy="1122363"/>
           </a:xfrm>
+          <a:solidFill>
+            <a:schemeClr val="bg2"/>
+          </a:solidFill>
         </p:spPr>
         <p:txBody>
           <a:bodyPr>
@@ -9756,9 +6043,7 @@
             <a:ext cx="11999168" cy="3810037"/>
           </a:xfrm>
           <a:solidFill>
-            <a:schemeClr val="accent6">
-              <a:lumMod val="75000"/>
-            </a:schemeClr>
+            <a:schemeClr val="bg2"/>
           </a:solidFill>
         </p:spPr>
         <p:txBody>
@@ -9795,7 +6080,11 @@
             <p:ph type="sldNum" sz="quarter" idx="12"/>
           </p:nvPr>
         </p:nvSpPr>
-        <p:spPr/>
+        <p:spPr>
+          <a:solidFill>
+            <a:schemeClr val="bg2"/>
+          </a:solidFill>
+        </p:spPr>
         <p:txBody>
           <a:bodyPr/>
           <a:lstStyle/>
@@ -9806,7 +6095,7 @@
                   <a:schemeClr val="bg1"/>
                 </a:solidFill>
               </a:rPr>
-              <a:t>8</a:t>
+              <a:t>4</a:t>
             </a:fld>
             <a:endParaRPr lang="ru-RU" dirty="0">
               <a:solidFill>
@@ -9908,7 +6197,7 @@
 </p:sld>
 </file>
 
-<file path=ppt/slides/slide9.xml><?xml version="1.0" encoding="utf-8"?>
+<file path=ppt/slides/slide5.xml><?xml version="1.0" encoding="utf-8"?>
 <p:sld xmlns:a="http://schemas.openxmlformats.org/drawingml/2006/main" xmlns:r="http://schemas.openxmlformats.org/officeDocument/2006/relationships" xmlns:p="http://schemas.openxmlformats.org/presentationml/2006/main">
   <p:cSld>
     <p:spTree>
@@ -9939,16 +6228,14 @@
         </p:nvSpPr>
         <p:spPr>
           <a:xfrm>
-            <a:off x="-219879" y="256560"/>
+            <a:off x="-109940" y="-37731"/>
             <a:ext cx="12411879" cy="7089967"/>
           </a:xfrm>
           <a:prstGeom prst="rect">
             <a:avLst/>
           </a:prstGeom>
           <a:solidFill>
-            <a:schemeClr val="accent6">
-              <a:lumMod val="75000"/>
-            </a:schemeClr>
+            <a:schemeClr val="bg2"/>
           </a:solidFill>
           <a:ln>
             <a:solidFill>
@@ -10047,6 +6334,668 @@
             <a:off x="2" y="4"/>
             <a:ext cx="8115300" cy="1122363"/>
           </a:xfrm>
+          <a:solidFill>
+            <a:schemeClr val="bg2"/>
+          </a:solidFill>
+        </p:spPr>
+        <p:txBody>
+          <a:bodyPr>
+            <a:normAutofit/>
+          </a:bodyPr>
+          <a:lstStyle/>
+          <a:p>
+            <a:pPr algn="l"/>
+            <a:r>
+              <a:rPr lang="ru-RU" sz="4800" b="1" dirty="0">
+                <a:solidFill>
+                  <a:schemeClr val="bg1"/>
+                </a:solidFill>
+              </a:rPr>
+              <a:t>Технологии разработки</a:t>
+            </a:r>
+          </a:p>
+        </p:txBody>
+      </p:sp>
+      <p:sp>
+        <p:nvSpPr>
+          <p:cNvPr id="15" name="Подзаголовок 2">
+            <a:extLst>
+              <a:ext uri="{FF2B5EF4-FFF2-40B4-BE49-F238E27FC236}">
+                <a16:creationId xmlns:a16="http://schemas.microsoft.com/office/drawing/2014/main" id="{921A7523-3711-4842-B7A9-F23827BC8A44}"/>
+              </a:ext>
+            </a:extLst>
+          </p:cNvPr>
+          <p:cNvSpPr>
+            <a:spLocks noGrp="1"/>
+          </p:cNvSpPr>
+          <p:nvPr>
+            <p:ph type="subTitle" idx="1"/>
+          </p:nvPr>
+        </p:nvSpPr>
+        <p:spPr>
+          <a:xfrm>
+            <a:off x="2" y="1517743"/>
+            <a:ext cx="6348047" cy="4788928"/>
+          </a:xfrm>
+          <a:solidFill>
+            <a:schemeClr val="bg2"/>
+          </a:solidFill>
+        </p:spPr>
+        <p:txBody>
+          <a:bodyPr>
+            <a:normAutofit/>
+          </a:bodyPr>
+          <a:lstStyle/>
+          <a:p>
+            <a:r>
+              <a:rPr lang="en-US" sz="3200" dirty="0">
+                <a:solidFill>
+                  <a:schemeClr val="bg1"/>
+                </a:solidFill>
+              </a:rPr>
+              <a:t>Backend</a:t>
+            </a:r>
+            <a:endParaRPr lang="ru-RU" sz="3200" dirty="0">
+              <a:solidFill>
+                <a:schemeClr val="bg1"/>
+              </a:solidFill>
+            </a:endParaRPr>
+          </a:p>
+          <a:p>
+            <a:pPr>
+              <a:lnSpc>
+                <a:spcPct val="200000"/>
+              </a:lnSpc>
+            </a:pPr>
+            <a:r>
+              <a:rPr lang="ru-RU" sz="3200" dirty="0">
+                <a:solidFill>
+                  <a:schemeClr val="bg1"/>
+                </a:solidFill>
+              </a:rPr>
+              <a:t>СУБД </a:t>
+            </a:r>
+            <a:r>
+              <a:rPr lang="en-US" sz="3200" dirty="0">
+                <a:solidFill>
+                  <a:schemeClr val="bg1"/>
+                </a:solidFill>
+              </a:rPr>
+              <a:t>SQLite</a:t>
+            </a:r>
+          </a:p>
+          <a:p>
+            <a:pPr>
+              <a:lnSpc>
+                <a:spcPct val="200000"/>
+              </a:lnSpc>
+            </a:pPr>
+            <a:r>
+              <a:rPr lang="en-US" sz="3200" dirty="0">
+                <a:solidFill>
+                  <a:schemeClr val="bg1"/>
+                </a:solidFill>
+              </a:rPr>
+              <a:t>Django</a:t>
+            </a:r>
+          </a:p>
+          <a:p>
+            <a:pPr marL="514350" indent="-514350">
+              <a:buAutoNum type="arabicPeriod"/>
+            </a:pPr>
+            <a:endParaRPr lang="ru-RU" sz="3200" dirty="0">
+              <a:solidFill>
+                <a:schemeClr val="bg1"/>
+              </a:solidFill>
+            </a:endParaRPr>
+          </a:p>
+        </p:txBody>
+      </p:sp>
+      <p:sp>
+        <p:nvSpPr>
+          <p:cNvPr id="2" name="Номер слайда 1">
+            <a:extLst>
+              <a:ext uri="{FF2B5EF4-FFF2-40B4-BE49-F238E27FC236}">
+                <a16:creationId xmlns:a16="http://schemas.microsoft.com/office/drawing/2014/main" id="{BA706DB4-4C00-B8D4-9801-95C27EDC57A3}"/>
+              </a:ext>
+            </a:extLst>
+          </p:cNvPr>
+          <p:cNvSpPr>
+            <a:spLocks noGrp="1"/>
+          </p:cNvSpPr>
+          <p:nvPr>
+            <p:ph type="sldNum" sz="quarter" idx="12"/>
+          </p:nvPr>
+        </p:nvSpPr>
+        <p:spPr>
+          <a:solidFill>
+            <a:schemeClr val="bg2"/>
+          </a:solidFill>
+        </p:spPr>
+        <p:txBody>
+          <a:bodyPr/>
+          <a:lstStyle/>
+          <a:p>
+            <a:fld id="{98DC83F7-A2BF-A64B-B6B1-DB03C46AEE3B}" type="slidenum">
+              <a:rPr lang="ru-RU" sz="1600" smtClean="0">
+                <a:solidFill>
+                  <a:schemeClr val="bg1"/>
+                </a:solidFill>
+              </a:rPr>
+              <a:t>5</a:t>
+            </a:fld>
+            <a:endParaRPr lang="ru-RU" sz="1600" dirty="0">
+              <a:solidFill>
+                <a:schemeClr val="bg1"/>
+              </a:solidFill>
+            </a:endParaRPr>
+          </a:p>
+        </p:txBody>
+      </p:sp>
+      <p:cxnSp>
+        <p:nvCxnSpPr>
+          <p:cNvPr id="9" name="Прямая соединительная линия 8">
+            <a:extLst>
+              <a:ext uri="{FF2B5EF4-FFF2-40B4-BE49-F238E27FC236}">
+                <a16:creationId xmlns:a16="http://schemas.microsoft.com/office/drawing/2014/main" id="{7D967C6B-E15F-AF4B-81EE-340FAC37DCE6}"/>
+              </a:ext>
+            </a:extLst>
+          </p:cNvPr>
+          <p:cNvCxnSpPr>
+            <a:cxnSpLocks/>
+          </p:cNvCxnSpPr>
+          <p:nvPr/>
+        </p:nvCxnSpPr>
+        <p:spPr>
+          <a:xfrm flipV="1">
+            <a:off x="1" y="1244913"/>
+            <a:ext cx="5459507" cy="1"/>
+          </a:xfrm>
+          <a:prstGeom prst="line">
+            <a:avLst/>
+          </a:prstGeom>
+          <a:ln w="34925">
+            <a:solidFill>
+              <a:srgbClr val="AB7942"/>
+            </a:solidFill>
+          </a:ln>
+        </p:spPr>
+        <p:style>
+          <a:lnRef idx="1">
+            <a:schemeClr val="accent1"/>
+          </a:lnRef>
+          <a:fillRef idx="0">
+            <a:schemeClr val="accent1"/>
+          </a:fillRef>
+          <a:effectRef idx="0">
+            <a:schemeClr val="accent1"/>
+          </a:effectRef>
+          <a:fontRef idx="minor">
+            <a:schemeClr val="tx1"/>
+          </a:fontRef>
+        </p:style>
+      </p:cxnSp>
+      <p:sp>
+        <p:nvSpPr>
+          <p:cNvPr id="8" name="Подзаголовок 2">
+            <a:extLst>
+              <a:ext uri="{FF2B5EF4-FFF2-40B4-BE49-F238E27FC236}">
+                <a16:creationId xmlns:a16="http://schemas.microsoft.com/office/drawing/2014/main" id="{C6F5A844-3994-CC4F-8771-3ECE3CB3E99F}"/>
+              </a:ext>
+            </a:extLst>
+          </p:cNvPr>
+          <p:cNvSpPr txBox="1">
+            <a:spLocks/>
+          </p:cNvSpPr>
+          <p:nvPr/>
+        </p:nvSpPr>
+        <p:spPr>
+          <a:xfrm>
+            <a:off x="5843955" y="1459128"/>
+            <a:ext cx="6348047" cy="4788928"/>
+          </a:xfrm>
+          <a:prstGeom prst="rect">
+            <a:avLst/>
+          </a:prstGeom>
+          <a:solidFill>
+            <a:schemeClr val="bg2"/>
+          </a:solidFill>
+        </p:spPr>
+        <p:txBody>
+          <a:bodyPr vert="horz" lIns="91440" tIns="45720" rIns="91440" bIns="45720" rtlCol="0">
+            <a:normAutofit/>
+          </a:bodyPr>
+          <a:lstStyle>
+            <a:lvl1pPr marL="0" indent="0" algn="ctr" defTabSz="914400" rtl="0" eaLnBrk="1" latinLnBrk="0" hangingPunct="1">
+              <a:lnSpc>
+                <a:spcPct val="90000"/>
+              </a:lnSpc>
+              <a:spcBef>
+                <a:spcPts val="1000"/>
+              </a:spcBef>
+              <a:buFont typeface="Arial" panose="020B0604020202020204" pitchFamily="34" charset="0"/>
+              <a:buNone/>
+              <a:defRPr sz="2400" kern="1200">
+                <a:solidFill>
+                  <a:schemeClr val="tx1"/>
+                </a:solidFill>
+                <a:latin typeface="+mn-lt"/>
+                <a:ea typeface="+mn-ea"/>
+                <a:cs typeface="+mn-cs"/>
+              </a:defRPr>
+            </a:lvl1pPr>
+            <a:lvl2pPr marL="457200" indent="0" algn="ctr" defTabSz="914400" rtl="0" eaLnBrk="1" latinLnBrk="0" hangingPunct="1">
+              <a:lnSpc>
+                <a:spcPct val="90000"/>
+              </a:lnSpc>
+              <a:spcBef>
+                <a:spcPts val="500"/>
+              </a:spcBef>
+              <a:buFont typeface="Arial" panose="020B0604020202020204" pitchFamily="34" charset="0"/>
+              <a:buNone/>
+              <a:defRPr sz="2000" kern="1200">
+                <a:solidFill>
+                  <a:schemeClr val="tx1"/>
+                </a:solidFill>
+                <a:latin typeface="+mn-lt"/>
+                <a:ea typeface="+mn-ea"/>
+                <a:cs typeface="+mn-cs"/>
+              </a:defRPr>
+            </a:lvl2pPr>
+            <a:lvl3pPr marL="914400" indent="0" algn="ctr" defTabSz="914400" rtl="0" eaLnBrk="1" latinLnBrk="0" hangingPunct="1">
+              <a:lnSpc>
+                <a:spcPct val="90000"/>
+              </a:lnSpc>
+              <a:spcBef>
+                <a:spcPts val="500"/>
+              </a:spcBef>
+              <a:buFont typeface="Arial" panose="020B0604020202020204" pitchFamily="34" charset="0"/>
+              <a:buNone/>
+              <a:defRPr sz="1800" kern="1200">
+                <a:solidFill>
+                  <a:schemeClr val="tx1"/>
+                </a:solidFill>
+                <a:latin typeface="+mn-lt"/>
+                <a:ea typeface="+mn-ea"/>
+                <a:cs typeface="+mn-cs"/>
+              </a:defRPr>
+            </a:lvl3pPr>
+            <a:lvl4pPr marL="1371600" indent="0" algn="ctr" defTabSz="914400" rtl="0" eaLnBrk="1" latinLnBrk="0" hangingPunct="1">
+              <a:lnSpc>
+                <a:spcPct val="90000"/>
+              </a:lnSpc>
+              <a:spcBef>
+                <a:spcPts val="500"/>
+              </a:spcBef>
+              <a:buFont typeface="Arial" panose="020B0604020202020204" pitchFamily="34" charset="0"/>
+              <a:buNone/>
+              <a:defRPr sz="1600" kern="1200">
+                <a:solidFill>
+                  <a:schemeClr val="tx1"/>
+                </a:solidFill>
+                <a:latin typeface="+mn-lt"/>
+                <a:ea typeface="+mn-ea"/>
+                <a:cs typeface="+mn-cs"/>
+              </a:defRPr>
+            </a:lvl4pPr>
+            <a:lvl5pPr marL="1828800" indent="0" algn="ctr" defTabSz="914400" rtl="0" eaLnBrk="1" latinLnBrk="0" hangingPunct="1">
+              <a:lnSpc>
+                <a:spcPct val="90000"/>
+              </a:lnSpc>
+              <a:spcBef>
+                <a:spcPts val="500"/>
+              </a:spcBef>
+              <a:buFont typeface="Arial" panose="020B0604020202020204" pitchFamily="34" charset="0"/>
+              <a:buNone/>
+              <a:defRPr sz="1600" kern="1200">
+                <a:solidFill>
+                  <a:schemeClr val="tx1"/>
+                </a:solidFill>
+                <a:latin typeface="+mn-lt"/>
+                <a:ea typeface="+mn-ea"/>
+                <a:cs typeface="+mn-cs"/>
+              </a:defRPr>
+            </a:lvl5pPr>
+            <a:lvl6pPr marL="2286000" indent="0" algn="ctr" defTabSz="914400" rtl="0" eaLnBrk="1" latinLnBrk="0" hangingPunct="1">
+              <a:lnSpc>
+                <a:spcPct val="90000"/>
+              </a:lnSpc>
+              <a:spcBef>
+                <a:spcPts val="500"/>
+              </a:spcBef>
+              <a:buFont typeface="Arial" panose="020B0604020202020204" pitchFamily="34" charset="0"/>
+              <a:buNone/>
+              <a:defRPr sz="1600" kern="1200">
+                <a:solidFill>
+                  <a:schemeClr val="tx1"/>
+                </a:solidFill>
+                <a:latin typeface="+mn-lt"/>
+                <a:ea typeface="+mn-ea"/>
+                <a:cs typeface="+mn-cs"/>
+              </a:defRPr>
+            </a:lvl6pPr>
+            <a:lvl7pPr marL="2743200" indent="0" algn="ctr" defTabSz="914400" rtl="0" eaLnBrk="1" latinLnBrk="0" hangingPunct="1">
+              <a:lnSpc>
+                <a:spcPct val="90000"/>
+              </a:lnSpc>
+              <a:spcBef>
+                <a:spcPts val="500"/>
+              </a:spcBef>
+              <a:buFont typeface="Arial" panose="020B0604020202020204" pitchFamily="34" charset="0"/>
+              <a:buNone/>
+              <a:defRPr sz="1600" kern="1200">
+                <a:solidFill>
+                  <a:schemeClr val="tx1"/>
+                </a:solidFill>
+                <a:latin typeface="+mn-lt"/>
+                <a:ea typeface="+mn-ea"/>
+                <a:cs typeface="+mn-cs"/>
+              </a:defRPr>
+            </a:lvl7pPr>
+            <a:lvl8pPr marL="3200400" indent="0" algn="ctr" defTabSz="914400" rtl="0" eaLnBrk="1" latinLnBrk="0" hangingPunct="1">
+              <a:lnSpc>
+                <a:spcPct val="90000"/>
+              </a:lnSpc>
+              <a:spcBef>
+                <a:spcPts val="500"/>
+              </a:spcBef>
+              <a:buFont typeface="Arial" panose="020B0604020202020204" pitchFamily="34" charset="0"/>
+              <a:buNone/>
+              <a:defRPr sz="1600" kern="1200">
+                <a:solidFill>
+                  <a:schemeClr val="tx1"/>
+                </a:solidFill>
+                <a:latin typeface="+mn-lt"/>
+                <a:ea typeface="+mn-ea"/>
+                <a:cs typeface="+mn-cs"/>
+              </a:defRPr>
+            </a:lvl8pPr>
+            <a:lvl9pPr marL="3657600" indent="0" algn="ctr" defTabSz="914400" rtl="0" eaLnBrk="1" latinLnBrk="0" hangingPunct="1">
+              <a:lnSpc>
+                <a:spcPct val="90000"/>
+              </a:lnSpc>
+              <a:spcBef>
+                <a:spcPts val="500"/>
+              </a:spcBef>
+              <a:buFont typeface="Arial" panose="020B0604020202020204" pitchFamily="34" charset="0"/>
+              <a:buNone/>
+              <a:defRPr sz="1600" kern="1200">
+                <a:solidFill>
+                  <a:schemeClr val="tx1"/>
+                </a:solidFill>
+                <a:latin typeface="+mn-lt"/>
+                <a:ea typeface="+mn-ea"/>
+                <a:cs typeface="+mn-cs"/>
+              </a:defRPr>
+            </a:lvl9pPr>
+          </a:lstStyle>
+          <a:p>
+            <a:r>
+              <a:rPr lang="en-US" sz="3200" dirty="0">
+                <a:solidFill>
+                  <a:schemeClr val="bg1"/>
+                </a:solidFill>
+              </a:rPr>
+              <a:t>Frontend</a:t>
+            </a:r>
+            <a:endParaRPr lang="ru-RU" sz="3200" dirty="0">
+              <a:solidFill>
+                <a:schemeClr val="bg1"/>
+              </a:solidFill>
+            </a:endParaRPr>
+          </a:p>
+          <a:p>
+            <a:pPr>
+              <a:lnSpc>
+                <a:spcPct val="200000"/>
+              </a:lnSpc>
+            </a:pPr>
+            <a:r>
+              <a:rPr lang="en-US" sz="3200" dirty="0">
+                <a:solidFill>
+                  <a:schemeClr val="bg1"/>
+                </a:solidFill>
+              </a:rPr>
+              <a:t>HTML/CSS</a:t>
+            </a:r>
+          </a:p>
+          <a:p>
+            <a:pPr>
+              <a:lnSpc>
+                <a:spcPct val="200000"/>
+              </a:lnSpc>
+            </a:pPr>
+            <a:r>
+              <a:rPr lang="en-US" sz="3200" dirty="0">
+                <a:solidFill>
+                  <a:schemeClr val="bg1"/>
+                </a:solidFill>
+              </a:rPr>
+              <a:t>JavaScript</a:t>
+            </a:r>
+          </a:p>
+          <a:p>
+            <a:pPr>
+              <a:lnSpc>
+                <a:spcPct val="200000"/>
+              </a:lnSpc>
+            </a:pPr>
+            <a:r>
+              <a:rPr lang="en-US" sz="3200" dirty="0" err="1">
+                <a:solidFill>
+                  <a:schemeClr val="bg1"/>
+                </a:solidFill>
+              </a:rPr>
+              <a:t>Vue.js</a:t>
+            </a:r>
+            <a:endParaRPr lang="en-US" sz="3200" dirty="0">
+              <a:solidFill>
+                <a:schemeClr val="bg1"/>
+              </a:solidFill>
+            </a:endParaRPr>
+          </a:p>
+          <a:p>
+            <a:pPr marL="514350" indent="-514350">
+              <a:buFont typeface="Arial" panose="020B0604020202020204" pitchFamily="34" charset="0"/>
+              <a:buAutoNum type="arabicPeriod"/>
+            </a:pPr>
+            <a:endParaRPr lang="ru-RU" sz="3200" dirty="0">
+              <a:solidFill>
+                <a:schemeClr val="bg1"/>
+              </a:solidFill>
+            </a:endParaRPr>
+          </a:p>
+        </p:txBody>
+      </p:sp>
+      <p:pic>
+        <p:nvPicPr>
+          <p:cNvPr id="3" name="Рисунок 2" descr="Газета">
+            <a:extLst>
+              <a:ext uri="{FF2B5EF4-FFF2-40B4-BE49-F238E27FC236}">
+                <a16:creationId xmlns:a16="http://schemas.microsoft.com/office/drawing/2014/main" id="{119FE3D5-F025-AF24-D1BF-D48ACE563B99}"/>
+              </a:ext>
+            </a:extLst>
+          </p:cNvPr>
+          <p:cNvPicPr>
+            <a:picLocks noChangeAspect="1"/>
+          </p:cNvPicPr>
+          <p:nvPr/>
+        </p:nvPicPr>
+        <p:blipFill>
+          <a:blip r:embed="rId2">
+            <a:extLst>
+              <a:ext uri="{96DAC541-7B7A-43D3-8B79-37D633B846F1}">
+                <asvg:svgBlip xmlns:asvg="http://schemas.microsoft.com/office/drawing/2016/SVG/main" r:embed="rId3"/>
+              </a:ext>
+            </a:extLst>
+          </a:blip>
+          <a:stretch>
+            <a:fillRect/>
+          </a:stretch>
+        </p:blipFill>
+        <p:spPr>
+          <a:xfrm>
+            <a:off x="11046399" y="-76442"/>
+            <a:ext cx="1255543" cy="1255542"/>
+          </a:xfrm>
+          <a:prstGeom prst="rect">
+            <a:avLst/>
+          </a:prstGeom>
+        </p:spPr>
+      </p:pic>
+    </p:spTree>
+    <p:extLst>
+      <p:ext uri="{BB962C8B-B14F-4D97-AF65-F5344CB8AC3E}">
+        <p14:creationId xmlns:p14="http://schemas.microsoft.com/office/powerpoint/2010/main" val="137486431"/>
+      </p:ext>
+    </p:extLst>
+  </p:cSld>
+  <p:clrMapOvr>
+    <a:masterClrMapping/>
+  </p:clrMapOvr>
+</p:sld>
+</file>
+
+<file path=ppt/slides/slide6.xml><?xml version="1.0" encoding="utf-8"?>
+<p:sld xmlns:a="http://schemas.openxmlformats.org/drawingml/2006/main" xmlns:r="http://schemas.openxmlformats.org/officeDocument/2006/relationships" xmlns:p="http://schemas.openxmlformats.org/presentationml/2006/main">
+  <p:cSld>
+    <p:spTree>
+      <p:nvGrpSpPr>
+        <p:cNvPr id="1" name=""/>
+        <p:cNvGrpSpPr/>
+        <p:nvPr/>
+      </p:nvGrpSpPr>
+      <p:grpSpPr>
+        <a:xfrm>
+          <a:off x="0" y="0"/>
+          <a:ext cx="0" cy="0"/>
+          <a:chOff x="0" y="0"/>
+          <a:chExt cx="0" cy="0"/>
+        </a:xfrm>
+      </p:grpSpPr>
+      <p:sp>
+        <p:nvSpPr>
+          <p:cNvPr id="4" name="Прямоугольник 3">
+            <a:extLst>
+              <a:ext uri="{FF2B5EF4-FFF2-40B4-BE49-F238E27FC236}">
+                <a16:creationId xmlns:a16="http://schemas.microsoft.com/office/drawing/2014/main" id="{80447D33-74F1-484F-8B36-D4EC94E475F5}"/>
+              </a:ext>
+            </a:extLst>
+          </p:cNvPr>
+          <p:cNvSpPr/>
+          <p:nvPr/>
+        </p:nvSpPr>
+        <p:spPr>
+          <a:xfrm>
+            <a:off x="-219879" y="0"/>
+            <a:ext cx="12411879" cy="7346527"/>
+          </a:xfrm>
+          <a:prstGeom prst="rect">
+            <a:avLst/>
+          </a:prstGeom>
+          <a:solidFill>
+            <a:schemeClr val="bg2"/>
+          </a:solidFill>
+          <a:ln>
+            <a:solidFill>
+              <a:schemeClr val="tx2">
+                <a:lumMod val="75000"/>
+              </a:schemeClr>
+            </a:solidFill>
+          </a:ln>
+        </p:spPr>
+        <p:style>
+          <a:lnRef idx="2">
+            <a:schemeClr val="accent1">
+              <a:shade val="50000"/>
+            </a:schemeClr>
+          </a:lnRef>
+          <a:fillRef idx="1">
+            <a:schemeClr val="accent1"/>
+          </a:fillRef>
+          <a:effectRef idx="0">
+            <a:schemeClr val="accent1"/>
+          </a:effectRef>
+          <a:fontRef idx="minor">
+            <a:schemeClr val="lt1"/>
+          </a:fontRef>
+        </p:style>
+        <p:txBody>
+          <a:bodyPr rtlCol="0" anchor="ctr"/>
+          <a:lstStyle/>
+          <a:p>
+            <a:pPr algn="ctr"/>
+            <a:endParaRPr lang="ru-RU" dirty="0"/>
+          </a:p>
+        </p:txBody>
+      </p:sp>
+      <p:cxnSp>
+        <p:nvCxnSpPr>
+          <p:cNvPr id="7" name="Прямая соединительная линия 6">
+            <a:extLst>
+              <a:ext uri="{FF2B5EF4-FFF2-40B4-BE49-F238E27FC236}">
+                <a16:creationId xmlns:a16="http://schemas.microsoft.com/office/drawing/2014/main" id="{34978BEC-136A-4E47-BCE9-00C9BB0B3470}"/>
+              </a:ext>
+            </a:extLst>
+          </p:cNvPr>
+          <p:cNvCxnSpPr>
+            <a:cxnSpLocks noChangeAspect="1"/>
+          </p:cNvCxnSpPr>
+          <p:nvPr/>
+        </p:nvCxnSpPr>
+        <p:spPr>
+          <a:xfrm>
+            <a:off x="12192000" y="3507255"/>
+            <a:ext cx="0" cy="1"/>
+          </a:xfrm>
+          <a:prstGeom prst="line">
+            <a:avLst/>
+          </a:prstGeom>
+          <a:ln w="25400">
+            <a:solidFill>
+              <a:srgbClr val="7E7626"/>
+            </a:solidFill>
+          </a:ln>
+        </p:spPr>
+        <p:style>
+          <a:lnRef idx="1">
+            <a:schemeClr val="accent4"/>
+          </a:lnRef>
+          <a:fillRef idx="0">
+            <a:schemeClr val="accent4"/>
+          </a:fillRef>
+          <a:effectRef idx="0">
+            <a:schemeClr val="accent4"/>
+          </a:effectRef>
+          <a:fontRef idx="minor">
+            <a:schemeClr val="tx1"/>
+          </a:fontRef>
+        </p:style>
+      </p:cxnSp>
+      <p:sp>
+        <p:nvSpPr>
+          <p:cNvPr id="6" name="Заголовок 5">
+            <a:extLst>
+              <a:ext uri="{FF2B5EF4-FFF2-40B4-BE49-F238E27FC236}">
+                <a16:creationId xmlns:a16="http://schemas.microsoft.com/office/drawing/2014/main" id="{D1BC7640-34E6-2F43-A800-C116881BBF44}"/>
+              </a:ext>
+            </a:extLst>
+          </p:cNvPr>
+          <p:cNvSpPr>
+            <a:spLocks noGrp="1"/>
+          </p:cNvSpPr>
+          <p:nvPr>
+            <p:ph type="ctrTitle"/>
+          </p:nvPr>
+        </p:nvSpPr>
+        <p:spPr>
+          <a:xfrm>
+            <a:off x="0" y="100016"/>
+            <a:ext cx="8115300" cy="1122363"/>
+          </a:xfrm>
+          <a:solidFill>
+            <a:schemeClr val="bg2"/>
+          </a:solidFill>
         </p:spPr>
         <p:txBody>
           <a:bodyPr>
@@ -10082,7 +7031,11 @@
             <p:ph type="sldNum" sz="quarter" idx="12"/>
           </p:nvPr>
         </p:nvSpPr>
-        <p:spPr/>
+        <p:spPr>
+          <a:solidFill>
+            <a:schemeClr val="bg2"/>
+          </a:solidFill>
+        </p:spPr>
         <p:txBody>
           <a:bodyPr/>
           <a:lstStyle/>
@@ -10093,7 +7046,7 @@
                   <a:schemeClr val="bg1"/>
                 </a:solidFill>
               </a:rPr>
-              <a:t>9</a:t>
+              <a:t>6</a:t>
             </a:fld>
             <a:endParaRPr lang="ru-RU" dirty="0">
               <a:solidFill>
@@ -10161,7 +7114,7 @@
           <p:nvPr>
             <p:extLst>
               <p:ext uri="{D42A27DB-BD31-4B8C-83A1-F6EECF244321}">
-                <p14:modId xmlns:p14="http://schemas.microsoft.com/office/powerpoint/2010/main" val="3755671372"/>
+                <p14:modId xmlns:p14="http://schemas.microsoft.com/office/powerpoint/2010/main" val="3157639015"/>
               </p:ext>
             </p:extLst>
           </p:nvPr>
@@ -10262,7 +7215,14 @@
                       <a:pPr algn="ctr"/>
                       <a:r>
                         <a:rPr lang="ru-RU" sz="2400" dirty="0"/>
-                        <a:t>Эксклюзивный контент</a:t>
+                        <a:t>Новостные </a:t>
+                      </a:r>
+                    </a:p>
+                    <a:p>
+                      <a:pPr algn="ctr"/>
+                      <a:r>
+                        <a:rPr lang="ru-RU" sz="2400" dirty="0"/>
+                        <a:t>тэги</a:t>
                       </a:r>
                     </a:p>
                   </a:txBody>
@@ -10371,7 +7331,7 @@
                       <a:pPr algn="ctr"/>
                       <a:r>
                         <a:rPr lang="ru-RU" sz="3600" dirty="0"/>
-                        <a:t>-</a:t>
+                        <a:t>+</a:t>
                       </a:r>
                     </a:p>
                   </a:txBody>
@@ -10596,7 +7556,7 @@
                       <a:pPr algn="ctr"/>
                       <a:r>
                         <a:rPr lang="ru-RU" sz="3600" dirty="0"/>
-                        <a:t>+</a:t>
+                        <a:t>-</a:t>
                       </a:r>
                     </a:p>
                   </a:txBody>
@@ -10693,7 +7653,7 @@
         </p:blipFill>
         <p:spPr>
           <a:xfrm>
-            <a:off x="11046399" y="-76442"/>
+            <a:off x="10936457" y="207338"/>
             <a:ext cx="1255543" cy="1255542"/>
           </a:xfrm>
           <a:prstGeom prst="rect">
@@ -10705,6 +7665,954 @@
     <p:extLst>
       <p:ext uri="{BB962C8B-B14F-4D97-AF65-F5344CB8AC3E}">
         <p14:creationId xmlns:p14="http://schemas.microsoft.com/office/powerpoint/2010/main" val="700128895"/>
+      </p:ext>
+    </p:extLst>
+  </p:cSld>
+  <p:clrMapOvr>
+    <a:masterClrMapping/>
+  </p:clrMapOvr>
+</p:sld>
+</file>
+
+<file path=ppt/slides/slide7.xml><?xml version="1.0" encoding="utf-8"?>
+<p:sld xmlns:a="http://schemas.openxmlformats.org/drawingml/2006/main" xmlns:r="http://schemas.openxmlformats.org/officeDocument/2006/relationships" xmlns:p="http://schemas.openxmlformats.org/presentationml/2006/main">
+  <p:cSld>
+    <p:bg>
+      <p:bgPr>
+        <a:solidFill>
+          <a:schemeClr val="bg2">
+            <a:alpha val="42091"/>
+          </a:schemeClr>
+        </a:solidFill>
+        <a:effectLst/>
+      </p:bgPr>
+    </p:bg>
+    <p:spTree>
+      <p:nvGrpSpPr>
+        <p:cNvPr id="1" name=""/>
+        <p:cNvGrpSpPr/>
+        <p:nvPr/>
+      </p:nvGrpSpPr>
+      <p:grpSpPr>
+        <a:xfrm>
+          <a:off x="0" y="0"/>
+          <a:ext cx="0" cy="0"/>
+          <a:chOff x="0" y="0"/>
+          <a:chExt cx="0" cy="0"/>
+        </a:xfrm>
+      </p:grpSpPr>
+      <p:cxnSp>
+        <p:nvCxnSpPr>
+          <p:cNvPr id="7" name="Прямая соединительная линия 6">
+            <a:extLst>
+              <a:ext uri="{FF2B5EF4-FFF2-40B4-BE49-F238E27FC236}">
+                <a16:creationId xmlns:a16="http://schemas.microsoft.com/office/drawing/2014/main" id="{34978BEC-136A-4E47-BCE9-00C9BB0B3470}"/>
+              </a:ext>
+            </a:extLst>
+          </p:cNvPr>
+          <p:cNvCxnSpPr>
+            <a:cxnSpLocks noChangeAspect="1"/>
+          </p:cNvCxnSpPr>
+          <p:nvPr/>
+        </p:nvCxnSpPr>
+        <p:spPr>
+          <a:xfrm>
+            <a:off x="12192000" y="3507255"/>
+            <a:ext cx="0" cy="1"/>
+          </a:xfrm>
+          <a:prstGeom prst="line">
+            <a:avLst/>
+          </a:prstGeom>
+          <a:ln w="25400">
+            <a:solidFill>
+              <a:srgbClr val="7E7626"/>
+            </a:solidFill>
+          </a:ln>
+        </p:spPr>
+        <p:style>
+          <a:lnRef idx="1">
+            <a:schemeClr val="accent4"/>
+          </a:lnRef>
+          <a:fillRef idx="0">
+            <a:schemeClr val="accent4"/>
+          </a:fillRef>
+          <a:effectRef idx="0">
+            <a:schemeClr val="accent4"/>
+          </a:effectRef>
+          <a:fontRef idx="minor">
+            <a:schemeClr val="tx1"/>
+          </a:fontRef>
+        </p:style>
+      </p:cxnSp>
+      <p:sp>
+        <p:nvSpPr>
+          <p:cNvPr id="6" name="Заголовок 5">
+            <a:extLst>
+              <a:ext uri="{FF2B5EF4-FFF2-40B4-BE49-F238E27FC236}">
+                <a16:creationId xmlns:a16="http://schemas.microsoft.com/office/drawing/2014/main" id="{D1BC7640-34E6-2F43-A800-C116881BBF44}"/>
+              </a:ext>
+            </a:extLst>
+          </p:cNvPr>
+          <p:cNvSpPr>
+            <a:spLocks noGrp="1"/>
+          </p:cNvSpPr>
+          <p:nvPr>
+            <p:ph type="ctrTitle"/>
+          </p:nvPr>
+        </p:nvSpPr>
+        <p:spPr>
+          <a:xfrm>
+            <a:off x="0" y="-128588"/>
+            <a:ext cx="8115300" cy="1122363"/>
+          </a:xfrm>
+        </p:spPr>
+        <p:txBody>
+          <a:bodyPr>
+            <a:normAutofit/>
+          </a:bodyPr>
+          <a:lstStyle/>
+          <a:p>
+            <a:pPr algn="l"/>
+            <a:r>
+              <a:rPr lang="ru-RU" sz="4800" b="1" dirty="0">
+                <a:solidFill>
+                  <a:schemeClr val="bg1"/>
+                </a:solidFill>
+              </a:rPr>
+              <a:t>Демонстрация продукта</a:t>
+            </a:r>
+          </a:p>
+        </p:txBody>
+      </p:sp>
+      <p:sp>
+        <p:nvSpPr>
+          <p:cNvPr id="2" name="Номер слайда 1">
+            <a:extLst>
+              <a:ext uri="{FF2B5EF4-FFF2-40B4-BE49-F238E27FC236}">
+                <a16:creationId xmlns:a16="http://schemas.microsoft.com/office/drawing/2014/main" id="{5693458B-AA81-6398-03CC-FE2CB0147FAD}"/>
+              </a:ext>
+            </a:extLst>
+          </p:cNvPr>
+          <p:cNvSpPr>
+            <a:spLocks noGrp="1"/>
+          </p:cNvSpPr>
+          <p:nvPr>
+            <p:ph type="sldNum" sz="quarter" idx="12"/>
+          </p:nvPr>
+        </p:nvSpPr>
+        <p:spPr/>
+        <p:txBody>
+          <a:bodyPr/>
+          <a:lstStyle/>
+          <a:p>
+            <a:fld id="{98DC83F7-A2BF-A64B-B6B1-DB03C46AEE3B}" type="slidenum">
+              <a:rPr lang="ru-RU" sz="1600" smtClean="0">
+                <a:solidFill>
+                  <a:schemeClr val="tx1"/>
+                </a:solidFill>
+              </a:rPr>
+              <a:t>7</a:t>
+            </a:fld>
+            <a:endParaRPr lang="ru-RU" dirty="0">
+              <a:solidFill>
+                <a:schemeClr val="tx1"/>
+              </a:solidFill>
+            </a:endParaRPr>
+          </a:p>
+        </p:txBody>
+      </p:sp>
+      <p:pic>
+        <p:nvPicPr>
+          <p:cNvPr id="4" name="Рисунок 3">
+            <a:extLst>
+              <a:ext uri="{FF2B5EF4-FFF2-40B4-BE49-F238E27FC236}">
+                <a16:creationId xmlns:a16="http://schemas.microsoft.com/office/drawing/2014/main" id="{F105B131-B2A9-A841-9407-B82E14D0335A}"/>
+              </a:ext>
+            </a:extLst>
+          </p:cNvPr>
+          <p:cNvPicPr>
+            <a:picLocks noChangeAspect="1"/>
+          </p:cNvPicPr>
+          <p:nvPr/>
+        </p:nvPicPr>
+        <p:blipFill>
+          <a:blip r:embed="rId2"/>
+          <a:stretch>
+            <a:fillRect/>
+          </a:stretch>
+        </p:blipFill>
+        <p:spPr>
+          <a:xfrm>
+            <a:off x="1553885" y="1076324"/>
+            <a:ext cx="9168090" cy="5153025"/>
+          </a:xfrm>
+          <a:prstGeom prst="rect">
+            <a:avLst/>
+          </a:prstGeom>
+        </p:spPr>
+      </p:pic>
+    </p:spTree>
+    <p:extLst>
+      <p:ext uri="{BB962C8B-B14F-4D97-AF65-F5344CB8AC3E}">
+        <p14:creationId xmlns:p14="http://schemas.microsoft.com/office/powerpoint/2010/main" val="1578738810"/>
+      </p:ext>
+    </p:extLst>
+  </p:cSld>
+  <p:clrMapOvr>
+    <a:masterClrMapping/>
+  </p:clrMapOvr>
+</p:sld>
+</file>
+
+<file path=ppt/slides/slide8.xml><?xml version="1.0" encoding="utf-8"?>
+<p:sld xmlns:a="http://schemas.openxmlformats.org/drawingml/2006/main" xmlns:r="http://schemas.openxmlformats.org/officeDocument/2006/relationships" xmlns:p="http://schemas.openxmlformats.org/presentationml/2006/main">
+  <p:cSld>
+    <p:spTree>
+      <p:nvGrpSpPr>
+        <p:cNvPr id="1" name=""/>
+        <p:cNvGrpSpPr/>
+        <p:nvPr/>
+      </p:nvGrpSpPr>
+      <p:grpSpPr>
+        <a:xfrm>
+          <a:off x="0" y="0"/>
+          <a:ext cx="0" cy="0"/>
+          <a:chOff x="0" y="0"/>
+          <a:chExt cx="0" cy="0"/>
+        </a:xfrm>
+      </p:grpSpPr>
+      <p:sp>
+        <p:nvSpPr>
+          <p:cNvPr id="4" name="Прямоугольник 3">
+            <a:extLst>
+              <a:ext uri="{FF2B5EF4-FFF2-40B4-BE49-F238E27FC236}">
+                <a16:creationId xmlns:a16="http://schemas.microsoft.com/office/drawing/2014/main" id="{80447D33-74F1-484F-8B36-D4EC94E475F5}"/>
+              </a:ext>
+            </a:extLst>
+          </p:cNvPr>
+          <p:cNvSpPr/>
+          <p:nvPr/>
+        </p:nvSpPr>
+        <p:spPr>
+          <a:xfrm>
+            <a:off x="-109940" y="-37730"/>
+            <a:ext cx="12411879" cy="7089967"/>
+          </a:xfrm>
+          <a:prstGeom prst="rect">
+            <a:avLst/>
+          </a:prstGeom>
+          <a:solidFill>
+            <a:schemeClr val="bg2"/>
+          </a:solidFill>
+          <a:ln>
+            <a:solidFill>
+              <a:schemeClr val="tx2">
+                <a:lumMod val="75000"/>
+              </a:schemeClr>
+            </a:solidFill>
+          </a:ln>
+        </p:spPr>
+        <p:style>
+          <a:lnRef idx="2">
+            <a:schemeClr val="accent1">
+              <a:shade val="50000"/>
+            </a:schemeClr>
+          </a:lnRef>
+          <a:fillRef idx="1">
+            <a:schemeClr val="accent1"/>
+          </a:fillRef>
+          <a:effectRef idx="0">
+            <a:schemeClr val="accent1"/>
+          </a:effectRef>
+          <a:fontRef idx="minor">
+            <a:schemeClr val="lt1"/>
+          </a:fontRef>
+        </p:style>
+        <p:txBody>
+          <a:bodyPr rtlCol="0" anchor="ctr"/>
+          <a:lstStyle/>
+          <a:p>
+            <a:pPr algn="ctr"/>
+            <a:endParaRPr lang="ru-RU" dirty="0"/>
+          </a:p>
+        </p:txBody>
+      </p:sp>
+      <p:cxnSp>
+        <p:nvCxnSpPr>
+          <p:cNvPr id="7" name="Прямая соединительная линия 6">
+            <a:extLst>
+              <a:ext uri="{FF2B5EF4-FFF2-40B4-BE49-F238E27FC236}">
+                <a16:creationId xmlns:a16="http://schemas.microsoft.com/office/drawing/2014/main" id="{34978BEC-136A-4E47-BCE9-00C9BB0B3470}"/>
+              </a:ext>
+            </a:extLst>
+          </p:cNvPr>
+          <p:cNvCxnSpPr>
+            <a:cxnSpLocks noChangeAspect="1"/>
+          </p:cNvCxnSpPr>
+          <p:nvPr/>
+        </p:nvCxnSpPr>
+        <p:spPr>
+          <a:xfrm>
+            <a:off x="12192000" y="3507255"/>
+            <a:ext cx="0" cy="1"/>
+          </a:xfrm>
+          <a:prstGeom prst="line">
+            <a:avLst/>
+          </a:prstGeom>
+          <a:ln w="25400">
+            <a:solidFill>
+              <a:srgbClr val="7E7626"/>
+            </a:solidFill>
+          </a:ln>
+        </p:spPr>
+        <p:style>
+          <a:lnRef idx="1">
+            <a:schemeClr val="accent4"/>
+          </a:lnRef>
+          <a:fillRef idx="0">
+            <a:schemeClr val="accent4"/>
+          </a:fillRef>
+          <a:effectRef idx="0">
+            <a:schemeClr val="accent4"/>
+          </a:effectRef>
+          <a:fontRef idx="minor">
+            <a:schemeClr val="tx1"/>
+          </a:fontRef>
+        </p:style>
+      </p:cxnSp>
+      <p:sp>
+        <p:nvSpPr>
+          <p:cNvPr id="6" name="Заголовок 5">
+            <a:extLst>
+              <a:ext uri="{FF2B5EF4-FFF2-40B4-BE49-F238E27FC236}">
+                <a16:creationId xmlns:a16="http://schemas.microsoft.com/office/drawing/2014/main" id="{D1BC7640-34E6-2F43-A800-C116881BBF44}"/>
+              </a:ext>
+            </a:extLst>
+          </p:cNvPr>
+          <p:cNvSpPr>
+            <a:spLocks noGrp="1"/>
+          </p:cNvSpPr>
+          <p:nvPr>
+            <p:ph type="ctrTitle"/>
+          </p:nvPr>
+        </p:nvSpPr>
+        <p:spPr>
+          <a:xfrm>
+            <a:off x="-1" y="4"/>
+            <a:ext cx="11231217" cy="1122363"/>
+          </a:xfrm>
+          <a:solidFill>
+            <a:schemeClr val="bg2"/>
+          </a:solidFill>
+        </p:spPr>
+        <p:txBody>
+          <a:bodyPr>
+            <a:normAutofit/>
+          </a:bodyPr>
+          <a:lstStyle/>
+          <a:p>
+            <a:pPr algn="l"/>
+            <a:r>
+              <a:rPr lang="ru-RU" sz="4800" b="1" dirty="0">
+                <a:solidFill>
+                  <a:schemeClr val="bg1"/>
+                </a:solidFill>
+              </a:rPr>
+              <a:t>Бизнес модель</a:t>
+            </a:r>
+          </a:p>
+        </p:txBody>
+      </p:sp>
+      <p:sp>
+        <p:nvSpPr>
+          <p:cNvPr id="15" name="Подзаголовок 2">
+            <a:extLst>
+              <a:ext uri="{FF2B5EF4-FFF2-40B4-BE49-F238E27FC236}">
+                <a16:creationId xmlns:a16="http://schemas.microsoft.com/office/drawing/2014/main" id="{921A7523-3711-4842-B7A9-F23827BC8A44}"/>
+              </a:ext>
+            </a:extLst>
+          </p:cNvPr>
+          <p:cNvSpPr>
+            <a:spLocks noGrp="1"/>
+          </p:cNvSpPr>
+          <p:nvPr>
+            <p:ph type="subTitle" idx="1"/>
+          </p:nvPr>
+        </p:nvSpPr>
+        <p:spPr>
+          <a:xfrm>
+            <a:off x="19877" y="1351724"/>
+            <a:ext cx="10472475" cy="5685183"/>
+          </a:xfrm>
+          <a:solidFill>
+            <a:schemeClr val="bg2"/>
+          </a:solidFill>
+        </p:spPr>
+        <p:txBody>
+          <a:bodyPr>
+            <a:normAutofit/>
+          </a:bodyPr>
+          <a:lstStyle/>
+          <a:p>
+            <a:pPr algn="l">
+              <a:lnSpc>
+                <a:spcPct val="200000"/>
+              </a:lnSpc>
+            </a:pPr>
+            <a:r>
+              <a:rPr lang="ru-RU" sz="2800" dirty="0">
+                <a:solidFill>
+                  <a:schemeClr val="bg1"/>
+                </a:solidFill>
+                <a:latin typeface="Helvetica Neue" panose="02000503000000020004" pitchFamily="2" charset="0"/>
+              </a:rPr>
+              <a:t>Контекстная реклама </a:t>
+            </a:r>
+          </a:p>
+          <a:p>
+            <a:pPr algn="l">
+              <a:lnSpc>
+                <a:spcPct val="200000"/>
+              </a:lnSpc>
+            </a:pPr>
+            <a:r>
+              <a:rPr lang="ru-RU" sz="2800" dirty="0">
+                <a:solidFill>
+                  <a:schemeClr val="bg1"/>
+                </a:solidFill>
+                <a:latin typeface="Helvetica Neue" panose="02000503000000020004" pitchFamily="2" charset="0"/>
+              </a:rPr>
+              <a:t>Платная подписка для читателей</a:t>
+            </a:r>
+          </a:p>
+        </p:txBody>
+      </p:sp>
+      <p:sp>
+        <p:nvSpPr>
+          <p:cNvPr id="2" name="Номер слайда 1">
+            <a:extLst>
+              <a:ext uri="{FF2B5EF4-FFF2-40B4-BE49-F238E27FC236}">
+                <a16:creationId xmlns:a16="http://schemas.microsoft.com/office/drawing/2014/main" id="{2595ACCD-F31A-38BC-0FE7-D6EC2A1F6520}"/>
+              </a:ext>
+            </a:extLst>
+          </p:cNvPr>
+          <p:cNvSpPr>
+            <a:spLocks noGrp="1"/>
+          </p:cNvSpPr>
+          <p:nvPr>
+            <p:ph type="sldNum" sz="quarter" idx="12"/>
+          </p:nvPr>
+        </p:nvSpPr>
+        <p:spPr>
+          <a:solidFill>
+            <a:schemeClr val="bg2"/>
+          </a:solidFill>
+        </p:spPr>
+        <p:txBody>
+          <a:bodyPr/>
+          <a:lstStyle/>
+          <a:p>
+            <a:fld id="{98DC83F7-A2BF-A64B-B6B1-DB03C46AEE3B}" type="slidenum">
+              <a:rPr lang="ru-RU" sz="1600" smtClean="0">
+                <a:solidFill>
+                  <a:schemeClr val="bg1"/>
+                </a:solidFill>
+              </a:rPr>
+              <a:t>8</a:t>
+            </a:fld>
+            <a:endParaRPr lang="ru-RU" sz="1600" dirty="0">
+              <a:solidFill>
+                <a:schemeClr val="bg1"/>
+              </a:solidFill>
+            </a:endParaRPr>
+          </a:p>
+        </p:txBody>
+      </p:sp>
+      <p:cxnSp>
+        <p:nvCxnSpPr>
+          <p:cNvPr id="9" name="Прямая соединительная линия 8">
+            <a:extLst>
+              <a:ext uri="{FF2B5EF4-FFF2-40B4-BE49-F238E27FC236}">
+                <a16:creationId xmlns:a16="http://schemas.microsoft.com/office/drawing/2014/main" id="{7D967C6B-E15F-AF4B-81EE-340FAC37DCE6}"/>
+              </a:ext>
+            </a:extLst>
+          </p:cNvPr>
+          <p:cNvCxnSpPr>
+            <a:cxnSpLocks/>
+          </p:cNvCxnSpPr>
+          <p:nvPr/>
+        </p:nvCxnSpPr>
+        <p:spPr>
+          <a:xfrm flipV="1">
+            <a:off x="0" y="1116327"/>
+            <a:ext cx="4293031" cy="1"/>
+          </a:xfrm>
+          <a:prstGeom prst="line">
+            <a:avLst/>
+          </a:prstGeom>
+          <a:ln w="34925">
+            <a:solidFill>
+              <a:srgbClr val="AB7942"/>
+            </a:solidFill>
+          </a:ln>
+        </p:spPr>
+        <p:style>
+          <a:lnRef idx="1">
+            <a:schemeClr val="accent1"/>
+          </a:lnRef>
+          <a:fillRef idx="0">
+            <a:schemeClr val="accent1"/>
+          </a:fillRef>
+          <a:effectRef idx="0">
+            <a:schemeClr val="accent1"/>
+          </a:effectRef>
+          <a:fontRef idx="minor">
+            <a:schemeClr val="tx1"/>
+          </a:fontRef>
+        </p:style>
+      </p:cxnSp>
+      <p:pic>
+        <p:nvPicPr>
+          <p:cNvPr id="3" name="Рисунок 2" descr="Газета">
+            <a:extLst>
+              <a:ext uri="{FF2B5EF4-FFF2-40B4-BE49-F238E27FC236}">
+                <a16:creationId xmlns:a16="http://schemas.microsoft.com/office/drawing/2014/main" id="{51995E44-8644-2C4D-17B7-D9ACA6B110C6}"/>
+              </a:ext>
+            </a:extLst>
+          </p:cNvPr>
+          <p:cNvPicPr>
+            <a:picLocks noChangeAspect="1"/>
+          </p:cNvPicPr>
+          <p:nvPr/>
+        </p:nvPicPr>
+        <p:blipFill>
+          <a:blip r:embed="rId2">
+            <a:extLst>
+              <a:ext uri="{96DAC541-7B7A-43D3-8B79-37D633B846F1}">
+                <asvg:svgBlip xmlns:asvg="http://schemas.microsoft.com/office/drawing/2016/SVG/main" r:embed="rId3"/>
+              </a:ext>
+            </a:extLst>
+          </a:blip>
+          <a:stretch>
+            <a:fillRect/>
+          </a:stretch>
+        </p:blipFill>
+        <p:spPr>
+          <a:xfrm>
+            <a:off x="11046399" y="-76442"/>
+            <a:ext cx="1255543" cy="1255542"/>
+          </a:xfrm>
+          <a:prstGeom prst="rect">
+            <a:avLst/>
+          </a:prstGeom>
+        </p:spPr>
+      </p:pic>
+    </p:spTree>
+    <p:extLst>
+      <p:ext uri="{BB962C8B-B14F-4D97-AF65-F5344CB8AC3E}">
+        <p14:creationId xmlns:p14="http://schemas.microsoft.com/office/powerpoint/2010/main" val="2619553097"/>
+      </p:ext>
+    </p:extLst>
+  </p:cSld>
+  <p:clrMapOvr>
+    <a:masterClrMapping/>
+  </p:clrMapOvr>
+</p:sld>
+</file>
+
+<file path=ppt/slides/slide9.xml><?xml version="1.0" encoding="utf-8"?>
+<p:sld xmlns:a="http://schemas.openxmlformats.org/drawingml/2006/main" xmlns:r="http://schemas.openxmlformats.org/officeDocument/2006/relationships" xmlns:p="http://schemas.openxmlformats.org/presentationml/2006/main">
+  <p:cSld>
+    <p:spTree>
+      <p:nvGrpSpPr>
+        <p:cNvPr id="1" name=""/>
+        <p:cNvGrpSpPr/>
+        <p:nvPr/>
+      </p:nvGrpSpPr>
+      <p:grpSpPr>
+        <a:xfrm>
+          <a:off x="0" y="0"/>
+          <a:ext cx="0" cy="0"/>
+          <a:chOff x="0" y="0"/>
+          <a:chExt cx="0" cy="0"/>
+        </a:xfrm>
+      </p:grpSpPr>
+      <p:sp>
+        <p:nvSpPr>
+          <p:cNvPr id="4" name="Прямоугольник 3">
+            <a:extLst>
+              <a:ext uri="{FF2B5EF4-FFF2-40B4-BE49-F238E27FC236}">
+                <a16:creationId xmlns:a16="http://schemas.microsoft.com/office/drawing/2014/main" id="{80447D33-74F1-484F-8B36-D4EC94E475F5}"/>
+              </a:ext>
+            </a:extLst>
+          </p:cNvPr>
+          <p:cNvSpPr/>
+          <p:nvPr/>
+        </p:nvSpPr>
+        <p:spPr>
+          <a:xfrm>
+            <a:off x="0" y="0"/>
+            <a:ext cx="12192000" cy="7426709"/>
+          </a:xfrm>
+          <a:prstGeom prst="rect">
+            <a:avLst/>
+          </a:prstGeom>
+          <a:solidFill>
+            <a:schemeClr val="bg2"/>
+          </a:solidFill>
+          <a:ln>
+            <a:solidFill>
+              <a:schemeClr val="tx2">
+                <a:lumMod val="75000"/>
+              </a:schemeClr>
+            </a:solidFill>
+          </a:ln>
+        </p:spPr>
+        <p:style>
+          <a:lnRef idx="2">
+            <a:schemeClr val="accent1">
+              <a:shade val="50000"/>
+            </a:schemeClr>
+          </a:lnRef>
+          <a:fillRef idx="1">
+            <a:schemeClr val="accent1"/>
+          </a:fillRef>
+          <a:effectRef idx="0">
+            <a:schemeClr val="accent1"/>
+          </a:effectRef>
+          <a:fontRef idx="minor">
+            <a:schemeClr val="lt1"/>
+          </a:fontRef>
+        </p:style>
+        <p:txBody>
+          <a:bodyPr rtlCol="0" anchor="ctr"/>
+          <a:lstStyle/>
+          <a:p>
+            <a:pPr algn="ctr"/>
+            <a:endParaRPr lang="ru-RU" dirty="0"/>
+          </a:p>
+        </p:txBody>
+      </p:sp>
+      <p:cxnSp>
+        <p:nvCxnSpPr>
+          <p:cNvPr id="7" name="Прямая соединительная линия 6">
+            <a:extLst>
+              <a:ext uri="{FF2B5EF4-FFF2-40B4-BE49-F238E27FC236}">
+                <a16:creationId xmlns:a16="http://schemas.microsoft.com/office/drawing/2014/main" id="{34978BEC-136A-4E47-BCE9-00C9BB0B3470}"/>
+              </a:ext>
+            </a:extLst>
+          </p:cNvPr>
+          <p:cNvCxnSpPr>
+            <a:cxnSpLocks noChangeAspect="1"/>
+          </p:cNvCxnSpPr>
+          <p:nvPr/>
+        </p:nvCxnSpPr>
+        <p:spPr>
+          <a:xfrm>
+            <a:off x="12192000" y="3507255"/>
+            <a:ext cx="0" cy="1"/>
+          </a:xfrm>
+          <a:prstGeom prst="line">
+            <a:avLst/>
+          </a:prstGeom>
+          <a:ln w="25400">
+            <a:solidFill>
+              <a:srgbClr val="7E7626"/>
+            </a:solidFill>
+          </a:ln>
+        </p:spPr>
+        <p:style>
+          <a:lnRef idx="1">
+            <a:schemeClr val="accent4"/>
+          </a:lnRef>
+          <a:fillRef idx="0">
+            <a:schemeClr val="accent4"/>
+          </a:fillRef>
+          <a:effectRef idx="0">
+            <a:schemeClr val="accent4"/>
+          </a:effectRef>
+          <a:fontRef idx="minor">
+            <a:schemeClr val="tx1"/>
+          </a:fontRef>
+        </p:style>
+      </p:cxnSp>
+      <p:sp>
+        <p:nvSpPr>
+          <p:cNvPr id="6" name="Заголовок 5">
+            <a:extLst>
+              <a:ext uri="{FF2B5EF4-FFF2-40B4-BE49-F238E27FC236}">
+                <a16:creationId xmlns:a16="http://schemas.microsoft.com/office/drawing/2014/main" id="{D1BC7640-34E6-2F43-A800-C116881BBF44}"/>
+              </a:ext>
+            </a:extLst>
+          </p:cNvPr>
+          <p:cNvSpPr>
+            <a:spLocks noGrp="1"/>
+          </p:cNvSpPr>
+          <p:nvPr>
+            <p:ph type="ctrTitle"/>
+          </p:nvPr>
+        </p:nvSpPr>
+        <p:spPr>
+          <a:xfrm>
+            <a:off x="-1" y="4"/>
+            <a:ext cx="11231217" cy="1122363"/>
+          </a:xfrm>
+          <a:solidFill>
+            <a:schemeClr val="bg2"/>
+          </a:solidFill>
+        </p:spPr>
+        <p:txBody>
+          <a:bodyPr>
+            <a:normAutofit/>
+          </a:bodyPr>
+          <a:lstStyle/>
+          <a:p>
+            <a:pPr algn="l"/>
+            <a:r>
+              <a:rPr lang="ru-RU" sz="4800" b="1" dirty="0">
+                <a:solidFill>
+                  <a:schemeClr val="bg1"/>
+                </a:solidFill>
+              </a:rPr>
+              <a:t>Цели</a:t>
+            </a:r>
+          </a:p>
+        </p:txBody>
+      </p:sp>
+      <p:sp>
+        <p:nvSpPr>
+          <p:cNvPr id="15" name="Подзаголовок 2">
+            <a:extLst>
+              <a:ext uri="{FF2B5EF4-FFF2-40B4-BE49-F238E27FC236}">
+                <a16:creationId xmlns:a16="http://schemas.microsoft.com/office/drawing/2014/main" id="{921A7523-3711-4842-B7A9-F23827BC8A44}"/>
+              </a:ext>
+            </a:extLst>
+          </p:cNvPr>
+          <p:cNvSpPr>
+            <a:spLocks noGrp="1"/>
+          </p:cNvSpPr>
+          <p:nvPr>
+            <p:ph type="subTitle" idx="1"/>
+          </p:nvPr>
+        </p:nvSpPr>
+        <p:spPr>
+          <a:xfrm>
+            <a:off x="19877" y="1351724"/>
+            <a:ext cx="10580963" cy="5685183"/>
+          </a:xfrm>
+          <a:solidFill>
+            <a:schemeClr val="bg2"/>
+          </a:solidFill>
+        </p:spPr>
+        <p:txBody>
+          <a:bodyPr>
+            <a:normAutofit/>
+          </a:bodyPr>
+          <a:lstStyle/>
+          <a:p>
+            <a:pPr algn="l">
+              <a:lnSpc>
+                <a:spcPct val="150000"/>
+              </a:lnSpc>
+            </a:pPr>
+            <a:r>
+              <a:rPr lang="ru-RU" sz="3200" dirty="0">
+                <a:solidFill>
+                  <a:schemeClr val="bg1"/>
+                </a:solidFill>
+                <a:latin typeface="Helvetica Neue" panose="02000503000000020004" pitchFamily="2" charset="0"/>
+              </a:rPr>
+              <a:t>Краткосрочные: выпуск </a:t>
+            </a:r>
+            <a:r>
+              <a:rPr lang="en-US" sz="3200" dirty="0">
+                <a:solidFill>
+                  <a:schemeClr val="bg1"/>
+                </a:solidFill>
+                <a:latin typeface="Helvetica Neue" panose="02000503000000020004" pitchFamily="2" charset="0"/>
+              </a:rPr>
+              <a:t>MVP</a:t>
+            </a:r>
+            <a:r>
+              <a:rPr lang="en-US" dirty="0">
+                <a:solidFill>
+                  <a:schemeClr val="bg1"/>
+                </a:solidFill>
+                <a:latin typeface="Helvetica Neue" panose="02000503000000020004" pitchFamily="2" charset="0"/>
+              </a:rPr>
+              <a:t>; </a:t>
+            </a:r>
+            <a:r>
+              <a:rPr lang="ru-RU" sz="3200" dirty="0">
+                <a:solidFill>
+                  <a:schemeClr val="bg1"/>
+                </a:solidFill>
+                <a:latin typeface="Helvetica Neue" panose="02000503000000020004" pitchFamily="2" charset="0"/>
+              </a:rPr>
+              <a:t>сбор пожеланий, для улучшения работы приложения</a:t>
+            </a:r>
+          </a:p>
+          <a:p>
+            <a:pPr algn="l">
+              <a:lnSpc>
+                <a:spcPct val="150000"/>
+              </a:lnSpc>
+            </a:pPr>
+            <a:endParaRPr lang="ru-RU" sz="3200" dirty="0">
+              <a:solidFill>
+                <a:schemeClr val="bg1"/>
+              </a:solidFill>
+              <a:effectLst/>
+              <a:latin typeface="Helvetica Neue" panose="02000503000000020004" pitchFamily="2" charset="0"/>
+            </a:endParaRPr>
+          </a:p>
+          <a:p>
+            <a:pPr algn="l">
+              <a:lnSpc>
+                <a:spcPct val="150000"/>
+              </a:lnSpc>
+            </a:pPr>
+            <a:r>
+              <a:rPr lang="ru-RU" sz="3200" dirty="0">
+                <a:solidFill>
+                  <a:schemeClr val="bg1"/>
+                </a:solidFill>
+                <a:latin typeface="Helvetica Neue" panose="02000503000000020004" pitchFamily="2" charset="0"/>
+              </a:rPr>
+              <a:t>Долгосрочные: реализация платной подписки, реализация контекстной рекламы</a:t>
+            </a:r>
+            <a:endParaRPr lang="ru-RU" sz="3200" dirty="0">
+              <a:solidFill>
+                <a:schemeClr val="bg1"/>
+              </a:solidFill>
+            </a:endParaRPr>
+          </a:p>
+        </p:txBody>
+      </p:sp>
+      <p:sp>
+        <p:nvSpPr>
+          <p:cNvPr id="2" name="Номер слайда 1">
+            <a:extLst>
+              <a:ext uri="{FF2B5EF4-FFF2-40B4-BE49-F238E27FC236}">
+                <a16:creationId xmlns:a16="http://schemas.microsoft.com/office/drawing/2014/main" id="{330DD1FD-C30C-387C-5DFE-7CD109B7C145}"/>
+              </a:ext>
+            </a:extLst>
+          </p:cNvPr>
+          <p:cNvSpPr>
+            <a:spLocks noGrp="1"/>
+          </p:cNvSpPr>
+          <p:nvPr>
+            <p:ph type="sldNum" sz="quarter" idx="12"/>
+          </p:nvPr>
+        </p:nvSpPr>
+        <p:spPr>
+          <a:solidFill>
+            <a:schemeClr val="bg2"/>
+          </a:solidFill>
+        </p:spPr>
+        <p:txBody>
+          <a:bodyPr/>
+          <a:lstStyle/>
+          <a:p>
+            <a:fld id="{98DC83F7-A2BF-A64B-B6B1-DB03C46AEE3B}" type="slidenum">
+              <a:rPr lang="ru-RU" sz="1600" smtClean="0">
+                <a:solidFill>
+                  <a:schemeClr val="bg1"/>
+                </a:solidFill>
+              </a:rPr>
+              <a:t>9</a:t>
+            </a:fld>
+            <a:endParaRPr lang="ru-RU" dirty="0">
+              <a:solidFill>
+                <a:schemeClr val="bg1"/>
+              </a:solidFill>
+            </a:endParaRPr>
+          </a:p>
+        </p:txBody>
+      </p:sp>
+      <p:cxnSp>
+        <p:nvCxnSpPr>
+          <p:cNvPr id="9" name="Прямая соединительная линия 8">
+            <a:extLst>
+              <a:ext uri="{FF2B5EF4-FFF2-40B4-BE49-F238E27FC236}">
+                <a16:creationId xmlns:a16="http://schemas.microsoft.com/office/drawing/2014/main" id="{7D967C6B-E15F-AF4B-81EE-340FAC37DCE6}"/>
+              </a:ext>
+            </a:extLst>
+          </p:cNvPr>
+          <p:cNvCxnSpPr>
+            <a:cxnSpLocks/>
+          </p:cNvCxnSpPr>
+          <p:nvPr/>
+        </p:nvCxnSpPr>
+        <p:spPr>
+          <a:xfrm flipV="1">
+            <a:off x="14288" y="1059177"/>
+            <a:ext cx="4293031" cy="1"/>
+          </a:xfrm>
+          <a:prstGeom prst="line">
+            <a:avLst/>
+          </a:prstGeom>
+          <a:ln w="34925">
+            <a:solidFill>
+              <a:srgbClr val="AB7942"/>
+            </a:solidFill>
+          </a:ln>
+        </p:spPr>
+        <p:style>
+          <a:lnRef idx="1">
+            <a:schemeClr val="accent1"/>
+          </a:lnRef>
+          <a:fillRef idx="0">
+            <a:schemeClr val="accent1"/>
+          </a:fillRef>
+          <a:effectRef idx="0">
+            <a:schemeClr val="accent1"/>
+          </a:effectRef>
+          <a:fontRef idx="minor">
+            <a:schemeClr val="tx1"/>
+          </a:fontRef>
+        </p:style>
+      </p:cxnSp>
+      <p:pic>
+        <p:nvPicPr>
+          <p:cNvPr id="3" name="Рисунок 2" descr="Газета">
+            <a:extLst>
+              <a:ext uri="{FF2B5EF4-FFF2-40B4-BE49-F238E27FC236}">
+                <a16:creationId xmlns:a16="http://schemas.microsoft.com/office/drawing/2014/main" id="{897EBF78-D315-6FD8-5B7C-D661207351C8}"/>
+              </a:ext>
+            </a:extLst>
+          </p:cNvPr>
+          <p:cNvPicPr>
+            <a:picLocks noChangeAspect="1"/>
+          </p:cNvPicPr>
+          <p:nvPr/>
+        </p:nvPicPr>
+        <p:blipFill>
+          <a:blip r:embed="rId2">
+            <a:extLst>
+              <a:ext uri="{96DAC541-7B7A-43D3-8B79-37D633B846F1}">
+                <asvg:svgBlip xmlns:asvg="http://schemas.microsoft.com/office/drawing/2016/SVG/main" r:embed="rId3"/>
+              </a:ext>
+            </a:extLst>
+          </a:blip>
+          <a:stretch>
+            <a:fillRect/>
+          </a:stretch>
+        </p:blipFill>
+        <p:spPr>
+          <a:xfrm>
+            <a:off x="10857213" y="175807"/>
+            <a:ext cx="1255543" cy="1255542"/>
+          </a:xfrm>
+          <a:prstGeom prst="rect">
+            <a:avLst/>
+          </a:prstGeom>
+        </p:spPr>
+      </p:pic>
+    </p:spTree>
+    <p:extLst>
+      <p:ext uri="{BB962C8B-B14F-4D97-AF65-F5344CB8AC3E}">
+        <p14:creationId xmlns:p14="http://schemas.microsoft.com/office/powerpoint/2010/main" val="1453286986"/>
       </p:ext>
     </p:extLst>
   </p:cSld>
